--- a/Final_project_reliable_multicast_retransmission_scheme.pptx
+++ b/Final_project_reliable_multicast_retransmission_scheme.pptx
@@ -6,19 +6,29 @@
   </p:sldMasterIdLst>
   <p:sldIdLst>
     <p:sldId id="256" r:id="rId2"/>
-    <p:sldId id="268" r:id="rId3"/>
-    <p:sldId id="267" r:id="rId4"/>
-    <p:sldId id="269" r:id="rId5"/>
-    <p:sldId id="270" r:id="rId6"/>
-    <p:sldId id="264" r:id="rId7"/>
-    <p:sldId id="263" r:id="rId8"/>
-    <p:sldId id="260" r:id="rId9"/>
-    <p:sldId id="257" r:id="rId10"/>
-    <p:sldId id="266" r:id="rId11"/>
-    <p:sldId id="258" r:id="rId12"/>
-    <p:sldId id="265" r:id="rId13"/>
-    <p:sldId id="259" r:id="rId14"/>
-    <p:sldId id="261" r:id="rId15"/>
+    <p:sldId id="267" r:id="rId3"/>
+    <p:sldId id="269" r:id="rId4"/>
+    <p:sldId id="270" r:id="rId5"/>
+    <p:sldId id="260" r:id="rId6"/>
+    <p:sldId id="275" r:id="rId7"/>
+    <p:sldId id="257" r:id="rId8"/>
+    <p:sldId id="266" r:id="rId9"/>
+    <p:sldId id="258" r:id="rId10"/>
+    <p:sldId id="265" r:id="rId11"/>
+    <p:sldId id="277" r:id="rId12"/>
+    <p:sldId id="278" r:id="rId13"/>
+    <p:sldId id="276" r:id="rId14"/>
+    <p:sldId id="280" r:id="rId15"/>
+    <p:sldId id="279" r:id="rId16"/>
+    <p:sldId id="281" r:id="rId17"/>
+    <p:sldId id="283" r:id="rId18"/>
+    <p:sldId id="282" r:id="rId19"/>
+    <p:sldId id="259" r:id="rId20"/>
+    <p:sldId id="261" r:id="rId21"/>
+    <p:sldId id="273" r:id="rId22"/>
+    <p:sldId id="274" r:id="rId23"/>
+    <p:sldId id="285" r:id="rId24"/>
+    <p:sldId id="284" r:id="rId25"/>
   </p:sldIdLst>
   <p:sldSz cx="12192000" cy="6858000"/>
   <p:notesSz cx="6858000" cy="9144000"/>
@@ -870,7 +880,7 @@
           <a:p>
             <a:fld id="{927D0EF0-F536-40E1-B4CC-7751C36C6AE2}" type="datetimeFigureOut">
               <a:rPr lang="zh-TW" altLang="en-US" smtClean="0"/>
-              <a:t>2020/12/24</a:t>
+              <a:t>2021/1/7</a:t>
             </a:fld>
             <a:endParaRPr lang="zh-TW" altLang="en-US"/>
           </a:p>
@@ -1121,7 +1131,7 @@
           <a:p>
             <a:fld id="{927D0EF0-F536-40E1-B4CC-7751C36C6AE2}" type="datetimeFigureOut">
               <a:rPr lang="zh-TW" altLang="en-US" smtClean="0"/>
-              <a:t>2020/12/24</a:t>
+              <a:t>2021/1/7</a:t>
             </a:fld>
             <a:endParaRPr lang="zh-TW" altLang="en-US"/>
           </a:p>
@@ -1435,7 +1445,7 @@
           <a:p>
             <a:fld id="{927D0EF0-F536-40E1-B4CC-7751C36C6AE2}" type="datetimeFigureOut">
               <a:rPr lang="zh-TW" altLang="en-US" smtClean="0"/>
-              <a:t>2020/12/24</a:t>
+              <a:t>2021/1/7</a:t>
             </a:fld>
             <a:endParaRPr lang="zh-TW" altLang="en-US"/>
           </a:p>
@@ -1768,7 +1778,7 @@
           <a:p>
             <a:fld id="{927D0EF0-F536-40E1-B4CC-7751C36C6AE2}" type="datetimeFigureOut">
               <a:rPr lang="zh-TW" altLang="en-US" smtClean="0"/>
-              <a:t>2020/12/24</a:t>
+              <a:t>2021/1/7</a:t>
             </a:fld>
             <a:endParaRPr lang="zh-TW" altLang="en-US"/>
           </a:p>
@@ -2082,7 +2092,7 @@
           <a:p>
             <a:fld id="{927D0EF0-F536-40E1-B4CC-7751C36C6AE2}" type="datetimeFigureOut">
               <a:rPr lang="zh-TW" altLang="en-US" smtClean="0"/>
-              <a:t>2020/12/24</a:t>
+              <a:t>2021/1/7</a:t>
             </a:fld>
             <a:endParaRPr lang="zh-TW" altLang="en-US"/>
           </a:p>
@@ -2475,7 +2485,7 @@
           <a:p>
             <a:fld id="{927D0EF0-F536-40E1-B4CC-7751C36C6AE2}" type="datetimeFigureOut">
               <a:rPr lang="zh-TW" altLang="en-US" smtClean="0"/>
-              <a:t>2020/12/24</a:t>
+              <a:t>2021/1/7</a:t>
             </a:fld>
             <a:endParaRPr lang="zh-TW" altLang="en-US"/>
           </a:p>
@@ -2645,7 +2655,7 @@
           <a:p>
             <a:fld id="{927D0EF0-F536-40E1-B4CC-7751C36C6AE2}" type="datetimeFigureOut">
               <a:rPr lang="zh-TW" altLang="en-US" smtClean="0"/>
-              <a:t>2020/12/24</a:t>
+              <a:t>2021/1/7</a:t>
             </a:fld>
             <a:endParaRPr lang="zh-TW" altLang="en-US"/>
           </a:p>
@@ -2825,7 +2835,7 @@
           <a:p>
             <a:fld id="{927D0EF0-F536-40E1-B4CC-7751C36C6AE2}" type="datetimeFigureOut">
               <a:rPr lang="zh-TW" altLang="en-US" smtClean="0"/>
-              <a:t>2020/12/24</a:t>
+              <a:t>2021/1/7</a:t>
             </a:fld>
             <a:endParaRPr lang="zh-TW" altLang="en-US"/>
           </a:p>
@@ -2995,7 +3005,7 @@
           <a:p>
             <a:fld id="{927D0EF0-F536-40E1-B4CC-7751C36C6AE2}" type="datetimeFigureOut">
               <a:rPr lang="zh-TW" altLang="en-US" smtClean="0"/>
-              <a:t>2020/12/24</a:t>
+              <a:t>2021/1/7</a:t>
             </a:fld>
             <a:endParaRPr lang="zh-TW" altLang="en-US"/>
           </a:p>
@@ -3242,7 +3252,7 @@
           <a:p>
             <a:fld id="{927D0EF0-F536-40E1-B4CC-7751C36C6AE2}" type="datetimeFigureOut">
               <a:rPr lang="zh-TW" altLang="en-US" smtClean="0"/>
-              <a:t>2020/12/24</a:t>
+              <a:t>2021/1/7</a:t>
             </a:fld>
             <a:endParaRPr lang="zh-TW" altLang="en-US"/>
           </a:p>
@@ -3474,7 +3484,7 @@
           <a:p>
             <a:fld id="{927D0EF0-F536-40E1-B4CC-7751C36C6AE2}" type="datetimeFigureOut">
               <a:rPr lang="zh-TW" altLang="en-US" smtClean="0"/>
-              <a:t>2020/12/24</a:t>
+              <a:t>2021/1/7</a:t>
             </a:fld>
             <a:endParaRPr lang="zh-TW" altLang="en-US"/>
           </a:p>
@@ -3848,7 +3858,7 @@
           <a:p>
             <a:fld id="{927D0EF0-F536-40E1-B4CC-7751C36C6AE2}" type="datetimeFigureOut">
               <a:rPr lang="zh-TW" altLang="en-US" smtClean="0"/>
-              <a:t>2020/12/24</a:t>
+              <a:t>2021/1/7</a:t>
             </a:fld>
             <a:endParaRPr lang="zh-TW" altLang="en-US"/>
           </a:p>
@@ -3971,7 +3981,7 @@
           <a:p>
             <a:fld id="{927D0EF0-F536-40E1-B4CC-7751C36C6AE2}" type="datetimeFigureOut">
               <a:rPr lang="zh-TW" altLang="en-US" smtClean="0"/>
-              <a:t>2020/12/24</a:t>
+              <a:t>2021/1/7</a:t>
             </a:fld>
             <a:endParaRPr lang="zh-TW" altLang="en-US"/>
           </a:p>
@@ -4066,7 +4076,7 @@
           <a:p>
             <a:fld id="{927D0EF0-F536-40E1-B4CC-7751C36C6AE2}" type="datetimeFigureOut">
               <a:rPr lang="zh-TW" altLang="en-US" smtClean="0"/>
-              <a:t>2020/12/24</a:t>
+              <a:t>2021/1/7</a:t>
             </a:fld>
             <a:endParaRPr lang="zh-TW" altLang="en-US"/>
           </a:p>
@@ -4321,7 +4331,7 @@
           <a:p>
             <a:fld id="{927D0EF0-F536-40E1-B4CC-7751C36C6AE2}" type="datetimeFigureOut">
               <a:rPr lang="zh-TW" altLang="en-US" smtClean="0"/>
-              <a:t>2020/12/24</a:t>
+              <a:t>2021/1/7</a:t>
             </a:fld>
             <a:endParaRPr lang="zh-TW" altLang="en-US"/>
           </a:p>
@@ -4626,7 +4636,7 @@
           <a:p>
             <a:fld id="{927D0EF0-F536-40E1-B4CC-7751C36C6AE2}" type="datetimeFigureOut">
               <a:rPr lang="zh-TW" altLang="en-US" smtClean="0"/>
-              <a:t>2020/12/24</a:t>
+              <a:t>2021/1/7</a:t>
             </a:fld>
             <a:endParaRPr lang="zh-TW" altLang="en-US"/>
           </a:p>
@@ -5328,7 +5338,7 @@
           <a:p>
             <a:fld id="{927D0EF0-F536-40E1-B4CC-7751C36C6AE2}" type="datetimeFigureOut">
               <a:rPr lang="zh-TW" altLang="en-US" smtClean="0"/>
-              <a:t>2020/12/24</a:t>
+              <a:t>2021/1/7</a:t>
             </a:fld>
             <a:endParaRPr lang="zh-TW" altLang="en-US"/>
           </a:p>
@@ -5919,6 +5929,18 @@
               <a:rPr lang="zh-TW" altLang="en-US" dirty="0"/>
               <a:t>林泓均</a:t>
             </a:r>
+            <a:endParaRPr lang="en-US" altLang="zh-TW" dirty="0"/>
+          </a:p>
+          <a:p>
+            <a:pPr algn="l"/>
+            <a:r>
+              <a:rPr lang="en-US" altLang="zh-TW" dirty="0"/>
+              <a:t>B06901096 </a:t>
+            </a:r>
+            <a:r>
+              <a:rPr lang="zh-TW" altLang="en-US" dirty="0"/>
+              <a:t>黃昱翰</a:t>
+            </a:r>
           </a:p>
         </p:txBody>
       </p:sp>
@@ -5936,6 +5958,2789 @@
 </file>
 
 <file path=ppt/slides/slide10.xml><?xml version="1.0" encoding="utf-8"?>
+<p:sld xmlns:a="http://schemas.openxmlformats.org/drawingml/2006/main" xmlns:r="http://schemas.openxmlformats.org/officeDocument/2006/relationships" xmlns:p="http://schemas.openxmlformats.org/presentationml/2006/main">
+  <p:cSld>
+    <p:spTree>
+      <p:nvGrpSpPr>
+        <p:cNvPr id="1" name=""/>
+        <p:cNvGrpSpPr/>
+        <p:nvPr/>
+      </p:nvGrpSpPr>
+      <p:grpSpPr>
+        <a:xfrm>
+          <a:off x="0" y="0"/>
+          <a:ext cx="0" cy="0"/>
+          <a:chOff x="0" y="0"/>
+          <a:chExt cx="0" cy="0"/>
+        </a:xfrm>
+      </p:grpSpPr>
+      <p:sp>
+        <p:nvSpPr>
+          <p:cNvPr id="2" name="標題 1">
+            <a:extLst>
+              <a:ext uri="{FF2B5EF4-FFF2-40B4-BE49-F238E27FC236}">
+                <a16:creationId xmlns:a16="http://schemas.microsoft.com/office/drawing/2014/main" id="{9843C9A9-C9D2-49EE-8C19-4AE4D46D91C1}"/>
+              </a:ext>
+            </a:extLst>
+          </p:cNvPr>
+          <p:cNvSpPr>
+            <a:spLocks noGrp="1"/>
+          </p:cNvSpPr>
+          <p:nvPr>
+            <p:ph type="title"/>
+          </p:nvPr>
+        </p:nvSpPr>
+        <p:spPr/>
+        <p:txBody>
+          <a:bodyPr/>
+          <a:lstStyle/>
+          <a:p>
+            <a:r>
+              <a:rPr lang="en-US" altLang="zh-TW" dirty="0"/>
+              <a:t>Error Probability determination</a:t>
+            </a:r>
+            <a:br>
+              <a:rPr lang="en-US" altLang="zh-TW" dirty="0"/>
+            </a:br>
+            <a:r>
+              <a:rPr lang="en-US" altLang="zh-TW" dirty="0"/>
+              <a:t>(Consider Channel Coding)</a:t>
+            </a:r>
+            <a:endParaRPr lang="zh-TW" altLang="en-US" dirty="0"/>
+          </a:p>
+        </p:txBody>
+      </p:sp>
+      <p:sp>
+        <p:nvSpPr>
+          <p:cNvPr id="3" name="內容版面配置區 2">
+            <a:extLst>
+              <a:ext uri="{FF2B5EF4-FFF2-40B4-BE49-F238E27FC236}">
+                <a16:creationId xmlns:a16="http://schemas.microsoft.com/office/drawing/2014/main" id="{ECE538FE-E561-461E-99DC-51E1772CB83B}"/>
+              </a:ext>
+            </a:extLst>
+          </p:cNvPr>
+          <p:cNvSpPr>
+            <a:spLocks noGrp="1"/>
+          </p:cNvSpPr>
+          <p:nvPr>
+            <p:ph idx="1"/>
+          </p:nvPr>
+        </p:nvSpPr>
+        <p:spPr/>
+        <p:txBody>
+          <a:bodyPr/>
+          <a:lstStyle/>
+          <a:p>
+            <a:endParaRPr lang="zh-TW" altLang="en-US" dirty="0"/>
+          </a:p>
+        </p:txBody>
+      </p:sp>
+    </p:spTree>
+    <p:extLst>
+      <p:ext uri="{BB962C8B-B14F-4D97-AF65-F5344CB8AC3E}">
+        <p14:creationId xmlns:p14="http://schemas.microsoft.com/office/powerpoint/2010/main" val="1713243130"/>
+      </p:ext>
+    </p:extLst>
+  </p:cSld>
+  <p:clrMapOvr>
+    <a:masterClrMapping/>
+  </p:clrMapOvr>
+</p:sld>
+</file>
+
+<file path=ppt/slides/slide11.xml><?xml version="1.0" encoding="utf-8"?>
+<p:sld xmlns:a="http://schemas.openxmlformats.org/drawingml/2006/main" xmlns:r="http://schemas.openxmlformats.org/officeDocument/2006/relationships" xmlns:p="http://schemas.openxmlformats.org/presentationml/2006/main">
+  <p:cSld>
+    <p:spTree>
+      <p:nvGrpSpPr>
+        <p:cNvPr id="1" name=""/>
+        <p:cNvGrpSpPr/>
+        <p:nvPr/>
+      </p:nvGrpSpPr>
+      <p:grpSpPr>
+        <a:xfrm>
+          <a:off x="0" y="0"/>
+          <a:ext cx="0" cy="0"/>
+          <a:chOff x="0" y="0"/>
+          <a:chExt cx="0" cy="0"/>
+        </a:xfrm>
+      </p:grpSpPr>
+      <p:sp>
+        <p:nvSpPr>
+          <p:cNvPr id="2" name="標題 1">
+            <a:extLst>
+              <a:ext uri="{FF2B5EF4-FFF2-40B4-BE49-F238E27FC236}">
+                <a16:creationId xmlns:a16="http://schemas.microsoft.com/office/drawing/2014/main" id="{DDB54186-CE08-4CFD-B21D-7384B67C4C3F}"/>
+              </a:ext>
+            </a:extLst>
+          </p:cNvPr>
+          <p:cNvSpPr>
+            <a:spLocks noGrp="1"/>
+          </p:cNvSpPr>
+          <p:nvPr>
+            <p:ph type="title"/>
+          </p:nvPr>
+        </p:nvSpPr>
+        <p:spPr/>
+        <p:txBody>
+          <a:bodyPr/>
+          <a:lstStyle/>
+          <a:p>
+            <a:r>
+              <a:rPr lang="en-US" altLang="zh-TW" dirty="0"/>
+              <a:t>System model</a:t>
+            </a:r>
+            <a:endParaRPr lang="zh-TW" altLang="en-US" dirty="0"/>
+          </a:p>
+        </p:txBody>
+      </p:sp>
+      <p:sp>
+        <p:nvSpPr>
+          <p:cNvPr id="3" name="文字版面配置區 2">
+            <a:extLst>
+              <a:ext uri="{FF2B5EF4-FFF2-40B4-BE49-F238E27FC236}">
+                <a16:creationId xmlns:a16="http://schemas.microsoft.com/office/drawing/2014/main" id="{CC075BD7-3D26-4506-89A1-29673AFA1F76}"/>
+              </a:ext>
+            </a:extLst>
+          </p:cNvPr>
+          <p:cNvSpPr>
+            <a:spLocks noGrp="1"/>
+          </p:cNvSpPr>
+          <p:nvPr>
+            <p:ph type="body" idx="1"/>
+          </p:nvPr>
+        </p:nvSpPr>
+        <p:spPr/>
+        <p:txBody>
+          <a:bodyPr/>
+          <a:lstStyle/>
+          <a:p>
+            <a:r>
+              <a:rPr lang="en-US" altLang="zh-TW" dirty="0"/>
+              <a:t>Retransmission scheme</a:t>
+            </a:r>
+            <a:endParaRPr lang="zh-TW" altLang="en-US" dirty="0"/>
+          </a:p>
+        </p:txBody>
+      </p:sp>
+    </p:spTree>
+    <p:extLst>
+      <p:ext uri="{BB962C8B-B14F-4D97-AF65-F5344CB8AC3E}">
+        <p14:creationId xmlns:p14="http://schemas.microsoft.com/office/powerpoint/2010/main" val="2883050761"/>
+      </p:ext>
+    </p:extLst>
+  </p:cSld>
+  <p:clrMapOvr>
+    <a:masterClrMapping/>
+  </p:clrMapOvr>
+</p:sld>
+</file>
+
+<file path=ppt/slides/slide12.xml><?xml version="1.0" encoding="utf-8"?>
+<p:sld xmlns:a="http://schemas.openxmlformats.org/drawingml/2006/main" xmlns:r="http://schemas.openxmlformats.org/officeDocument/2006/relationships" xmlns:p="http://schemas.openxmlformats.org/presentationml/2006/main">
+  <p:cSld>
+    <p:spTree>
+      <p:nvGrpSpPr>
+        <p:cNvPr id="1" name=""/>
+        <p:cNvGrpSpPr/>
+        <p:nvPr/>
+      </p:nvGrpSpPr>
+      <p:grpSpPr>
+        <a:xfrm>
+          <a:off x="0" y="0"/>
+          <a:ext cx="0" cy="0"/>
+          <a:chOff x="0" y="0"/>
+          <a:chExt cx="0" cy="0"/>
+        </a:xfrm>
+      </p:grpSpPr>
+      <p:sp>
+        <p:nvSpPr>
+          <p:cNvPr id="2" name="標題 1">
+            <a:extLst>
+              <a:ext uri="{FF2B5EF4-FFF2-40B4-BE49-F238E27FC236}">
+                <a16:creationId xmlns:a16="http://schemas.microsoft.com/office/drawing/2014/main" id="{9F08EAF9-625C-4411-8C38-ED8962D3C83F}"/>
+              </a:ext>
+            </a:extLst>
+          </p:cNvPr>
+          <p:cNvSpPr>
+            <a:spLocks noGrp="1"/>
+          </p:cNvSpPr>
+          <p:nvPr>
+            <p:ph type="title"/>
+          </p:nvPr>
+        </p:nvSpPr>
+        <p:spPr/>
+        <p:txBody>
+          <a:bodyPr/>
+          <a:lstStyle/>
+          <a:p>
+            <a:r>
+              <a:rPr lang="en-US" altLang="zh-TW" dirty="0"/>
+              <a:t>Intro to retransmission</a:t>
+            </a:r>
+            <a:endParaRPr lang="zh-TW" altLang="en-US" dirty="0"/>
+          </a:p>
+        </p:txBody>
+      </p:sp>
+      <p:sp>
+        <p:nvSpPr>
+          <p:cNvPr id="3" name="內容版面配置區 2">
+            <a:extLst>
+              <a:ext uri="{FF2B5EF4-FFF2-40B4-BE49-F238E27FC236}">
+                <a16:creationId xmlns:a16="http://schemas.microsoft.com/office/drawing/2014/main" id="{88DD7457-63C5-4E96-995D-7D7FCFD0D935}"/>
+              </a:ext>
+            </a:extLst>
+          </p:cNvPr>
+          <p:cNvSpPr>
+            <a:spLocks noGrp="1"/>
+          </p:cNvSpPr>
+          <p:nvPr>
+            <p:ph idx="1"/>
+          </p:nvPr>
+        </p:nvSpPr>
+        <p:spPr/>
+        <p:txBody>
+          <a:bodyPr/>
+          <a:lstStyle/>
+          <a:p>
+            <a:r>
+              <a:rPr lang="en-US" altLang="zh-TW" dirty="0"/>
+              <a:t>Despite of the channel coding, the transmission may fail if we only transmitted once.</a:t>
+            </a:r>
+          </a:p>
+          <a:p>
+            <a:r>
+              <a:rPr lang="en-US" altLang="zh-TW" dirty="0"/>
+              <a:t>To maintain the reliability, </a:t>
+            </a:r>
+            <a:r>
+              <a:rPr lang="en-US" altLang="zh-TW" b="1" dirty="0"/>
+              <a:t>retransmission</a:t>
+            </a:r>
+            <a:r>
+              <a:rPr lang="en-US" altLang="zh-TW" dirty="0"/>
+              <a:t> is essential.</a:t>
+            </a:r>
+          </a:p>
+          <a:p>
+            <a:r>
+              <a:rPr lang="en-US" altLang="zh-TW" dirty="0"/>
+              <a:t>Three typical retransmission scheme</a:t>
+            </a:r>
+          </a:p>
+          <a:p>
+            <a:pPr lvl="1"/>
+            <a:r>
+              <a:rPr lang="en-US" altLang="zh-TW" dirty="0"/>
+              <a:t>Blind retransmission</a:t>
+            </a:r>
+          </a:p>
+          <a:p>
+            <a:pPr lvl="1"/>
+            <a:r>
+              <a:rPr lang="en-US" altLang="zh-TW" dirty="0" err="1"/>
+              <a:t>Nack</a:t>
+            </a:r>
+            <a:r>
+              <a:rPr lang="en-US" altLang="zh-TW" dirty="0"/>
+              <a:t>-based retransmission</a:t>
+            </a:r>
+          </a:p>
+          <a:p>
+            <a:pPr lvl="1"/>
+            <a:r>
+              <a:rPr lang="en-US" altLang="zh-TW" dirty="0"/>
+              <a:t>HARQ retransmission</a:t>
+            </a:r>
+          </a:p>
+          <a:p>
+            <a:r>
+              <a:rPr lang="en-US" altLang="zh-TW" dirty="0"/>
+              <a:t>In multicast scenario, we usually consider to use blind retransmission and </a:t>
+            </a:r>
+            <a:r>
+              <a:rPr lang="en-US" altLang="zh-TW" dirty="0" err="1"/>
+              <a:t>nack</a:t>
+            </a:r>
+            <a:r>
+              <a:rPr lang="en-US" altLang="zh-TW" dirty="0"/>
+              <a:t>-based retransmission</a:t>
+            </a:r>
+          </a:p>
+          <a:p>
+            <a:endParaRPr lang="zh-TW" altLang="en-US" dirty="0"/>
+          </a:p>
+        </p:txBody>
+      </p:sp>
+    </p:spTree>
+    <p:extLst>
+      <p:ext uri="{BB962C8B-B14F-4D97-AF65-F5344CB8AC3E}">
+        <p14:creationId xmlns:p14="http://schemas.microsoft.com/office/powerpoint/2010/main" val="3274943952"/>
+      </p:ext>
+    </p:extLst>
+  </p:cSld>
+  <p:clrMapOvr>
+    <a:masterClrMapping/>
+  </p:clrMapOvr>
+</p:sld>
+</file>
+
+<file path=ppt/slides/slide13.xml><?xml version="1.0" encoding="utf-8"?>
+<p:sld xmlns:a="http://schemas.openxmlformats.org/drawingml/2006/main" xmlns:r="http://schemas.openxmlformats.org/officeDocument/2006/relationships" xmlns:p="http://schemas.openxmlformats.org/presentationml/2006/main">
+  <p:cSld>
+    <p:spTree>
+      <p:nvGrpSpPr>
+        <p:cNvPr id="1" name=""/>
+        <p:cNvGrpSpPr/>
+        <p:nvPr/>
+      </p:nvGrpSpPr>
+      <p:grpSpPr>
+        <a:xfrm>
+          <a:off x="0" y="0"/>
+          <a:ext cx="0" cy="0"/>
+          <a:chOff x="0" y="0"/>
+          <a:chExt cx="0" cy="0"/>
+        </a:xfrm>
+      </p:grpSpPr>
+      <p:sp>
+        <p:nvSpPr>
+          <p:cNvPr id="2" name="標題 1">
+            <a:extLst>
+              <a:ext uri="{FF2B5EF4-FFF2-40B4-BE49-F238E27FC236}">
+                <a16:creationId xmlns:a16="http://schemas.microsoft.com/office/drawing/2014/main" id="{EE09C35E-8A6F-436A-950B-751E3BF22EB0}"/>
+              </a:ext>
+            </a:extLst>
+          </p:cNvPr>
+          <p:cNvSpPr>
+            <a:spLocks noGrp="1"/>
+          </p:cNvSpPr>
+          <p:nvPr>
+            <p:ph type="title"/>
+          </p:nvPr>
+        </p:nvSpPr>
+        <p:spPr/>
+        <p:txBody>
+          <a:bodyPr/>
+          <a:lstStyle/>
+          <a:p>
+            <a:r>
+              <a:rPr lang="en-US" altLang="zh-TW" dirty="0"/>
+              <a:t>Blind Retransmission</a:t>
+            </a:r>
+            <a:endParaRPr lang="zh-TW" altLang="en-US" dirty="0"/>
+          </a:p>
+        </p:txBody>
+      </p:sp>
+      <p:sp>
+        <p:nvSpPr>
+          <p:cNvPr id="3" name="內容版面配置區 2">
+            <a:extLst>
+              <a:ext uri="{FF2B5EF4-FFF2-40B4-BE49-F238E27FC236}">
+                <a16:creationId xmlns:a16="http://schemas.microsoft.com/office/drawing/2014/main" id="{AF10F730-AA8E-4AF1-88CF-EEF71A3AE745}"/>
+              </a:ext>
+            </a:extLst>
+          </p:cNvPr>
+          <p:cNvSpPr>
+            <a:spLocks noGrp="1"/>
+          </p:cNvSpPr>
+          <p:nvPr>
+            <p:ph idx="1"/>
+          </p:nvPr>
+        </p:nvSpPr>
+        <p:spPr/>
+        <p:txBody>
+          <a:bodyPr/>
+          <a:lstStyle/>
+          <a:p>
+            <a:r>
+              <a:rPr lang="en-US" altLang="zh-TW" dirty="0"/>
+              <a:t>BS will transmit all packets without feedback.</a:t>
+            </a:r>
+          </a:p>
+          <a:p>
+            <a:endParaRPr lang="en-US" altLang="zh-TW" dirty="0"/>
+          </a:p>
+          <a:p>
+            <a:r>
+              <a:rPr lang="en-US" altLang="zh-TW" dirty="0"/>
+              <a:t>Determine the transmission packets number</a:t>
+            </a:r>
+          </a:p>
+          <a:p>
+            <a:endParaRPr lang="zh-TW" altLang="en-US" dirty="0"/>
+          </a:p>
+        </p:txBody>
+      </p:sp>
+    </p:spTree>
+    <p:extLst>
+      <p:ext uri="{BB962C8B-B14F-4D97-AF65-F5344CB8AC3E}">
+        <p14:creationId xmlns:p14="http://schemas.microsoft.com/office/powerpoint/2010/main" val="2032782396"/>
+      </p:ext>
+    </p:extLst>
+  </p:cSld>
+  <p:clrMapOvr>
+    <a:masterClrMapping/>
+  </p:clrMapOvr>
+</p:sld>
+</file>
+
+<file path=ppt/slides/slide14.xml><?xml version="1.0" encoding="utf-8"?>
+<p:sld xmlns:a="http://schemas.openxmlformats.org/drawingml/2006/main" xmlns:r="http://schemas.openxmlformats.org/officeDocument/2006/relationships" xmlns:p="http://schemas.openxmlformats.org/presentationml/2006/main">
+  <p:cSld>
+    <p:spTree>
+      <p:nvGrpSpPr>
+        <p:cNvPr id="1" name=""/>
+        <p:cNvGrpSpPr/>
+        <p:nvPr/>
+      </p:nvGrpSpPr>
+      <p:grpSpPr>
+        <a:xfrm>
+          <a:off x="0" y="0"/>
+          <a:ext cx="0" cy="0"/>
+          <a:chOff x="0" y="0"/>
+          <a:chExt cx="0" cy="0"/>
+        </a:xfrm>
+      </p:grpSpPr>
+      <p:sp>
+        <p:nvSpPr>
+          <p:cNvPr id="2" name="標題 1">
+            <a:extLst>
+              <a:ext uri="{FF2B5EF4-FFF2-40B4-BE49-F238E27FC236}">
+                <a16:creationId xmlns:a16="http://schemas.microsoft.com/office/drawing/2014/main" id="{EE09C35E-8A6F-436A-950B-751E3BF22EB0}"/>
+              </a:ext>
+            </a:extLst>
+          </p:cNvPr>
+          <p:cNvSpPr>
+            <a:spLocks noGrp="1"/>
+          </p:cNvSpPr>
+          <p:nvPr>
+            <p:ph type="title"/>
+          </p:nvPr>
+        </p:nvSpPr>
+        <p:spPr/>
+        <p:txBody>
+          <a:bodyPr/>
+          <a:lstStyle/>
+          <a:p>
+            <a:r>
+              <a:rPr lang="en-US" altLang="zh-TW" dirty="0"/>
+              <a:t>Blind Retransmission</a:t>
+            </a:r>
+            <a:endParaRPr lang="zh-TW" altLang="en-US" dirty="0"/>
+          </a:p>
+        </p:txBody>
+      </p:sp>
+      <p:sp>
+        <p:nvSpPr>
+          <p:cNvPr id="3" name="內容版面配置區 2">
+            <a:extLst>
+              <a:ext uri="{FF2B5EF4-FFF2-40B4-BE49-F238E27FC236}">
+                <a16:creationId xmlns:a16="http://schemas.microsoft.com/office/drawing/2014/main" id="{AF10F730-AA8E-4AF1-88CF-EEF71A3AE745}"/>
+              </a:ext>
+            </a:extLst>
+          </p:cNvPr>
+          <p:cNvSpPr>
+            <a:spLocks noGrp="1"/>
+          </p:cNvSpPr>
+          <p:nvPr>
+            <p:ph idx="1"/>
+          </p:nvPr>
+        </p:nvSpPr>
+        <p:spPr/>
+        <p:txBody>
+          <a:bodyPr/>
+          <a:lstStyle/>
+          <a:p>
+            <a:endParaRPr lang="en-US" altLang="zh-TW" dirty="0"/>
+          </a:p>
+          <a:p>
+            <a:r>
+              <a:rPr lang="en-US" altLang="zh-TW" dirty="0"/>
+              <a:t>Determine the transmission packets number</a:t>
+            </a:r>
+          </a:p>
+          <a:p>
+            <a:endParaRPr lang="zh-TW" altLang="en-US" dirty="0"/>
+          </a:p>
+        </p:txBody>
+      </p:sp>
+    </p:spTree>
+    <p:extLst>
+      <p:ext uri="{BB962C8B-B14F-4D97-AF65-F5344CB8AC3E}">
+        <p14:creationId xmlns:p14="http://schemas.microsoft.com/office/powerpoint/2010/main" val="80476121"/>
+      </p:ext>
+    </p:extLst>
+  </p:cSld>
+  <p:clrMapOvr>
+    <a:masterClrMapping/>
+  </p:clrMapOvr>
+</p:sld>
+</file>
+
+<file path=ppt/slides/slide15.xml><?xml version="1.0" encoding="utf-8"?>
+<p:sld xmlns:a="http://schemas.openxmlformats.org/drawingml/2006/main" xmlns:r="http://schemas.openxmlformats.org/officeDocument/2006/relationships" xmlns:p="http://schemas.openxmlformats.org/presentationml/2006/main">
+  <p:cSld>
+    <p:spTree>
+      <p:nvGrpSpPr>
+        <p:cNvPr id="1" name=""/>
+        <p:cNvGrpSpPr/>
+        <p:nvPr/>
+      </p:nvGrpSpPr>
+      <p:grpSpPr>
+        <a:xfrm>
+          <a:off x="0" y="0"/>
+          <a:ext cx="0" cy="0"/>
+          <a:chOff x="0" y="0"/>
+          <a:chExt cx="0" cy="0"/>
+        </a:xfrm>
+      </p:grpSpPr>
+      <p:sp>
+        <p:nvSpPr>
+          <p:cNvPr id="2" name="標題 1">
+            <a:extLst>
+              <a:ext uri="{FF2B5EF4-FFF2-40B4-BE49-F238E27FC236}">
+                <a16:creationId xmlns:a16="http://schemas.microsoft.com/office/drawing/2014/main" id="{C7FCF162-CCB6-4DA2-A310-D173054C1C1C}"/>
+              </a:ext>
+            </a:extLst>
+          </p:cNvPr>
+          <p:cNvSpPr>
+            <a:spLocks noGrp="1"/>
+          </p:cNvSpPr>
+          <p:nvPr>
+            <p:ph type="title"/>
+          </p:nvPr>
+        </p:nvSpPr>
+        <p:spPr/>
+        <p:txBody>
+          <a:bodyPr/>
+          <a:lstStyle/>
+          <a:p>
+            <a:r>
+              <a:rPr lang="en-US" altLang="zh-TW" dirty="0" err="1"/>
+              <a:t>Nack</a:t>
+            </a:r>
+            <a:r>
+              <a:rPr lang="en-US" altLang="zh-TW" dirty="0"/>
+              <a:t>-based Retransmission</a:t>
+            </a:r>
+            <a:endParaRPr lang="zh-TW" altLang="en-US" dirty="0"/>
+          </a:p>
+        </p:txBody>
+      </p:sp>
+      <p:sp>
+        <p:nvSpPr>
+          <p:cNvPr id="3" name="內容版面配置區 2">
+            <a:extLst>
+              <a:ext uri="{FF2B5EF4-FFF2-40B4-BE49-F238E27FC236}">
+                <a16:creationId xmlns:a16="http://schemas.microsoft.com/office/drawing/2014/main" id="{6C0DC799-AB9B-431F-ABCE-78FF59C96810}"/>
+              </a:ext>
+            </a:extLst>
+          </p:cNvPr>
+          <p:cNvSpPr>
+            <a:spLocks noGrp="1"/>
+          </p:cNvSpPr>
+          <p:nvPr>
+            <p:ph idx="1"/>
+          </p:nvPr>
+        </p:nvSpPr>
+        <p:spPr/>
+        <p:txBody>
+          <a:bodyPr/>
+          <a:lstStyle/>
+          <a:p>
+            <a:endParaRPr lang="zh-TW" altLang="en-US"/>
+          </a:p>
+        </p:txBody>
+      </p:sp>
+    </p:spTree>
+    <p:extLst>
+      <p:ext uri="{BB962C8B-B14F-4D97-AF65-F5344CB8AC3E}">
+        <p14:creationId xmlns:p14="http://schemas.microsoft.com/office/powerpoint/2010/main" val="2945292490"/>
+      </p:ext>
+    </p:extLst>
+  </p:cSld>
+  <p:clrMapOvr>
+    <a:masterClrMapping/>
+  </p:clrMapOvr>
+</p:sld>
+</file>
+
+<file path=ppt/slides/slide16.xml><?xml version="1.0" encoding="utf-8"?>
+<p:sld xmlns:a="http://schemas.openxmlformats.org/drawingml/2006/main" xmlns:r="http://schemas.openxmlformats.org/officeDocument/2006/relationships" xmlns:p="http://schemas.openxmlformats.org/presentationml/2006/main">
+  <p:cSld>
+    <p:spTree>
+      <p:nvGrpSpPr>
+        <p:cNvPr id="1" name=""/>
+        <p:cNvGrpSpPr/>
+        <p:nvPr/>
+      </p:nvGrpSpPr>
+      <p:grpSpPr>
+        <a:xfrm>
+          <a:off x="0" y="0"/>
+          <a:ext cx="0" cy="0"/>
+          <a:chOff x="0" y="0"/>
+          <a:chExt cx="0" cy="0"/>
+        </a:xfrm>
+      </p:grpSpPr>
+      <p:sp>
+        <p:nvSpPr>
+          <p:cNvPr id="2" name="標題 1">
+            <a:extLst>
+              <a:ext uri="{FF2B5EF4-FFF2-40B4-BE49-F238E27FC236}">
+                <a16:creationId xmlns:a16="http://schemas.microsoft.com/office/drawing/2014/main" id="{C7FCF162-CCB6-4DA2-A310-D173054C1C1C}"/>
+              </a:ext>
+            </a:extLst>
+          </p:cNvPr>
+          <p:cNvSpPr>
+            <a:spLocks noGrp="1"/>
+          </p:cNvSpPr>
+          <p:nvPr>
+            <p:ph type="title"/>
+          </p:nvPr>
+        </p:nvSpPr>
+        <p:spPr/>
+        <p:txBody>
+          <a:bodyPr/>
+          <a:lstStyle/>
+          <a:p>
+            <a:r>
+              <a:rPr lang="en-US" altLang="zh-TW" dirty="0" err="1"/>
+              <a:t>Nack</a:t>
+            </a:r>
+            <a:r>
+              <a:rPr lang="en-US" altLang="zh-TW" dirty="0"/>
+              <a:t>-based Retransmission</a:t>
+            </a:r>
+            <a:endParaRPr lang="zh-TW" altLang="en-US" dirty="0"/>
+          </a:p>
+        </p:txBody>
+      </p:sp>
+      <p:sp>
+        <p:nvSpPr>
+          <p:cNvPr id="3" name="內容版面配置區 2">
+            <a:extLst>
+              <a:ext uri="{FF2B5EF4-FFF2-40B4-BE49-F238E27FC236}">
+                <a16:creationId xmlns:a16="http://schemas.microsoft.com/office/drawing/2014/main" id="{6C0DC799-AB9B-431F-ABCE-78FF59C96810}"/>
+              </a:ext>
+            </a:extLst>
+          </p:cNvPr>
+          <p:cNvSpPr>
+            <a:spLocks noGrp="1"/>
+          </p:cNvSpPr>
+          <p:nvPr>
+            <p:ph idx="1"/>
+          </p:nvPr>
+        </p:nvSpPr>
+        <p:spPr/>
+        <p:txBody>
+          <a:bodyPr/>
+          <a:lstStyle/>
+          <a:p>
+            <a:endParaRPr lang="zh-TW" altLang="en-US"/>
+          </a:p>
+        </p:txBody>
+      </p:sp>
+    </p:spTree>
+    <p:extLst>
+      <p:ext uri="{BB962C8B-B14F-4D97-AF65-F5344CB8AC3E}">
+        <p14:creationId xmlns:p14="http://schemas.microsoft.com/office/powerpoint/2010/main" val="868915862"/>
+      </p:ext>
+    </p:extLst>
+  </p:cSld>
+  <p:clrMapOvr>
+    <a:masterClrMapping/>
+  </p:clrMapOvr>
+</p:sld>
+</file>
+
+<file path=ppt/slides/slide17.xml><?xml version="1.0" encoding="utf-8"?>
+<p:sld xmlns:a="http://schemas.openxmlformats.org/drawingml/2006/main" xmlns:r="http://schemas.openxmlformats.org/officeDocument/2006/relationships" xmlns:p="http://schemas.openxmlformats.org/presentationml/2006/main">
+  <p:cSld>
+    <p:spTree>
+      <p:nvGrpSpPr>
+        <p:cNvPr id="1" name=""/>
+        <p:cNvGrpSpPr/>
+        <p:nvPr/>
+      </p:nvGrpSpPr>
+      <p:grpSpPr>
+        <a:xfrm>
+          <a:off x="0" y="0"/>
+          <a:ext cx="0" cy="0"/>
+          <a:chOff x="0" y="0"/>
+          <a:chExt cx="0" cy="0"/>
+        </a:xfrm>
+      </p:grpSpPr>
+      <p:sp>
+        <p:nvSpPr>
+          <p:cNvPr id="2" name="標題 1">
+            <a:extLst>
+              <a:ext uri="{FF2B5EF4-FFF2-40B4-BE49-F238E27FC236}">
+                <a16:creationId xmlns:a16="http://schemas.microsoft.com/office/drawing/2014/main" id="{C7FCF162-CCB6-4DA2-A310-D173054C1C1C}"/>
+              </a:ext>
+            </a:extLst>
+          </p:cNvPr>
+          <p:cNvSpPr>
+            <a:spLocks noGrp="1"/>
+          </p:cNvSpPr>
+          <p:nvPr>
+            <p:ph type="title"/>
+          </p:nvPr>
+        </p:nvSpPr>
+        <p:spPr/>
+        <p:txBody>
+          <a:bodyPr/>
+          <a:lstStyle/>
+          <a:p>
+            <a:r>
+              <a:rPr lang="en-US" altLang="zh-TW" dirty="0" err="1"/>
+              <a:t>Nack</a:t>
+            </a:r>
+            <a:r>
+              <a:rPr lang="en-US" altLang="zh-TW" dirty="0"/>
+              <a:t>-based retransmission with XOR coding</a:t>
+            </a:r>
+            <a:endParaRPr lang="zh-TW" altLang="en-US" dirty="0"/>
+          </a:p>
+        </p:txBody>
+      </p:sp>
+      <p:sp>
+        <p:nvSpPr>
+          <p:cNvPr id="3" name="內容版面配置區 2">
+            <a:extLst>
+              <a:ext uri="{FF2B5EF4-FFF2-40B4-BE49-F238E27FC236}">
+                <a16:creationId xmlns:a16="http://schemas.microsoft.com/office/drawing/2014/main" id="{6C0DC799-AB9B-431F-ABCE-78FF59C96810}"/>
+              </a:ext>
+            </a:extLst>
+          </p:cNvPr>
+          <p:cNvSpPr>
+            <a:spLocks noGrp="1"/>
+          </p:cNvSpPr>
+          <p:nvPr>
+            <p:ph idx="1"/>
+          </p:nvPr>
+        </p:nvSpPr>
+        <p:spPr/>
+        <p:txBody>
+          <a:bodyPr/>
+          <a:lstStyle/>
+          <a:p>
+            <a:r>
+              <a:rPr lang="en-US" altLang="zh-TW" dirty="0"/>
+              <a:t>To improve our efficiency, the network coding can be applied.</a:t>
+            </a:r>
+          </a:p>
+          <a:p>
+            <a:r>
+              <a:rPr lang="en-US" altLang="zh-TW" dirty="0"/>
+              <a:t>Assume two packets, p1 and p2, are transmitted in one time slot. If we XOR the both packets, we can get a new packet, called as p3.</a:t>
+            </a:r>
+          </a:p>
+          <a:p>
+            <a:r>
+              <a:rPr lang="en-US" altLang="zh-TW" dirty="0"/>
+              <a:t>If p1, p2 and p3 are transmitted, although a UE failed to decode the p1, it still can get the information of p1 by XORing p2 and p3 (p1 XOR p2), if p2 and p3 are successfully decoded.</a:t>
+            </a:r>
+          </a:p>
+          <a:p>
+            <a:pPr lvl="1"/>
+            <a:r>
+              <a:rPr lang="en-US" altLang="zh-TW" dirty="0"/>
+              <a:t>This is due to the fact that </a:t>
+            </a:r>
+          </a:p>
+          <a:p>
+            <a:r>
+              <a:rPr lang="en-US" altLang="zh-TW" dirty="0"/>
+              <a:t>Transmitting p3 is similar with transmitting p1 and p2, while it only costs one resource block.</a:t>
+            </a:r>
+          </a:p>
+          <a:p>
+            <a:endParaRPr lang="zh-TW" altLang="en-US" dirty="0"/>
+          </a:p>
+        </p:txBody>
+      </p:sp>
+      <p:pic>
+        <p:nvPicPr>
+          <p:cNvPr id="5" name="圖片 4" descr="\documentclass{article}&#10;\usepackage{amsmath}&#10;\pagestyle{empty}&#10;\begin{document}&#10;$$&#10;a \oplus (a \oplus b)= b&#10;$$&#10;\end{document}" title="IguanaTex Bitmap Display">
+            <a:extLst>
+              <a:ext uri="{FF2B5EF4-FFF2-40B4-BE49-F238E27FC236}">
+                <a16:creationId xmlns:a16="http://schemas.microsoft.com/office/drawing/2014/main" id="{FED3FCB7-6A2B-416D-A041-E717B8C01E6D}"/>
+              </a:ext>
+            </a:extLst>
+          </p:cNvPr>
+          <p:cNvPicPr>
+            <a:picLocks noChangeAspect="1"/>
+          </p:cNvPicPr>
+          <p:nvPr>
+            <p:custDataLst>
+              <p:tags r:id="rId1"/>
+            </p:custDataLst>
+          </p:nvPr>
+        </p:nvPicPr>
+        <p:blipFill>
+          <a:blip r:embed="rId3">
+            <a:extLst>
+              <a:ext uri="{28A0092B-C50C-407E-A947-70E740481C1C}">
+                <a14:useLocalDpi xmlns:a14="http://schemas.microsoft.com/office/drawing/2010/main" val="0"/>
+              </a:ext>
+            </a:extLst>
+          </a:blip>
+          <a:stretch>
+            <a:fillRect/>
+          </a:stretch>
+        </p:blipFill>
+        <p:spPr>
+          <a:xfrm>
+            <a:off x="4111311" y="4275495"/>
+            <a:ext cx="1299505" cy="203581"/>
+          </a:xfrm>
+          <a:prstGeom prst="rect">
+            <a:avLst/>
+          </a:prstGeom>
+        </p:spPr>
+      </p:pic>
+    </p:spTree>
+    <p:extLst>
+      <p:ext uri="{BB962C8B-B14F-4D97-AF65-F5344CB8AC3E}">
+        <p14:creationId xmlns:p14="http://schemas.microsoft.com/office/powerpoint/2010/main" val="2245129328"/>
+      </p:ext>
+    </p:extLst>
+  </p:cSld>
+  <p:clrMapOvr>
+    <a:masterClrMapping/>
+  </p:clrMapOvr>
+</p:sld>
+</file>
+
+<file path=ppt/slides/slide18.xml><?xml version="1.0" encoding="utf-8"?>
+<p:sld xmlns:a="http://schemas.openxmlformats.org/drawingml/2006/main" xmlns:r="http://schemas.openxmlformats.org/officeDocument/2006/relationships" xmlns:p="http://schemas.openxmlformats.org/presentationml/2006/main">
+  <p:cSld>
+    <p:spTree>
+      <p:nvGrpSpPr>
+        <p:cNvPr id="1" name=""/>
+        <p:cNvGrpSpPr/>
+        <p:nvPr/>
+      </p:nvGrpSpPr>
+      <p:grpSpPr>
+        <a:xfrm>
+          <a:off x="0" y="0"/>
+          <a:ext cx="0" cy="0"/>
+          <a:chOff x="0" y="0"/>
+          <a:chExt cx="0" cy="0"/>
+        </a:xfrm>
+      </p:grpSpPr>
+      <p:sp>
+        <p:nvSpPr>
+          <p:cNvPr id="2" name="標題 1">
+            <a:extLst>
+              <a:ext uri="{FF2B5EF4-FFF2-40B4-BE49-F238E27FC236}">
+                <a16:creationId xmlns:a16="http://schemas.microsoft.com/office/drawing/2014/main" id="{339EE067-3B4F-483B-854D-35F2EC258640}"/>
+              </a:ext>
+            </a:extLst>
+          </p:cNvPr>
+          <p:cNvSpPr>
+            <a:spLocks noGrp="1"/>
+          </p:cNvSpPr>
+          <p:nvPr>
+            <p:ph type="title"/>
+          </p:nvPr>
+        </p:nvSpPr>
+        <p:spPr/>
+        <p:txBody>
+          <a:bodyPr/>
+          <a:lstStyle/>
+          <a:p>
+            <a:endParaRPr lang="zh-TW" altLang="en-US"/>
+          </a:p>
+        </p:txBody>
+      </p:sp>
+      <p:sp>
+        <p:nvSpPr>
+          <p:cNvPr id="3" name="內容版面配置區 2">
+            <a:extLst>
+              <a:ext uri="{FF2B5EF4-FFF2-40B4-BE49-F238E27FC236}">
+                <a16:creationId xmlns:a16="http://schemas.microsoft.com/office/drawing/2014/main" id="{7A441F1B-C7C5-4728-A442-2BC3C211BD67}"/>
+              </a:ext>
+            </a:extLst>
+          </p:cNvPr>
+          <p:cNvSpPr>
+            <a:spLocks noGrp="1"/>
+          </p:cNvSpPr>
+          <p:nvPr>
+            <p:ph idx="1"/>
+          </p:nvPr>
+        </p:nvSpPr>
+        <p:spPr/>
+        <p:txBody>
+          <a:bodyPr/>
+          <a:lstStyle/>
+          <a:p>
+            <a:r>
+              <a:rPr lang="en-US" altLang="zh-TW" dirty="0"/>
+              <a:t>Assume for the BS, the following information are known and determined</a:t>
+            </a:r>
+          </a:p>
+          <a:p>
+            <a:pPr lvl="1"/>
+            <a:r>
+              <a:rPr lang="en-US" altLang="zh-TW" dirty="0"/>
+              <a:t>Latency Constraint</a:t>
+            </a:r>
+          </a:p>
+          <a:p>
+            <a:pPr lvl="1"/>
+            <a:r>
+              <a:rPr lang="en-US" altLang="zh-TW" dirty="0"/>
+              <a:t>Reliability Constraint</a:t>
+            </a:r>
+          </a:p>
+          <a:p>
+            <a:pPr lvl="1"/>
+            <a:r>
+              <a:rPr lang="en-US" altLang="zh-TW" dirty="0"/>
+              <a:t>Packet error rate for each UE</a:t>
+            </a:r>
+          </a:p>
+          <a:p>
+            <a:r>
+              <a:rPr lang="en-US" altLang="zh-TW" dirty="0"/>
+              <a:t>The things that BS should decide</a:t>
+            </a:r>
+          </a:p>
+          <a:p>
+            <a:pPr lvl="1"/>
+            <a:r>
+              <a:rPr lang="en-US" altLang="zh-TW" dirty="0"/>
+              <a:t>Using blind retransmission or </a:t>
+            </a:r>
+            <a:r>
+              <a:rPr lang="en-US" altLang="zh-TW" dirty="0" err="1"/>
+              <a:t>nack</a:t>
+            </a:r>
+            <a:r>
+              <a:rPr lang="en-US" altLang="zh-TW" dirty="0"/>
+              <a:t>-based retransmission</a:t>
+            </a:r>
+          </a:p>
+          <a:p>
+            <a:pPr lvl="1"/>
+            <a:endParaRPr lang="zh-TW" altLang="en-US" dirty="0"/>
+          </a:p>
+        </p:txBody>
+      </p:sp>
+    </p:spTree>
+    <p:extLst>
+      <p:ext uri="{BB962C8B-B14F-4D97-AF65-F5344CB8AC3E}">
+        <p14:creationId xmlns:p14="http://schemas.microsoft.com/office/powerpoint/2010/main" val="1452501693"/>
+      </p:ext>
+    </p:extLst>
+  </p:cSld>
+  <p:clrMapOvr>
+    <a:masterClrMapping/>
+  </p:clrMapOvr>
+</p:sld>
+</file>
+
+<file path=ppt/slides/slide19.xml><?xml version="1.0" encoding="utf-8"?>
+<p:sld xmlns:a="http://schemas.openxmlformats.org/drawingml/2006/main" xmlns:r="http://schemas.openxmlformats.org/officeDocument/2006/relationships" xmlns:p="http://schemas.openxmlformats.org/presentationml/2006/main">
+  <p:cSld>
+    <p:spTree>
+      <p:nvGrpSpPr>
+        <p:cNvPr id="1" name=""/>
+        <p:cNvGrpSpPr/>
+        <p:nvPr/>
+      </p:nvGrpSpPr>
+      <p:grpSpPr>
+        <a:xfrm>
+          <a:off x="0" y="0"/>
+          <a:ext cx="0" cy="0"/>
+          <a:chOff x="0" y="0"/>
+          <a:chExt cx="0" cy="0"/>
+        </a:xfrm>
+      </p:grpSpPr>
+      <p:sp>
+        <p:nvSpPr>
+          <p:cNvPr id="4" name="標題 3">
+            <a:extLst>
+              <a:ext uri="{FF2B5EF4-FFF2-40B4-BE49-F238E27FC236}">
+                <a16:creationId xmlns:a16="http://schemas.microsoft.com/office/drawing/2014/main" id="{9547CB92-9BF2-42FC-AE15-83AB9BA718F8}"/>
+              </a:ext>
+            </a:extLst>
+          </p:cNvPr>
+          <p:cNvSpPr>
+            <a:spLocks noGrp="1"/>
+          </p:cNvSpPr>
+          <p:nvPr>
+            <p:ph type="title"/>
+          </p:nvPr>
+        </p:nvSpPr>
+        <p:spPr/>
+        <p:txBody>
+          <a:bodyPr/>
+          <a:lstStyle/>
+          <a:p>
+            <a:r>
+              <a:rPr lang="en-US" altLang="zh-TW" dirty="0"/>
+              <a:t>Result</a:t>
+            </a:r>
+            <a:endParaRPr lang="zh-TW" altLang="en-US" dirty="0"/>
+          </a:p>
+        </p:txBody>
+      </p:sp>
+      <p:sp>
+        <p:nvSpPr>
+          <p:cNvPr id="6" name="文字版面配置區 5">
+            <a:extLst>
+              <a:ext uri="{FF2B5EF4-FFF2-40B4-BE49-F238E27FC236}">
+                <a16:creationId xmlns:a16="http://schemas.microsoft.com/office/drawing/2014/main" id="{65EEE957-1532-4575-9A78-76BAA12DB09C}"/>
+              </a:ext>
+            </a:extLst>
+          </p:cNvPr>
+          <p:cNvSpPr>
+            <a:spLocks noGrp="1"/>
+          </p:cNvSpPr>
+          <p:nvPr>
+            <p:ph type="body" idx="1"/>
+          </p:nvPr>
+        </p:nvSpPr>
+        <p:spPr/>
+        <p:txBody>
+          <a:bodyPr/>
+          <a:lstStyle/>
+          <a:p>
+            <a:endParaRPr lang="zh-TW" altLang="en-US"/>
+          </a:p>
+        </p:txBody>
+      </p:sp>
+    </p:spTree>
+    <p:extLst>
+      <p:ext uri="{BB962C8B-B14F-4D97-AF65-F5344CB8AC3E}">
+        <p14:creationId xmlns:p14="http://schemas.microsoft.com/office/powerpoint/2010/main" val="2160894292"/>
+      </p:ext>
+    </p:extLst>
+  </p:cSld>
+  <p:clrMapOvr>
+    <a:masterClrMapping/>
+  </p:clrMapOvr>
+</p:sld>
+</file>
+
+<file path=ppt/slides/slide2.xml><?xml version="1.0" encoding="utf-8"?>
+<p:sld xmlns:a="http://schemas.openxmlformats.org/drawingml/2006/main" xmlns:r="http://schemas.openxmlformats.org/officeDocument/2006/relationships" xmlns:p="http://schemas.openxmlformats.org/presentationml/2006/main">
+  <p:cSld>
+    <p:spTree>
+      <p:nvGrpSpPr>
+        <p:cNvPr id="1" name=""/>
+        <p:cNvGrpSpPr/>
+        <p:nvPr/>
+      </p:nvGrpSpPr>
+      <p:grpSpPr>
+        <a:xfrm>
+          <a:off x="0" y="0"/>
+          <a:ext cx="0" cy="0"/>
+          <a:chOff x="0" y="0"/>
+          <a:chExt cx="0" cy="0"/>
+        </a:xfrm>
+      </p:grpSpPr>
+      <p:sp>
+        <p:nvSpPr>
+          <p:cNvPr id="2" name="標題 1">
+            <a:extLst>
+              <a:ext uri="{FF2B5EF4-FFF2-40B4-BE49-F238E27FC236}">
+                <a16:creationId xmlns:a16="http://schemas.microsoft.com/office/drawing/2014/main" id="{04760D94-4E64-4ECD-AAAA-3F7D16227431}"/>
+              </a:ext>
+            </a:extLst>
+          </p:cNvPr>
+          <p:cNvSpPr>
+            <a:spLocks noGrp="1"/>
+          </p:cNvSpPr>
+          <p:nvPr>
+            <p:ph type="title"/>
+          </p:nvPr>
+        </p:nvSpPr>
+        <p:spPr/>
+        <p:txBody>
+          <a:bodyPr/>
+          <a:lstStyle/>
+          <a:p>
+            <a:r>
+              <a:rPr lang="en-US" altLang="zh-TW" dirty="0"/>
+              <a:t>Outline</a:t>
+            </a:r>
+            <a:endParaRPr lang="zh-TW" altLang="en-US" dirty="0"/>
+          </a:p>
+        </p:txBody>
+      </p:sp>
+      <p:sp>
+        <p:nvSpPr>
+          <p:cNvPr id="3" name="內容版面配置區 2">
+            <a:extLst>
+              <a:ext uri="{FF2B5EF4-FFF2-40B4-BE49-F238E27FC236}">
+                <a16:creationId xmlns:a16="http://schemas.microsoft.com/office/drawing/2014/main" id="{7702888F-7F50-4C16-BA9F-13A236E1AC97}"/>
+              </a:ext>
+            </a:extLst>
+          </p:cNvPr>
+          <p:cNvSpPr>
+            <a:spLocks noGrp="1"/>
+          </p:cNvSpPr>
+          <p:nvPr>
+            <p:ph idx="1"/>
+          </p:nvPr>
+        </p:nvSpPr>
+        <p:spPr/>
+        <p:txBody>
+          <a:bodyPr/>
+          <a:lstStyle/>
+          <a:p>
+            <a:endParaRPr lang="zh-TW" altLang="en-US"/>
+          </a:p>
+        </p:txBody>
+      </p:sp>
+    </p:spTree>
+    <p:extLst>
+      <p:ext uri="{BB962C8B-B14F-4D97-AF65-F5344CB8AC3E}">
+        <p14:creationId xmlns:p14="http://schemas.microsoft.com/office/powerpoint/2010/main" val="2415389246"/>
+      </p:ext>
+    </p:extLst>
+  </p:cSld>
+  <p:clrMapOvr>
+    <a:masterClrMapping/>
+  </p:clrMapOvr>
+</p:sld>
+</file>
+
+<file path=ppt/slides/slide20.xml><?xml version="1.0" encoding="utf-8"?>
+<p:sld xmlns:a="http://schemas.openxmlformats.org/drawingml/2006/main" xmlns:r="http://schemas.openxmlformats.org/officeDocument/2006/relationships" xmlns:p="http://schemas.openxmlformats.org/presentationml/2006/main">
+  <p:cSld>
+    <p:spTree>
+      <p:nvGrpSpPr>
+        <p:cNvPr id="1" name=""/>
+        <p:cNvGrpSpPr/>
+        <p:nvPr/>
+      </p:nvGrpSpPr>
+      <p:grpSpPr>
+        <a:xfrm>
+          <a:off x="0" y="0"/>
+          <a:ext cx="0" cy="0"/>
+          <a:chOff x="0" y="0"/>
+          <a:chExt cx="0" cy="0"/>
+        </a:xfrm>
+      </p:grpSpPr>
+      <p:sp>
+        <p:nvSpPr>
+          <p:cNvPr id="4" name="標題 3">
+            <a:extLst>
+              <a:ext uri="{FF2B5EF4-FFF2-40B4-BE49-F238E27FC236}">
+                <a16:creationId xmlns:a16="http://schemas.microsoft.com/office/drawing/2014/main" id="{227EE0C7-2C22-4159-86AC-2C0ACA3382D5}"/>
+              </a:ext>
+            </a:extLst>
+          </p:cNvPr>
+          <p:cNvSpPr>
+            <a:spLocks noGrp="1"/>
+          </p:cNvSpPr>
+          <p:nvPr>
+            <p:ph type="title"/>
+          </p:nvPr>
+        </p:nvSpPr>
+        <p:spPr/>
+        <p:txBody>
+          <a:bodyPr/>
+          <a:lstStyle/>
+          <a:p>
+            <a:r>
+              <a:rPr lang="en-US" altLang="zh-TW" dirty="0"/>
+              <a:t>Total</a:t>
+            </a:r>
+            <a:endParaRPr lang="zh-TW" altLang="en-US" dirty="0"/>
+          </a:p>
+        </p:txBody>
+      </p:sp>
+      <p:sp>
+        <p:nvSpPr>
+          <p:cNvPr id="5" name="內容版面配置區 4">
+            <a:extLst>
+              <a:ext uri="{FF2B5EF4-FFF2-40B4-BE49-F238E27FC236}">
+                <a16:creationId xmlns:a16="http://schemas.microsoft.com/office/drawing/2014/main" id="{E99D1197-6193-4A49-B060-C959A5CEE2B0}"/>
+              </a:ext>
+            </a:extLst>
+          </p:cNvPr>
+          <p:cNvSpPr>
+            <a:spLocks noGrp="1"/>
+          </p:cNvSpPr>
+          <p:nvPr>
+            <p:ph idx="1"/>
+          </p:nvPr>
+        </p:nvSpPr>
+        <p:spPr/>
+        <p:txBody>
+          <a:bodyPr/>
+          <a:lstStyle/>
+          <a:p>
+            <a:endParaRPr lang="zh-TW" altLang="en-US"/>
+          </a:p>
+        </p:txBody>
+      </p:sp>
+    </p:spTree>
+    <p:extLst>
+      <p:ext uri="{BB962C8B-B14F-4D97-AF65-F5344CB8AC3E}">
+        <p14:creationId xmlns:p14="http://schemas.microsoft.com/office/powerpoint/2010/main" val="1923717882"/>
+      </p:ext>
+    </p:extLst>
+  </p:cSld>
+  <p:clrMapOvr>
+    <a:masterClrMapping/>
+  </p:clrMapOvr>
+</p:sld>
+</file>
+
+<file path=ppt/slides/slide21.xml><?xml version="1.0" encoding="utf-8"?>
+<p:sld xmlns:a="http://schemas.openxmlformats.org/drawingml/2006/main" xmlns:r="http://schemas.openxmlformats.org/officeDocument/2006/relationships" xmlns:p="http://schemas.openxmlformats.org/presentationml/2006/main">
+  <p:cSld>
+    <p:spTree>
+      <p:nvGrpSpPr>
+        <p:cNvPr id="1" name=""/>
+        <p:cNvGrpSpPr/>
+        <p:nvPr/>
+      </p:nvGrpSpPr>
+      <p:grpSpPr>
+        <a:xfrm>
+          <a:off x="0" y="0"/>
+          <a:ext cx="0" cy="0"/>
+          <a:chOff x="0" y="0"/>
+          <a:chExt cx="0" cy="0"/>
+        </a:xfrm>
+      </p:grpSpPr>
+      <p:sp>
+        <p:nvSpPr>
+          <p:cNvPr id="4" name="標題 3">
+            <a:extLst>
+              <a:ext uri="{FF2B5EF4-FFF2-40B4-BE49-F238E27FC236}">
+                <a16:creationId xmlns:a16="http://schemas.microsoft.com/office/drawing/2014/main" id="{9547CB92-9BF2-42FC-AE15-83AB9BA718F8}"/>
+              </a:ext>
+            </a:extLst>
+          </p:cNvPr>
+          <p:cNvSpPr>
+            <a:spLocks noGrp="1"/>
+          </p:cNvSpPr>
+          <p:nvPr>
+            <p:ph type="title"/>
+          </p:nvPr>
+        </p:nvSpPr>
+        <p:spPr/>
+        <p:txBody>
+          <a:bodyPr/>
+          <a:lstStyle/>
+          <a:p>
+            <a:r>
+              <a:rPr lang="en-US" altLang="zh-TW" dirty="0"/>
+              <a:t>Conclusion</a:t>
+            </a:r>
+            <a:endParaRPr lang="zh-TW" altLang="en-US" dirty="0"/>
+          </a:p>
+        </p:txBody>
+      </p:sp>
+      <p:sp>
+        <p:nvSpPr>
+          <p:cNvPr id="6" name="文字版面配置區 5">
+            <a:extLst>
+              <a:ext uri="{FF2B5EF4-FFF2-40B4-BE49-F238E27FC236}">
+                <a16:creationId xmlns:a16="http://schemas.microsoft.com/office/drawing/2014/main" id="{65EEE957-1532-4575-9A78-76BAA12DB09C}"/>
+              </a:ext>
+            </a:extLst>
+          </p:cNvPr>
+          <p:cNvSpPr>
+            <a:spLocks noGrp="1"/>
+          </p:cNvSpPr>
+          <p:nvPr>
+            <p:ph type="body" idx="1"/>
+          </p:nvPr>
+        </p:nvSpPr>
+        <p:spPr/>
+        <p:txBody>
+          <a:bodyPr/>
+          <a:lstStyle/>
+          <a:p>
+            <a:endParaRPr lang="zh-TW" altLang="en-US"/>
+          </a:p>
+        </p:txBody>
+      </p:sp>
+    </p:spTree>
+    <p:extLst>
+      <p:ext uri="{BB962C8B-B14F-4D97-AF65-F5344CB8AC3E}">
+        <p14:creationId xmlns:p14="http://schemas.microsoft.com/office/powerpoint/2010/main" val="1256787907"/>
+      </p:ext>
+    </p:extLst>
+  </p:cSld>
+  <p:clrMapOvr>
+    <a:masterClrMapping/>
+  </p:clrMapOvr>
+</p:sld>
+</file>
+
+<file path=ppt/slides/slide22.xml><?xml version="1.0" encoding="utf-8"?>
+<p:sld xmlns:a="http://schemas.openxmlformats.org/drawingml/2006/main" xmlns:r="http://schemas.openxmlformats.org/officeDocument/2006/relationships" xmlns:p="http://schemas.openxmlformats.org/presentationml/2006/main">
+  <p:cSld>
+    <p:spTree>
+      <p:nvGrpSpPr>
+        <p:cNvPr id="1" name=""/>
+        <p:cNvGrpSpPr/>
+        <p:nvPr/>
+      </p:nvGrpSpPr>
+      <p:grpSpPr>
+        <a:xfrm>
+          <a:off x="0" y="0"/>
+          <a:ext cx="0" cy="0"/>
+          <a:chOff x="0" y="0"/>
+          <a:chExt cx="0" cy="0"/>
+        </a:xfrm>
+      </p:grpSpPr>
+      <p:sp>
+        <p:nvSpPr>
+          <p:cNvPr id="4" name="標題 3">
+            <a:extLst>
+              <a:ext uri="{FF2B5EF4-FFF2-40B4-BE49-F238E27FC236}">
+                <a16:creationId xmlns:a16="http://schemas.microsoft.com/office/drawing/2014/main" id="{F2D89CDB-B1F1-4E5A-AB6B-894636CEFD24}"/>
+              </a:ext>
+            </a:extLst>
+          </p:cNvPr>
+          <p:cNvSpPr>
+            <a:spLocks noGrp="1"/>
+          </p:cNvSpPr>
+          <p:nvPr>
+            <p:ph type="title"/>
+          </p:nvPr>
+        </p:nvSpPr>
+        <p:spPr/>
+        <p:txBody>
+          <a:bodyPr/>
+          <a:lstStyle/>
+          <a:p>
+            <a:endParaRPr lang="zh-TW" altLang="en-US" dirty="0"/>
+          </a:p>
+        </p:txBody>
+      </p:sp>
+      <p:sp>
+        <p:nvSpPr>
+          <p:cNvPr id="5" name="內容版面配置區 4">
+            <a:extLst>
+              <a:ext uri="{FF2B5EF4-FFF2-40B4-BE49-F238E27FC236}">
+                <a16:creationId xmlns:a16="http://schemas.microsoft.com/office/drawing/2014/main" id="{8F610831-87C6-4998-ACC8-96B586DB61BD}"/>
+              </a:ext>
+            </a:extLst>
+          </p:cNvPr>
+          <p:cNvSpPr>
+            <a:spLocks noGrp="1"/>
+          </p:cNvSpPr>
+          <p:nvPr>
+            <p:ph idx="1"/>
+          </p:nvPr>
+        </p:nvSpPr>
+        <p:spPr/>
+        <p:txBody>
+          <a:bodyPr/>
+          <a:lstStyle/>
+          <a:p>
+            <a:r>
+              <a:rPr lang="en-US" altLang="zh-TW" dirty="0"/>
+              <a:t>For the fixed amount of packets, N,</a:t>
+            </a:r>
+            <a:endParaRPr lang="zh-TW" altLang="en-US" dirty="0"/>
+          </a:p>
+        </p:txBody>
+      </p:sp>
+    </p:spTree>
+    <p:extLst>
+      <p:ext uri="{BB962C8B-B14F-4D97-AF65-F5344CB8AC3E}">
+        <p14:creationId xmlns:p14="http://schemas.microsoft.com/office/powerpoint/2010/main" val="1322456945"/>
+      </p:ext>
+    </p:extLst>
+  </p:cSld>
+  <p:clrMapOvr>
+    <a:masterClrMapping/>
+  </p:clrMapOvr>
+</p:sld>
+</file>
+
+<file path=ppt/slides/slide23.xml><?xml version="1.0" encoding="utf-8"?>
+<p:sld xmlns:a="http://schemas.openxmlformats.org/drawingml/2006/main" xmlns:r="http://schemas.openxmlformats.org/officeDocument/2006/relationships" xmlns:p="http://schemas.openxmlformats.org/presentationml/2006/main">
+  <p:cSld>
+    <p:spTree>
+      <p:nvGrpSpPr>
+        <p:cNvPr id="1" name=""/>
+        <p:cNvGrpSpPr/>
+        <p:nvPr/>
+      </p:nvGrpSpPr>
+      <p:grpSpPr>
+        <a:xfrm>
+          <a:off x="0" y="0"/>
+          <a:ext cx="0" cy="0"/>
+          <a:chOff x="0" y="0"/>
+          <a:chExt cx="0" cy="0"/>
+        </a:xfrm>
+      </p:grpSpPr>
+      <p:sp>
+        <p:nvSpPr>
+          <p:cNvPr id="2" name="標題 1">
+            <a:extLst>
+              <a:ext uri="{FF2B5EF4-FFF2-40B4-BE49-F238E27FC236}">
+                <a16:creationId xmlns:a16="http://schemas.microsoft.com/office/drawing/2014/main" id="{180D8649-6937-4291-A1BA-231EEE95C970}"/>
+              </a:ext>
+            </a:extLst>
+          </p:cNvPr>
+          <p:cNvSpPr>
+            <a:spLocks noGrp="1"/>
+          </p:cNvSpPr>
+          <p:nvPr>
+            <p:ph type="title"/>
+          </p:nvPr>
+        </p:nvSpPr>
+        <p:spPr/>
+        <p:txBody>
+          <a:bodyPr/>
+          <a:lstStyle/>
+          <a:p>
+            <a:r>
+              <a:rPr lang="en-US" altLang="zh-TW" dirty="0"/>
+              <a:t>Future Work</a:t>
+            </a:r>
+            <a:endParaRPr lang="zh-TW" altLang="en-US" dirty="0"/>
+          </a:p>
+        </p:txBody>
+      </p:sp>
+      <p:sp>
+        <p:nvSpPr>
+          <p:cNvPr id="3" name="內容版面配置區 2">
+            <a:extLst>
+              <a:ext uri="{FF2B5EF4-FFF2-40B4-BE49-F238E27FC236}">
+                <a16:creationId xmlns:a16="http://schemas.microsoft.com/office/drawing/2014/main" id="{8B4CC36A-9DE4-4197-83C8-1067107E33CC}"/>
+              </a:ext>
+            </a:extLst>
+          </p:cNvPr>
+          <p:cNvSpPr>
+            <a:spLocks noGrp="1"/>
+          </p:cNvSpPr>
+          <p:nvPr>
+            <p:ph idx="1"/>
+          </p:nvPr>
+        </p:nvSpPr>
+        <p:spPr>
+          <a:xfrm>
+            <a:off x="677334" y="2160589"/>
+            <a:ext cx="9110478" cy="4585444"/>
+          </a:xfrm>
+        </p:spPr>
+        <p:txBody>
+          <a:bodyPr/>
+          <a:lstStyle/>
+          <a:p>
+            <a:r>
+              <a:rPr lang="en-US" altLang="zh-TW" dirty="0"/>
+              <a:t>Consider different modulation and coding scheme (MCS)</a:t>
+            </a:r>
+          </a:p>
+          <a:p>
+            <a:pPr lvl="1"/>
+            <a:r>
+              <a:rPr lang="en-US" altLang="zh-TW" dirty="0"/>
+              <a:t>Isolate the bottleneck UE to improve the total latency.</a:t>
+            </a:r>
+          </a:p>
+          <a:p>
+            <a:pPr lvl="1"/>
+            <a:r>
+              <a:rPr lang="en-US" altLang="zh-TW" dirty="0"/>
+              <a:t>For the UE with better channel quality, higher MCS can be applied.</a:t>
+            </a:r>
+          </a:p>
+          <a:p>
+            <a:pPr lvl="1"/>
+            <a:r>
+              <a:rPr lang="en-US" altLang="zh-TW" dirty="0"/>
+              <a:t>The total resource usage will increase.</a:t>
+            </a:r>
+          </a:p>
+          <a:p>
+            <a:r>
+              <a:rPr lang="en-US" altLang="zh-TW" dirty="0"/>
+              <a:t>Fountain code</a:t>
+            </a:r>
+          </a:p>
+          <a:p>
+            <a:pPr lvl="1"/>
+            <a:r>
+              <a:rPr lang="en-US" altLang="zh-TW" dirty="0"/>
+              <a:t>Here we only consider the XOR of the packets.</a:t>
+            </a:r>
+          </a:p>
+          <a:p>
+            <a:pPr lvl="1"/>
+            <a:r>
+              <a:rPr lang="en-US" altLang="zh-TW" dirty="0"/>
+              <a:t>In the multicast scenario, some network coding schemes, such as Raptor code, are used.</a:t>
+            </a:r>
+          </a:p>
+          <a:p>
+            <a:pPr lvl="1"/>
+            <a:r>
+              <a:rPr lang="en-US" altLang="zh-TW" dirty="0"/>
+              <a:t>For total n packets, a UE can decode the data after receiving arbitrary k packets (n&gt;=k).</a:t>
+            </a:r>
+          </a:p>
+          <a:p>
+            <a:r>
+              <a:rPr lang="en-US" altLang="zh-TW" dirty="0"/>
+              <a:t>Combine with the dual connectivity.</a:t>
+            </a:r>
+          </a:p>
+          <a:p>
+            <a:pPr lvl="1"/>
+            <a:r>
+              <a:rPr lang="en-US" altLang="zh-TW" dirty="0"/>
+              <a:t>Assume the UE can receive the signal from two base station.</a:t>
+            </a:r>
+          </a:p>
+          <a:p>
+            <a:pPr lvl="1"/>
+            <a:r>
+              <a:rPr lang="en-US" altLang="zh-TW" dirty="0"/>
+              <a:t>What may be the best receiving scheme for the UE ?</a:t>
+            </a:r>
+            <a:endParaRPr lang="zh-TW" altLang="en-US" dirty="0"/>
+          </a:p>
+        </p:txBody>
+      </p:sp>
+    </p:spTree>
+    <p:extLst>
+      <p:ext uri="{BB962C8B-B14F-4D97-AF65-F5344CB8AC3E}">
+        <p14:creationId xmlns:p14="http://schemas.microsoft.com/office/powerpoint/2010/main" val="2090401199"/>
+      </p:ext>
+    </p:extLst>
+  </p:cSld>
+  <p:clrMapOvr>
+    <a:masterClrMapping/>
+  </p:clrMapOvr>
+</p:sld>
+</file>
+
+<file path=ppt/slides/slide24.xml><?xml version="1.0" encoding="utf-8"?>
+<p:sld xmlns:a="http://schemas.openxmlformats.org/drawingml/2006/main" xmlns:r="http://schemas.openxmlformats.org/officeDocument/2006/relationships" xmlns:p="http://schemas.openxmlformats.org/presentationml/2006/main">
+  <p:cSld>
+    <p:spTree>
+      <p:nvGrpSpPr>
+        <p:cNvPr id="1" name=""/>
+        <p:cNvGrpSpPr/>
+        <p:nvPr/>
+      </p:nvGrpSpPr>
+      <p:grpSpPr>
+        <a:xfrm>
+          <a:off x="0" y="0"/>
+          <a:ext cx="0" cy="0"/>
+          <a:chOff x="0" y="0"/>
+          <a:chExt cx="0" cy="0"/>
+        </a:xfrm>
+      </p:grpSpPr>
+      <p:sp>
+        <p:nvSpPr>
+          <p:cNvPr id="4" name="標題 3">
+            <a:extLst>
+              <a:ext uri="{FF2B5EF4-FFF2-40B4-BE49-F238E27FC236}">
+                <a16:creationId xmlns:a16="http://schemas.microsoft.com/office/drawing/2014/main" id="{61F71499-05A8-4A9E-897C-A4753EB5489C}"/>
+              </a:ext>
+            </a:extLst>
+          </p:cNvPr>
+          <p:cNvSpPr>
+            <a:spLocks noGrp="1"/>
+          </p:cNvSpPr>
+          <p:nvPr>
+            <p:ph type="title"/>
+          </p:nvPr>
+        </p:nvSpPr>
+        <p:spPr/>
+        <p:txBody>
+          <a:bodyPr/>
+          <a:lstStyle/>
+          <a:p>
+            <a:r>
+              <a:rPr lang="en-US" altLang="zh-TW" dirty="0"/>
+              <a:t>Reference</a:t>
+            </a:r>
+            <a:endParaRPr lang="zh-TW" altLang="en-US" dirty="0"/>
+          </a:p>
+        </p:txBody>
+      </p:sp>
+      <p:sp>
+        <p:nvSpPr>
+          <p:cNvPr id="5" name="內容版面配置區 4">
+            <a:extLst>
+              <a:ext uri="{FF2B5EF4-FFF2-40B4-BE49-F238E27FC236}">
+                <a16:creationId xmlns:a16="http://schemas.microsoft.com/office/drawing/2014/main" id="{12C4A5EA-4737-4CA7-8186-9ED496B023FE}"/>
+              </a:ext>
+            </a:extLst>
+          </p:cNvPr>
+          <p:cNvSpPr>
+            <a:spLocks noGrp="1"/>
+          </p:cNvSpPr>
+          <p:nvPr>
+            <p:ph idx="1"/>
+          </p:nvPr>
+        </p:nvSpPr>
+        <p:spPr>
+          <a:xfrm>
+            <a:off x="677333" y="2160589"/>
+            <a:ext cx="9399727" cy="3880773"/>
+          </a:xfrm>
+        </p:spPr>
+        <p:txBody>
+          <a:bodyPr/>
+          <a:lstStyle/>
+          <a:p>
+            <a:r>
+              <a:rPr lang="en-US" altLang="zh-TW" dirty="0"/>
+              <a:t>J. Du, W. Zhu, J. Xu, Z. Li and H. Wang, ”A Compressed HARQ Feed-back for Device-to-Device Multicast Communications,” 2012 IEEE Vehicular Technology Conference</a:t>
+            </a:r>
+          </a:p>
+          <a:p>
+            <a:r>
+              <a:rPr lang="en-US" altLang="zh-TW" dirty="0"/>
+              <a:t>F. Takahashi and K. Higuchi, ”HARQ for Predetermined-Rate Multicast Channel,” 2010 IEEE 71st Vehicular Technology Conference</a:t>
+            </a:r>
+          </a:p>
+          <a:p>
+            <a:r>
+              <a:rPr lang="en-US" altLang="zh-TW" dirty="0"/>
+              <a:t>J. Kim, H. </a:t>
+            </a:r>
+            <a:r>
+              <a:rPr lang="en-US" altLang="zh-TW" dirty="0" err="1"/>
+              <a:t>Jin</a:t>
+            </a:r>
+            <a:r>
+              <a:rPr lang="en-US" altLang="zh-TW" dirty="0"/>
+              <a:t>, D. K. Sung and R. Schober, ”Optimization of Wireless Multicast Systems Employing Hybrid-ARQ with Chase Combining,” in IEEE Transactions on Vehicular Technology</a:t>
+            </a:r>
+            <a:endParaRPr lang="zh-TW" altLang="en-US" dirty="0"/>
+          </a:p>
+        </p:txBody>
+      </p:sp>
+    </p:spTree>
+    <p:extLst>
+      <p:ext uri="{BB962C8B-B14F-4D97-AF65-F5344CB8AC3E}">
+        <p14:creationId xmlns:p14="http://schemas.microsoft.com/office/powerpoint/2010/main" val="2099118109"/>
+      </p:ext>
+    </p:extLst>
+  </p:cSld>
+  <p:clrMapOvr>
+    <a:masterClrMapping/>
+  </p:clrMapOvr>
+</p:sld>
+</file>
+
+<file path=ppt/slides/slide3.xml><?xml version="1.0" encoding="utf-8"?>
+<p:sld xmlns:a="http://schemas.openxmlformats.org/drawingml/2006/main" xmlns:r="http://schemas.openxmlformats.org/officeDocument/2006/relationships" xmlns:p="http://schemas.openxmlformats.org/presentationml/2006/main">
+  <p:cSld>
+    <p:spTree>
+      <p:nvGrpSpPr>
+        <p:cNvPr id="1" name=""/>
+        <p:cNvGrpSpPr/>
+        <p:nvPr/>
+      </p:nvGrpSpPr>
+      <p:grpSpPr>
+        <a:xfrm>
+          <a:off x="0" y="0"/>
+          <a:ext cx="0" cy="0"/>
+          <a:chOff x="0" y="0"/>
+          <a:chExt cx="0" cy="0"/>
+        </a:xfrm>
+      </p:grpSpPr>
+      <p:sp>
+        <p:nvSpPr>
+          <p:cNvPr id="4" name="標題 3">
+            <a:extLst>
+              <a:ext uri="{FF2B5EF4-FFF2-40B4-BE49-F238E27FC236}">
+                <a16:creationId xmlns:a16="http://schemas.microsoft.com/office/drawing/2014/main" id="{38DB1C4F-9182-4E99-A899-A2FA428AE9F2}"/>
+              </a:ext>
+            </a:extLst>
+          </p:cNvPr>
+          <p:cNvSpPr>
+            <a:spLocks noGrp="1"/>
+          </p:cNvSpPr>
+          <p:nvPr>
+            <p:ph type="title"/>
+          </p:nvPr>
+        </p:nvSpPr>
+        <p:spPr/>
+        <p:txBody>
+          <a:bodyPr/>
+          <a:lstStyle/>
+          <a:p>
+            <a:r>
+              <a:rPr lang="en-US" altLang="zh-TW" dirty="0"/>
+              <a:t>Contribution</a:t>
+            </a:r>
+            <a:endParaRPr lang="zh-TW" altLang="en-US" dirty="0"/>
+          </a:p>
+        </p:txBody>
+      </p:sp>
+      <p:sp>
+        <p:nvSpPr>
+          <p:cNvPr id="5" name="文字版面配置區 4">
+            <a:extLst>
+              <a:ext uri="{FF2B5EF4-FFF2-40B4-BE49-F238E27FC236}">
+                <a16:creationId xmlns:a16="http://schemas.microsoft.com/office/drawing/2014/main" id="{546E04FD-C75D-43B7-A8C8-C675B76389A2}"/>
+              </a:ext>
+            </a:extLst>
+          </p:cNvPr>
+          <p:cNvSpPr>
+            <a:spLocks noGrp="1"/>
+          </p:cNvSpPr>
+          <p:nvPr>
+            <p:ph type="body" idx="1"/>
+          </p:nvPr>
+        </p:nvSpPr>
+        <p:spPr/>
+        <p:txBody>
+          <a:bodyPr/>
+          <a:lstStyle/>
+          <a:p>
+            <a:endParaRPr lang="zh-TW" altLang="en-US"/>
+          </a:p>
+        </p:txBody>
+      </p:sp>
+    </p:spTree>
+    <p:extLst>
+      <p:ext uri="{BB962C8B-B14F-4D97-AF65-F5344CB8AC3E}">
+        <p14:creationId xmlns:p14="http://schemas.microsoft.com/office/powerpoint/2010/main" val="1642806044"/>
+      </p:ext>
+    </p:extLst>
+  </p:cSld>
+  <p:clrMapOvr>
+    <a:masterClrMapping/>
+  </p:clrMapOvr>
+</p:sld>
+</file>
+
+<file path=ppt/slides/slide4.xml><?xml version="1.0" encoding="utf-8"?>
+<p:sld xmlns:a="http://schemas.openxmlformats.org/drawingml/2006/main" xmlns:r="http://schemas.openxmlformats.org/officeDocument/2006/relationships" xmlns:p="http://schemas.openxmlformats.org/presentationml/2006/main">
+  <p:cSld>
+    <p:spTree>
+      <p:nvGrpSpPr>
+        <p:cNvPr id="1" name=""/>
+        <p:cNvGrpSpPr/>
+        <p:nvPr/>
+      </p:nvGrpSpPr>
+      <p:grpSpPr>
+        <a:xfrm>
+          <a:off x="0" y="0"/>
+          <a:ext cx="0" cy="0"/>
+          <a:chOff x="0" y="0"/>
+          <a:chExt cx="0" cy="0"/>
+        </a:xfrm>
+      </p:grpSpPr>
+      <p:sp>
+        <p:nvSpPr>
+          <p:cNvPr id="4" name="標題 3">
+            <a:extLst>
+              <a:ext uri="{FF2B5EF4-FFF2-40B4-BE49-F238E27FC236}">
+                <a16:creationId xmlns:a16="http://schemas.microsoft.com/office/drawing/2014/main" id="{52CE5AE3-9463-4080-8CFB-F54C6F5B5CB7}"/>
+              </a:ext>
+            </a:extLst>
+          </p:cNvPr>
+          <p:cNvSpPr>
+            <a:spLocks noGrp="1"/>
+          </p:cNvSpPr>
+          <p:nvPr>
+            <p:ph type="title"/>
+          </p:nvPr>
+        </p:nvSpPr>
+        <p:spPr/>
+        <p:txBody>
+          <a:bodyPr/>
+          <a:lstStyle/>
+          <a:p>
+            <a:endParaRPr lang="zh-TW" altLang="en-US" dirty="0"/>
+          </a:p>
+        </p:txBody>
+      </p:sp>
+      <p:sp>
+        <p:nvSpPr>
+          <p:cNvPr id="5" name="內容版面配置區 4">
+            <a:extLst>
+              <a:ext uri="{FF2B5EF4-FFF2-40B4-BE49-F238E27FC236}">
+                <a16:creationId xmlns:a16="http://schemas.microsoft.com/office/drawing/2014/main" id="{29865417-9A42-43F4-BC93-C6E7C489F775}"/>
+              </a:ext>
+            </a:extLst>
+          </p:cNvPr>
+          <p:cNvSpPr>
+            <a:spLocks noGrp="1"/>
+          </p:cNvSpPr>
+          <p:nvPr>
+            <p:ph idx="1"/>
+          </p:nvPr>
+        </p:nvSpPr>
+        <p:spPr/>
+        <p:txBody>
+          <a:bodyPr/>
+          <a:lstStyle/>
+          <a:p>
+            <a:r>
+              <a:rPr lang="en-US" altLang="zh-TW" dirty="0"/>
+              <a:t>Previous papers mainly focus on maximize the throughput among multicast channel.</a:t>
+            </a:r>
+          </a:p>
+          <a:p>
+            <a:r>
+              <a:rPr lang="en-US" altLang="zh-TW" dirty="0"/>
+              <a:t>The issue of reliability or  </a:t>
+            </a:r>
+            <a:endParaRPr lang="zh-TW" altLang="en-US" dirty="0"/>
+          </a:p>
+        </p:txBody>
+      </p:sp>
+    </p:spTree>
+    <p:extLst>
+      <p:ext uri="{BB962C8B-B14F-4D97-AF65-F5344CB8AC3E}">
+        <p14:creationId xmlns:p14="http://schemas.microsoft.com/office/powerpoint/2010/main" val="1463976815"/>
+      </p:ext>
+    </p:extLst>
+  </p:cSld>
+  <p:clrMapOvr>
+    <a:masterClrMapping/>
+  </p:clrMapOvr>
+</p:sld>
+</file>
+
+<file path=ppt/slides/slide5.xml><?xml version="1.0" encoding="utf-8"?>
+<p:sld xmlns:a="http://schemas.openxmlformats.org/drawingml/2006/main" xmlns:r="http://schemas.openxmlformats.org/officeDocument/2006/relationships" xmlns:p="http://schemas.openxmlformats.org/presentationml/2006/main">
+  <p:cSld>
+    <p:spTree>
+      <p:nvGrpSpPr>
+        <p:cNvPr id="1" name=""/>
+        <p:cNvGrpSpPr/>
+        <p:nvPr/>
+      </p:nvGrpSpPr>
+      <p:grpSpPr>
+        <a:xfrm>
+          <a:off x="0" y="0"/>
+          <a:ext cx="0" cy="0"/>
+          <a:chOff x="0" y="0"/>
+          <a:chExt cx="0" cy="0"/>
+        </a:xfrm>
+      </p:grpSpPr>
+      <p:sp>
+        <p:nvSpPr>
+          <p:cNvPr id="2" name="標題 1">
+            <a:extLst>
+              <a:ext uri="{FF2B5EF4-FFF2-40B4-BE49-F238E27FC236}">
+                <a16:creationId xmlns:a16="http://schemas.microsoft.com/office/drawing/2014/main" id="{DDB54186-CE08-4CFD-B21D-7384B67C4C3F}"/>
+              </a:ext>
+            </a:extLst>
+          </p:cNvPr>
+          <p:cNvSpPr>
+            <a:spLocks noGrp="1"/>
+          </p:cNvSpPr>
+          <p:nvPr>
+            <p:ph type="title"/>
+          </p:nvPr>
+        </p:nvSpPr>
+        <p:spPr/>
+        <p:txBody>
+          <a:bodyPr/>
+          <a:lstStyle/>
+          <a:p>
+            <a:r>
+              <a:rPr lang="en-US" altLang="zh-TW" dirty="0"/>
+              <a:t>System model</a:t>
+            </a:r>
+            <a:endParaRPr lang="zh-TW" altLang="en-US" dirty="0"/>
+          </a:p>
+        </p:txBody>
+      </p:sp>
+      <p:sp>
+        <p:nvSpPr>
+          <p:cNvPr id="3" name="文字版面配置區 2">
+            <a:extLst>
+              <a:ext uri="{FF2B5EF4-FFF2-40B4-BE49-F238E27FC236}">
+                <a16:creationId xmlns:a16="http://schemas.microsoft.com/office/drawing/2014/main" id="{CC075BD7-3D26-4506-89A1-29673AFA1F76}"/>
+              </a:ext>
+            </a:extLst>
+          </p:cNvPr>
+          <p:cNvSpPr>
+            <a:spLocks noGrp="1"/>
+          </p:cNvSpPr>
+          <p:nvPr>
+            <p:ph type="body" idx="1"/>
+          </p:nvPr>
+        </p:nvSpPr>
+        <p:spPr/>
+        <p:txBody>
+          <a:bodyPr/>
+          <a:lstStyle/>
+          <a:p>
+            <a:r>
+              <a:rPr lang="en-US" altLang="zh-TW" dirty="0"/>
+              <a:t>Packets Error Probability determination</a:t>
+            </a:r>
+            <a:endParaRPr lang="zh-TW" altLang="en-US" dirty="0"/>
+          </a:p>
+        </p:txBody>
+      </p:sp>
+    </p:spTree>
+    <p:extLst>
+      <p:ext uri="{BB962C8B-B14F-4D97-AF65-F5344CB8AC3E}">
+        <p14:creationId xmlns:p14="http://schemas.microsoft.com/office/powerpoint/2010/main" val="4200406785"/>
+      </p:ext>
+    </p:extLst>
+  </p:cSld>
+  <p:clrMapOvr>
+    <a:masterClrMapping/>
+  </p:clrMapOvr>
+</p:sld>
+</file>
+
+<file path=ppt/slides/slide6.xml><?xml version="1.0" encoding="utf-8"?>
+<p:sld xmlns:a="http://schemas.openxmlformats.org/drawingml/2006/main" xmlns:r="http://schemas.openxmlformats.org/officeDocument/2006/relationships" xmlns:p="http://schemas.openxmlformats.org/presentationml/2006/main">
+  <p:cSld>
+    <p:spTree>
+      <p:nvGrpSpPr>
+        <p:cNvPr id="1" name=""/>
+        <p:cNvGrpSpPr/>
+        <p:nvPr/>
+      </p:nvGrpSpPr>
+      <p:grpSpPr>
+        <a:xfrm>
+          <a:off x="0" y="0"/>
+          <a:ext cx="0" cy="0"/>
+          <a:chOff x="0" y="0"/>
+          <a:chExt cx="0" cy="0"/>
+        </a:xfrm>
+      </p:grpSpPr>
+      <p:sp>
+        <p:nvSpPr>
+          <p:cNvPr id="2" name="標題 1">
+            <a:extLst>
+              <a:ext uri="{FF2B5EF4-FFF2-40B4-BE49-F238E27FC236}">
+                <a16:creationId xmlns:a16="http://schemas.microsoft.com/office/drawing/2014/main" id="{812BA004-0E71-4434-A24E-3A887573341F}"/>
+              </a:ext>
+            </a:extLst>
+          </p:cNvPr>
+          <p:cNvSpPr>
+            <a:spLocks noGrp="1"/>
+          </p:cNvSpPr>
+          <p:nvPr>
+            <p:ph type="title"/>
+          </p:nvPr>
+        </p:nvSpPr>
+        <p:spPr/>
+        <p:txBody>
+          <a:bodyPr/>
+          <a:lstStyle/>
+          <a:p>
+            <a:r>
+              <a:rPr lang="en-US" altLang="zh-TW" dirty="0"/>
+              <a:t>Parameters</a:t>
+            </a:r>
+            <a:endParaRPr lang="zh-TW" altLang="en-US" dirty="0"/>
+          </a:p>
+        </p:txBody>
+      </p:sp>
+      <p:graphicFrame>
+        <p:nvGraphicFramePr>
+          <p:cNvPr id="4" name="內容版面配置區 3">
+            <a:extLst>
+              <a:ext uri="{FF2B5EF4-FFF2-40B4-BE49-F238E27FC236}">
+                <a16:creationId xmlns:a16="http://schemas.microsoft.com/office/drawing/2014/main" id="{6B6DC4C8-5624-4E91-8B9A-7E5F204DA849}"/>
+              </a:ext>
+            </a:extLst>
+          </p:cNvPr>
+          <p:cNvGraphicFramePr>
+            <a:graphicFrameLocks noGrp="1"/>
+          </p:cNvGraphicFramePr>
+          <p:nvPr>
+            <p:ph idx="1"/>
+            <p:extLst>
+              <p:ext uri="{D42A27DB-BD31-4B8C-83A1-F6EECF244321}">
+                <p14:modId xmlns:p14="http://schemas.microsoft.com/office/powerpoint/2010/main" val="1384643183"/>
+              </p:ext>
+            </p:extLst>
+          </p:nvPr>
+        </p:nvGraphicFramePr>
+        <p:xfrm>
+          <a:off x="677862" y="2160588"/>
+          <a:ext cx="8951329" cy="4450080"/>
+        </p:xfrm>
+        <a:graphic>
+          <a:graphicData uri="http://schemas.openxmlformats.org/drawingml/2006/table">
+            <a:tbl>
+              <a:tblPr firstRow="1" bandRow="1">
+                <a:tableStyleId>{5C22544A-7EE6-4342-B048-85BDC9FD1C3A}</a:tableStyleId>
+              </a:tblPr>
+              <a:tblGrid>
+                <a:gridCol w="6199593">
+                  <a:extLst>
+                    <a:ext uri="{9D8B030D-6E8A-4147-A177-3AD203B41FA5}">
+                      <a16:colId xmlns:a16="http://schemas.microsoft.com/office/drawing/2014/main" val="2637475945"/>
+                    </a:ext>
+                  </a:extLst>
+                </a:gridCol>
+                <a:gridCol w="2751736">
+                  <a:extLst>
+                    <a:ext uri="{9D8B030D-6E8A-4147-A177-3AD203B41FA5}">
+                      <a16:colId xmlns:a16="http://schemas.microsoft.com/office/drawing/2014/main" val="85237086"/>
+                    </a:ext>
+                  </a:extLst>
+                </a:gridCol>
+              </a:tblGrid>
+              <a:tr h="370840">
+                <a:tc>
+                  <a:txBody>
+                    <a:bodyPr/>
+                    <a:lstStyle/>
+                    <a:p>
+                      <a:r>
+                        <a:rPr lang="en-US" altLang="zh-TW" dirty="0"/>
+                        <a:t>Explanation</a:t>
+                      </a:r>
+                      <a:endParaRPr lang="zh-TW" altLang="en-US" dirty="0"/>
+                    </a:p>
+                  </a:txBody>
+                  <a:tcPr/>
+                </a:tc>
+                <a:tc>
+                  <a:txBody>
+                    <a:bodyPr/>
+                    <a:lstStyle/>
+                    <a:p>
+                      <a:r>
+                        <a:rPr lang="en-US" altLang="zh-TW" dirty="0"/>
+                        <a:t>Reference Value</a:t>
+                      </a:r>
+                      <a:endParaRPr lang="zh-TW" altLang="en-US" dirty="0"/>
+                    </a:p>
+                  </a:txBody>
+                  <a:tcPr/>
+                </a:tc>
+                <a:extLst>
+                  <a:ext uri="{0D108BD9-81ED-4DB2-BD59-A6C34878D82A}">
+                    <a16:rowId xmlns:a16="http://schemas.microsoft.com/office/drawing/2014/main" val="187083061"/>
+                  </a:ext>
+                </a:extLst>
+              </a:tr>
+              <a:tr h="370840">
+                <a:tc>
+                  <a:txBody>
+                    <a:bodyPr/>
+                    <a:lstStyle/>
+                    <a:p>
+                      <a:r>
+                        <a:rPr lang="en-US" altLang="zh-TW" dirty="0"/>
+                        <a:t>Transmitted power of a base station</a:t>
+                      </a:r>
+                      <a:endParaRPr lang="zh-TW" altLang="en-US" dirty="0"/>
+                    </a:p>
+                  </a:txBody>
+                  <a:tcPr/>
+                </a:tc>
+                <a:tc>
+                  <a:txBody>
+                    <a:bodyPr/>
+                    <a:lstStyle/>
+                    <a:p>
+                      <a:r>
+                        <a:rPr lang="en-US" altLang="zh-TW" dirty="0"/>
+                        <a:t>38 dBm(6.3W)</a:t>
+                      </a:r>
+                      <a:endParaRPr lang="zh-TW" altLang="en-US" dirty="0"/>
+                    </a:p>
+                  </a:txBody>
+                  <a:tcPr/>
+                </a:tc>
+                <a:extLst>
+                  <a:ext uri="{0D108BD9-81ED-4DB2-BD59-A6C34878D82A}">
+                    <a16:rowId xmlns:a16="http://schemas.microsoft.com/office/drawing/2014/main" val="2824305038"/>
+                  </a:ext>
+                </a:extLst>
+              </a:tr>
+              <a:tr h="370840">
+                <a:tc>
+                  <a:txBody>
+                    <a:bodyPr/>
+                    <a:lstStyle/>
+                    <a:p>
+                      <a:r>
+                        <a:rPr lang="en-US" altLang="zh-TW" dirty="0"/>
+                        <a:t>Maximum range a base station can transmit</a:t>
+                      </a:r>
+                      <a:endParaRPr lang="zh-TW" altLang="en-US" dirty="0"/>
+                    </a:p>
+                  </a:txBody>
+                  <a:tcPr/>
+                </a:tc>
+                <a:tc>
+                  <a:txBody>
+                    <a:bodyPr/>
+                    <a:lstStyle/>
+                    <a:p>
+                      <a:r>
+                        <a:rPr lang="en-US" altLang="zh-TW" dirty="0"/>
+                        <a:t>2000 m</a:t>
+                      </a:r>
+                      <a:endParaRPr lang="zh-TW" altLang="en-US" dirty="0"/>
+                    </a:p>
+                  </a:txBody>
+                  <a:tcPr/>
+                </a:tc>
+                <a:extLst>
+                  <a:ext uri="{0D108BD9-81ED-4DB2-BD59-A6C34878D82A}">
+                    <a16:rowId xmlns:a16="http://schemas.microsoft.com/office/drawing/2014/main" val="3026998173"/>
+                  </a:ext>
+                </a:extLst>
+              </a:tr>
+              <a:tr h="370840">
+                <a:tc>
+                  <a:txBody>
+                    <a:bodyPr/>
+                    <a:lstStyle/>
+                    <a:p>
+                      <a:r>
+                        <a:rPr lang="en-US" altLang="zh-TW" dirty="0"/>
+                        <a:t>Carrier central frequency</a:t>
+                      </a:r>
+                      <a:endParaRPr lang="zh-TW" altLang="en-US" dirty="0"/>
+                    </a:p>
+                  </a:txBody>
+                  <a:tcPr/>
+                </a:tc>
+                <a:tc>
+                  <a:txBody>
+                    <a:bodyPr/>
+                    <a:lstStyle/>
+                    <a:p>
+                      <a:r>
+                        <a:rPr lang="en-US" altLang="zh-TW" dirty="0"/>
+                        <a:t>3 GHz</a:t>
+                      </a:r>
+                      <a:endParaRPr lang="zh-TW" altLang="en-US" dirty="0"/>
+                    </a:p>
+                  </a:txBody>
+                  <a:tcPr/>
+                </a:tc>
+                <a:extLst>
+                  <a:ext uri="{0D108BD9-81ED-4DB2-BD59-A6C34878D82A}">
+                    <a16:rowId xmlns:a16="http://schemas.microsoft.com/office/drawing/2014/main" val="1886795399"/>
+                  </a:ext>
+                </a:extLst>
+              </a:tr>
+              <a:tr h="370840">
+                <a:tc>
+                  <a:txBody>
+                    <a:bodyPr/>
+                    <a:lstStyle/>
+                    <a:p>
+                      <a:r>
+                        <a:rPr lang="en-US" altLang="zh-TW" dirty="0"/>
+                        <a:t>Height of the base station</a:t>
+                      </a:r>
+                      <a:endParaRPr lang="zh-TW" altLang="en-US" dirty="0"/>
+                    </a:p>
+                  </a:txBody>
+                  <a:tcPr/>
+                </a:tc>
+                <a:tc>
+                  <a:txBody>
+                    <a:bodyPr/>
+                    <a:lstStyle/>
+                    <a:p>
+                      <a:r>
+                        <a:rPr lang="en-US" altLang="zh-TW" dirty="0"/>
+                        <a:t>10 m</a:t>
+                      </a:r>
+                      <a:endParaRPr lang="zh-TW" altLang="en-US" dirty="0"/>
+                    </a:p>
+                  </a:txBody>
+                  <a:tcPr/>
+                </a:tc>
+                <a:extLst>
+                  <a:ext uri="{0D108BD9-81ED-4DB2-BD59-A6C34878D82A}">
+                    <a16:rowId xmlns:a16="http://schemas.microsoft.com/office/drawing/2014/main" val="3447427857"/>
+                  </a:ext>
+                </a:extLst>
+              </a:tr>
+              <a:tr h="370840">
+                <a:tc>
+                  <a:txBody>
+                    <a:bodyPr/>
+                    <a:lstStyle/>
+                    <a:p>
+                      <a:r>
+                        <a:rPr lang="en-US" altLang="zh-TW" dirty="0"/>
+                        <a:t>Height of the user equipment</a:t>
+                      </a:r>
+                      <a:endParaRPr lang="zh-TW" altLang="en-US" dirty="0"/>
+                    </a:p>
+                  </a:txBody>
+                  <a:tcPr/>
+                </a:tc>
+                <a:tc>
+                  <a:txBody>
+                    <a:bodyPr/>
+                    <a:lstStyle/>
+                    <a:p>
+                      <a:r>
+                        <a:rPr lang="en-US" altLang="zh-TW" dirty="0"/>
+                        <a:t>1.5 m</a:t>
+                      </a:r>
+                      <a:endParaRPr lang="zh-TW" altLang="en-US" dirty="0"/>
+                    </a:p>
+                  </a:txBody>
+                  <a:tcPr/>
+                </a:tc>
+                <a:extLst>
+                  <a:ext uri="{0D108BD9-81ED-4DB2-BD59-A6C34878D82A}">
+                    <a16:rowId xmlns:a16="http://schemas.microsoft.com/office/drawing/2014/main" val="3406878669"/>
+                  </a:ext>
+                </a:extLst>
+              </a:tr>
+              <a:tr h="370840">
+                <a:tc>
+                  <a:txBody>
+                    <a:bodyPr/>
+                    <a:lstStyle/>
+                    <a:p>
+                      <a:r>
+                        <a:rPr lang="en-US" altLang="zh-TW" dirty="0"/>
+                        <a:t>Power spectral density of the noise</a:t>
+                      </a:r>
+                      <a:endParaRPr lang="zh-TW" altLang="en-US" dirty="0"/>
+                    </a:p>
+                  </a:txBody>
+                  <a:tcPr/>
+                </a:tc>
+                <a:tc>
+                  <a:txBody>
+                    <a:bodyPr/>
+                    <a:lstStyle/>
+                    <a:p>
+                      <a:r>
+                        <a:rPr lang="en-US" altLang="zh-TW" dirty="0"/>
+                        <a:t>-134 dBm/Hz</a:t>
+                      </a:r>
+                      <a:endParaRPr lang="zh-TW" altLang="en-US" dirty="0"/>
+                    </a:p>
+                  </a:txBody>
+                  <a:tcPr/>
+                </a:tc>
+                <a:extLst>
+                  <a:ext uri="{0D108BD9-81ED-4DB2-BD59-A6C34878D82A}">
+                    <a16:rowId xmlns:a16="http://schemas.microsoft.com/office/drawing/2014/main" val="2115609718"/>
+                  </a:ext>
+                </a:extLst>
+              </a:tr>
+              <a:tr h="370840">
+                <a:tc>
+                  <a:txBody>
+                    <a:bodyPr/>
+                    <a:lstStyle/>
+                    <a:p>
+                      <a:r>
+                        <a:rPr lang="en-US" altLang="zh-TW" dirty="0"/>
+                        <a:t>Transmission gain of the transmitter and receiver</a:t>
+                      </a:r>
+                      <a:endParaRPr lang="zh-TW" altLang="en-US" dirty="0"/>
+                    </a:p>
+                  </a:txBody>
+                  <a:tcPr/>
+                </a:tc>
+                <a:tc>
+                  <a:txBody>
+                    <a:bodyPr/>
+                    <a:lstStyle/>
+                    <a:p>
+                      <a:r>
+                        <a:rPr lang="en-US" altLang="zh-TW" dirty="0"/>
+                        <a:t>10 dB</a:t>
+                      </a:r>
+                      <a:endParaRPr lang="zh-TW" altLang="en-US" dirty="0"/>
+                    </a:p>
+                  </a:txBody>
+                  <a:tcPr/>
+                </a:tc>
+                <a:extLst>
+                  <a:ext uri="{0D108BD9-81ED-4DB2-BD59-A6C34878D82A}">
+                    <a16:rowId xmlns:a16="http://schemas.microsoft.com/office/drawing/2014/main" val="233509487"/>
+                  </a:ext>
+                </a:extLst>
+              </a:tr>
+              <a:tr h="370840">
+                <a:tc>
+                  <a:txBody>
+                    <a:bodyPr/>
+                    <a:lstStyle/>
+                    <a:p>
+                      <a:r>
+                        <a:rPr lang="en-US" altLang="zh-TW" dirty="0"/>
+                        <a:t>Rayleigh fading variance</a:t>
+                      </a:r>
+                      <a:endParaRPr lang="zh-TW" altLang="en-US" dirty="0"/>
+                    </a:p>
+                  </a:txBody>
+                  <a:tcPr/>
+                </a:tc>
+                <a:tc>
+                  <a:txBody>
+                    <a:bodyPr/>
+                    <a:lstStyle/>
+                    <a:p>
+                      <a:endParaRPr lang="zh-TW" altLang="en-US" dirty="0"/>
+                    </a:p>
+                  </a:txBody>
+                  <a:tcPr/>
+                </a:tc>
+                <a:extLst>
+                  <a:ext uri="{0D108BD9-81ED-4DB2-BD59-A6C34878D82A}">
+                    <a16:rowId xmlns:a16="http://schemas.microsoft.com/office/drawing/2014/main" val="2161908029"/>
+                  </a:ext>
+                </a:extLst>
+              </a:tr>
+              <a:tr h="370840">
+                <a:tc>
+                  <a:txBody>
+                    <a:bodyPr/>
+                    <a:lstStyle/>
+                    <a:p>
+                      <a:r>
+                        <a:rPr lang="en-US" altLang="zh-TW" dirty="0"/>
+                        <a:t>Numerology (normal CP)</a:t>
+                      </a:r>
+                      <a:endParaRPr lang="zh-TW" altLang="en-US" dirty="0"/>
+                    </a:p>
+                  </a:txBody>
+                  <a:tcPr/>
+                </a:tc>
+                <a:tc>
+                  <a:txBody>
+                    <a:bodyPr/>
+                    <a:lstStyle/>
+                    <a:p>
+                      <a:r>
+                        <a:rPr lang="en-US" altLang="zh-TW" dirty="0"/>
+                        <a:t>2 (4 slots, 60kHz SCS)</a:t>
+                      </a:r>
+                      <a:endParaRPr lang="zh-TW" altLang="en-US" dirty="0"/>
+                    </a:p>
+                  </a:txBody>
+                  <a:tcPr/>
+                </a:tc>
+                <a:extLst>
+                  <a:ext uri="{0D108BD9-81ED-4DB2-BD59-A6C34878D82A}">
+                    <a16:rowId xmlns:a16="http://schemas.microsoft.com/office/drawing/2014/main" val="3180135268"/>
+                  </a:ext>
+                </a:extLst>
+              </a:tr>
+              <a:tr h="370840">
+                <a:tc>
+                  <a:txBody>
+                    <a:bodyPr/>
+                    <a:lstStyle/>
+                    <a:p>
+                      <a:endParaRPr lang="zh-TW" altLang="en-US" dirty="0"/>
+                    </a:p>
+                  </a:txBody>
+                  <a:tcPr/>
+                </a:tc>
+                <a:tc>
+                  <a:txBody>
+                    <a:bodyPr/>
+                    <a:lstStyle/>
+                    <a:p>
+                      <a:endParaRPr lang="zh-TW" altLang="en-US" dirty="0"/>
+                    </a:p>
+                  </a:txBody>
+                  <a:tcPr/>
+                </a:tc>
+                <a:extLst>
+                  <a:ext uri="{0D108BD9-81ED-4DB2-BD59-A6C34878D82A}">
+                    <a16:rowId xmlns:a16="http://schemas.microsoft.com/office/drawing/2014/main" val="1659878566"/>
+                  </a:ext>
+                </a:extLst>
+              </a:tr>
+              <a:tr h="370840">
+                <a:tc>
+                  <a:txBody>
+                    <a:bodyPr/>
+                    <a:lstStyle/>
+                    <a:p>
+                      <a:r>
+                        <a:rPr lang="en-US" altLang="zh-TW" dirty="0"/>
+                        <a:t>Modulation </a:t>
+                      </a:r>
+                      <a:endParaRPr lang="zh-TW" altLang="en-US" dirty="0"/>
+                    </a:p>
+                  </a:txBody>
+                  <a:tcPr/>
+                </a:tc>
+                <a:tc>
+                  <a:txBody>
+                    <a:bodyPr/>
+                    <a:lstStyle/>
+                    <a:p>
+                      <a:r>
+                        <a:rPr lang="en-US" altLang="zh-TW" dirty="0"/>
+                        <a:t>QPSK</a:t>
+                      </a:r>
+                      <a:endParaRPr lang="zh-TW" altLang="en-US" dirty="0"/>
+                    </a:p>
+                  </a:txBody>
+                  <a:tcPr/>
+                </a:tc>
+                <a:extLst>
+                  <a:ext uri="{0D108BD9-81ED-4DB2-BD59-A6C34878D82A}">
+                    <a16:rowId xmlns:a16="http://schemas.microsoft.com/office/drawing/2014/main" val="3736458583"/>
+                  </a:ext>
+                </a:extLst>
+              </a:tr>
+            </a:tbl>
+          </a:graphicData>
+        </a:graphic>
+      </p:graphicFrame>
+    </p:spTree>
+    <p:extLst>
+      <p:ext uri="{BB962C8B-B14F-4D97-AF65-F5344CB8AC3E}">
+        <p14:creationId xmlns:p14="http://schemas.microsoft.com/office/powerpoint/2010/main" val="1290193828"/>
+      </p:ext>
+    </p:extLst>
+  </p:cSld>
+  <p:clrMapOvr>
+    <a:masterClrMapping/>
+  </p:clrMapOvr>
+</p:sld>
+</file>
+
+<file path=ppt/slides/slide7.xml><?xml version="1.0" encoding="utf-8"?>
+<p:sld xmlns:a="http://schemas.openxmlformats.org/drawingml/2006/main" xmlns:r="http://schemas.openxmlformats.org/officeDocument/2006/relationships" xmlns:p="http://schemas.openxmlformats.org/presentationml/2006/main">
+  <p:cSld>
+    <p:spTree>
+      <p:nvGrpSpPr>
+        <p:cNvPr id="1" name=""/>
+        <p:cNvGrpSpPr/>
+        <p:nvPr/>
+      </p:nvGrpSpPr>
+      <p:grpSpPr>
+        <a:xfrm>
+          <a:off x="0" y="0"/>
+          <a:ext cx="0" cy="0"/>
+          <a:chOff x="0" y="0"/>
+          <a:chExt cx="0" cy="0"/>
+        </a:xfrm>
+      </p:grpSpPr>
+      <p:sp>
+        <p:nvSpPr>
+          <p:cNvPr id="2" name="標題 1">
+            <a:extLst>
+              <a:ext uri="{FF2B5EF4-FFF2-40B4-BE49-F238E27FC236}">
+                <a16:creationId xmlns:a16="http://schemas.microsoft.com/office/drawing/2014/main" id="{9843C9A9-C9D2-49EE-8C19-4AE4D46D91C1}"/>
+              </a:ext>
+            </a:extLst>
+          </p:cNvPr>
+          <p:cNvSpPr>
+            <a:spLocks noGrp="1"/>
+          </p:cNvSpPr>
+          <p:nvPr>
+            <p:ph type="title"/>
+          </p:nvPr>
+        </p:nvSpPr>
+        <p:spPr/>
+        <p:txBody>
+          <a:bodyPr/>
+          <a:lstStyle/>
+          <a:p>
+            <a:r>
+              <a:rPr lang="en-US" altLang="zh-TW" dirty="0"/>
+              <a:t>Error Probability determination</a:t>
+            </a:r>
+            <a:br>
+              <a:rPr lang="en-US" altLang="zh-TW" dirty="0"/>
+            </a:br>
+            <a:r>
+              <a:rPr lang="en-US" altLang="zh-TW" dirty="0"/>
+              <a:t>(Assumption)</a:t>
+            </a:r>
+            <a:endParaRPr lang="zh-TW" altLang="en-US" dirty="0"/>
+          </a:p>
+        </p:txBody>
+      </p:sp>
+      <p:sp>
+        <p:nvSpPr>
+          <p:cNvPr id="3" name="內容版面配置區 2">
+            <a:extLst>
+              <a:ext uri="{FF2B5EF4-FFF2-40B4-BE49-F238E27FC236}">
+                <a16:creationId xmlns:a16="http://schemas.microsoft.com/office/drawing/2014/main" id="{ECE538FE-E561-461E-99DC-51E1772CB83B}"/>
+              </a:ext>
+            </a:extLst>
+          </p:cNvPr>
+          <p:cNvSpPr>
+            <a:spLocks noGrp="1"/>
+          </p:cNvSpPr>
+          <p:nvPr>
+            <p:ph idx="1"/>
+          </p:nvPr>
+        </p:nvSpPr>
+        <p:spPr>
+          <a:xfrm>
+            <a:off x="677334" y="2160589"/>
+            <a:ext cx="8596668" cy="4594774"/>
+          </a:xfrm>
+        </p:spPr>
+        <p:txBody>
+          <a:bodyPr>
+            <a:normAutofit/>
+          </a:bodyPr>
+          <a:lstStyle/>
+          <a:p>
+            <a:r>
+              <a:rPr lang="en-US" altLang="zh-TW" dirty="0"/>
+              <a:t>The scenario is assumed under </a:t>
+            </a:r>
+            <a:r>
+              <a:rPr lang="en-US" altLang="zh-TW" b="1" dirty="0" err="1"/>
+              <a:t>UMi</a:t>
+            </a:r>
+            <a:r>
+              <a:rPr lang="en-US" altLang="zh-TW" b="1" dirty="0"/>
+              <a:t>-street canyon (Urban Micro cell)</a:t>
+            </a:r>
+            <a:r>
+              <a:rPr lang="en-US" altLang="zh-TW" dirty="0"/>
+              <a:t>, NLOS. </a:t>
+            </a:r>
+          </a:p>
+          <a:p>
+            <a:r>
+              <a:rPr lang="en-US" altLang="zh-TW" dirty="0"/>
+              <a:t>There is only one base station(BS), and the user equipment(UE) are uniformly  distributed on a circular disk.</a:t>
+            </a:r>
+          </a:p>
+          <a:p>
+            <a:endParaRPr lang="en-US" altLang="zh-TW" dirty="0"/>
+          </a:p>
+          <a:p>
+            <a:r>
+              <a:rPr lang="en-US" altLang="zh-TW" dirty="0"/>
+              <a:t>The BS is type 1-C and an Medium Range Base Station</a:t>
+            </a:r>
+          </a:p>
+          <a:p>
+            <a:r>
+              <a:rPr lang="en-US" altLang="zh-TW" dirty="0"/>
+              <a:t>From TR</a:t>
+            </a:r>
+            <a:r>
+              <a:rPr lang="zh-TW" altLang="en-US" dirty="0"/>
+              <a:t> </a:t>
+            </a:r>
+            <a:r>
+              <a:rPr lang="en-US" altLang="zh-TW" dirty="0"/>
+              <a:t>38.901 V16-1 Table 7.4.1-1, the </a:t>
+            </a:r>
+            <a:r>
+              <a:rPr lang="en-US" altLang="zh-TW" b="1" dirty="0"/>
+              <a:t>pathloss model </a:t>
+            </a:r>
+            <a:r>
+              <a:rPr lang="en-US" altLang="zh-TW" dirty="0"/>
+              <a:t>is </a:t>
+            </a:r>
+          </a:p>
+          <a:p>
+            <a:endParaRPr lang="en-US" altLang="zh-TW" dirty="0"/>
+          </a:p>
+          <a:p>
+            <a:endParaRPr lang="en-US" altLang="zh-TW" dirty="0"/>
+          </a:p>
+          <a:p>
+            <a:r>
+              <a:rPr lang="en-US" altLang="zh-TW" dirty="0"/>
+              <a:t>Using </a:t>
+            </a:r>
+            <a:r>
+              <a:rPr lang="en-US" altLang="zh-TW" b="1" dirty="0"/>
+              <a:t>log-normal shadowing</a:t>
+            </a:r>
+            <a:r>
+              <a:rPr lang="en-US" altLang="zh-TW" dirty="0"/>
+              <a:t> with </a:t>
+            </a:r>
+          </a:p>
+          <a:p>
+            <a:endParaRPr lang="en-US" altLang="zh-TW" dirty="0"/>
+          </a:p>
+          <a:p>
+            <a:endParaRPr lang="en-US" altLang="zh-TW" dirty="0"/>
+          </a:p>
+          <a:p>
+            <a:endParaRPr lang="en-US" altLang="zh-TW" dirty="0"/>
+          </a:p>
+        </p:txBody>
+      </p:sp>
+      <p:pic>
+        <p:nvPicPr>
+          <p:cNvPr id="34" name="圖片 33" descr="\documentclass{article}&#10;\usepackage{amsmath}&#10;\pagestyle{empty}&#10;\begin{document}&#10;$$&#10;\sigma_{SF} = 8.2dB&#10;$$&#10;\end{document}" title="IguanaTex Bitmap Display">
+            <a:extLst>
+              <a:ext uri="{FF2B5EF4-FFF2-40B4-BE49-F238E27FC236}">
+                <a16:creationId xmlns:a16="http://schemas.microsoft.com/office/drawing/2014/main" id="{DDB27122-5EF0-4562-B12E-BA8BC9CD528D}"/>
+              </a:ext>
+            </a:extLst>
+          </p:cNvPr>
+          <p:cNvPicPr>
+            <a:picLocks noChangeAspect="1"/>
+          </p:cNvPicPr>
+          <p:nvPr>
+            <p:custDataLst>
+              <p:tags r:id="rId1"/>
+            </p:custDataLst>
+          </p:nvPr>
+        </p:nvPicPr>
+        <p:blipFill>
+          <a:blip r:embed="rId4">
+            <a:extLst>
+              <a:ext uri="{28A0092B-C50C-407E-A947-70E740481C1C}">
+                <a14:useLocalDpi xmlns:a14="http://schemas.microsoft.com/office/drawing/2010/main" val="0"/>
+              </a:ext>
+            </a:extLst>
+          </a:blip>
+          <a:stretch>
+            <a:fillRect/>
+          </a:stretch>
+        </p:blipFill>
+        <p:spPr>
+          <a:xfrm>
+            <a:off x="4708313" y="5362931"/>
+            <a:ext cx="1278171" cy="194743"/>
+          </a:xfrm>
+          <a:prstGeom prst="rect">
+            <a:avLst/>
+          </a:prstGeom>
+        </p:spPr>
+      </p:pic>
+      <p:pic>
+        <p:nvPicPr>
+          <p:cNvPr id="35" name="圖片 34">
+            <a:extLst>
+              <a:ext uri="{FF2B5EF4-FFF2-40B4-BE49-F238E27FC236}">
+                <a16:creationId xmlns:a16="http://schemas.microsoft.com/office/drawing/2014/main" id="{F7B74A73-BC6F-4A42-AA7A-D9045664B640}"/>
+              </a:ext>
+            </a:extLst>
+          </p:cNvPr>
+          <p:cNvPicPr>
+            <a:picLocks noChangeAspect="1"/>
+          </p:cNvPicPr>
+          <p:nvPr/>
+        </p:nvPicPr>
+        <p:blipFill>
+          <a:blip r:embed="rId5"/>
+          <a:stretch>
+            <a:fillRect/>
+          </a:stretch>
+        </p:blipFill>
+        <p:spPr>
+          <a:xfrm>
+            <a:off x="1115692" y="4457976"/>
+            <a:ext cx="3970364" cy="342930"/>
+          </a:xfrm>
+          <a:prstGeom prst="rect">
+            <a:avLst/>
+          </a:prstGeom>
+        </p:spPr>
+      </p:pic>
+      <p:pic>
+        <p:nvPicPr>
+          <p:cNvPr id="39" name="圖片 38">
+            <a:extLst>
+              <a:ext uri="{FF2B5EF4-FFF2-40B4-BE49-F238E27FC236}">
+                <a16:creationId xmlns:a16="http://schemas.microsoft.com/office/drawing/2014/main" id="{64A5A49D-25A3-424D-85BF-412B65816279}"/>
+              </a:ext>
+            </a:extLst>
+          </p:cNvPr>
+          <p:cNvPicPr>
+            <a:picLocks noChangeAspect="1"/>
+          </p:cNvPicPr>
+          <p:nvPr/>
+        </p:nvPicPr>
+        <p:blipFill>
+          <a:blip r:embed="rId6">
+            <a:extLst>
+              <a:ext uri="{28A0092B-C50C-407E-A947-70E740481C1C}">
+                <a14:useLocalDpi xmlns:a14="http://schemas.microsoft.com/office/drawing/2010/main" val="0"/>
+              </a:ext>
+            </a:extLst>
+          </a:blip>
+          <a:stretch>
+            <a:fillRect/>
+          </a:stretch>
+        </p:blipFill>
+        <p:spPr>
+          <a:xfrm>
+            <a:off x="7557796" y="3387012"/>
+            <a:ext cx="4634204" cy="3475653"/>
+          </a:xfrm>
+          <a:prstGeom prst="rect">
+            <a:avLst/>
+          </a:prstGeom>
+        </p:spPr>
+      </p:pic>
+      <p:pic>
+        <p:nvPicPr>
+          <p:cNvPr id="7" name="圖片 6" descr="\documentclass{article}&#10;\usepackage{amsmath}&#10;\pagestyle{empty}&#10;\begin{document}&#10;$$&#10;d_{3D} = \sqrt{r^2+(h_{BS}-h_{UE})^2}&#10;$$&#10;\end{document}" title="IguanaTex Bitmap Display">
+            <a:extLst>
+              <a:ext uri="{FF2B5EF4-FFF2-40B4-BE49-F238E27FC236}">
+                <a16:creationId xmlns:a16="http://schemas.microsoft.com/office/drawing/2014/main" id="{5DD24A6B-0D5D-4920-95CE-FD7C3E07F781}"/>
+              </a:ext>
+            </a:extLst>
+          </p:cNvPr>
+          <p:cNvPicPr>
+            <a:picLocks noChangeAspect="1"/>
+          </p:cNvPicPr>
+          <p:nvPr>
+            <p:custDataLst>
+              <p:tags r:id="rId2"/>
+            </p:custDataLst>
+          </p:nvPr>
+        </p:nvPicPr>
+        <p:blipFill>
+          <a:blip r:embed="rId7">
+            <a:extLst>
+              <a:ext uri="{28A0092B-C50C-407E-A947-70E740481C1C}">
+                <a14:useLocalDpi xmlns:a14="http://schemas.microsoft.com/office/drawing/2010/main" val="0"/>
+              </a:ext>
+            </a:extLst>
+          </a:blip>
+          <a:stretch>
+            <a:fillRect/>
+          </a:stretch>
+        </p:blipFill>
+        <p:spPr>
+          <a:xfrm>
+            <a:off x="1115692" y="4871359"/>
+            <a:ext cx="2803985" cy="275416"/>
+          </a:xfrm>
+          <a:prstGeom prst="rect">
+            <a:avLst/>
+          </a:prstGeom>
+        </p:spPr>
+      </p:pic>
+    </p:spTree>
+    <p:extLst>
+      <p:ext uri="{BB962C8B-B14F-4D97-AF65-F5344CB8AC3E}">
+        <p14:creationId xmlns:p14="http://schemas.microsoft.com/office/powerpoint/2010/main" val="3381573304"/>
+      </p:ext>
+    </p:extLst>
+  </p:cSld>
+  <p:clrMapOvr>
+    <a:masterClrMapping/>
+  </p:clrMapOvr>
+</p:sld>
+</file>
+
+<file path=ppt/slides/slide8.xml><?xml version="1.0" encoding="utf-8"?>
 <p:sld xmlns:a="http://schemas.openxmlformats.org/drawingml/2006/main" xmlns:r="http://schemas.openxmlformats.org/officeDocument/2006/relationships" xmlns:p="http://schemas.openxmlformats.org/presentationml/2006/main">
   <p:cSld>
     <p:spTree>
@@ -6093,7 +8898,7 @@
 </p:sld>
 </file>
 
-<file path=ppt/slides/slide11.xml><?xml version="1.0" encoding="utf-8"?>
+<file path=ppt/slides/slide9.xml><?xml version="1.0" encoding="utf-8"?>
 <p:sld xmlns:a="http://schemas.openxmlformats.org/drawingml/2006/main" xmlns:r="http://schemas.openxmlformats.org/officeDocument/2006/relationships" xmlns:p="http://schemas.openxmlformats.org/presentationml/2006/main">
   <p:cSld>
     <p:spTree>
@@ -6205,7 +9010,7 @@
         </p:blipFill>
         <p:spPr>
           <a:xfrm>
-            <a:off x="8755082" y="3474427"/>
+            <a:off x="8755082" y="3497924"/>
             <a:ext cx="3436918" cy="3383573"/>
           </a:xfrm>
           <a:prstGeom prst="rect">
@@ -6245,7 +9050,7 @@
         </p:blipFill>
         <p:spPr>
           <a:xfrm>
-            <a:off x="3436919" y="3249126"/>
+            <a:off x="4165630" y="2549330"/>
             <a:ext cx="1855725" cy="616365"/>
           </a:xfrm>
           <a:prstGeom prst="rect">
@@ -6257,1192 +9062,6 @@
     <p:extLst>
       <p:ext uri="{BB962C8B-B14F-4D97-AF65-F5344CB8AC3E}">
         <p14:creationId xmlns:p14="http://schemas.microsoft.com/office/powerpoint/2010/main" val="1528522854"/>
-      </p:ext>
-    </p:extLst>
-  </p:cSld>
-  <p:clrMapOvr>
-    <a:masterClrMapping/>
-  </p:clrMapOvr>
-</p:sld>
-</file>
-
-<file path=ppt/slides/slide12.xml><?xml version="1.0" encoding="utf-8"?>
-<p:sld xmlns:a="http://schemas.openxmlformats.org/drawingml/2006/main" xmlns:r="http://schemas.openxmlformats.org/officeDocument/2006/relationships" xmlns:p="http://schemas.openxmlformats.org/presentationml/2006/main">
-  <p:cSld>
-    <p:spTree>
-      <p:nvGrpSpPr>
-        <p:cNvPr id="1" name=""/>
-        <p:cNvGrpSpPr/>
-        <p:nvPr/>
-      </p:nvGrpSpPr>
-      <p:grpSpPr>
-        <a:xfrm>
-          <a:off x="0" y="0"/>
-          <a:ext cx="0" cy="0"/>
-          <a:chOff x="0" y="0"/>
-          <a:chExt cx="0" cy="0"/>
-        </a:xfrm>
-      </p:grpSpPr>
-      <p:sp>
-        <p:nvSpPr>
-          <p:cNvPr id="2" name="標題 1">
-            <a:extLst>
-              <a:ext uri="{FF2B5EF4-FFF2-40B4-BE49-F238E27FC236}">
-                <a16:creationId xmlns:a16="http://schemas.microsoft.com/office/drawing/2014/main" id="{9843C9A9-C9D2-49EE-8C19-4AE4D46D91C1}"/>
-              </a:ext>
-            </a:extLst>
-          </p:cNvPr>
-          <p:cNvSpPr>
-            <a:spLocks noGrp="1"/>
-          </p:cNvSpPr>
-          <p:nvPr>
-            <p:ph type="title"/>
-          </p:nvPr>
-        </p:nvSpPr>
-        <p:spPr/>
-        <p:txBody>
-          <a:bodyPr/>
-          <a:lstStyle/>
-          <a:p>
-            <a:r>
-              <a:rPr lang="en-US" altLang="zh-TW" dirty="0"/>
-              <a:t>Error Probability determination</a:t>
-            </a:r>
-            <a:br>
-              <a:rPr lang="en-US" altLang="zh-TW" dirty="0"/>
-            </a:br>
-            <a:r>
-              <a:rPr lang="en-US" altLang="zh-TW" dirty="0"/>
-              <a:t>(Consider Channel Coding)</a:t>
-            </a:r>
-            <a:endParaRPr lang="zh-TW" altLang="en-US" dirty="0"/>
-          </a:p>
-        </p:txBody>
-      </p:sp>
-      <p:sp>
-        <p:nvSpPr>
-          <p:cNvPr id="3" name="內容版面配置區 2">
-            <a:extLst>
-              <a:ext uri="{FF2B5EF4-FFF2-40B4-BE49-F238E27FC236}">
-                <a16:creationId xmlns:a16="http://schemas.microsoft.com/office/drawing/2014/main" id="{ECE538FE-E561-461E-99DC-51E1772CB83B}"/>
-              </a:ext>
-            </a:extLst>
-          </p:cNvPr>
-          <p:cNvSpPr>
-            <a:spLocks noGrp="1"/>
-          </p:cNvSpPr>
-          <p:nvPr>
-            <p:ph idx="1"/>
-          </p:nvPr>
-        </p:nvSpPr>
-        <p:spPr/>
-        <p:txBody>
-          <a:bodyPr/>
-          <a:lstStyle/>
-          <a:p>
-            <a:endParaRPr lang="zh-TW" altLang="en-US" dirty="0"/>
-          </a:p>
-        </p:txBody>
-      </p:sp>
-    </p:spTree>
-    <p:extLst>
-      <p:ext uri="{BB962C8B-B14F-4D97-AF65-F5344CB8AC3E}">
-        <p14:creationId xmlns:p14="http://schemas.microsoft.com/office/powerpoint/2010/main" val="1713243130"/>
-      </p:ext>
-    </p:extLst>
-  </p:cSld>
-  <p:clrMapOvr>
-    <a:masterClrMapping/>
-  </p:clrMapOvr>
-</p:sld>
-</file>
-
-<file path=ppt/slides/slide13.xml><?xml version="1.0" encoding="utf-8"?>
-<p:sld xmlns:a="http://schemas.openxmlformats.org/drawingml/2006/main" xmlns:r="http://schemas.openxmlformats.org/officeDocument/2006/relationships" xmlns:p="http://schemas.openxmlformats.org/presentationml/2006/main">
-  <p:cSld>
-    <p:spTree>
-      <p:nvGrpSpPr>
-        <p:cNvPr id="1" name=""/>
-        <p:cNvGrpSpPr/>
-        <p:nvPr/>
-      </p:nvGrpSpPr>
-      <p:grpSpPr>
-        <a:xfrm>
-          <a:off x="0" y="0"/>
-          <a:ext cx="0" cy="0"/>
-          <a:chOff x="0" y="0"/>
-          <a:chExt cx="0" cy="0"/>
-        </a:xfrm>
-      </p:grpSpPr>
-      <p:sp>
-        <p:nvSpPr>
-          <p:cNvPr id="4" name="標題 3">
-            <a:extLst>
-              <a:ext uri="{FF2B5EF4-FFF2-40B4-BE49-F238E27FC236}">
-                <a16:creationId xmlns:a16="http://schemas.microsoft.com/office/drawing/2014/main" id="{9547CB92-9BF2-42FC-AE15-83AB9BA718F8}"/>
-              </a:ext>
-            </a:extLst>
-          </p:cNvPr>
-          <p:cNvSpPr>
-            <a:spLocks noGrp="1"/>
-          </p:cNvSpPr>
-          <p:nvPr>
-            <p:ph type="title"/>
-          </p:nvPr>
-        </p:nvSpPr>
-        <p:spPr/>
-        <p:txBody>
-          <a:bodyPr/>
-          <a:lstStyle/>
-          <a:p>
-            <a:r>
-              <a:rPr lang="en-US" altLang="zh-TW" dirty="0"/>
-              <a:t>Result</a:t>
-            </a:r>
-            <a:endParaRPr lang="zh-TW" altLang="en-US" dirty="0"/>
-          </a:p>
-        </p:txBody>
-      </p:sp>
-      <p:sp>
-        <p:nvSpPr>
-          <p:cNvPr id="6" name="文字版面配置區 5">
-            <a:extLst>
-              <a:ext uri="{FF2B5EF4-FFF2-40B4-BE49-F238E27FC236}">
-                <a16:creationId xmlns:a16="http://schemas.microsoft.com/office/drawing/2014/main" id="{65EEE957-1532-4575-9A78-76BAA12DB09C}"/>
-              </a:ext>
-            </a:extLst>
-          </p:cNvPr>
-          <p:cNvSpPr>
-            <a:spLocks noGrp="1"/>
-          </p:cNvSpPr>
-          <p:nvPr>
-            <p:ph type="body" idx="1"/>
-          </p:nvPr>
-        </p:nvSpPr>
-        <p:spPr/>
-        <p:txBody>
-          <a:bodyPr/>
-          <a:lstStyle/>
-          <a:p>
-            <a:endParaRPr lang="zh-TW" altLang="en-US"/>
-          </a:p>
-        </p:txBody>
-      </p:sp>
-    </p:spTree>
-    <p:extLst>
-      <p:ext uri="{BB962C8B-B14F-4D97-AF65-F5344CB8AC3E}">
-        <p14:creationId xmlns:p14="http://schemas.microsoft.com/office/powerpoint/2010/main" val="2160894292"/>
-      </p:ext>
-    </p:extLst>
-  </p:cSld>
-  <p:clrMapOvr>
-    <a:masterClrMapping/>
-  </p:clrMapOvr>
-</p:sld>
-</file>
-
-<file path=ppt/slides/slide14.xml><?xml version="1.0" encoding="utf-8"?>
-<p:sld xmlns:a="http://schemas.openxmlformats.org/drawingml/2006/main" xmlns:r="http://schemas.openxmlformats.org/officeDocument/2006/relationships" xmlns:p="http://schemas.openxmlformats.org/presentationml/2006/main">
-  <p:cSld>
-    <p:spTree>
-      <p:nvGrpSpPr>
-        <p:cNvPr id="1" name=""/>
-        <p:cNvGrpSpPr/>
-        <p:nvPr/>
-      </p:nvGrpSpPr>
-      <p:grpSpPr>
-        <a:xfrm>
-          <a:off x="0" y="0"/>
-          <a:ext cx="0" cy="0"/>
-          <a:chOff x="0" y="0"/>
-          <a:chExt cx="0" cy="0"/>
-        </a:xfrm>
-      </p:grpSpPr>
-      <p:sp>
-        <p:nvSpPr>
-          <p:cNvPr id="4" name="標題 3">
-            <a:extLst>
-              <a:ext uri="{FF2B5EF4-FFF2-40B4-BE49-F238E27FC236}">
-                <a16:creationId xmlns:a16="http://schemas.microsoft.com/office/drawing/2014/main" id="{227EE0C7-2C22-4159-86AC-2C0ACA3382D5}"/>
-              </a:ext>
-            </a:extLst>
-          </p:cNvPr>
-          <p:cNvSpPr>
-            <a:spLocks noGrp="1"/>
-          </p:cNvSpPr>
-          <p:nvPr>
-            <p:ph type="title"/>
-          </p:nvPr>
-        </p:nvSpPr>
-        <p:spPr/>
-        <p:txBody>
-          <a:bodyPr/>
-          <a:lstStyle/>
-          <a:p>
-            <a:endParaRPr lang="zh-TW" altLang="en-US"/>
-          </a:p>
-        </p:txBody>
-      </p:sp>
-      <p:sp>
-        <p:nvSpPr>
-          <p:cNvPr id="5" name="內容版面配置區 4">
-            <a:extLst>
-              <a:ext uri="{FF2B5EF4-FFF2-40B4-BE49-F238E27FC236}">
-                <a16:creationId xmlns:a16="http://schemas.microsoft.com/office/drawing/2014/main" id="{E99D1197-6193-4A49-B060-C959A5CEE2B0}"/>
-              </a:ext>
-            </a:extLst>
-          </p:cNvPr>
-          <p:cNvSpPr>
-            <a:spLocks noGrp="1"/>
-          </p:cNvSpPr>
-          <p:nvPr>
-            <p:ph idx="1"/>
-          </p:nvPr>
-        </p:nvSpPr>
-        <p:spPr/>
-        <p:txBody>
-          <a:bodyPr/>
-          <a:lstStyle/>
-          <a:p>
-            <a:endParaRPr lang="zh-TW" altLang="en-US"/>
-          </a:p>
-        </p:txBody>
-      </p:sp>
-    </p:spTree>
-    <p:extLst>
-      <p:ext uri="{BB962C8B-B14F-4D97-AF65-F5344CB8AC3E}">
-        <p14:creationId xmlns:p14="http://schemas.microsoft.com/office/powerpoint/2010/main" val="1923717882"/>
-      </p:ext>
-    </p:extLst>
-  </p:cSld>
-  <p:clrMapOvr>
-    <a:masterClrMapping/>
-  </p:clrMapOvr>
-</p:sld>
-</file>
-
-<file path=ppt/slides/slide2.xml><?xml version="1.0" encoding="utf-8"?>
-<p:sld xmlns:a="http://schemas.openxmlformats.org/drawingml/2006/main" xmlns:r="http://schemas.openxmlformats.org/officeDocument/2006/relationships" xmlns:p="http://schemas.openxmlformats.org/presentationml/2006/main">
-  <p:cSld>
-    <p:spTree>
-      <p:nvGrpSpPr>
-        <p:cNvPr id="1" name=""/>
-        <p:cNvGrpSpPr/>
-        <p:nvPr/>
-      </p:nvGrpSpPr>
-      <p:grpSpPr>
-        <a:xfrm>
-          <a:off x="0" y="0"/>
-          <a:ext cx="0" cy="0"/>
-          <a:chOff x="0" y="0"/>
-          <a:chExt cx="0" cy="0"/>
-        </a:xfrm>
-      </p:grpSpPr>
-      <p:sp>
-        <p:nvSpPr>
-          <p:cNvPr id="4" name="標題 3">
-            <a:extLst>
-              <a:ext uri="{FF2B5EF4-FFF2-40B4-BE49-F238E27FC236}">
-                <a16:creationId xmlns:a16="http://schemas.microsoft.com/office/drawing/2014/main" id="{A3DE0D23-81EC-4E1D-BCF9-788460BC1C0E}"/>
-              </a:ext>
-            </a:extLst>
-          </p:cNvPr>
-          <p:cNvSpPr>
-            <a:spLocks noGrp="1"/>
-          </p:cNvSpPr>
-          <p:nvPr>
-            <p:ph type="title"/>
-          </p:nvPr>
-        </p:nvSpPr>
-        <p:spPr/>
-        <p:txBody>
-          <a:bodyPr/>
-          <a:lstStyle/>
-          <a:p>
-            <a:r>
-              <a:rPr lang="en-US" altLang="zh-TW" dirty="0"/>
-              <a:t>Outline</a:t>
-            </a:r>
-            <a:endParaRPr lang="zh-TW" altLang="en-US" dirty="0"/>
-          </a:p>
-        </p:txBody>
-      </p:sp>
-      <p:sp>
-        <p:nvSpPr>
-          <p:cNvPr id="5" name="文字版面配置區 4">
-            <a:extLst>
-              <a:ext uri="{FF2B5EF4-FFF2-40B4-BE49-F238E27FC236}">
-                <a16:creationId xmlns:a16="http://schemas.microsoft.com/office/drawing/2014/main" id="{1A925907-6310-4D01-A803-3C36A2C6940C}"/>
-              </a:ext>
-            </a:extLst>
-          </p:cNvPr>
-          <p:cNvSpPr>
-            <a:spLocks noGrp="1"/>
-          </p:cNvSpPr>
-          <p:nvPr>
-            <p:ph type="body" idx="1"/>
-          </p:nvPr>
-        </p:nvSpPr>
-        <p:spPr/>
-        <p:txBody>
-          <a:bodyPr/>
-          <a:lstStyle/>
-          <a:p>
-            <a:endParaRPr lang="zh-TW" altLang="en-US"/>
-          </a:p>
-        </p:txBody>
-      </p:sp>
-    </p:spTree>
-    <p:extLst>
-      <p:ext uri="{BB962C8B-B14F-4D97-AF65-F5344CB8AC3E}">
-        <p14:creationId xmlns:p14="http://schemas.microsoft.com/office/powerpoint/2010/main" val="4061209153"/>
-      </p:ext>
-    </p:extLst>
-  </p:cSld>
-  <p:clrMapOvr>
-    <a:masterClrMapping/>
-  </p:clrMapOvr>
-</p:sld>
-</file>
-
-<file path=ppt/slides/slide3.xml><?xml version="1.0" encoding="utf-8"?>
-<p:sld xmlns:a="http://schemas.openxmlformats.org/drawingml/2006/main" xmlns:r="http://schemas.openxmlformats.org/officeDocument/2006/relationships" xmlns:p="http://schemas.openxmlformats.org/presentationml/2006/main">
-  <p:cSld>
-    <p:spTree>
-      <p:nvGrpSpPr>
-        <p:cNvPr id="1" name=""/>
-        <p:cNvGrpSpPr/>
-        <p:nvPr/>
-      </p:nvGrpSpPr>
-      <p:grpSpPr>
-        <a:xfrm>
-          <a:off x="0" y="0"/>
-          <a:ext cx="0" cy="0"/>
-          <a:chOff x="0" y="0"/>
-          <a:chExt cx="0" cy="0"/>
-        </a:xfrm>
-      </p:grpSpPr>
-      <p:sp>
-        <p:nvSpPr>
-          <p:cNvPr id="2" name="標題 1">
-            <a:extLst>
-              <a:ext uri="{FF2B5EF4-FFF2-40B4-BE49-F238E27FC236}">
-                <a16:creationId xmlns:a16="http://schemas.microsoft.com/office/drawing/2014/main" id="{04760D94-4E64-4ECD-AAAA-3F7D16227431}"/>
-              </a:ext>
-            </a:extLst>
-          </p:cNvPr>
-          <p:cNvSpPr>
-            <a:spLocks noGrp="1"/>
-          </p:cNvSpPr>
-          <p:nvPr>
-            <p:ph type="title"/>
-          </p:nvPr>
-        </p:nvSpPr>
-        <p:spPr/>
-        <p:txBody>
-          <a:bodyPr/>
-          <a:lstStyle/>
-          <a:p>
-            <a:endParaRPr lang="zh-TW" altLang="en-US"/>
-          </a:p>
-        </p:txBody>
-      </p:sp>
-      <p:sp>
-        <p:nvSpPr>
-          <p:cNvPr id="3" name="內容版面配置區 2">
-            <a:extLst>
-              <a:ext uri="{FF2B5EF4-FFF2-40B4-BE49-F238E27FC236}">
-                <a16:creationId xmlns:a16="http://schemas.microsoft.com/office/drawing/2014/main" id="{7702888F-7F50-4C16-BA9F-13A236E1AC97}"/>
-              </a:ext>
-            </a:extLst>
-          </p:cNvPr>
-          <p:cNvSpPr>
-            <a:spLocks noGrp="1"/>
-          </p:cNvSpPr>
-          <p:nvPr>
-            <p:ph idx="1"/>
-          </p:nvPr>
-        </p:nvSpPr>
-        <p:spPr/>
-        <p:txBody>
-          <a:bodyPr/>
-          <a:lstStyle/>
-          <a:p>
-            <a:endParaRPr lang="zh-TW" altLang="en-US"/>
-          </a:p>
-        </p:txBody>
-      </p:sp>
-    </p:spTree>
-    <p:extLst>
-      <p:ext uri="{BB962C8B-B14F-4D97-AF65-F5344CB8AC3E}">
-        <p14:creationId xmlns:p14="http://schemas.microsoft.com/office/powerpoint/2010/main" val="2415389246"/>
-      </p:ext>
-    </p:extLst>
-  </p:cSld>
-  <p:clrMapOvr>
-    <a:masterClrMapping/>
-  </p:clrMapOvr>
-</p:sld>
-</file>
-
-<file path=ppt/slides/slide4.xml><?xml version="1.0" encoding="utf-8"?>
-<p:sld xmlns:a="http://schemas.openxmlformats.org/drawingml/2006/main" xmlns:r="http://schemas.openxmlformats.org/officeDocument/2006/relationships" xmlns:p="http://schemas.openxmlformats.org/presentationml/2006/main">
-  <p:cSld>
-    <p:spTree>
-      <p:nvGrpSpPr>
-        <p:cNvPr id="1" name=""/>
-        <p:cNvGrpSpPr/>
-        <p:nvPr/>
-      </p:nvGrpSpPr>
-      <p:grpSpPr>
-        <a:xfrm>
-          <a:off x="0" y="0"/>
-          <a:ext cx="0" cy="0"/>
-          <a:chOff x="0" y="0"/>
-          <a:chExt cx="0" cy="0"/>
-        </a:xfrm>
-      </p:grpSpPr>
-      <p:sp>
-        <p:nvSpPr>
-          <p:cNvPr id="4" name="標題 3">
-            <a:extLst>
-              <a:ext uri="{FF2B5EF4-FFF2-40B4-BE49-F238E27FC236}">
-                <a16:creationId xmlns:a16="http://schemas.microsoft.com/office/drawing/2014/main" id="{38DB1C4F-9182-4E99-A899-A2FA428AE9F2}"/>
-              </a:ext>
-            </a:extLst>
-          </p:cNvPr>
-          <p:cNvSpPr>
-            <a:spLocks noGrp="1"/>
-          </p:cNvSpPr>
-          <p:nvPr>
-            <p:ph type="title"/>
-          </p:nvPr>
-        </p:nvSpPr>
-        <p:spPr/>
-        <p:txBody>
-          <a:bodyPr/>
-          <a:lstStyle/>
-          <a:p>
-            <a:r>
-              <a:rPr lang="en-US" altLang="zh-TW" dirty="0"/>
-              <a:t>Contribution</a:t>
-            </a:r>
-            <a:endParaRPr lang="zh-TW" altLang="en-US" dirty="0"/>
-          </a:p>
-        </p:txBody>
-      </p:sp>
-      <p:sp>
-        <p:nvSpPr>
-          <p:cNvPr id="5" name="文字版面配置區 4">
-            <a:extLst>
-              <a:ext uri="{FF2B5EF4-FFF2-40B4-BE49-F238E27FC236}">
-                <a16:creationId xmlns:a16="http://schemas.microsoft.com/office/drawing/2014/main" id="{546E04FD-C75D-43B7-A8C8-C675B76389A2}"/>
-              </a:ext>
-            </a:extLst>
-          </p:cNvPr>
-          <p:cNvSpPr>
-            <a:spLocks noGrp="1"/>
-          </p:cNvSpPr>
-          <p:nvPr>
-            <p:ph type="body" idx="1"/>
-          </p:nvPr>
-        </p:nvSpPr>
-        <p:spPr/>
-        <p:txBody>
-          <a:bodyPr/>
-          <a:lstStyle/>
-          <a:p>
-            <a:endParaRPr lang="zh-TW" altLang="en-US"/>
-          </a:p>
-        </p:txBody>
-      </p:sp>
-    </p:spTree>
-    <p:extLst>
-      <p:ext uri="{BB962C8B-B14F-4D97-AF65-F5344CB8AC3E}">
-        <p14:creationId xmlns:p14="http://schemas.microsoft.com/office/powerpoint/2010/main" val="1642806044"/>
-      </p:ext>
-    </p:extLst>
-  </p:cSld>
-  <p:clrMapOvr>
-    <a:masterClrMapping/>
-  </p:clrMapOvr>
-</p:sld>
-</file>
-
-<file path=ppt/slides/slide5.xml><?xml version="1.0" encoding="utf-8"?>
-<p:sld xmlns:a="http://schemas.openxmlformats.org/drawingml/2006/main" xmlns:r="http://schemas.openxmlformats.org/officeDocument/2006/relationships" xmlns:p="http://schemas.openxmlformats.org/presentationml/2006/main">
-  <p:cSld>
-    <p:spTree>
-      <p:nvGrpSpPr>
-        <p:cNvPr id="1" name=""/>
-        <p:cNvGrpSpPr/>
-        <p:nvPr/>
-      </p:nvGrpSpPr>
-      <p:grpSpPr>
-        <a:xfrm>
-          <a:off x="0" y="0"/>
-          <a:ext cx="0" cy="0"/>
-          <a:chOff x="0" y="0"/>
-          <a:chExt cx="0" cy="0"/>
-        </a:xfrm>
-      </p:grpSpPr>
-      <p:sp>
-        <p:nvSpPr>
-          <p:cNvPr id="4" name="標題 3">
-            <a:extLst>
-              <a:ext uri="{FF2B5EF4-FFF2-40B4-BE49-F238E27FC236}">
-                <a16:creationId xmlns:a16="http://schemas.microsoft.com/office/drawing/2014/main" id="{52CE5AE3-9463-4080-8CFB-F54C6F5B5CB7}"/>
-              </a:ext>
-            </a:extLst>
-          </p:cNvPr>
-          <p:cNvSpPr>
-            <a:spLocks noGrp="1"/>
-          </p:cNvSpPr>
-          <p:nvPr>
-            <p:ph type="title"/>
-          </p:nvPr>
-        </p:nvSpPr>
-        <p:spPr/>
-        <p:txBody>
-          <a:bodyPr/>
-          <a:lstStyle/>
-          <a:p>
-            <a:endParaRPr lang="zh-TW" altLang="en-US" dirty="0"/>
-          </a:p>
-        </p:txBody>
-      </p:sp>
-      <p:sp>
-        <p:nvSpPr>
-          <p:cNvPr id="5" name="內容版面配置區 4">
-            <a:extLst>
-              <a:ext uri="{FF2B5EF4-FFF2-40B4-BE49-F238E27FC236}">
-                <a16:creationId xmlns:a16="http://schemas.microsoft.com/office/drawing/2014/main" id="{29865417-9A42-43F4-BC93-C6E7C489F775}"/>
-              </a:ext>
-            </a:extLst>
-          </p:cNvPr>
-          <p:cNvSpPr>
-            <a:spLocks noGrp="1"/>
-          </p:cNvSpPr>
-          <p:nvPr>
-            <p:ph idx="1"/>
-          </p:nvPr>
-        </p:nvSpPr>
-        <p:spPr/>
-        <p:txBody>
-          <a:bodyPr/>
-          <a:lstStyle/>
-          <a:p>
-            <a:r>
-              <a:rPr lang="en-US" altLang="zh-TW" dirty="0"/>
-              <a:t>Previous papers mainly focus on maximize the throughput among multicast channel.</a:t>
-            </a:r>
-          </a:p>
-          <a:p>
-            <a:r>
-              <a:rPr lang="en-US" altLang="zh-TW" dirty="0"/>
-              <a:t>The issue of reliability or  </a:t>
-            </a:r>
-            <a:endParaRPr lang="zh-TW" altLang="en-US" dirty="0"/>
-          </a:p>
-        </p:txBody>
-      </p:sp>
-    </p:spTree>
-    <p:extLst>
-      <p:ext uri="{BB962C8B-B14F-4D97-AF65-F5344CB8AC3E}">
-        <p14:creationId xmlns:p14="http://schemas.microsoft.com/office/powerpoint/2010/main" val="1463976815"/>
-      </p:ext>
-    </p:extLst>
-  </p:cSld>
-  <p:clrMapOvr>
-    <a:masterClrMapping/>
-  </p:clrMapOvr>
-</p:sld>
-</file>
-
-<file path=ppt/slides/slide6.xml><?xml version="1.0" encoding="utf-8"?>
-<p:sld xmlns:a="http://schemas.openxmlformats.org/drawingml/2006/main" xmlns:r="http://schemas.openxmlformats.org/officeDocument/2006/relationships" xmlns:p="http://schemas.openxmlformats.org/presentationml/2006/main">
-  <p:cSld>
-    <p:spTree>
-      <p:nvGrpSpPr>
-        <p:cNvPr id="1" name=""/>
-        <p:cNvGrpSpPr/>
-        <p:nvPr/>
-      </p:nvGrpSpPr>
-      <p:grpSpPr>
-        <a:xfrm>
-          <a:off x="0" y="0"/>
-          <a:ext cx="0" cy="0"/>
-          <a:chOff x="0" y="0"/>
-          <a:chExt cx="0" cy="0"/>
-        </a:xfrm>
-      </p:grpSpPr>
-      <p:sp>
-        <p:nvSpPr>
-          <p:cNvPr id="2" name="標題 1">
-            <a:extLst>
-              <a:ext uri="{FF2B5EF4-FFF2-40B4-BE49-F238E27FC236}">
-                <a16:creationId xmlns:a16="http://schemas.microsoft.com/office/drawing/2014/main" id="{ACB9267A-B2AD-44E7-AD40-BACA77B68069}"/>
-              </a:ext>
-            </a:extLst>
-          </p:cNvPr>
-          <p:cNvSpPr>
-            <a:spLocks noGrp="1"/>
-          </p:cNvSpPr>
-          <p:nvPr>
-            <p:ph type="title"/>
-          </p:nvPr>
-        </p:nvSpPr>
-        <p:spPr/>
-        <p:txBody>
-          <a:bodyPr/>
-          <a:lstStyle/>
-          <a:p>
-            <a:r>
-              <a:rPr lang="en-US" altLang="zh-TW" dirty="0"/>
-              <a:t>Related Work</a:t>
-            </a:r>
-            <a:endParaRPr lang="zh-TW" altLang="en-US" dirty="0"/>
-          </a:p>
-        </p:txBody>
-      </p:sp>
-      <p:sp>
-        <p:nvSpPr>
-          <p:cNvPr id="3" name="文字版面配置區 2">
-            <a:extLst>
-              <a:ext uri="{FF2B5EF4-FFF2-40B4-BE49-F238E27FC236}">
-                <a16:creationId xmlns:a16="http://schemas.microsoft.com/office/drawing/2014/main" id="{800ADC1F-E22A-45C5-ABAF-1DDE869408BD}"/>
-              </a:ext>
-            </a:extLst>
-          </p:cNvPr>
-          <p:cNvSpPr>
-            <a:spLocks noGrp="1"/>
-          </p:cNvSpPr>
-          <p:nvPr>
-            <p:ph type="body" idx="1"/>
-          </p:nvPr>
-        </p:nvSpPr>
-        <p:spPr/>
-        <p:txBody>
-          <a:bodyPr/>
-          <a:lstStyle/>
-          <a:p>
-            <a:endParaRPr lang="zh-TW" altLang="en-US"/>
-          </a:p>
-        </p:txBody>
-      </p:sp>
-    </p:spTree>
-    <p:extLst>
-      <p:ext uri="{BB962C8B-B14F-4D97-AF65-F5344CB8AC3E}">
-        <p14:creationId xmlns:p14="http://schemas.microsoft.com/office/powerpoint/2010/main" val="3752014806"/>
-      </p:ext>
-    </p:extLst>
-  </p:cSld>
-  <p:clrMapOvr>
-    <a:masterClrMapping/>
-  </p:clrMapOvr>
-</p:sld>
-</file>
-
-<file path=ppt/slides/slide7.xml><?xml version="1.0" encoding="utf-8"?>
-<p:sld xmlns:a="http://schemas.openxmlformats.org/drawingml/2006/main" xmlns:r="http://schemas.openxmlformats.org/officeDocument/2006/relationships" xmlns:p="http://schemas.openxmlformats.org/presentationml/2006/main">
-  <p:cSld>
-    <p:spTree>
-      <p:nvGrpSpPr>
-        <p:cNvPr id="1" name=""/>
-        <p:cNvGrpSpPr/>
-        <p:nvPr/>
-      </p:nvGrpSpPr>
-      <p:grpSpPr>
-        <a:xfrm>
-          <a:off x="0" y="0"/>
-          <a:ext cx="0" cy="0"/>
-          <a:chOff x="0" y="0"/>
-          <a:chExt cx="0" cy="0"/>
-        </a:xfrm>
-      </p:grpSpPr>
-      <p:sp>
-        <p:nvSpPr>
-          <p:cNvPr id="2" name="標題 1">
-            <a:extLst>
-              <a:ext uri="{FF2B5EF4-FFF2-40B4-BE49-F238E27FC236}">
-                <a16:creationId xmlns:a16="http://schemas.microsoft.com/office/drawing/2014/main" id="{42FDE192-F2B5-44EB-9AF4-C490206568C7}"/>
-              </a:ext>
-            </a:extLst>
-          </p:cNvPr>
-          <p:cNvSpPr>
-            <a:spLocks noGrp="1"/>
-          </p:cNvSpPr>
-          <p:nvPr>
-            <p:ph type="title"/>
-          </p:nvPr>
-        </p:nvSpPr>
-        <p:spPr/>
-        <p:txBody>
-          <a:bodyPr>
-            <a:normAutofit fontScale="90000"/>
-          </a:bodyPr>
-          <a:lstStyle/>
-          <a:p>
-            <a:r>
-              <a:rPr lang="en-US" altLang="zh-TW" dirty="0"/>
-              <a:t>Optimization of Wireless Multicast Systems Employing Hybrid-ARQ with Chase Combining</a:t>
-            </a:r>
-            <a:endParaRPr lang="zh-TW" altLang="en-US" dirty="0"/>
-          </a:p>
-        </p:txBody>
-      </p:sp>
-      <p:sp>
-        <p:nvSpPr>
-          <p:cNvPr id="3" name="內容版面配置區 2">
-            <a:extLst>
-              <a:ext uri="{FF2B5EF4-FFF2-40B4-BE49-F238E27FC236}">
-                <a16:creationId xmlns:a16="http://schemas.microsoft.com/office/drawing/2014/main" id="{B82B5BEC-256C-423E-B705-A63355CA77AA}"/>
-              </a:ext>
-            </a:extLst>
-          </p:cNvPr>
-          <p:cNvSpPr>
-            <a:spLocks noGrp="1"/>
-          </p:cNvSpPr>
-          <p:nvPr>
-            <p:ph idx="1"/>
-          </p:nvPr>
-        </p:nvSpPr>
-        <p:spPr/>
-        <p:txBody>
-          <a:bodyPr/>
-          <a:lstStyle/>
-          <a:p>
-            <a:endParaRPr lang="zh-TW" altLang="en-US" dirty="0"/>
-          </a:p>
-        </p:txBody>
-      </p:sp>
-    </p:spTree>
-    <p:extLst>
-      <p:ext uri="{BB962C8B-B14F-4D97-AF65-F5344CB8AC3E}">
-        <p14:creationId xmlns:p14="http://schemas.microsoft.com/office/powerpoint/2010/main" val="2369428446"/>
-      </p:ext>
-    </p:extLst>
-  </p:cSld>
-  <p:clrMapOvr>
-    <a:masterClrMapping/>
-  </p:clrMapOvr>
-</p:sld>
-</file>
-
-<file path=ppt/slides/slide8.xml><?xml version="1.0" encoding="utf-8"?>
-<p:sld xmlns:a="http://schemas.openxmlformats.org/drawingml/2006/main" xmlns:r="http://schemas.openxmlformats.org/officeDocument/2006/relationships" xmlns:p="http://schemas.openxmlformats.org/presentationml/2006/main">
-  <p:cSld>
-    <p:spTree>
-      <p:nvGrpSpPr>
-        <p:cNvPr id="1" name=""/>
-        <p:cNvGrpSpPr/>
-        <p:nvPr/>
-      </p:nvGrpSpPr>
-      <p:grpSpPr>
-        <a:xfrm>
-          <a:off x="0" y="0"/>
-          <a:ext cx="0" cy="0"/>
-          <a:chOff x="0" y="0"/>
-          <a:chExt cx="0" cy="0"/>
-        </a:xfrm>
-      </p:grpSpPr>
-      <p:sp>
-        <p:nvSpPr>
-          <p:cNvPr id="2" name="標題 1">
-            <a:extLst>
-              <a:ext uri="{FF2B5EF4-FFF2-40B4-BE49-F238E27FC236}">
-                <a16:creationId xmlns:a16="http://schemas.microsoft.com/office/drawing/2014/main" id="{DDB54186-CE08-4CFD-B21D-7384B67C4C3F}"/>
-              </a:ext>
-            </a:extLst>
-          </p:cNvPr>
-          <p:cNvSpPr>
-            <a:spLocks noGrp="1"/>
-          </p:cNvSpPr>
-          <p:nvPr>
-            <p:ph type="title"/>
-          </p:nvPr>
-        </p:nvSpPr>
-        <p:spPr/>
-        <p:txBody>
-          <a:bodyPr/>
-          <a:lstStyle/>
-          <a:p>
-            <a:r>
-              <a:rPr lang="en-US" altLang="zh-TW" dirty="0"/>
-              <a:t>System model</a:t>
-            </a:r>
-            <a:endParaRPr lang="zh-TW" altLang="en-US" dirty="0"/>
-          </a:p>
-        </p:txBody>
-      </p:sp>
-      <p:sp>
-        <p:nvSpPr>
-          <p:cNvPr id="3" name="文字版面配置區 2">
-            <a:extLst>
-              <a:ext uri="{FF2B5EF4-FFF2-40B4-BE49-F238E27FC236}">
-                <a16:creationId xmlns:a16="http://schemas.microsoft.com/office/drawing/2014/main" id="{CC075BD7-3D26-4506-89A1-29673AFA1F76}"/>
-              </a:ext>
-            </a:extLst>
-          </p:cNvPr>
-          <p:cNvSpPr>
-            <a:spLocks noGrp="1"/>
-          </p:cNvSpPr>
-          <p:nvPr>
-            <p:ph type="body" idx="1"/>
-          </p:nvPr>
-        </p:nvSpPr>
-        <p:spPr/>
-        <p:txBody>
-          <a:bodyPr/>
-          <a:lstStyle/>
-          <a:p>
-            <a:endParaRPr lang="zh-TW" altLang="en-US"/>
-          </a:p>
-        </p:txBody>
-      </p:sp>
-    </p:spTree>
-    <p:extLst>
-      <p:ext uri="{BB962C8B-B14F-4D97-AF65-F5344CB8AC3E}">
-        <p14:creationId xmlns:p14="http://schemas.microsoft.com/office/powerpoint/2010/main" val="4200406785"/>
-      </p:ext>
-    </p:extLst>
-  </p:cSld>
-  <p:clrMapOvr>
-    <a:masterClrMapping/>
-  </p:clrMapOvr>
-</p:sld>
-</file>
-
-<file path=ppt/slides/slide9.xml><?xml version="1.0" encoding="utf-8"?>
-<p:sld xmlns:a="http://schemas.openxmlformats.org/drawingml/2006/main" xmlns:r="http://schemas.openxmlformats.org/officeDocument/2006/relationships" xmlns:p="http://schemas.openxmlformats.org/presentationml/2006/main">
-  <p:cSld>
-    <p:spTree>
-      <p:nvGrpSpPr>
-        <p:cNvPr id="1" name=""/>
-        <p:cNvGrpSpPr/>
-        <p:nvPr/>
-      </p:nvGrpSpPr>
-      <p:grpSpPr>
-        <a:xfrm>
-          <a:off x="0" y="0"/>
-          <a:ext cx="0" cy="0"/>
-          <a:chOff x="0" y="0"/>
-          <a:chExt cx="0" cy="0"/>
-        </a:xfrm>
-      </p:grpSpPr>
-      <p:sp>
-        <p:nvSpPr>
-          <p:cNvPr id="2" name="標題 1">
-            <a:extLst>
-              <a:ext uri="{FF2B5EF4-FFF2-40B4-BE49-F238E27FC236}">
-                <a16:creationId xmlns:a16="http://schemas.microsoft.com/office/drawing/2014/main" id="{9843C9A9-C9D2-49EE-8C19-4AE4D46D91C1}"/>
-              </a:ext>
-            </a:extLst>
-          </p:cNvPr>
-          <p:cNvSpPr>
-            <a:spLocks noGrp="1"/>
-          </p:cNvSpPr>
-          <p:nvPr>
-            <p:ph type="title"/>
-          </p:nvPr>
-        </p:nvSpPr>
-        <p:spPr/>
-        <p:txBody>
-          <a:bodyPr/>
-          <a:lstStyle/>
-          <a:p>
-            <a:r>
-              <a:rPr lang="en-US" altLang="zh-TW" dirty="0"/>
-              <a:t>Error Probability determination</a:t>
-            </a:r>
-            <a:br>
-              <a:rPr lang="en-US" altLang="zh-TW" dirty="0"/>
-            </a:br>
-            <a:r>
-              <a:rPr lang="en-US" altLang="zh-TW" dirty="0"/>
-              <a:t>(Assumption)</a:t>
-            </a:r>
-            <a:endParaRPr lang="zh-TW" altLang="en-US" dirty="0"/>
-          </a:p>
-        </p:txBody>
-      </p:sp>
-      <p:sp>
-        <p:nvSpPr>
-          <p:cNvPr id="3" name="內容版面配置區 2">
-            <a:extLst>
-              <a:ext uri="{FF2B5EF4-FFF2-40B4-BE49-F238E27FC236}">
-                <a16:creationId xmlns:a16="http://schemas.microsoft.com/office/drawing/2014/main" id="{ECE538FE-E561-461E-99DC-51E1772CB83B}"/>
-              </a:ext>
-            </a:extLst>
-          </p:cNvPr>
-          <p:cNvSpPr>
-            <a:spLocks noGrp="1"/>
-          </p:cNvSpPr>
-          <p:nvPr>
-            <p:ph idx="1"/>
-          </p:nvPr>
-        </p:nvSpPr>
-        <p:spPr>
-          <a:xfrm>
-            <a:off x="677334" y="2160589"/>
-            <a:ext cx="8596668" cy="4594774"/>
-          </a:xfrm>
-        </p:spPr>
-        <p:txBody>
-          <a:bodyPr>
-            <a:normAutofit/>
-          </a:bodyPr>
-          <a:lstStyle/>
-          <a:p>
-            <a:r>
-              <a:rPr lang="en-US" altLang="zh-TW" dirty="0"/>
-              <a:t>The scenario is assumed under </a:t>
-            </a:r>
-            <a:r>
-              <a:rPr lang="en-US" altLang="zh-TW" b="1" dirty="0" err="1"/>
-              <a:t>UMi</a:t>
-            </a:r>
-            <a:r>
-              <a:rPr lang="en-US" altLang="zh-TW" b="1" dirty="0"/>
-              <a:t>-street canyon (Urban Micro cell)</a:t>
-            </a:r>
-            <a:r>
-              <a:rPr lang="en-US" altLang="zh-TW" dirty="0"/>
-              <a:t>, NLOS. </a:t>
-            </a:r>
-          </a:p>
-          <a:p>
-            <a:r>
-              <a:rPr lang="en-US" altLang="zh-TW" dirty="0"/>
-              <a:t>There is only one base station(BS), and the user equipment(UE) are uniformly  distributed on a circular disk.</a:t>
-            </a:r>
-          </a:p>
-          <a:p>
-            <a:endParaRPr lang="en-US" altLang="zh-TW" dirty="0"/>
-          </a:p>
-          <a:p>
-            <a:r>
-              <a:rPr lang="en-US" altLang="zh-TW" dirty="0"/>
-              <a:t>The BS is type </a:t>
-            </a:r>
-            <a:r>
-              <a:rPr lang="en-US" altLang="zh-TW"/>
-              <a:t>1-C and an </a:t>
-            </a:r>
-            <a:r>
-              <a:rPr lang="en-US" altLang="zh-TW" dirty="0"/>
-              <a:t>Medium Range Base Station</a:t>
-            </a:r>
-          </a:p>
-          <a:p>
-            <a:pPr lvl="1"/>
-            <a:r>
-              <a:rPr lang="en-US" altLang="zh-TW" dirty="0" err="1"/>
-              <a:t>tx_power</a:t>
-            </a:r>
-            <a:r>
-              <a:rPr lang="en-US" altLang="zh-TW" dirty="0"/>
-              <a:t> = 38 dBm (6.3W)</a:t>
-            </a:r>
-          </a:p>
-          <a:p>
-            <a:pPr lvl="1"/>
-            <a:r>
-              <a:rPr lang="en-US" altLang="zh-TW" dirty="0" err="1"/>
-              <a:t>R_max</a:t>
-            </a:r>
-            <a:r>
-              <a:rPr lang="en-US" altLang="zh-TW" dirty="0"/>
-              <a:t> = 2000m, </a:t>
-            </a:r>
-          </a:p>
-          <a:p>
-            <a:r>
-              <a:rPr lang="en-US" altLang="zh-TW" dirty="0"/>
-              <a:t>From TR</a:t>
-            </a:r>
-            <a:r>
-              <a:rPr lang="zh-TW" altLang="en-US" dirty="0"/>
-              <a:t> </a:t>
-            </a:r>
-            <a:r>
-              <a:rPr lang="en-US" altLang="zh-TW" dirty="0"/>
-              <a:t>38.901 V16-1 Table 7.4.1-1, the </a:t>
-            </a:r>
-            <a:r>
-              <a:rPr lang="en-US" altLang="zh-TW" b="1" dirty="0"/>
-              <a:t>pathloss model </a:t>
-            </a:r>
-            <a:r>
-              <a:rPr lang="en-US" altLang="zh-TW" dirty="0"/>
-              <a:t>is </a:t>
-            </a:r>
-          </a:p>
-          <a:p>
-            <a:pPr lvl="1"/>
-            <a:endParaRPr lang="en-US" altLang="zh-TW" dirty="0"/>
-          </a:p>
-          <a:p>
-            <a:pPr lvl="1"/>
-            <a:r>
-              <a:rPr lang="en-US" altLang="zh-TW" dirty="0"/>
-              <a:t>Central frequency is 3GHz.</a:t>
-            </a:r>
-          </a:p>
-          <a:p>
-            <a:pPr lvl="1"/>
-            <a:r>
-              <a:rPr lang="en-US" altLang="zh-TW" dirty="0" err="1"/>
-              <a:t>h_BS</a:t>
-            </a:r>
-            <a:r>
-              <a:rPr lang="en-US" altLang="zh-TW" dirty="0"/>
-              <a:t> = 10m, </a:t>
-            </a:r>
-            <a:r>
-              <a:rPr lang="en-US" altLang="zh-TW" dirty="0" err="1"/>
-              <a:t>h_UE</a:t>
-            </a:r>
-            <a:r>
-              <a:rPr lang="en-US" altLang="zh-TW" dirty="0"/>
-              <a:t> = 1.5m</a:t>
-            </a:r>
-          </a:p>
-          <a:p>
-            <a:r>
-              <a:rPr lang="en-US" altLang="zh-TW" dirty="0"/>
-              <a:t>Using </a:t>
-            </a:r>
-            <a:r>
-              <a:rPr lang="en-US" altLang="zh-TW" b="1" dirty="0"/>
-              <a:t>log-normal shadowing</a:t>
-            </a:r>
-            <a:r>
-              <a:rPr lang="en-US" altLang="zh-TW" dirty="0"/>
-              <a:t> with </a:t>
-            </a:r>
-          </a:p>
-          <a:p>
-            <a:endParaRPr lang="en-US" altLang="zh-TW" dirty="0"/>
-          </a:p>
-          <a:p>
-            <a:endParaRPr lang="en-US" altLang="zh-TW" dirty="0"/>
-          </a:p>
-          <a:p>
-            <a:endParaRPr lang="en-US" altLang="zh-TW" dirty="0"/>
-          </a:p>
-        </p:txBody>
-      </p:sp>
-      <p:pic>
-        <p:nvPicPr>
-          <p:cNvPr id="34" name="圖片 33" descr="\documentclass{article}&#10;\usepackage{amsmath}&#10;\pagestyle{empty}&#10;\begin{document}&#10;$$&#10;\sigma_{SF} = 8.2dB&#10;$$&#10;\end{document}" title="IguanaTex Bitmap Display">
-            <a:extLst>
-              <a:ext uri="{FF2B5EF4-FFF2-40B4-BE49-F238E27FC236}">
-                <a16:creationId xmlns:a16="http://schemas.microsoft.com/office/drawing/2014/main" id="{DDB27122-5EF0-4562-B12E-BA8BC9CD528D}"/>
-              </a:ext>
-            </a:extLst>
-          </p:cNvPr>
-          <p:cNvPicPr>
-            <a:picLocks noChangeAspect="1"/>
-          </p:cNvPicPr>
-          <p:nvPr>
-            <p:custDataLst>
-              <p:tags r:id="rId1"/>
-            </p:custDataLst>
-          </p:nvPr>
-        </p:nvPicPr>
-        <p:blipFill>
-          <a:blip r:embed="rId3">
-            <a:extLst>
-              <a:ext uri="{28A0092B-C50C-407E-A947-70E740481C1C}">
-                <a14:useLocalDpi xmlns:a14="http://schemas.microsoft.com/office/drawing/2010/main" val="0"/>
-              </a:ext>
-            </a:extLst>
-          </a:blip>
-          <a:stretch>
-            <a:fillRect/>
-          </a:stretch>
-        </p:blipFill>
-        <p:spPr>
-          <a:xfrm>
-            <a:off x="4680941" y="6383880"/>
-            <a:ext cx="1278171" cy="194743"/>
-          </a:xfrm>
-          <a:prstGeom prst="rect">
-            <a:avLst/>
-          </a:prstGeom>
-        </p:spPr>
-      </p:pic>
-      <p:pic>
-        <p:nvPicPr>
-          <p:cNvPr id="35" name="圖片 34">
-            <a:extLst>
-              <a:ext uri="{FF2B5EF4-FFF2-40B4-BE49-F238E27FC236}">
-                <a16:creationId xmlns:a16="http://schemas.microsoft.com/office/drawing/2014/main" id="{F7B74A73-BC6F-4A42-AA7A-D9045664B640}"/>
-              </a:ext>
-            </a:extLst>
-          </p:cNvPr>
-          <p:cNvPicPr>
-            <a:picLocks noChangeAspect="1"/>
-          </p:cNvPicPr>
-          <p:nvPr/>
-        </p:nvPicPr>
-        <p:blipFill>
-          <a:blip r:embed="rId4"/>
-          <a:stretch>
-            <a:fillRect/>
-          </a:stretch>
-        </p:blipFill>
-        <p:spPr>
-          <a:xfrm>
-            <a:off x="1181006" y="5223193"/>
-            <a:ext cx="3970364" cy="342930"/>
-          </a:xfrm>
-          <a:prstGeom prst="rect">
-            <a:avLst/>
-          </a:prstGeom>
-        </p:spPr>
-      </p:pic>
-      <p:pic>
-        <p:nvPicPr>
-          <p:cNvPr id="39" name="圖片 38">
-            <a:extLst>
-              <a:ext uri="{FF2B5EF4-FFF2-40B4-BE49-F238E27FC236}">
-                <a16:creationId xmlns:a16="http://schemas.microsoft.com/office/drawing/2014/main" id="{64A5A49D-25A3-424D-85BF-412B65816279}"/>
-              </a:ext>
-            </a:extLst>
-          </p:cNvPr>
-          <p:cNvPicPr>
-            <a:picLocks noChangeAspect="1"/>
-          </p:cNvPicPr>
-          <p:nvPr/>
-        </p:nvPicPr>
-        <p:blipFill>
-          <a:blip r:embed="rId5">
-            <a:extLst>
-              <a:ext uri="{28A0092B-C50C-407E-A947-70E740481C1C}">
-                <a14:useLocalDpi xmlns:a14="http://schemas.microsoft.com/office/drawing/2010/main" val="0"/>
-              </a:ext>
-            </a:extLst>
-          </a:blip>
-          <a:stretch>
-            <a:fillRect/>
-          </a:stretch>
-        </p:blipFill>
-        <p:spPr>
-          <a:xfrm>
-            <a:off x="7557796" y="3377681"/>
-            <a:ext cx="4634204" cy="3475653"/>
-          </a:xfrm>
-          <a:prstGeom prst="rect">
-            <a:avLst/>
-          </a:prstGeom>
-        </p:spPr>
-      </p:pic>
-    </p:spTree>
-    <p:extLst>
-      <p:ext uri="{BB962C8B-B14F-4D97-AF65-F5344CB8AC3E}">
-        <p14:creationId xmlns:p14="http://schemas.microsoft.com/office/powerpoint/2010/main" val="3381573304"/>
       </p:ext>
     </p:extLst>
   </p:cSld>
@@ -7474,11 +9093,49 @@
 <file path=ppt/tags/tag2.xml><?xml version="1.0" encoding="utf-8"?>
 <p:tagLst xmlns:a="http://schemas.openxmlformats.org/drawingml/2006/main" xmlns:r="http://schemas.openxmlformats.org/officeDocument/2006/relationships" xmlns:p="http://schemas.openxmlformats.org/presentationml/2006/main">
   <p:tag name="OUTPUTDPI" val="1200"/>
+  <p:tag name="ORIGINALHEIGHT" val="149.2313"/>
+  <p:tag name="ORIGINALWIDTH" val="1519.31"/>
+  <p:tag name="LATEXADDIN" val="\documentclass{article}&#10;\usepackage{amsmath}&#10;\pagestyle{empty}&#10;\begin{document}&#10;$$&#10;d_{3D} = \sqrt{r^2+(h_{BS}-h_{UE})^2}&#10;$$&#10;\end{document}"/>
+  <p:tag name="IGUANATEXSIZE" val="18"/>
+  <p:tag name="IGUANATEXCURSOR" val="109"/>
+  <p:tag name="TRANSPARENCY" val="False"/>
+  <p:tag name="FILENAME" val=""/>
+  <p:tag name="LATEXENGINEID" val="0"/>
+  <p:tag name="TEMPFOLDER" val="c:\temp\"/>
+  <p:tag name="LATEXFORMHEIGHT" val="312"/>
+  <p:tag name="LATEXFORMWIDTH" val="384"/>
+  <p:tag name="LATEXFORMWRAP" val="True"/>
+  <p:tag name="BITMAPVECTOR" val="0"/>
+</p:tagLst>
+</file>
+
+<file path=ppt/tags/tag3.xml><?xml version="1.0" encoding="utf-8"?>
+<p:tagLst xmlns:a="http://schemas.openxmlformats.org/drawingml/2006/main" xmlns:r="http://schemas.openxmlformats.org/officeDocument/2006/relationships" xmlns:p="http://schemas.openxmlformats.org/presentationml/2006/main">
+  <p:tag name="OUTPUTDPI" val="1200"/>
   <p:tag name="ORIGINALHEIGHT" val="278.9651"/>
   <p:tag name="ORIGINALWIDTH" val="839.895"/>
   <p:tag name="LATEXADDIN" val="\documentclass{article}&#10;\usepackage{amsmath}&#10;\pagestyle{empty}&#10;\begin{document}&#10;$$&#10;SNR = \dfrac{(\sqrt{2}b)^2}{\sigma^2}&#10;$$&#10;\end{document}"/>
   <p:tag name="IGUANATEXSIZE" val="18"/>
   <p:tag name="IGUANATEXCURSOR" val="95"/>
+  <p:tag name="TRANSPARENCY" val="True"/>
+  <p:tag name="FILENAME" val=""/>
+  <p:tag name="LATEXENGINEID" val="0"/>
+  <p:tag name="TEMPFOLDER" val="c:\temp\"/>
+  <p:tag name="LATEXFORMHEIGHT" val="312"/>
+  <p:tag name="LATEXFORMWIDTH" val="384"/>
+  <p:tag name="LATEXFORMWRAP" val="True"/>
+  <p:tag name="BITMAPVECTOR" val="0"/>
+</p:tagLst>
+</file>
+
+<file path=ppt/tags/tag4.xml><?xml version="1.0" encoding="utf-8"?>
+<p:tagLst xmlns:a="http://schemas.openxmlformats.org/drawingml/2006/main" xmlns:r="http://schemas.openxmlformats.org/officeDocument/2006/relationships" xmlns:p="http://schemas.openxmlformats.org/presentationml/2006/main">
+  <p:tag name="OUTPUTDPI" val="1200"/>
+  <p:tag name="ORIGINALHEIGHT" val="125.2343"/>
+  <p:tag name="ORIGINALWIDTH" val="799.4001"/>
+  <p:tag name="LATEXADDIN" val="\documentclass{article}&#10;\usepackage{amsmath}&#10;\pagestyle{empty}&#10;\begin{document}&#10;$$&#10;a \oplus (a \oplus b)= b&#10;$$&#10;\end{document}"/>
+  <p:tag name="IGUANATEXSIZE" val="16"/>
+  <p:tag name="IGUANATEXCURSOR" val="91"/>
   <p:tag name="TRANSPARENCY" val="True"/>
   <p:tag name="FILENAME" val=""/>
   <p:tag name="LATEXENGINEID" val="0"/>

--- a/Final_project_reliable_multicast_retransmission_scheme.pptx
+++ b/Final_project_reliable_multicast_retransmission_scheme.pptx
@@ -16,19 +16,22 @@
     <p:sldId id="258" r:id="rId10"/>
     <p:sldId id="265" r:id="rId11"/>
     <p:sldId id="277" r:id="rId12"/>
-    <p:sldId id="278" r:id="rId13"/>
-    <p:sldId id="276" r:id="rId14"/>
-    <p:sldId id="280" r:id="rId15"/>
-    <p:sldId id="279" r:id="rId16"/>
-    <p:sldId id="281" r:id="rId17"/>
-    <p:sldId id="283" r:id="rId18"/>
-    <p:sldId id="282" r:id="rId19"/>
-    <p:sldId id="259" r:id="rId20"/>
-    <p:sldId id="261" r:id="rId21"/>
-    <p:sldId id="273" r:id="rId22"/>
-    <p:sldId id="274" r:id="rId23"/>
-    <p:sldId id="285" r:id="rId24"/>
-    <p:sldId id="284" r:id="rId25"/>
+    <p:sldId id="288" r:id="rId13"/>
+    <p:sldId id="278" r:id="rId14"/>
+    <p:sldId id="276" r:id="rId15"/>
+    <p:sldId id="280" r:id="rId16"/>
+    <p:sldId id="286" r:id="rId17"/>
+    <p:sldId id="279" r:id="rId18"/>
+    <p:sldId id="281" r:id="rId19"/>
+    <p:sldId id="283" r:id="rId20"/>
+    <p:sldId id="287" r:id="rId21"/>
+    <p:sldId id="282" r:id="rId22"/>
+    <p:sldId id="259" r:id="rId23"/>
+    <p:sldId id="261" r:id="rId24"/>
+    <p:sldId id="273" r:id="rId25"/>
+    <p:sldId id="274" r:id="rId26"/>
+    <p:sldId id="285" r:id="rId27"/>
+    <p:sldId id="284" r:id="rId28"/>
   </p:sldIdLst>
   <p:sldSz cx="12192000" cy="6858000"/>
   <p:notesSz cx="6858000" cy="9144000"/>
@@ -880,7 +883,7 @@
           <a:p>
             <a:fld id="{927D0EF0-F536-40E1-B4CC-7751C36C6AE2}" type="datetimeFigureOut">
               <a:rPr lang="zh-TW" altLang="en-US" smtClean="0"/>
-              <a:t>2021/1/7</a:t>
+              <a:t>2021/1/9</a:t>
             </a:fld>
             <a:endParaRPr lang="zh-TW" altLang="en-US"/>
           </a:p>
@@ -1131,7 +1134,7 @@
           <a:p>
             <a:fld id="{927D0EF0-F536-40E1-B4CC-7751C36C6AE2}" type="datetimeFigureOut">
               <a:rPr lang="zh-TW" altLang="en-US" smtClean="0"/>
-              <a:t>2021/1/7</a:t>
+              <a:t>2021/1/9</a:t>
             </a:fld>
             <a:endParaRPr lang="zh-TW" altLang="en-US"/>
           </a:p>
@@ -1445,7 +1448,7 @@
           <a:p>
             <a:fld id="{927D0EF0-F536-40E1-B4CC-7751C36C6AE2}" type="datetimeFigureOut">
               <a:rPr lang="zh-TW" altLang="en-US" smtClean="0"/>
-              <a:t>2021/1/7</a:t>
+              <a:t>2021/1/9</a:t>
             </a:fld>
             <a:endParaRPr lang="zh-TW" altLang="en-US"/>
           </a:p>
@@ -1778,7 +1781,7 @@
           <a:p>
             <a:fld id="{927D0EF0-F536-40E1-B4CC-7751C36C6AE2}" type="datetimeFigureOut">
               <a:rPr lang="zh-TW" altLang="en-US" smtClean="0"/>
-              <a:t>2021/1/7</a:t>
+              <a:t>2021/1/9</a:t>
             </a:fld>
             <a:endParaRPr lang="zh-TW" altLang="en-US"/>
           </a:p>
@@ -2092,7 +2095,7 @@
           <a:p>
             <a:fld id="{927D0EF0-F536-40E1-B4CC-7751C36C6AE2}" type="datetimeFigureOut">
               <a:rPr lang="zh-TW" altLang="en-US" smtClean="0"/>
-              <a:t>2021/1/7</a:t>
+              <a:t>2021/1/9</a:t>
             </a:fld>
             <a:endParaRPr lang="zh-TW" altLang="en-US"/>
           </a:p>
@@ -2485,7 +2488,7 @@
           <a:p>
             <a:fld id="{927D0EF0-F536-40E1-B4CC-7751C36C6AE2}" type="datetimeFigureOut">
               <a:rPr lang="zh-TW" altLang="en-US" smtClean="0"/>
-              <a:t>2021/1/7</a:t>
+              <a:t>2021/1/9</a:t>
             </a:fld>
             <a:endParaRPr lang="zh-TW" altLang="en-US"/>
           </a:p>
@@ -2655,7 +2658,7 @@
           <a:p>
             <a:fld id="{927D0EF0-F536-40E1-B4CC-7751C36C6AE2}" type="datetimeFigureOut">
               <a:rPr lang="zh-TW" altLang="en-US" smtClean="0"/>
-              <a:t>2021/1/7</a:t>
+              <a:t>2021/1/9</a:t>
             </a:fld>
             <a:endParaRPr lang="zh-TW" altLang="en-US"/>
           </a:p>
@@ -2835,7 +2838,7 @@
           <a:p>
             <a:fld id="{927D0EF0-F536-40E1-B4CC-7751C36C6AE2}" type="datetimeFigureOut">
               <a:rPr lang="zh-TW" altLang="en-US" smtClean="0"/>
-              <a:t>2021/1/7</a:t>
+              <a:t>2021/1/9</a:t>
             </a:fld>
             <a:endParaRPr lang="zh-TW" altLang="en-US"/>
           </a:p>
@@ -3005,7 +3008,7 @@
           <a:p>
             <a:fld id="{927D0EF0-F536-40E1-B4CC-7751C36C6AE2}" type="datetimeFigureOut">
               <a:rPr lang="zh-TW" altLang="en-US" smtClean="0"/>
-              <a:t>2021/1/7</a:t>
+              <a:t>2021/1/9</a:t>
             </a:fld>
             <a:endParaRPr lang="zh-TW" altLang="en-US"/>
           </a:p>
@@ -3252,7 +3255,7 @@
           <a:p>
             <a:fld id="{927D0EF0-F536-40E1-B4CC-7751C36C6AE2}" type="datetimeFigureOut">
               <a:rPr lang="zh-TW" altLang="en-US" smtClean="0"/>
-              <a:t>2021/1/7</a:t>
+              <a:t>2021/1/9</a:t>
             </a:fld>
             <a:endParaRPr lang="zh-TW" altLang="en-US"/>
           </a:p>
@@ -3484,7 +3487,7 @@
           <a:p>
             <a:fld id="{927D0EF0-F536-40E1-B4CC-7751C36C6AE2}" type="datetimeFigureOut">
               <a:rPr lang="zh-TW" altLang="en-US" smtClean="0"/>
-              <a:t>2021/1/7</a:t>
+              <a:t>2021/1/9</a:t>
             </a:fld>
             <a:endParaRPr lang="zh-TW" altLang="en-US"/>
           </a:p>
@@ -3858,7 +3861,7 @@
           <a:p>
             <a:fld id="{927D0EF0-F536-40E1-B4CC-7751C36C6AE2}" type="datetimeFigureOut">
               <a:rPr lang="zh-TW" altLang="en-US" smtClean="0"/>
-              <a:t>2021/1/7</a:t>
+              <a:t>2021/1/9</a:t>
             </a:fld>
             <a:endParaRPr lang="zh-TW" altLang="en-US"/>
           </a:p>
@@ -3981,7 +3984,7 @@
           <a:p>
             <a:fld id="{927D0EF0-F536-40E1-B4CC-7751C36C6AE2}" type="datetimeFigureOut">
               <a:rPr lang="zh-TW" altLang="en-US" smtClean="0"/>
-              <a:t>2021/1/7</a:t>
+              <a:t>2021/1/9</a:t>
             </a:fld>
             <a:endParaRPr lang="zh-TW" altLang="en-US"/>
           </a:p>
@@ -4076,7 +4079,7 @@
           <a:p>
             <a:fld id="{927D0EF0-F536-40E1-B4CC-7751C36C6AE2}" type="datetimeFigureOut">
               <a:rPr lang="zh-TW" altLang="en-US" smtClean="0"/>
-              <a:t>2021/1/7</a:t>
+              <a:t>2021/1/9</a:t>
             </a:fld>
             <a:endParaRPr lang="zh-TW" altLang="en-US"/>
           </a:p>
@@ -4331,7 +4334,7 @@
           <a:p>
             <a:fld id="{927D0EF0-F536-40E1-B4CC-7751C36C6AE2}" type="datetimeFigureOut">
               <a:rPr lang="zh-TW" altLang="en-US" smtClean="0"/>
-              <a:t>2021/1/7</a:t>
+              <a:t>2021/1/9</a:t>
             </a:fld>
             <a:endParaRPr lang="zh-TW" altLang="en-US"/>
           </a:p>
@@ -4636,7 +4639,7 @@
           <a:p>
             <a:fld id="{927D0EF0-F536-40E1-B4CC-7751C36C6AE2}" type="datetimeFigureOut">
               <a:rPr lang="zh-TW" altLang="en-US" smtClean="0"/>
-              <a:t>2021/1/7</a:t>
+              <a:t>2021/1/9</a:t>
             </a:fld>
             <a:endParaRPr lang="zh-TW" altLang="en-US"/>
           </a:p>
@@ -5338,7 +5341,7 @@
           <a:p>
             <a:fld id="{927D0EF0-F536-40E1-B4CC-7751C36C6AE2}" type="datetimeFigureOut">
               <a:rPr lang="zh-TW" altLang="en-US" smtClean="0"/>
-              <a:t>2021/1/7</a:t>
+              <a:t>2021/1/9</a:t>
             </a:fld>
             <a:endParaRPr lang="zh-TW" altLang="en-US"/>
           </a:p>
@@ -6158,7 +6161,7 @@
           <p:cNvPr id="2" name="標題 1">
             <a:extLst>
               <a:ext uri="{FF2B5EF4-FFF2-40B4-BE49-F238E27FC236}">
-                <a16:creationId xmlns:a16="http://schemas.microsoft.com/office/drawing/2014/main" id="{9F08EAF9-625C-4411-8C38-ED8962D3C83F}"/>
+                <a16:creationId xmlns:a16="http://schemas.microsoft.com/office/drawing/2014/main" id="{73E58886-928E-43A9-8793-D73CB9D45321}"/>
               </a:ext>
             </a:extLst>
           </p:cNvPr>
@@ -6176,106 +6179,46 @@
           <a:p>
             <a:r>
               <a:rPr lang="en-US" altLang="zh-TW" dirty="0"/>
-              <a:t>Intro to retransmission</a:t>
+              <a:t>Parameters</a:t>
             </a:r>
             <a:endParaRPr lang="zh-TW" altLang="en-US" dirty="0"/>
           </a:p>
         </p:txBody>
       </p:sp>
-      <p:sp>
-        <p:nvSpPr>
-          <p:cNvPr id="3" name="內容版面配置區 2">
+      <p:pic>
+        <p:nvPicPr>
+          <p:cNvPr id="8" name="圖片 7">
             <a:extLst>
               <a:ext uri="{FF2B5EF4-FFF2-40B4-BE49-F238E27FC236}">
-                <a16:creationId xmlns:a16="http://schemas.microsoft.com/office/drawing/2014/main" id="{88DD7457-63C5-4E96-995D-7D7FCFD0D935}"/>
+                <a16:creationId xmlns:a16="http://schemas.microsoft.com/office/drawing/2014/main" id="{8C0BC619-0FFF-4242-8237-54C48F81D060}"/>
               </a:ext>
             </a:extLst>
           </p:cNvPr>
-          <p:cNvSpPr>
-            <a:spLocks noGrp="1"/>
-          </p:cNvSpPr>
-          <p:nvPr>
-            <p:ph idx="1"/>
-          </p:nvPr>
-        </p:nvSpPr>
-        <p:spPr/>
-        <p:txBody>
-          <a:bodyPr/>
-          <a:lstStyle/>
-          <a:p>
-            <a:r>
-              <a:rPr lang="en-US" altLang="zh-TW" dirty="0"/>
-              <a:t>Despite of the channel coding, the transmission may fail if we only transmitted once.</a:t>
-            </a:r>
-          </a:p>
-          <a:p>
-            <a:r>
-              <a:rPr lang="en-US" altLang="zh-TW" dirty="0"/>
-              <a:t>To maintain the reliability, </a:t>
-            </a:r>
-            <a:r>
-              <a:rPr lang="en-US" altLang="zh-TW" b="1" dirty="0"/>
-              <a:t>retransmission</a:t>
-            </a:r>
-            <a:r>
-              <a:rPr lang="en-US" altLang="zh-TW" dirty="0"/>
-              <a:t> is essential.</a:t>
-            </a:r>
-          </a:p>
-          <a:p>
-            <a:r>
-              <a:rPr lang="en-US" altLang="zh-TW" dirty="0"/>
-              <a:t>Three typical retransmission scheme</a:t>
-            </a:r>
-          </a:p>
-          <a:p>
-            <a:pPr lvl="1"/>
-            <a:r>
-              <a:rPr lang="en-US" altLang="zh-TW" dirty="0"/>
-              <a:t>Blind retransmission</a:t>
-            </a:r>
-          </a:p>
-          <a:p>
-            <a:pPr lvl="1"/>
-            <a:r>
-              <a:rPr lang="en-US" altLang="zh-TW" dirty="0" err="1"/>
-              <a:t>Nack</a:t>
-            </a:r>
-            <a:r>
-              <a:rPr lang="en-US" altLang="zh-TW" dirty="0"/>
-              <a:t>-based retransmission</a:t>
-            </a:r>
-          </a:p>
-          <a:p>
-            <a:pPr lvl="1"/>
-            <a:r>
-              <a:rPr lang="en-US" altLang="zh-TW" dirty="0"/>
-              <a:t>HARQ retransmission</a:t>
-            </a:r>
-          </a:p>
-          <a:p>
-            <a:r>
-              <a:rPr lang="en-US" altLang="zh-TW" dirty="0"/>
-              <a:t>In multicast scenario, we usually consider to use blind retransmission and </a:t>
-            </a:r>
-            <a:r>
-              <a:rPr lang="en-US" altLang="zh-TW" dirty="0" err="1"/>
-              <a:t>nack</a:t>
-            </a:r>
-            <a:r>
-              <a:rPr lang="en-US" altLang="zh-TW" dirty="0"/>
-              <a:t>-based retransmission</a:t>
-            </a:r>
-          </a:p>
-          <a:p>
-            <a:endParaRPr lang="zh-TW" altLang="en-US" dirty="0"/>
-          </a:p>
-        </p:txBody>
-      </p:sp>
+          <p:cNvPicPr>
+            <a:picLocks noChangeAspect="1"/>
+          </p:cNvPicPr>
+          <p:nvPr/>
+        </p:nvPicPr>
+        <p:blipFill>
+          <a:blip r:embed="rId2"/>
+          <a:stretch>
+            <a:fillRect/>
+          </a:stretch>
+        </p:blipFill>
+        <p:spPr>
+          <a:xfrm>
+            <a:off x="227404" y="1999352"/>
+            <a:ext cx="9644383" cy="3341158"/>
+          </a:xfrm>
+          <a:prstGeom prst="rect">
+            <a:avLst/>
+          </a:prstGeom>
+        </p:spPr>
+      </p:pic>
     </p:spTree>
     <p:extLst>
       <p:ext uri="{BB962C8B-B14F-4D97-AF65-F5344CB8AC3E}">
-        <p14:creationId xmlns:p14="http://schemas.microsoft.com/office/powerpoint/2010/main" val="3274943952"/>
+        <p14:creationId xmlns:p14="http://schemas.microsoft.com/office/powerpoint/2010/main" val="3983136141"/>
       </p:ext>
     </p:extLst>
   </p:cSld>
@@ -6307,7 +6250,7 @@
           <p:cNvPr id="2" name="標題 1">
             <a:extLst>
               <a:ext uri="{FF2B5EF4-FFF2-40B4-BE49-F238E27FC236}">
-                <a16:creationId xmlns:a16="http://schemas.microsoft.com/office/drawing/2014/main" id="{EE09C35E-8A6F-436A-950B-751E3BF22EB0}"/>
+                <a16:creationId xmlns:a16="http://schemas.microsoft.com/office/drawing/2014/main" id="{9F08EAF9-625C-4411-8C38-ED8962D3C83F}"/>
               </a:ext>
             </a:extLst>
           </p:cNvPr>
@@ -6325,7 +6268,7 @@
           <a:p>
             <a:r>
               <a:rPr lang="en-US" altLang="zh-TW" dirty="0"/>
-              <a:t>Blind Retransmission</a:t>
+              <a:t>Intro to retransmission</a:t>
             </a:r>
             <a:endParaRPr lang="zh-TW" altLang="en-US" dirty="0"/>
           </a:p>
@@ -6336,7 +6279,7 @@
           <p:cNvPr id="3" name="內容版面配置區 2">
             <a:extLst>
               <a:ext uri="{FF2B5EF4-FFF2-40B4-BE49-F238E27FC236}">
-                <a16:creationId xmlns:a16="http://schemas.microsoft.com/office/drawing/2014/main" id="{AF10F730-AA8E-4AF1-88CF-EEF71A3AE745}"/>
+                <a16:creationId xmlns:a16="http://schemas.microsoft.com/office/drawing/2014/main" id="{88DD7457-63C5-4E96-995D-7D7FCFD0D935}"/>
               </a:ext>
             </a:extLst>
           </p:cNvPr>
@@ -6354,16 +6297,66 @@
           <a:p>
             <a:r>
               <a:rPr lang="en-US" altLang="zh-TW" dirty="0"/>
-              <a:t>BS will transmit all packets without feedback.</a:t>
-            </a:r>
-          </a:p>
-          <a:p>
-            <a:endParaRPr lang="en-US" altLang="zh-TW" dirty="0"/>
+              <a:t>Despite of the channel coding, the transmission may fail if we only transmitted once.</a:t>
+            </a:r>
           </a:p>
           <a:p>
             <a:r>
               <a:rPr lang="en-US" altLang="zh-TW" dirty="0"/>
-              <a:t>Determine the transmission packets number</a:t>
+              <a:t>To maintain the reliability, </a:t>
+            </a:r>
+            <a:r>
+              <a:rPr lang="en-US" altLang="zh-TW" b="1" dirty="0"/>
+              <a:t>retransmission</a:t>
+            </a:r>
+            <a:r>
+              <a:rPr lang="en-US" altLang="zh-TW" dirty="0"/>
+              <a:t> is essential.</a:t>
+            </a:r>
+          </a:p>
+          <a:p>
+            <a:r>
+              <a:rPr lang="en-US" altLang="zh-TW" dirty="0"/>
+              <a:t>Three typical retransmission scheme</a:t>
+            </a:r>
+          </a:p>
+          <a:p>
+            <a:pPr lvl="1"/>
+            <a:r>
+              <a:rPr lang="en-US" altLang="zh-TW" dirty="0"/>
+              <a:t>Blind retransmission</a:t>
+            </a:r>
+          </a:p>
+          <a:p>
+            <a:pPr lvl="1"/>
+            <a:r>
+              <a:rPr lang="en-US" altLang="zh-TW" dirty="0" err="1"/>
+              <a:t>Nack</a:t>
+            </a:r>
+            <a:r>
+              <a:rPr lang="en-US" altLang="zh-TW" dirty="0"/>
+              <a:t>-based retransmission</a:t>
+            </a:r>
+          </a:p>
+          <a:p>
+            <a:pPr lvl="1"/>
+            <a:r>
+              <a:rPr lang="en-US" altLang="zh-TW" dirty="0"/>
+              <a:t>HARQ retransmission</a:t>
+            </a:r>
+          </a:p>
+          <a:p>
+            <a:r>
+              <a:rPr lang="en-US" altLang="zh-TW" dirty="0"/>
+              <a:t>In multicast scenario, we usually consider to use blind retransmission and </a:t>
+            </a:r>
+            <a:r>
+              <a:rPr lang="en-US" altLang="zh-TW" dirty="0" err="1"/>
+              <a:t>nack</a:t>
+            </a:r>
+            <a:r>
+              <a:rPr lang="en-US" altLang="zh-TW" dirty="0"/>
+              <a:t>-based retransmission</a:t>
             </a:r>
           </a:p>
           <a:p>
@@ -6374,7 +6367,7 @@
     </p:spTree>
     <p:extLst>
       <p:ext uri="{BB962C8B-B14F-4D97-AF65-F5344CB8AC3E}">
-        <p14:creationId xmlns:p14="http://schemas.microsoft.com/office/powerpoint/2010/main" val="2032782396"/>
+        <p14:creationId xmlns:p14="http://schemas.microsoft.com/office/powerpoint/2010/main" val="3274943952"/>
       </p:ext>
     </p:extLst>
   </p:cSld>
@@ -6446,17 +6439,78 @@
             <p:ph idx="1"/>
           </p:nvPr>
         </p:nvSpPr>
-        <p:spPr/>
-        <p:txBody>
-          <a:bodyPr/>
-          <a:lstStyle/>
+        <p:spPr>
+          <a:xfrm>
+            <a:off x="677334" y="2160589"/>
+            <a:ext cx="9437050" cy="4296195"/>
+          </a:xfrm>
+        </p:spPr>
+        <p:txBody>
+          <a:bodyPr/>
+          <a:lstStyle/>
+          <a:p>
+            <a:r>
+              <a:rPr lang="en-US" altLang="zh-TW" dirty="0"/>
+              <a:t>BS will transmit all needed packets </a:t>
+            </a:r>
+            <a:r>
+              <a:rPr lang="en-US" altLang="zh-TW" b="1" dirty="0"/>
+              <a:t>without feedback</a:t>
+            </a:r>
+            <a:r>
+              <a:rPr lang="en-US" altLang="zh-TW" dirty="0"/>
+              <a:t>.</a:t>
+            </a:r>
+          </a:p>
+          <a:p>
+            <a:r>
+              <a:rPr lang="en-US" altLang="zh-TW" dirty="0"/>
+              <a:t>Assume there are no round trip time (RTT) in blind retransmission.</a:t>
+            </a:r>
+          </a:p>
           <a:p>
             <a:endParaRPr lang="en-US" altLang="zh-TW" dirty="0"/>
           </a:p>
           <a:p>
             <a:r>
               <a:rPr lang="en-US" altLang="zh-TW" dirty="0"/>
-              <a:t>Determine the transmission packets number</a:t>
+              <a:t>Bad at resource utilization, but merely having latency.</a:t>
+            </a:r>
+          </a:p>
+          <a:p>
+            <a:r>
+              <a:rPr lang="en-US" altLang="zh-TW" dirty="0"/>
+              <a:t>Already used in lots of low latency requirement application, such as V2X.</a:t>
+            </a:r>
+          </a:p>
+          <a:p>
+            <a:r>
+              <a:rPr lang="en-US" altLang="zh-TW" dirty="0"/>
+              <a:t>To reach the constraint of reliability, </a:t>
+            </a:r>
+            <a:r>
+              <a:rPr lang="en-US" altLang="zh-TW" b="1" dirty="0"/>
+              <a:t>the transmission packets number for a single packet </a:t>
+            </a:r>
+            <a:r>
+              <a:rPr lang="en-US" altLang="zh-TW" dirty="0"/>
+              <a:t>can be determined by selecting the </a:t>
+            </a:r>
+            <a:r>
+              <a:rPr lang="en-US" altLang="zh-TW" b="1" dirty="0"/>
+              <a:t>minimum  </a:t>
+            </a:r>
+            <a:r>
+              <a:rPr lang="zh-TW" altLang="en-US" b="1" dirty="0"/>
+              <a:t>           </a:t>
+            </a:r>
+            <a:r>
+              <a:rPr lang="en-US" altLang="zh-TW" b="1" dirty="0"/>
+              <a:t>which satisfy </a:t>
+            </a:r>
+            <a:r>
+              <a:rPr lang="en-US" altLang="zh-TW" dirty="0"/>
+              <a:t>the following inequality</a:t>
             </a:r>
           </a:p>
           <a:p>
@@ -6464,10 +6518,130 @@
           </a:p>
         </p:txBody>
       </p:sp>
+      <p:pic>
+        <p:nvPicPr>
+          <p:cNvPr id="49" name="圖片 48" descr="\documentclass{article}&#10;\usepackage{amsmath}&#10;\pagestyle{empty}&#10;\begin{document}&#10;$$&#10;Rel_{constraint} \le \displaystyle (\prod_{i=1}^k (1-e_i^{M_{blind}}))^{N_{data}}&#10;$$&#10;\end{document}" title="IguanaTex Bitmap Display">
+            <a:extLst>
+              <a:ext uri="{FF2B5EF4-FFF2-40B4-BE49-F238E27FC236}">
+                <a16:creationId xmlns:a16="http://schemas.microsoft.com/office/drawing/2014/main" id="{7BF083B3-EAF8-4D5C-8ADB-4C7AB21BA55F}"/>
+              </a:ext>
+            </a:extLst>
+          </p:cNvPr>
+          <p:cNvPicPr>
+            <a:picLocks noChangeAspect="1"/>
+          </p:cNvPicPr>
+          <p:nvPr>
+            <p:custDataLst>
+              <p:tags r:id="rId1"/>
+            </p:custDataLst>
+          </p:nvPr>
+        </p:nvPicPr>
+        <p:blipFill>
+          <a:blip r:embed="rId5">
+            <a:extLst>
+              <a:ext uri="{28A0092B-C50C-407E-A947-70E740481C1C}">
+                <a14:useLocalDpi xmlns:a14="http://schemas.microsoft.com/office/drawing/2010/main" val="0"/>
+              </a:ext>
+            </a:extLst>
+          </a:blip>
+          <a:stretch>
+            <a:fillRect/>
+          </a:stretch>
+        </p:blipFill>
+        <p:spPr>
+          <a:xfrm>
+            <a:off x="876786" y="5360397"/>
+            <a:ext cx="4176220" cy="750173"/>
+          </a:xfrm>
+          <a:prstGeom prst="rect">
+            <a:avLst/>
+          </a:prstGeom>
+        </p:spPr>
+      </p:pic>
+      <p:pic>
+        <p:nvPicPr>
+          <p:cNvPr id="47" name="圖片 46" descr="\documentclass{article}&#10;\usepackage{amsmath}&#10;\pagestyle{empty}&#10;\begin{document}&#10;&#10;$k$ is the total number of UE \\&#10;$e_i$ is the packet error rate for ith UE\\&#10;$N_{data}$ is the amount of total packets. \\&#10;$Rel_{constraint}$ is the reliability constraint \\&#10;&#10;\end{document}" title="IguanaTex Bitmap Display">
+            <a:extLst>
+              <a:ext uri="{FF2B5EF4-FFF2-40B4-BE49-F238E27FC236}">
+                <a16:creationId xmlns:a16="http://schemas.microsoft.com/office/drawing/2014/main" id="{6A01B363-6E09-4F84-99C9-D4631F3ECEB4}"/>
+              </a:ext>
+            </a:extLst>
+          </p:cNvPr>
+          <p:cNvPicPr>
+            <a:picLocks noChangeAspect="1"/>
+          </p:cNvPicPr>
+          <p:nvPr>
+            <p:custDataLst>
+              <p:tags r:id="rId2"/>
+            </p:custDataLst>
+          </p:nvPr>
+        </p:nvPicPr>
+        <p:blipFill>
+          <a:blip r:embed="rId6">
+            <a:extLst>
+              <a:ext uri="{28A0092B-C50C-407E-A947-70E740481C1C}">
+                <a14:useLocalDpi xmlns:a14="http://schemas.microsoft.com/office/drawing/2010/main" val="0"/>
+              </a:ext>
+            </a:extLst>
+          </a:blip>
+          <a:stretch>
+            <a:fillRect/>
+          </a:stretch>
+        </p:blipFill>
+        <p:spPr>
+          <a:xfrm>
+            <a:off x="5403422" y="5661142"/>
+            <a:ext cx="3929139" cy="1025831"/>
+          </a:xfrm>
+          <a:prstGeom prst="rect">
+            <a:avLst/>
+          </a:prstGeom>
+        </p:spPr>
+      </p:pic>
+      <p:pic>
+        <p:nvPicPr>
+          <p:cNvPr id="51" name="圖片 50" descr="\documentclass{article}&#10;\usepackage{amsmath}&#10;\pagestyle{empty}&#10;\begin{document}&#10;$$&#10;M_{blind}&#10;$$&#10;\end{document}" title="IguanaTex Bitmap Display">
+            <a:extLst>
+              <a:ext uri="{FF2B5EF4-FFF2-40B4-BE49-F238E27FC236}">
+                <a16:creationId xmlns:a16="http://schemas.microsoft.com/office/drawing/2014/main" id="{ABDE3460-C88A-4CCC-B078-B7D991666E88}"/>
+              </a:ext>
+            </a:extLst>
+          </p:cNvPr>
+          <p:cNvPicPr>
+            <a:picLocks noChangeAspect="1"/>
+          </p:cNvPicPr>
+          <p:nvPr>
+            <p:custDataLst>
+              <p:tags r:id="rId3"/>
+            </p:custDataLst>
+          </p:nvPr>
+        </p:nvPicPr>
+        <p:blipFill>
+          <a:blip r:embed="rId7">
+            <a:extLst>
+              <a:ext uri="{28A0092B-C50C-407E-A947-70E740481C1C}">
+                <a14:useLocalDpi xmlns:a14="http://schemas.microsoft.com/office/drawing/2010/main" val="0"/>
+              </a:ext>
+            </a:extLst>
+          </a:blip>
+          <a:stretch>
+            <a:fillRect/>
+          </a:stretch>
+        </p:blipFill>
+        <p:spPr>
+          <a:xfrm>
+            <a:off x="6748106" y="4574075"/>
+            <a:ext cx="619886" cy="190629"/>
+          </a:xfrm>
+          <a:prstGeom prst="rect">
+            <a:avLst/>
+          </a:prstGeom>
+        </p:spPr>
+      </p:pic>
     </p:spTree>
     <p:extLst>
       <p:ext uri="{BB962C8B-B14F-4D97-AF65-F5344CB8AC3E}">
-        <p14:creationId xmlns:p14="http://schemas.microsoft.com/office/powerpoint/2010/main" val="80476121"/>
+        <p14:creationId xmlns:p14="http://schemas.microsoft.com/office/powerpoint/2010/main" val="2032782396"/>
       </p:ext>
     </p:extLst>
   </p:cSld>
@@ -6499,7 +6673,7 @@
           <p:cNvPr id="2" name="標題 1">
             <a:extLst>
               <a:ext uri="{FF2B5EF4-FFF2-40B4-BE49-F238E27FC236}">
-                <a16:creationId xmlns:a16="http://schemas.microsoft.com/office/drawing/2014/main" id="{C7FCF162-CCB6-4DA2-A310-D173054C1C1C}"/>
+                <a16:creationId xmlns:a16="http://schemas.microsoft.com/office/drawing/2014/main" id="{EE09C35E-8A6F-436A-950B-751E3BF22EB0}"/>
               </a:ext>
             </a:extLst>
           </p:cNvPr>
@@ -6516,12 +6690,8 @@
           <a:lstStyle/>
           <a:p>
             <a:r>
-              <a:rPr lang="en-US" altLang="zh-TW" dirty="0" err="1"/>
-              <a:t>Nack</a:t>
-            </a:r>
-            <a:r>
               <a:rPr lang="en-US" altLang="zh-TW" dirty="0"/>
-              <a:t>-based Retransmission</a:t>
+              <a:t>Blind Retransmission</a:t>
             </a:r>
             <a:endParaRPr lang="zh-TW" altLang="en-US" dirty="0"/>
           </a:p>
@@ -6532,7 +6702,7 @@
           <p:cNvPr id="3" name="內容版面配置區 2">
             <a:extLst>
               <a:ext uri="{FF2B5EF4-FFF2-40B4-BE49-F238E27FC236}">
-                <a16:creationId xmlns:a16="http://schemas.microsoft.com/office/drawing/2014/main" id="{6C0DC799-AB9B-431F-ABCE-78FF59C96810}"/>
+                <a16:creationId xmlns:a16="http://schemas.microsoft.com/office/drawing/2014/main" id="{AF10F730-AA8E-4AF1-88CF-EEF71A3AE745}"/>
               </a:ext>
             </a:extLst>
           </p:cNvPr>
@@ -6548,14 +6718,17 @@
           <a:bodyPr/>
           <a:lstStyle/>
           <a:p>
-            <a:endParaRPr lang="zh-TW" altLang="en-US"/>
+            <a:endParaRPr lang="en-US" altLang="zh-TW" dirty="0"/>
+          </a:p>
+          <a:p>
+            <a:endParaRPr lang="zh-TW" altLang="en-US" dirty="0"/>
           </a:p>
         </p:txBody>
       </p:sp>
     </p:spTree>
     <p:extLst>
       <p:ext uri="{BB962C8B-B14F-4D97-AF65-F5344CB8AC3E}">
-        <p14:creationId xmlns:p14="http://schemas.microsoft.com/office/powerpoint/2010/main" val="2945292490"/>
+        <p14:creationId xmlns:p14="http://schemas.microsoft.com/office/powerpoint/2010/main" val="80476121"/>
       </p:ext>
     </p:extLst>
   </p:cSld>
@@ -6587,6 +6760,547 @@
           <p:cNvPr id="2" name="標題 1">
             <a:extLst>
               <a:ext uri="{FF2B5EF4-FFF2-40B4-BE49-F238E27FC236}">
+                <a16:creationId xmlns:a16="http://schemas.microsoft.com/office/drawing/2014/main" id="{BB554601-B0D3-4B59-96D9-39F6809C766D}"/>
+              </a:ext>
+            </a:extLst>
+          </p:cNvPr>
+          <p:cNvSpPr>
+            <a:spLocks noGrp="1"/>
+          </p:cNvSpPr>
+          <p:nvPr>
+            <p:ph type="title"/>
+          </p:nvPr>
+        </p:nvSpPr>
+        <p:spPr/>
+        <p:txBody>
+          <a:bodyPr/>
+          <a:lstStyle/>
+          <a:p>
+            <a:r>
+              <a:rPr lang="en-US" altLang="zh-TW" dirty="0"/>
+              <a:t>Mathematical derivation</a:t>
+            </a:r>
+            <a:endParaRPr lang="zh-TW" altLang="en-US" dirty="0"/>
+          </a:p>
+        </p:txBody>
+      </p:sp>
+      <mc:AlternateContent xmlns:mc="http://schemas.openxmlformats.org/markup-compatibility/2006">
+        <mc:Choice xmlns:a14="http://schemas.microsoft.com/office/drawing/2010/main" Requires="a14">
+          <p:sp>
+            <p:nvSpPr>
+              <p:cNvPr id="3" name="內容版面配置區 2">
+                <a:extLst>
+                  <a:ext uri="{FF2B5EF4-FFF2-40B4-BE49-F238E27FC236}">
+                    <a16:creationId xmlns:a16="http://schemas.microsoft.com/office/drawing/2014/main" id="{7C4DEEC0-D48A-40E2-B16B-0D42BE5A9505}"/>
+                  </a:ext>
+                </a:extLst>
+              </p:cNvPr>
+              <p:cNvSpPr>
+                <a:spLocks noGrp="1"/>
+              </p:cNvSpPr>
+              <p:nvPr>
+                <p:ph idx="1"/>
+              </p:nvPr>
+            </p:nvSpPr>
+            <p:spPr>
+              <a:xfrm>
+                <a:off x="677334" y="1693190"/>
+                <a:ext cx="9147802" cy="5080834"/>
+              </a:xfrm>
+            </p:spPr>
+            <p:txBody>
+              <a:bodyPr/>
+              <a:lstStyle/>
+              <a:p>
+                <a:r>
+                  <a:rPr lang="en-US" altLang="zh-TW" dirty="0"/>
+                  <a:t>The UE doesn’t need more same packets after successfully decoding the packet</a:t>
+                </a:r>
+              </a:p>
+              <a:p>
+                <a:pPr lvl="1"/>
+                <a:r>
+                  <a:rPr lang="en-US" altLang="zh-TW" dirty="0"/>
+                  <a:t>The </a:t>
+                </a:r>
+                <a:r>
+                  <a:rPr lang="en-US" altLang="zh-TW" dirty="0" err="1"/>
+                  <a:t>r.v.</a:t>
+                </a:r>
+                <a:r>
+                  <a:rPr lang="en-US" altLang="zh-TW" dirty="0"/>
+                  <a:t> of needed packets for a UE to successfully decode is     , and the PMF is</a:t>
+                </a:r>
+              </a:p>
+              <a:p>
+                <a:pPr lvl="1"/>
+                <a:endParaRPr lang="en-US" altLang="zh-TW" dirty="0"/>
+              </a:p>
+              <a:p>
+                <a:r>
+                  <a:rPr lang="en-US" altLang="zh-TW" dirty="0"/>
+                  <a:t>The </a:t>
+                </a:r>
+                <a:r>
+                  <a:rPr lang="en-US" altLang="zh-TW" dirty="0" err="1"/>
+                  <a:t>r.v.</a:t>
+                </a:r>
+                <a:r>
+                  <a:rPr lang="en-US" altLang="zh-TW" dirty="0"/>
+                  <a:t> for number of duplicated packet needed to be transmitted in multicast is</a:t>
+                </a:r>
+              </a:p>
+              <a:p>
+                <a:pPr lvl="1"/>
+                <a:endParaRPr lang="en-US" altLang="zh-TW" dirty="0"/>
+              </a:p>
+              <a:p>
+                <a:r>
+                  <a:rPr lang="en-US" altLang="zh-TW" dirty="0"/>
+                  <a:t>The probability of successfully transmitting a packet with x transmission is</a:t>
+                </a:r>
+              </a:p>
+              <a:p>
+                <a:endParaRPr lang="en-US" altLang="zh-TW" dirty="0"/>
+              </a:p>
+              <a:p>
+                <a:endParaRPr lang="en-US" altLang="zh-TW" dirty="0"/>
+              </a:p>
+              <a:p>
+                <a:r>
+                  <a:rPr lang="en-US" altLang="zh-TW" dirty="0"/>
+                  <a:t>To satisfy the constraint of reliability for all packets, we have</a:t>
+                </a:r>
+              </a:p>
+              <a:p>
+                <a:endParaRPr lang="en-US" altLang="zh-TW" dirty="0"/>
+              </a:p>
+              <a:p>
+                <a:endParaRPr lang="en-US" altLang="zh-TW" dirty="0"/>
+              </a:p>
+              <a:p>
+                <a:r>
+                  <a:rPr lang="en-US" altLang="zh-TW" dirty="0"/>
+                  <a:t>Find the minimum </a:t>
+                </a:r>
+                <a14:m>
+                  <m:oMath xmlns:m="http://schemas.openxmlformats.org/officeDocument/2006/math">
+                    <m:r>
+                      <a:rPr lang="en-US" altLang="zh-TW" b="0" i="1" smtClean="0">
+                        <a:latin typeface="Cambria Math" panose="02040503050406030204" pitchFamily="18" charset="0"/>
+                      </a:rPr>
+                      <m:t>𝑥</m:t>
+                    </m:r>
+                  </m:oMath>
+                </a14:m>
+                <a:r>
+                  <a:rPr lang="en-US" altLang="zh-TW" dirty="0"/>
+                  <a:t> by testing the above inequality iteratively, and that is the desired </a:t>
+                </a:r>
+                <a14:m>
+                  <m:oMath xmlns:m="http://schemas.openxmlformats.org/officeDocument/2006/math">
+                    <m:sSub>
+                      <m:sSubPr>
+                        <m:ctrlPr>
+                          <a:rPr lang="en-US" altLang="zh-TW" b="0" i="1" smtClean="0">
+                            <a:latin typeface="Cambria Math" panose="02040503050406030204" pitchFamily="18" charset="0"/>
+                          </a:rPr>
+                        </m:ctrlPr>
+                      </m:sSubPr>
+                      <m:e>
+                        <m:r>
+                          <a:rPr lang="en-US" altLang="zh-TW" b="0" i="1" smtClean="0">
+                            <a:latin typeface="Cambria Math" panose="02040503050406030204" pitchFamily="18" charset="0"/>
+                          </a:rPr>
+                          <m:t>𝑀</m:t>
+                        </m:r>
+                      </m:e>
+                      <m:sub>
+                        <m:r>
+                          <a:rPr lang="en-US" altLang="zh-TW" b="0" i="1" smtClean="0">
+                            <a:latin typeface="Cambria Math" panose="02040503050406030204" pitchFamily="18" charset="0"/>
+                          </a:rPr>
+                          <m:t>𝑏𝑙𝑖𝑛𝑑</m:t>
+                        </m:r>
+                      </m:sub>
+                    </m:sSub>
+                  </m:oMath>
+                </a14:m>
+                <a:r>
+                  <a:rPr lang="en-US" altLang="zh-TW" dirty="0"/>
+                  <a:t>.</a:t>
+                </a:r>
+              </a:p>
+            </p:txBody>
+          </p:sp>
+        </mc:Choice>
+        <mc:Fallback>
+          <p:sp>
+            <p:nvSpPr>
+              <p:cNvPr id="3" name="內容版面配置區 2">
+                <a:extLst>
+                  <a:ext uri="{FF2B5EF4-FFF2-40B4-BE49-F238E27FC236}">
+                    <a16:creationId xmlns:a16="http://schemas.microsoft.com/office/drawing/2014/main" id="{7C4DEEC0-D48A-40E2-B16B-0D42BE5A9505}"/>
+                  </a:ext>
+                </a:extLst>
+              </p:cNvPr>
+              <p:cNvSpPr>
+                <a:spLocks noGrp="1" noRot="1" noChangeAspect="1" noMove="1" noResize="1" noEditPoints="1" noAdjustHandles="1" noChangeArrowheads="1" noChangeShapeType="1" noTextEdit="1"/>
+              </p:cNvSpPr>
+              <p:nvPr>
+                <p:ph idx="1"/>
+              </p:nvPr>
+            </p:nvSpPr>
+            <p:spPr>
+              <a:xfrm>
+                <a:off x="677334" y="1693190"/>
+                <a:ext cx="9147802" cy="5080834"/>
+              </a:xfrm>
+              <a:blipFill>
+                <a:blip r:embed="rId7"/>
+                <a:stretch>
+                  <a:fillRect l="-133" t="-840"/>
+                </a:stretch>
+              </a:blipFill>
+            </p:spPr>
+            <p:txBody>
+              <a:bodyPr/>
+              <a:lstStyle/>
+              <a:p>
+                <a:r>
+                  <a:rPr lang="zh-TW" altLang="en-US">
+                    <a:noFill/>
+                  </a:rPr>
+                  <a:t> </a:t>
+                </a:r>
+              </a:p>
+            </p:txBody>
+          </p:sp>
+        </mc:Fallback>
+      </mc:AlternateContent>
+      <p:pic>
+        <p:nvPicPr>
+          <p:cNvPr id="11" name="圖片 10" descr="\documentclass{article}&#10;\usepackage{amsmath}&#10;\pagestyle{empty}&#10;\begin{document}&#10;$$&#10;X_j&#10;$$&#10;\end{document}" title="IguanaTex Bitmap Display">
+            <a:extLst>
+              <a:ext uri="{FF2B5EF4-FFF2-40B4-BE49-F238E27FC236}">
+                <a16:creationId xmlns:a16="http://schemas.microsoft.com/office/drawing/2014/main" id="{558581F8-518D-4530-BF94-46A244C4077B}"/>
+              </a:ext>
+            </a:extLst>
+          </p:cNvPr>
+          <p:cNvPicPr>
+            <a:picLocks noChangeAspect="1"/>
+          </p:cNvPicPr>
+          <p:nvPr>
+            <p:custDataLst>
+              <p:tags r:id="rId1"/>
+            </p:custDataLst>
+          </p:nvPr>
+        </p:nvPicPr>
+        <p:blipFill>
+          <a:blip r:embed="rId8">
+            <a:extLst>
+              <a:ext uri="{28A0092B-C50C-407E-A947-70E740481C1C}">
+                <a14:useLocalDpi xmlns:a14="http://schemas.microsoft.com/office/drawing/2010/main" val="0"/>
+              </a:ext>
+            </a:extLst>
+          </a:blip>
+          <a:stretch>
+            <a:fillRect/>
+          </a:stretch>
+        </p:blipFill>
+        <p:spPr>
+          <a:xfrm>
+            <a:off x="7095209" y="2180126"/>
+            <a:ext cx="225524" cy="197486"/>
+          </a:xfrm>
+          <a:prstGeom prst="rect">
+            <a:avLst/>
+          </a:prstGeom>
+        </p:spPr>
+      </p:pic>
+      <p:pic>
+        <p:nvPicPr>
+          <p:cNvPr id="22" name="圖片 21" descr="\documentclass{article}&#10;\usepackage{amsmath}&#10;\pagestyle{empty}&#10;\begin{document}&#10;&#10;$$&#10;\Pr(X_j = x) = (1-{e_j})^{x-1}e_j \ \ \ \ \  1\le j \le k&#10;$$&#10;&#10;\end{document}" title="IguanaTex Bitmap Display">
+            <a:extLst>
+              <a:ext uri="{FF2B5EF4-FFF2-40B4-BE49-F238E27FC236}">
+                <a16:creationId xmlns:a16="http://schemas.microsoft.com/office/drawing/2014/main" id="{762CFB52-4844-49F7-84BC-62B48F6BC2F9}"/>
+              </a:ext>
+            </a:extLst>
+          </p:cNvPr>
+          <p:cNvPicPr>
+            <a:picLocks noChangeAspect="1"/>
+          </p:cNvPicPr>
+          <p:nvPr>
+            <p:custDataLst>
+              <p:tags r:id="rId2"/>
+            </p:custDataLst>
+          </p:nvPr>
+        </p:nvPicPr>
+        <p:blipFill>
+          <a:blip r:embed="rId9">
+            <a:extLst>
+              <a:ext uri="{28A0092B-C50C-407E-A947-70E740481C1C}">
+                <a14:useLocalDpi xmlns:a14="http://schemas.microsoft.com/office/drawing/2010/main" val="0"/>
+              </a:ext>
+            </a:extLst>
+          </a:blip>
+          <a:stretch>
+            <a:fillRect/>
+          </a:stretch>
+        </p:blipFill>
+        <p:spPr>
+          <a:xfrm>
+            <a:off x="3174910" y="2473720"/>
+            <a:ext cx="4080000" cy="267428"/>
+          </a:xfrm>
+          <a:prstGeom prst="rect">
+            <a:avLst/>
+          </a:prstGeom>
+        </p:spPr>
+      </p:pic>
+      <p:pic>
+        <p:nvPicPr>
+          <p:cNvPr id="7" name="圖片 6" descr="\documentclass{article}&#10;\usepackage{amsmath}&#10;\pagestyle{empty}&#10;\begin{document}&#10;$$&#10;X = \max\{X_1,X_2,...,X_k\}&#10;$$&#10;\end{document}" title="IguanaTex Bitmap Display">
+            <a:extLst>
+              <a:ext uri="{FF2B5EF4-FFF2-40B4-BE49-F238E27FC236}">
+                <a16:creationId xmlns:a16="http://schemas.microsoft.com/office/drawing/2014/main" id="{2814CE11-BCCD-4D24-9EEF-B7CA5A871DF8}"/>
+              </a:ext>
+            </a:extLst>
+          </p:cNvPr>
+          <p:cNvPicPr>
+            <a:picLocks noChangeAspect="1"/>
+          </p:cNvPicPr>
+          <p:nvPr>
+            <p:custDataLst>
+              <p:tags r:id="rId3"/>
+            </p:custDataLst>
+          </p:nvPr>
+        </p:nvPicPr>
+        <p:blipFill>
+          <a:blip r:embed="rId10">
+            <a:extLst>
+              <a:ext uri="{28A0092B-C50C-407E-A947-70E740481C1C}">
+                <a14:useLocalDpi xmlns:a14="http://schemas.microsoft.com/office/drawing/2010/main" val="0"/>
+              </a:ext>
+            </a:extLst>
+          </a:blip>
+          <a:stretch>
+            <a:fillRect/>
+          </a:stretch>
+        </p:blipFill>
+        <p:spPr>
+          <a:xfrm>
+            <a:off x="3842186" y="3273554"/>
+            <a:ext cx="2513828" cy="229029"/>
+          </a:xfrm>
+          <a:prstGeom prst="rect">
+            <a:avLst/>
+          </a:prstGeom>
+        </p:spPr>
+      </p:pic>
+      <p:pic>
+        <p:nvPicPr>
+          <p:cNvPr id="15" name="圖片 14" descr="\documentclass{article}&#10;\usepackage{amsmath}&#10;\pagestyle{empty}&#10;\begin{document}&#10;&#10;  $$&#10;  F_X[x]=\Pr \{X\le x\}=\Pr \{ \max_{1\le j \le k} X_j\le x\}=\prod_{j=1}^{k}F_{X_i}[x]=\prod_{j=1}^{k}(1-{e_j}^x)&#10;  $$&#10;  &#10;&#10;\end{document}" title="IguanaTex Bitmap Display">
+            <a:extLst>
+              <a:ext uri="{FF2B5EF4-FFF2-40B4-BE49-F238E27FC236}">
+                <a16:creationId xmlns:a16="http://schemas.microsoft.com/office/drawing/2014/main" id="{B1676260-1870-4A8B-8BE5-641D0288857B}"/>
+              </a:ext>
+            </a:extLst>
+          </p:cNvPr>
+          <p:cNvPicPr>
+            <a:picLocks noChangeAspect="1"/>
+          </p:cNvPicPr>
+          <p:nvPr>
+            <p:custDataLst>
+              <p:tags r:id="rId4"/>
+            </p:custDataLst>
+          </p:nvPr>
+        </p:nvPicPr>
+        <p:blipFill>
+          <a:blip r:embed="rId11">
+            <a:extLst>
+              <a:ext uri="{28A0092B-C50C-407E-A947-70E740481C1C}">
+                <a14:useLocalDpi xmlns:a14="http://schemas.microsoft.com/office/drawing/2010/main" val="0"/>
+              </a:ext>
+            </a:extLst>
+          </a:blip>
+          <a:stretch>
+            <a:fillRect/>
+          </a:stretch>
+        </p:blipFill>
+        <p:spPr>
+          <a:xfrm>
+            <a:off x="1669843" y="3976265"/>
+            <a:ext cx="6848914" cy="696686"/>
+          </a:xfrm>
+          <a:prstGeom prst="rect">
+            <a:avLst/>
+          </a:prstGeom>
+        </p:spPr>
+      </p:pic>
+      <p:pic>
+        <p:nvPicPr>
+          <p:cNvPr id="19" name="圖片 18" descr="\documentclass{article}&#10;\usepackage{amsmath}&#10;\pagestyle{empty}&#10;\begin{document}&#10;  $$&#10;  Rel_{constraint}\le (F_X[x])^{N_{total}}=(\prod_{j=1}^{k}(1-{e_j}^x))^{N_{total}}&#10;  $$&#10;\end{document}" title="IguanaTex Bitmap Display">
+            <a:extLst>
+              <a:ext uri="{FF2B5EF4-FFF2-40B4-BE49-F238E27FC236}">
+                <a16:creationId xmlns:a16="http://schemas.microsoft.com/office/drawing/2014/main" id="{78074FFC-8240-4926-9047-A895EB67D867}"/>
+              </a:ext>
+            </a:extLst>
+          </p:cNvPr>
+          <p:cNvPicPr>
+            <a:picLocks noChangeAspect="1"/>
+          </p:cNvPicPr>
+          <p:nvPr>
+            <p:custDataLst>
+              <p:tags r:id="rId5"/>
+            </p:custDataLst>
+          </p:nvPr>
+        </p:nvPicPr>
+        <p:blipFill>
+          <a:blip r:embed="rId12">
+            <a:extLst>
+              <a:ext uri="{28A0092B-C50C-407E-A947-70E740481C1C}">
+                <a14:useLocalDpi xmlns:a14="http://schemas.microsoft.com/office/drawing/2010/main" val="0"/>
+              </a:ext>
+            </a:extLst>
+          </a:blip>
+          <a:stretch>
+            <a:fillRect/>
+          </a:stretch>
+        </p:blipFill>
+        <p:spPr>
+          <a:xfrm>
+            <a:off x="2366864" y="5253392"/>
+            <a:ext cx="4963200" cy="696686"/>
+          </a:xfrm>
+          <a:prstGeom prst="rect">
+            <a:avLst/>
+          </a:prstGeom>
+        </p:spPr>
+      </p:pic>
+    </p:spTree>
+    <p:extLst>
+      <p:ext uri="{BB962C8B-B14F-4D97-AF65-F5344CB8AC3E}">
+        <p14:creationId xmlns:p14="http://schemas.microsoft.com/office/powerpoint/2010/main" val="1836576046"/>
+      </p:ext>
+    </p:extLst>
+  </p:cSld>
+  <p:clrMapOvr>
+    <a:masterClrMapping/>
+  </p:clrMapOvr>
+</p:sld>
+</file>
+
+<file path=ppt/slides/slide17.xml><?xml version="1.0" encoding="utf-8"?>
+<p:sld xmlns:a="http://schemas.openxmlformats.org/drawingml/2006/main" xmlns:r="http://schemas.openxmlformats.org/officeDocument/2006/relationships" xmlns:p="http://schemas.openxmlformats.org/presentationml/2006/main">
+  <p:cSld>
+    <p:spTree>
+      <p:nvGrpSpPr>
+        <p:cNvPr id="1" name=""/>
+        <p:cNvGrpSpPr/>
+        <p:nvPr/>
+      </p:nvGrpSpPr>
+      <p:grpSpPr>
+        <a:xfrm>
+          <a:off x="0" y="0"/>
+          <a:ext cx="0" cy="0"/>
+          <a:chOff x="0" y="0"/>
+          <a:chExt cx="0" cy="0"/>
+        </a:xfrm>
+      </p:grpSpPr>
+      <p:sp>
+        <p:nvSpPr>
+          <p:cNvPr id="2" name="標題 1">
+            <a:extLst>
+              <a:ext uri="{FF2B5EF4-FFF2-40B4-BE49-F238E27FC236}">
+                <a16:creationId xmlns:a16="http://schemas.microsoft.com/office/drawing/2014/main" id="{C7FCF162-CCB6-4DA2-A310-D173054C1C1C}"/>
+              </a:ext>
+            </a:extLst>
+          </p:cNvPr>
+          <p:cNvSpPr>
+            <a:spLocks noGrp="1"/>
+          </p:cNvSpPr>
+          <p:nvPr>
+            <p:ph type="title"/>
+          </p:nvPr>
+        </p:nvSpPr>
+        <p:spPr/>
+        <p:txBody>
+          <a:bodyPr/>
+          <a:lstStyle/>
+          <a:p>
+            <a:r>
+              <a:rPr lang="en-US" altLang="zh-TW" dirty="0" err="1"/>
+              <a:t>Nack</a:t>
+            </a:r>
+            <a:r>
+              <a:rPr lang="en-US" altLang="zh-TW" dirty="0"/>
+              <a:t>-based Retransmission</a:t>
+            </a:r>
+            <a:endParaRPr lang="zh-TW" altLang="en-US" dirty="0"/>
+          </a:p>
+        </p:txBody>
+      </p:sp>
+      <p:sp>
+        <p:nvSpPr>
+          <p:cNvPr id="3" name="內容版面配置區 2">
+            <a:extLst>
+              <a:ext uri="{FF2B5EF4-FFF2-40B4-BE49-F238E27FC236}">
+                <a16:creationId xmlns:a16="http://schemas.microsoft.com/office/drawing/2014/main" id="{6C0DC799-AB9B-431F-ABCE-78FF59C96810}"/>
+              </a:ext>
+            </a:extLst>
+          </p:cNvPr>
+          <p:cNvSpPr>
+            <a:spLocks noGrp="1"/>
+          </p:cNvSpPr>
+          <p:nvPr>
+            <p:ph idx="1"/>
+          </p:nvPr>
+        </p:nvSpPr>
+        <p:spPr/>
+        <p:txBody>
+          <a:bodyPr/>
+          <a:lstStyle/>
+          <a:p>
+            <a:endParaRPr lang="zh-TW" altLang="en-US" dirty="0"/>
+          </a:p>
+        </p:txBody>
+      </p:sp>
+    </p:spTree>
+    <p:extLst>
+      <p:ext uri="{BB962C8B-B14F-4D97-AF65-F5344CB8AC3E}">
+        <p14:creationId xmlns:p14="http://schemas.microsoft.com/office/powerpoint/2010/main" val="2945292490"/>
+      </p:ext>
+    </p:extLst>
+  </p:cSld>
+  <p:clrMapOvr>
+    <a:masterClrMapping/>
+  </p:clrMapOvr>
+</p:sld>
+</file>
+
+<file path=ppt/slides/slide18.xml><?xml version="1.0" encoding="utf-8"?>
+<p:sld xmlns:a="http://schemas.openxmlformats.org/drawingml/2006/main" xmlns:r="http://schemas.openxmlformats.org/officeDocument/2006/relationships" xmlns:p="http://schemas.openxmlformats.org/presentationml/2006/main">
+  <p:cSld>
+    <p:spTree>
+      <p:nvGrpSpPr>
+        <p:cNvPr id="1" name=""/>
+        <p:cNvGrpSpPr/>
+        <p:nvPr/>
+      </p:nvGrpSpPr>
+      <p:grpSpPr>
+        <a:xfrm>
+          <a:off x="0" y="0"/>
+          <a:ext cx="0" cy="0"/>
+          <a:chOff x="0" y="0"/>
+          <a:chExt cx="0" cy="0"/>
+        </a:xfrm>
+      </p:grpSpPr>
+      <p:sp>
+        <p:nvSpPr>
+          <p:cNvPr id="2" name="標題 1">
+            <a:extLst>
+              <a:ext uri="{FF2B5EF4-FFF2-40B4-BE49-F238E27FC236}">
                 <a16:creationId xmlns:a16="http://schemas.microsoft.com/office/drawing/2014/main" id="{C7FCF162-CCB6-4DA2-A310-D173054C1C1C}"/>
               </a:ext>
             </a:extLst>
@@ -6653,7 +7367,7 @@
 </p:sld>
 </file>
 
-<file path=ppt/slides/slide17.xml><?xml version="1.0" encoding="utf-8"?>
+<file path=ppt/slides/slide19.xml><?xml version="1.0" encoding="utf-8"?>
 <p:sld xmlns:a="http://schemas.openxmlformats.org/drawingml/2006/main" xmlns:r="http://schemas.openxmlformats.org/officeDocument/2006/relationships" xmlns:p="http://schemas.openxmlformats.org/presentationml/2006/main">
   <p:cSld>
     <p:spTree>
@@ -6812,219 +7526,6 @@
 </p:sld>
 </file>
 
-<file path=ppt/slides/slide18.xml><?xml version="1.0" encoding="utf-8"?>
-<p:sld xmlns:a="http://schemas.openxmlformats.org/drawingml/2006/main" xmlns:r="http://schemas.openxmlformats.org/officeDocument/2006/relationships" xmlns:p="http://schemas.openxmlformats.org/presentationml/2006/main">
-  <p:cSld>
-    <p:spTree>
-      <p:nvGrpSpPr>
-        <p:cNvPr id="1" name=""/>
-        <p:cNvGrpSpPr/>
-        <p:nvPr/>
-      </p:nvGrpSpPr>
-      <p:grpSpPr>
-        <a:xfrm>
-          <a:off x="0" y="0"/>
-          <a:ext cx="0" cy="0"/>
-          <a:chOff x="0" y="0"/>
-          <a:chExt cx="0" cy="0"/>
-        </a:xfrm>
-      </p:grpSpPr>
-      <p:sp>
-        <p:nvSpPr>
-          <p:cNvPr id="2" name="標題 1">
-            <a:extLst>
-              <a:ext uri="{FF2B5EF4-FFF2-40B4-BE49-F238E27FC236}">
-                <a16:creationId xmlns:a16="http://schemas.microsoft.com/office/drawing/2014/main" id="{339EE067-3B4F-483B-854D-35F2EC258640}"/>
-              </a:ext>
-            </a:extLst>
-          </p:cNvPr>
-          <p:cNvSpPr>
-            <a:spLocks noGrp="1"/>
-          </p:cNvSpPr>
-          <p:nvPr>
-            <p:ph type="title"/>
-          </p:nvPr>
-        </p:nvSpPr>
-        <p:spPr/>
-        <p:txBody>
-          <a:bodyPr/>
-          <a:lstStyle/>
-          <a:p>
-            <a:endParaRPr lang="zh-TW" altLang="en-US"/>
-          </a:p>
-        </p:txBody>
-      </p:sp>
-      <p:sp>
-        <p:nvSpPr>
-          <p:cNvPr id="3" name="內容版面配置區 2">
-            <a:extLst>
-              <a:ext uri="{FF2B5EF4-FFF2-40B4-BE49-F238E27FC236}">
-                <a16:creationId xmlns:a16="http://schemas.microsoft.com/office/drawing/2014/main" id="{7A441F1B-C7C5-4728-A442-2BC3C211BD67}"/>
-              </a:ext>
-            </a:extLst>
-          </p:cNvPr>
-          <p:cNvSpPr>
-            <a:spLocks noGrp="1"/>
-          </p:cNvSpPr>
-          <p:nvPr>
-            <p:ph idx="1"/>
-          </p:nvPr>
-        </p:nvSpPr>
-        <p:spPr/>
-        <p:txBody>
-          <a:bodyPr/>
-          <a:lstStyle/>
-          <a:p>
-            <a:r>
-              <a:rPr lang="en-US" altLang="zh-TW" dirty="0"/>
-              <a:t>Assume for the BS, the following information are known and determined</a:t>
-            </a:r>
-          </a:p>
-          <a:p>
-            <a:pPr lvl="1"/>
-            <a:r>
-              <a:rPr lang="en-US" altLang="zh-TW" dirty="0"/>
-              <a:t>Latency Constraint</a:t>
-            </a:r>
-          </a:p>
-          <a:p>
-            <a:pPr lvl="1"/>
-            <a:r>
-              <a:rPr lang="en-US" altLang="zh-TW" dirty="0"/>
-              <a:t>Reliability Constraint</a:t>
-            </a:r>
-          </a:p>
-          <a:p>
-            <a:pPr lvl="1"/>
-            <a:r>
-              <a:rPr lang="en-US" altLang="zh-TW" dirty="0"/>
-              <a:t>Packet error rate for each UE</a:t>
-            </a:r>
-          </a:p>
-          <a:p>
-            <a:r>
-              <a:rPr lang="en-US" altLang="zh-TW" dirty="0"/>
-              <a:t>The things that BS should decide</a:t>
-            </a:r>
-          </a:p>
-          <a:p>
-            <a:pPr lvl="1"/>
-            <a:r>
-              <a:rPr lang="en-US" altLang="zh-TW" dirty="0"/>
-              <a:t>Using blind retransmission or </a:t>
-            </a:r>
-            <a:r>
-              <a:rPr lang="en-US" altLang="zh-TW" dirty="0" err="1"/>
-              <a:t>nack</a:t>
-            </a:r>
-            <a:r>
-              <a:rPr lang="en-US" altLang="zh-TW" dirty="0"/>
-              <a:t>-based retransmission</a:t>
-            </a:r>
-          </a:p>
-          <a:p>
-            <a:pPr lvl="1"/>
-            <a:endParaRPr lang="zh-TW" altLang="en-US" dirty="0"/>
-          </a:p>
-        </p:txBody>
-      </p:sp>
-    </p:spTree>
-    <p:extLst>
-      <p:ext uri="{BB962C8B-B14F-4D97-AF65-F5344CB8AC3E}">
-        <p14:creationId xmlns:p14="http://schemas.microsoft.com/office/powerpoint/2010/main" val="1452501693"/>
-      </p:ext>
-    </p:extLst>
-  </p:cSld>
-  <p:clrMapOvr>
-    <a:masterClrMapping/>
-  </p:clrMapOvr>
-</p:sld>
-</file>
-
-<file path=ppt/slides/slide19.xml><?xml version="1.0" encoding="utf-8"?>
-<p:sld xmlns:a="http://schemas.openxmlformats.org/drawingml/2006/main" xmlns:r="http://schemas.openxmlformats.org/officeDocument/2006/relationships" xmlns:p="http://schemas.openxmlformats.org/presentationml/2006/main">
-  <p:cSld>
-    <p:spTree>
-      <p:nvGrpSpPr>
-        <p:cNvPr id="1" name=""/>
-        <p:cNvGrpSpPr/>
-        <p:nvPr/>
-      </p:nvGrpSpPr>
-      <p:grpSpPr>
-        <a:xfrm>
-          <a:off x="0" y="0"/>
-          <a:ext cx="0" cy="0"/>
-          <a:chOff x="0" y="0"/>
-          <a:chExt cx="0" cy="0"/>
-        </a:xfrm>
-      </p:grpSpPr>
-      <p:sp>
-        <p:nvSpPr>
-          <p:cNvPr id="4" name="標題 3">
-            <a:extLst>
-              <a:ext uri="{FF2B5EF4-FFF2-40B4-BE49-F238E27FC236}">
-                <a16:creationId xmlns:a16="http://schemas.microsoft.com/office/drawing/2014/main" id="{9547CB92-9BF2-42FC-AE15-83AB9BA718F8}"/>
-              </a:ext>
-            </a:extLst>
-          </p:cNvPr>
-          <p:cNvSpPr>
-            <a:spLocks noGrp="1"/>
-          </p:cNvSpPr>
-          <p:nvPr>
-            <p:ph type="title"/>
-          </p:nvPr>
-        </p:nvSpPr>
-        <p:spPr/>
-        <p:txBody>
-          <a:bodyPr/>
-          <a:lstStyle/>
-          <a:p>
-            <a:r>
-              <a:rPr lang="en-US" altLang="zh-TW" dirty="0"/>
-              <a:t>Result</a:t>
-            </a:r>
-            <a:endParaRPr lang="zh-TW" altLang="en-US" dirty="0"/>
-          </a:p>
-        </p:txBody>
-      </p:sp>
-      <p:sp>
-        <p:nvSpPr>
-          <p:cNvPr id="6" name="文字版面配置區 5">
-            <a:extLst>
-              <a:ext uri="{FF2B5EF4-FFF2-40B4-BE49-F238E27FC236}">
-                <a16:creationId xmlns:a16="http://schemas.microsoft.com/office/drawing/2014/main" id="{65EEE957-1532-4575-9A78-76BAA12DB09C}"/>
-              </a:ext>
-            </a:extLst>
-          </p:cNvPr>
-          <p:cNvSpPr>
-            <a:spLocks noGrp="1"/>
-          </p:cNvSpPr>
-          <p:nvPr>
-            <p:ph type="body" idx="1"/>
-          </p:nvPr>
-        </p:nvSpPr>
-        <p:spPr/>
-        <p:txBody>
-          <a:bodyPr/>
-          <a:lstStyle/>
-          <a:p>
-            <a:endParaRPr lang="zh-TW" altLang="en-US"/>
-          </a:p>
-        </p:txBody>
-      </p:sp>
-    </p:spTree>
-    <p:extLst>
-      <p:ext uri="{BB962C8B-B14F-4D97-AF65-F5344CB8AC3E}">
-        <p14:creationId xmlns:p14="http://schemas.microsoft.com/office/powerpoint/2010/main" val="2160894292"/>
-      </p:ext>
-    </p:extLst>
-  </p:cSld>
-  <p:clrMapOvr>
-    <a:masterClrMapping/>
-  </p:clrMapOvr>
-</p:sld>
-</file>
-
 <file path=ppt/slides/slide2.xml><?xml version="1.0" encoding="utf-8"?>
 <p:sld xmlns:a="http://schemas.openxmlformats.org/drawingml/2006/main" xmlns:r="http://schemas.openxmlformats.org/officeDocument/2006/relationships" xmlns:p="http://schemas.openxmlformats.org/presentationml/2006/main">
   <p:cSld>
@@ -7128,10 +7629,10 @@
       </p:grpSpPr>
       <p:sp>
         <p:nvSpPr>
-          <p:cNvPr id="4" name="標題 3">
+          <p:cNvPr id="2" name="標題 1">
             <a:extLst>
               <a:ext uri="{FF2B5EF4-FFF2-40B4-BE49-F238E27FC236}">
-                <a16:creationId xmlns:a16="http://schemas.microsoft.com/office/drawing/2014/main" id="{227EE0C7-2C22-4159-86AC-2C0ACA3382D5}"/>
+                <a16:creationId xmlns:a16="http://schemas.microsoft.com/office/drawing/2014/main" id="{C8BF3985-BE62-4F2F-9D34-C7A46A3DCAD2}"/>
               </a:ext>
             </a:extLst>
           </p:cNvPr>
@@ -7148,8 +7649,12 @@
           <a:lstStyle/>
           <a:p>
             <a:r>
+              <a:rPr lang="en-US" altLang="zh-TW" dirty="0" err="1"/>
+              <a:t>Nack</a:t>
+            </a:r>
+            <a:r>
               <a:rPr lang="en-US" altLang="zh-TW" dirty="0"/>
-              <a:t>Total</a:t>
+              <a:t>-based retransmission with XOR coding</a:t>
             </a:r>
             <a:endParaRPr lang="zh-TW" altLang="en-US" dirty="0"/>
           </a:p>
@@ -7157,10 +7662,10 @@
       </p:sp>
       <p:sp>
         <p:nvSpPr>
-          <p:cNvPr id="5" name="內容版面配置區 4">
+          <p:cNvPr id="3" name="內容版面配置區 2">
             <a:extLst>
               <a:ext uri="{FF2B5EF4-FFF2-40B4-BE49-F238E27FC236}">
-                <a16:creationId xmlns:a16="http://schemas.microsoft.com/office/drawing/2014/main" id="{E99D1197-6193-4A49-B060-C959A5CEE2B0}"/>
+                <a16:creationId xmlns:a16="http://schemas.microsoft.com/office/drawing/2014/main" id="{04A2A732-BBA2-40FB-B8C9-C739C077B2F9}"/>
               </a:ext>
             </a:extLst>
           </p:cNvPr>
@@ -7183,7 +7688,7 @@
     </p:spTree>
     <p:extLst>
       <p:ext uri="{BB962C8B-B14F-4D97-AF65-F5344CB8AC3E}">
-        <p14:creationId xmlns:p14="http://schemas.microsoft.com/office/powerpoint/2010/main" val="1923717882"/>
+        <p14:creationId xmlns:p14="http://schemas.microsoft.com/office/powerpoint/2010/main" val="1576045424"/>
       </p:ext>
     </p:extLst>
   </p:cSld>
@@ -7212,10 +7717,10 @@
       </p:grpSpPr>
       <p:sp>
         <p:nvSpPr>
-          <p:cNvPr id="4" name="標題 3">
+          <p:cNvPr id="2" name="標題 1">
             <a:extLst>
               <a:ext uri="{FF2B5EF4-FFF2-40B4-BE49-F238E27FC236}">
-                <a16:creationId xmlns:a16="http://schemas.microsoft.com/office/drawing/2014/main" id="{9547CB92-9BF2-42FC-AE15-83AB9BA718F8}"/>
+                <a16:creationId xmlns:a16="http://schemas.microsoft.com/office/drawing/2014/main" id="{339EE067-3B4F-483B-854D-35F2EC258640}"/>
               </a:ext>
             </a:extLst>
           </p:cNvPr>
@@ -7231,20 +7736,16 @@
           <a:bodyPr/>
           <a:lstStyle/>
           <a:p>
-            <a:r>
-              <a:rPr lang="en-US" altLang="zh-TW" dirty="0"/>
-              <a:t>Conclusion</a:t>
-            </a:r>
-            <a:endParaRPr lang="zh-TW" altLang="en-US" dirty="0"/>
-          </a:p>
-        </p:txBody>
-      </p:sp>
-      <p:sp>
-        <p:nvSpPr>
-          <p:cNvPr id="6" name="文字版面配置區 5">
+            <a:endParaRPr lang="zh-TW" altLang="en-US"/>
+          </a:p>
+        </p:txBody>
+      </p:sp>
+      <p:sp>
+        <p:nvSpPr>
+          <p:cNvPr id="3" name="內容版面配置區 2">
             <a:extLst>
               <a:ext uri="{FF2B5EF4-FFF2-40B4-BE49-F238E27FC236}">
-                <a16:creationId xmlns:a16="http://schemas.microsoft.com/office/drawing/2014/main" id="{65EEE957-1532-4575-9A78-76BAA12DB09C}"/>
+                <a16:creationId xmlns:a16="http://schemas.microsoft.com/office/drawing/2014/main" id="{7A441F1B-C7C5-4728-A442-2BC3C211BD67}"/>
               </a:ext>
             </a:extLst>
           </p:cNvPr>
@@ -7252,7 +7753,7 @@
             <a:spLocks noGrp="1"/>
           </p:cNvSpPr>
           <p:nvPr>
-            <p:ph type="body" idx="1"/>
+            <p:ph idx="1"/>
           </p:nvPr>
         </p:nvSpPr>
         <p:spPr/>
@@ -7260,14 +7761,70 @@
           <a:bodyPr/>
           <a:lstStyle/>
           <a:p>
-            <a:endParaRPr lang="zh-TW" altLang="en-US"/>
+            <a:r>
+              <a:rPr lang="en-US" altLang="zh-TW" dirty="0"/>
+              <a:t>Assume for the BS, the following information are known and determined</a:t>
+            </a:r>
+          </a:p>
+          <a:p>
+            <a:pPr lvl="1"/>
+            <a:r>
+              <a:rPr lang="en-US" altLang="zh-TW" dirty="0"/>
+              <a:t>Latency Constraint</a:t>
+            </a:r>
+          </a:p>
+          <a:p>
+            <a:pPr lvl="1"/>
+            <a:r>
+              <a:rPr lang="en-US" altLang="zh-TW" dirty="0"/>
+              <a:t>Reliability Constraint</a:t>
+            </a:r>
+          </a:p>
+          <a:p>
+            <a:pPr lvl="1"/>
+            <a:r>
+              <a:rPr lang="en-US" altLang="zh-TW" dirty="0"/>
+              <a:t>Packet error rate for each UE</a:t>
+            </a:r>
+          </a:p>
+          <a:p>
+            <a:r>
+              <a:rPr lang="en-US" altLang="zh-TW" dirty="0"/>
+              <a:t>The things that BS should decide</a:t>
+            </a:r>
+          </a:p>
+          <a:p>
+            <a:pPr lvl="1"/>
+            <a:r>
+              <a:rPr lang="en-US" altLang="zh-TW" dirty="0"/>
+              <a:t>Which scheme to use? (blind retransmission or </a:t>
+            </a:r>
+            <a:r>
+              <a:rPr lang="en-US" altLang="zh-TW" dirty="0" err="1"/>
+              <a:t>nack</a:t>
+            </a:r>
+            <a:r>
+              <a:rPr lang="en-US" altLang="zh-TW" dirty="0"/>
+              <a:t>-based retransmission)</a:t>
+            </a:r>
+          </a:p>
+          <a:p>
+            <a:pPr lvl="1"/>
+            <a:r>
+              <a:rPr lang="en-US" altLang="zh-TW" dirty="0"/>
+              <a:t>How many packets</a:t>
+            </a:r>
+          </a:p>
+          <a:p>
+            <a:pPr lvl="1"/>
+            <a:endParaRPr lang="zh-TW" altLang="en-US" dirty="0"/>
           </a:p>
         </p:txBody>
       </p:sp>
     </p:spTree>
     <p:extLst>
       <p:ext uri="{BB962C8B-B14F-4D97-AF65-F5344CB8AC3E}">
-        <p14:creationId xmlns:p14="http://schemas.microsoft.com/office/powerpoint/2010/main" val="1256787907"/>
+        <p14:creationId xmlns:p14="http://schemas.microsoft.com/office/powerpoint/2010/main" val="1452501693"/>
       </p:ext>
     </p:extLst>
   </p:cSld>
@@ -7299,7 +7856,7 @@
           <p:cNvPr id="4" name="標題 3">
             <a:extLst>
               <a:ext uri="{FF2B5EF4-FFF2-40B4-BE49-F238E27FC236}">
-                <a16:creationId xmlns:a16="http://schemas.microsoft.com/office/drawing/2014/main" id="{F2D89CDB-B1F1-4E5A-AB6B-894636CEFD24}"/>
+                <a16:creationId xmlns:a16="http://schemas.microsoft.com/office/drawing/2014/main" id="{9547CB92-9BF2-42FC-AE15-83AB9BA718F8}"/>
               </a:ext>
             </a:extLst>
           </p:cNvPr>
@@ -7315,16 +7872,20 @@
           <a:bodyPr/>
           <a:lstStyle/>
           <a:p>
+            <a:r>
+              <a:rPr lang="en-US" altLang="zh-TW" dirty="0"/>
+              <a:t>Result</a:t>
+            </a:r>
             <a:endParaRPr lang="zh-TW" altLang="en-US" dirty="0"/>
           </a:p>
         </p:txBody>
       </p:sp>
       <p:sp>
         <p:nvSpPr>
-          <p:cNvPr id="5" name="內容版面配置區 4">
+          <p:cNvPr id="6" name="文字版面配置區 5">
             <a:extLst>
               <a:ext uri="{FF2B5EF4-FFF2-40B4-BE49-F238E27FC236}">
-                <a16:creationId xmlns:a16="http://schemas.microsoft.com/office/drawing/2014/main" id="{8F610831-87C6-4998-ACC8-96B586DB61BD}"/>
+                <a16:creationId xmlns:a16="http://schemas.microsoft.com/office/drawing/2014/main" id="{65EEE957-1532-4575-9A78-76BAA12DB09C}"/>
               </a:ext>
             </a:extLst>
           </p:cNvPr>
@@ -7332,7 +7893,7 @@
             <a:spLocks noGrp="1"/>
           </p:cNvSpPr>
           <p:nvPr>
-            <p:ph idx="1"/>
+            <p:ph type="body" idx="1"/>
           </p:nvPr>
         </p:nvSpPr>
         <p:spPr/>
@@ -7340,18 +7901,14 @@
           <a:bodyPr/>
           <a:lstStyle/>
           <a:p>
-            <a:r>
-              <a:rPr lang="en-US" altLang="zh-TW" dirty="0"/>
-              <a:t>For the fixed amount of packets, N,</a:t>
-            </a:r>
-            <a:endParaRPr lang="zh-TW" altLang="en-US" dirty="0"/>
+            <a:endParaRPr lang="zh-TW" altLang="en-US"/>
           </a:p>
         </p:txBody>
       </p:sp>
     </p:spTree>
     <p:extLst>
       <p:ext uri="{BB962C8B-B14F-4D97-AF65-F5344CB8AC3E}">
-        <p14:creationId xmlns:p14="http://schemas.microsoft.com/office/powerpoint/2010/main" val="1322456945"/>
+        <p14:creationId xmlns:p14="http://schemas.microsoft.com/office/powerpoint/2010/main" val="2160894292"/>
       </p:ext>
     </p:extLst>
   </p:cSld>
@@ -7380,6 +7937,258 @@
       </p:grpSpPr>
       <p:sp>
         <p:nvSpPr>
+          <p:cNvPr id="4" name="標題 3">
+            <a:extLst>
+              <a:ext uri="{FF2B5EF4-FFF2-40B4-BE49-F238E27FC236}">
+                <a16:creationId xmlns:a16="http://schemas.microsoft.com/office/drawing/2014/main" id="{227EE0C7-2C22-4159-86AC-2C0ACA3382D5}"/>
+              </a:ext>
+            </a:extLst>
+          </p:cNvPr>
+          <p:cNvSpPr>
+            <a:spLocks noGrp="1"/>
+          </p:cNvSpPr>
+          <p:nvPr>
+            <p:ph type="title"/>
+          </p:nvPr>
+        </p:nvSpPr>
+        <p:spPr/>
+        <p:txBody>
+          <a:bodyPr/>
+          <a:lstStyle/>
+          <a:p>
+            <a:r>
+              <a:rPr lang="en-US" altLang="zh-TW" dirty="0"/>
+              <a:t>Total</a:t>
+            </a:r>
+            <a:endParaRPr lang="zh-TW" altLang="en-US" dirty="0"/>
+          </a:p>
+        </p:txBody>
+      </p:sp>
+      <p:sp>
+        <p:nvSpPr>
+          <p:cNvPr id="5" name="內容版面配置區 4">
+            <a:extLst>
+              <a:ext uri="{FF2B5EF4-FFF2-40B4-BE49-F238E27FC236}">
+                <a16:creationId xmlns:a16="http://schemas.microsoft.com/office/drawing/2014/main" id="{E99D1197-6193-4A49-B060-C959A5CEE2B0}"/>
+              </a:ext>
+            </a:extLst>
+          </p:cNvPr>
+          <p:cNvSpPr>
+            <a:spLocks noGrp="1"/>
+          </p:cNvSpPr>
+          <p:nvPr>
+            <p:ph idx="1"/>
+          </p:nvPr>
+        </p:nvSpPr>
+        <p:spPr/>
+        <p:txBody>
+          <a:bodyPr/>
+          <a:lstStyle/>
+          <a:p>
+            <a:endParaRPr lang="zh-TW" altLang="en-US"/>
+          </a:p>
+        </p:txBody>
+      </p:sp>
+    </p:spTree>
+    <p:extLst>
+      <p:ext uri="{BB962C8B-B14F-4D97-AF65-F5344CB8AC3E}">
+        <p14:creationId xmlns:p14="http://schemas.microsoft.com/office/powerpoint/2010/main" val="1923717882"/>
+      </p:ext>
+    </p:extLst>
+  </p:cSld>
+  <p:clrMapOvr>
+    <a:masterClrMapping/>
+  </p:clrMapOvr>
+</p:sld>
+</file>
+
+<file path=ppt/slides/slide24.xml><?xml version="1.0" encoding="utf-8"?>
+<p:sld xmlns:a="http://schemas.openxmlformats.org/drawingml/2006/main" xmlns:r="http://schemas.openxmlformats.org/officeDocument/2006/relationships" xmlns:p="http://schemas.openxmlformats.org/presentationml/2006/main">
+  <p:cSld>
+    <p:spTree>
+      <p:nvGrpSpPr>
+        <p:cNvPr id="1" name=""/>
+        <p:cNvGrpSpPr/>
+        <p:nvPr/>
+      </p:nvGrpSpPr>
+      <p:grpSpPr>
+        <a:xfrm>
+          <a:off x="0" y="0"/>
+          <a:ext cx="0" cy="0"/>
+          <a:chOff x="0" y="0"/>
+          <a:chExt cx="0" cy="0"/>
+        </a:xfrm>
+      </p:grpSpPr>
+      <p:sp>
+        <p:nvSpPr>
+          <p:cNvPr id="4" name="標題 3">
+            <a:extLst>
+              <a:ext uri="{FF2B5EF4-FFF2-40B4-BE49-F238E27FC236}">
+                <a16:creationId xmlns:a16="http://schemas.microsoft.com/office/drawing/2014/main" id="{9547CB92-9BF2-42FC-AE15-83AB9BA718F8}"/>
+              </a:ext>
+            </a:extLst>
+          </p:cNvPr>
+          <p:cNvSpPr>
+            <a:spLocks noGrp="1"/>
+          </p:cNvSpPr>
+          <p:nvPr>
+            <p:ph type="title"/>
+          </p:nvPr>
+        </p:nvSpPr>
+        <p:spPr/>
+        <p:txBody>
+          <a:bodyPr/>
+          <a:lstStyle/>
+          <a:p>
+            <a:r>
+              <a:rPr lang="en-US" altLang="zh-TW" dirty="0"/>
+              <a:t>Conclusion</a:t>
+            </a:r>
+            <a:endParaRPr lang="zh-TW" altLang="en-US" dirty="0"/>
+          </a:p>
+        </p:txBody>
+      </p:sp>
+      <p:sp>
+        <p:nvSpPr>
+          <p:cNvPr id="6" name="文字版面配置區 5">
+            <a:extLst>
+              <a:ext uri="{FF2B5EF4-FFF2-40B4-BE49-F238E27FC236}">
+                <a16:creationId xmlns:a16="http://schemas.microsoft.com/office/drawing/2014/main" id="{65EEE957-1532-4575-9A78-76BAA12DB09C}"/>
+              </a:ext>
+            </a:extLst>
+          </p:cNvPr>
+          <p:cNvSpPr>
+            <a:spLocks noGrp="1"/>
+          </p:cNvSpPr>
+          <p:nvPr>
+            <p:ph type="body" idx="1"/>
+          </p:nvPr>
+        </p:nvSpPr>
+        <p:spPr/>
+        <p:txBody>
+          <a:bodyPr/>
+          <a:lstStyle/>
+          <a:p>
+            <a:endParaRPr lang="zh-TW" altLang="en-US"/>
+          </a:p>
+        </p:txBody>
+      </p:sp>
+    </p:spTree>
+    <p:extLst>
+      <p:ext uri="{BB962C8B-B14F-4D97-AF65-F5344CB8AC3E}">
+        <p14:creationId xmlns:p14="http://schemas.microsoft.com/office/powerpoint/2010/main" val="1256787907"/>
+      </p:ext>
+    </p:extLst>
+  </p:cSld>
+  <p:clrMapOvr>
+    <a:masterClrMapping/>
+  </p:clrMapOvr>
+</p:sld>
+</file>
+
+<file path=ppt/slides/slide25.xml><?xml version="1.0" encoding="utf-8"?>
+<p:sld xmlns:a="http://schemas.openxmlformats.org/drawingml/2006/main" xmlns:r="http://schemas.openxmlformats.org/officeDocument/2006/relationships" xmlns:p="http://schemas.openxmlformats.org/presentationml/2006/main">
+  <p:cSld>
+    <p:spTree>
+      <p:nvGrpSpPr>
+        <p:cNvPr id="1" name=""/>
+        <p:cNvGrpSpPr/>
+        <p:nvPr/>
+      </p:nvGrpSpPr>
+      <p:grpSpPr>
+        <a:xfrm>
+          <a:off x="0" y="0"/>
+          <a:ext cx="0" cy="0"/>
+          <a:chOff x="0" y="0"/>
+          <a:chExt cx="0" cy="0"/>
+        </a:xfrm>
+      </p:grpSpPr>
+      <p:sp>
+        <p:nvSpPr>
+          <p:cNvPr id="4" name="標題 3">
+            <a:extLst>
+              <a:ext uri="{FF2B5EF4-FFF2-40B4-BE49-F238E27FC236}">
+                <a16:creationId xmlns:a16="http://schemas.microsoft.com/office/drawing/2014/main" id="{F2D89CDB-B1F1-4E5A-AB6B-894636CEFD24}"/>
+              </a:ext>
+            </a:extLst>
+          </p:cNvPr>
+          <p:cNvSpPr>
+            <a:spLocks noGrp="1"/>
+          </p:cNvSpPr>
+          <p:nvPr>
+            <p:ph type="title"/>
+          </p:nvPr>
+        </p:nvSpPr>
+        <p:spPr/>
+        <p:txBody>
+          <a:bodyPr/>
+          <a:lstStyle/>
+          <a:p>
+            <a:endParaRPr lang="zh-TW" altLang="en-US" dirty="0"/>
+          </a:p>
+        </p:txBody>
+      </p:sp>
+      <p:sp>
+        <p:nvSpPr>
+          <p:cNvPr id="5" name="內容版面配置區 4">
+            <a:extLst>
+              <a:ext uri="{FF2B5EF4-FFF2-40B4-BE49-F238E27FC236}">
+                <a16:creationId xmlns:a16="http://schemas.microsoft.com/office/drawing/2014/main" id="{8F610831-87C6-4998-ACC8-96B586DB61BD}"/>
+              </a:ext>
+            </a:extLst>
+          </p:cNvPr>
+          <p:cNvSpPr>
+            <a:spLocks noGrp="1"/>
+          </p:cNvSpPr>
+          <p:nvPr>
+            <p:ph idx="1"/>
+          </p:nvPr>
+        </p:nvSpPr>
+        <p:spPr/>
+        <p:txBody>
+          <a:bodyPr/>
+          <a:lstStyle/>
+          <a:p>
+            <a:r>
+              <a:rPr lang="en-US" altLang="zh-TW" dirty="0"/>
+              <a:t>For the fixed amount of packets, N,</a:t>
+            </a:r>
+            <a:endParaRPr lang="zh-TW" altLang="en-US" dirty="0"/>
+          </a:p>
+        </p:txBody>
+      </p:sp>
+    </p:spTree>
+    <p:extLst>
+      <p:ext uri="{BB962C8B-B14F-4D97-AF65-F5344CB8AC3E}">
+        <p14:creationId xmlns:p14="http://schemas.microsoft.com/office/powerpoint/2010/main" val="1322456945"/>
+      </p:ext>
+    </p:extLst>
+  </p:cSld>
+  <p:clrMapOvr>
+    <a:masterClrMapping/>
+  </p:clrMapOvr>
+</p:sld>
+</file>
+
+<file path=ppt/slides/slide26.xml><?xml version="1.0" encoding="utf-8"?>
+<p:sld xmlns:a="http://schemas.openxmlformats.org/drawingml/2006/main" xmlns:r="http://schemas.openxmlformats.org/officeDocument/2006/relationships" xmlns:p="http://schemas.openxmlformats.org/presentationml/2006/main">
+  <p:cSld>
+    <p:spTree>
+      <p:nvGrpSpPr>
+        <p:cNvPr id="1" name=""/>
+        <p:cNvGrpSpPr/>
+        <p:nvPr/>
+      </p:nvGrpSpPr>
+      <p:grpSpPr>
+        <a:xfrm>
+          <a:off x="0" y="0"/>
+          <a:ext cx="0" cy="0"/>
+          <a:chOff x="0" y="0"/>
+          <a:chExt cx="0" cy="0"/>
+        </a:xfrm>
+      </p:grpSpPr>
+      <p:sp>
+        <p:nvSpPr>
           <p:cNvPr id="2" name="標題 1">
             <a:extLst>
               <a:ext uri="{FF2B5EF4-FFF2-40B4-BE49-F238E27FC236}">
@@ -7522,7 +8331,7 @@
 </p:sld>
 </file>
 
-<file path=ppt/slides/slide24.xml><?xml version="1.0" encoding="utf-8"?>
+<file path=ppt/slides/slide27.xml><?xml version="1.0" encoding="utf-8"?>
 <p:sld xmlns:a="http://schemas.openxmlformats.org/drawingml/2006/main" xmlns:r="http://schemas.openxmlformats.org/officeDocument/2006/relationships" xmlns:p="http://schemas.openxmlformats.org/presentationml/2006/main">
   <p:cSld>
     <p:spTree>
@@ -7757,6 +8566,10 @@
           <a:bodyPr/>
           <a:lstStyle/>
           <a:p>
+            <a:r>
+              <a:rPr lang="en-US" altLang="zh-TW" dirty="0"/>
+              <a:t>Contribution</a:t>
+            </a:r>
             <a:endParaRPr lang="zh-TW" altLang="en-US" dirty="0"/>
           </a:p>
         </p:txBody>
@@ -9090,6 +9903,63 @@
 </p:tagLst>
 </file>
 
+<file path=ppt/tags/tag10.xml><?xml version="1.0" encoding="utf-8"?>
+<p:tagLst xmlns:a="http://schemas.openxmlformats.org/drawingml/2006/main" xmlns:r="http://schemas.openxmlformats.org/officeDocument/2006/relationships" xmlns:p="http://schemas.openxmlformats.org/presentationml/2006/main">
+  <p:tag name="OUTPUTDPI" val="1200"/>
+  <p:tag name="ORIGINALHEIGHT" val="380.9524"/>
+  <p:tag name="ORIGINALWIDTH" val="3745.032"/>
+  <p:tag name="LATEXADDIN" val="\documentclass{article}&#10;\usepackage{amsmath}&#10;\pagestyle{empty}&#10;\begin{document}&#10;&#10;  $$&#10;  F_X[x]=\Pr \{X\le x\}=\Pr \{ \max_{1\le j \le k} X_j\le x\}=\prod_{j=1}^{k}F_{X_i}[x]=\prod_{j=1}^{k}(1-{e_j}^x)&#10;  $$&#10;  &#10;&#10;\end{document}"/>
+  <p:tag name="IGUANATEXSIZE" val="18"/>
+  <p:tag name="IGUANATEXCURSOR" val="194"/>
+  <p:tag name="TRANSPARENCY" val="True"/>
+  <p:tag name="FILENAME" val=""/>
+  <p:tag name="LATEXENGINEID" val="0"/>
+  <p:tag name="TEMPFOLDER" val="c:\temp\"/>
+  <p:tag name="LATEXFORMHEIGHT" val="312"/>
+  <p:tag name="LATEXFORMWIDTH" val="384"/>
+  <p:tag name="LATEXFORMWRAP" val="True"/>
+  <p:tag name="BITMAPVECTOR" val="0"/>
+</p:tagLst>
+</file>
+
+<file path=ppt/tags/tag11.xml><?xml version="1.0" encoding="utf-8"?>
+<p:tagLst xmlns:a="http://schemas.openxmlformats.org/drawingml/2006/main" xmlns:r="http://schemas.openxmlformats.org/officeDocument/2006/relationships" xmlns:p="http://schemas.openxmlformats.org/presentationml/2006/main">
+  <p:tag name="OUTPUTDPI" val="1200"/>
+  <p:tag name="ORIGINALHEIGHT" val="380.9524"/>
+  <p:tag name="ORIGINALWIDTH" val="2713.911"/>
+  <p:tag name="LATEXADDIN" val="\documentclass{article}&#10;\usepackage{amsmath}&#10;\pagestyle{empty}&#10;\begin{document}&#10;  $$&#10;  Rel_{constraint}\le (F_X[x])^{N_{total}}=(\prod_{j=1}^{k}(1-{e_j}^x))^{N_{total}}&#10;  $$&#10;\end{document}"/>
+  <p:tag name="IGUANATEXSIZE" val="18"/>
+  <p:tag name="IGUANATEXCURSOR" val="149"/>
+  <p:tag name="TRANSPARENCY" val="True"/>
+  <p:tag name="FILENAME" val=""/>
+  <p:tag name="LATEXENGINEID" val="0"/>
+  <p:tag name="TEMPFOLDER" val="c:\temp\"/>
+  <p:tag name="LATEXFORMHEIGHT" val="312"/>
+  <p:tag name="LATEXFORMWIDTH" val="384"/>
+  <p:tag name="LATEXFORMWRAP" val="True"/>
+  <p:tag name="BITMAPVECTOR" val="0"/>
+</p:tagLst>
+</file>
+
+<file path=ppt/tags/tag12.xml><?xml version="1.0" encoding="utf-8"?>
+<p:tagLst xmlns:a="http://schemas.openxmlformats.org/drawingml/2006/main" xmlns:r="http://schemas.openxmlformats.org/officeDocument/2006/relationships" xmlns:p="http://schemas.openxmlformats.org/presentationml/2006/main">
+  <p:tag name="OUTPUTDPI" val="1200"/>
+  <p:tag name="ORIGINALHEIGHT" val="125.2343"/>
+  <p:tag name="ORIGINALWIDTH" val="799.4001"/>
+  <p:tag name="LATEXADDIN" val="\documentclass{article}&#10;\usepackage{amsmath}&#10;\pagestyle{empty}&#10;\begin{document}&#10;$$&#10;a \oplus (a \oplus b)= b&#10;$$&#10;\end{document}"/>
+  <p:tag name="IGUANATEXSIZE" val="16"/>
+  <p:tag name="IGUANATEXCURSOR" val="91"/>
+  <p:tag name="TRANSPARENCY" val="True"/>
+  <p:tag name="FILENAME" val=""/>
+  <p:tag name="LATEXENGINEID" val="0"/>
+  <p:tag name="TEMPFOLDER" val="c:\temp\"/>
+  <p:tag name="LATEXFORMHEIGHT" val="312"/>
+  <p:tag name="LATEXFORMWIDTH" val="384"/>
+  <p:tag name="LATEXFORMWRAP" val="True"/>
+  <p:tag name="BITMAPVECTOR" val="0"/>
+</p:tagLst>
+</file>
+
 <file path=ppt/tags/tag2.xml><?xml version="1.0" encoding="utf-8"?>
 <p:tagLst xmlns:a="http://schemas.openxmlformats.org/drawingml/2006/main" xmlns:r="http://schemas.openxmlformats.org/officeDocument/2006/relationships" xmlns:p="http://schemas.openxmlformats.org/presentationml/2006/main">
   <p:tag name="OUTPUTDPI" val="1200"/>
@@ -9131,11 +10001,106 @@
 <file path=ppt/tags/tag4.xml><?xml version="1.0" encoding="utf-8"?>
 <p:tagLst xmlns:a="http://schemas.openxmlformats.org/drawingml/2006/main" xmlns:r="http://schemas.openxmlformats.org/officeDocument/2006/relationships" xmlns:p="http://schemas.openxmlformats.org/presentationml/2006/main">
   <p:tag name="OUTPUTDPI" val="1200"/>
+  <p:tag name="ORIGINALHEIGHT" val="363.7046"/>
+  <p:tag name="ORIGINALWIDTH" val="2024.747"/>
+  <p:tag name="LATEXADDIN" val="\documentclass{article}&#10;\usepackage{amsmath}&#10;\pagestyle{empty}&#10;\begin{document}&#10;$$&#10;Rel_{constraint} \le \displaystyle (\prod_{i=1}^k (1-e_i^{M_{blind}}))^{N_{data}}&#10;$$&#10;\end{document}"/>
+  <p:tag name="IGUANATEXSIZE" val="18"/>
+  <p:tag name="IGUANATEXCURSOR" val="102"/>
+  <p:tag name="TRANSPARENCY" val="True"/>
+  <p:tag name="FILENAME" val=""/>
+  <p:tag name="LATEXENGINEID" val="0"/>
+  <p:tag name="TEMPFOLDER" val="c:\temp\"/>
+  <p:tag name="LATEXFORMHEIGHT" val="312"/>
+  <p:tag name="LATEXFORMWIDTH" val="384"/>
+  <p:tag name="LATEXFORMWRAP" val="True"/>
+  <p:tag name="BITMAPVECTOR" val="0"/>
+</p:tagLst>
+</file>
+
+<file path=ppt/tags/tag5.xml><?xml version="1.0" encoding="utf-8"?>
+<p:tagLst xmlns:a="http://schemas.openxmlformats.org/drawingml/2006/main" xmlns:r="http://schemas.openxmlformats.org/officeDocument/2006/relationships" xmlns:p="http://schemas.openxmlformats.org/presentationml/2006/main">
+  <p:tag name="OUTPUTDPI" val="1200"/>
+  <p:tag name="ORIGINALHEIGHT" val="560.9299"/>
+  <p:tag name="ORIGINALWIDTH" val="2148.481"/>
+  <p:tag name="LATEXADDIN" val="\documentclass{article}&#10;\usepackage{amsmath}&#10;\pagestyle{empty}&#10;\begin{document}&#10;&#10;$k$ is the total number of UE \\&#10;$e_i$ is the packet error rate for ith UE\\&#10;$N_{data}$ is the amount of total packets. \\&#10;$Rel_{constraint}$ is the reliability constraint \\&#10;&#10;\end{document}"/>
+  <p:tag name="IGUANATEXSIZE" val="18"/>
+  <p:tag name="IGUANATEXCURSOR" val="203"/>
+  <p:tag name="TRANSPARENCY" val="True"/>
+  <p:tag name="FILENAME" val=""/>
+  <p:tag name="LATEXENGINEID" val="0"/>
+  <p:tag name="TEMPFOLDER" val="c:\temp\"/>
+  <p:tag name="LATEXFORMHEIGHT" val="301.8"/>
+  <p:tag name="LATEXFORMWIDTH" val="384"/>
+  <p:tag name="LATEXFORMWRAP" val="True"/>
+  <p:tag name="BITMAPVECTOR" val="0"/>
+</p:tagLst>
+</file>
+
+<file path=ppt/tags/tag6.xml><?xml version="1.0" encoding="utf-8"?>
+<p:tagLst xmlns:a="http://schemas.openxmlformats.org/drawingml/2006/main" xmlns:r="http://schemas.openxmlformats.org/officeDocument/2006/relationships" xmlns:p="http://schemas.openxmlformats.org/presentationml/2006/main">
+  <p:tag name="OUTPUTDPI" val="1200"/>
+  <p:tag name="ORIGINALHEIGHT" val="104.237"/>
+  <p:tag name="ORIGINALWIDTH" val="338.9576"/>
+  <p:tag name="LATEXADDIN" val="\documentclass{article}&#10;\usepackage{amsmath}&#10;\pagestyle{empty}&#10;\begin{document}&#10;$$&#10;M_{blind}&#10;$$&#10;\end{document}"/>
+  <p:tag name="IGUANATEXSIZE" val="18"/>
+  <p:tag name="IGUANATEXCURSOR" val="91"/>
+  <p:tag name="TRANSPARENCY" val="True"/>
+  <p:tag name="FILENAME" val=""/>
+  <p:tag name="LATEXENGINEID" val="0"/>
+  <p:tag name="TEMPFOLDER" val="c:\temp\"/>
+  <p:tag name="LATEXFORMHEIGHT" val="312"/>
+  <p:tag name="LATEXFORMWIDTH" val="384"/>
+  <p:tag name="LATEXFORMWRAP" val="True"/>
+  <p:tag name="BITMAPVECTOR" val="0"/>
+</p:tagLst>
+</file>
+
+<file path=ppt/tags/tag7.xml><?xml version="1.0" encoding="utf-8"?>
+<p:tagLst xmlns:a="http://schemas.openxmlformats.org/drawingml/2006/main" xmlns:r="http://schemas.openxmlformats.org/officeDocument/2006/relationships" xmlns:p="http://schemas.openxmlformats.org/presentationml/2006/main">
+  <p:tag name="OUTPUTDPI" val="1200"/>
+  <p:tag name="ORIGINALHEIGHT" val="121.4848"/>
+  <p:tag name="ORIGINALWIDTH" val="138.7327"/>
+  <p:tag name="LATEXADDIN" val="\documentclass{article}&#10;\usepackage{amsmath}&#10;\pagestyle{empty}&#10;\begin{document}&#10;$$&#10;X_j&#10;$$&#10;\end{document}"/>
+  <p:tag name="IGUANATEXSIZE" val="16"/>
+  <p:tag name="IGUANATEXCURSOR" val="86"/>
+  <p:tag name="TRANSPARENCY" val="True"/>
+  <p:tag name="FILENAME" val=""/>
+  <p:tag name="LATEXENGINEID" val="0"/>
+  <p:tag name="TEMPFOLDER" val="c:\temp\"/>
+  <p:tag name="LATEXFORMHEIGHT" val="312"/>
+  <p:tag name="LATEXFORMWIDTH" val="384"/>
+  <p:tag name="LATEXFORMWRAP" val="True"/>
+  <p:tag name="BITMAPVECTOR" val="0"/>
+</p:tagLst>
+</file>
+
+<file path=ppt/tags/tag8.xml><?xml version="1.0" encoding="utf-8"?>
+<p:tagLst xmlns:a="http://schemas.openxmlformats.org/drawingml/2006/main" xmlns:r="http://schemas.openxmlformats.org/officeDocument/2006/relationships" xmlns:p="http://schemas.openxmlformats.org/presentationml/2006/main">
+  <p:tag name="OUTPUTDPI" val="1200"/>
+  <p:tag name="ORIGINALHEIGHT" val="146.2317"/>
+  <p:tag name="ORIGINALWIDTH" val="2230.971"/>
+  <p:tag name="LATEXADDIN" val="\documentclass{article}&#10;\usepackage{amsmath}&#10;\pagestyle{empty}&#10;\begin{document}&#10;&#10;$$&#10;\Pr(X_j = x) = (1-{e_j})^{x-1}e_j \ \ \ \ \  1\le j \le k&#10;$$&#10;&#10;\end{document}"/>
+  <p:tag name="IGUANATEXSIZE" val="18"/>
+  <p:tag name="IGUANATEXCURSOR" val="107"/>
+  <p:tag name="TRANSPARENCY" val="True"/>
+  <p:tag name="FILENAME" val=""/>
+  <p:tag name="LATEXENGINEID" val="0"/>
+  <p:tag name="TEMPFOLDER" val="c:\temp\"/>
+  <p:tag name="LATEXFORMHEIGHT" val="312"/>
+  <p:tag name="LATEXFORMWIDTH" val="384"/>
+  <p:tag name="LATEXFORMWRAP" val="True"/>
+  <p:tag name="BITMAPVECTOR" val="0"/>
+</p:tagLst>
+</file>
+
+<file path=ppt/tags/tag9.xml><?xml version="1.0" encoding="utf-8"?>
+<p:tagLst xmlns:a="http://schemas.openxmlformats.org/drawingml/2006/main" xmlns:r="http://schemas.openxmlformats.org/officeDocument/2006/relationships" xmlns:p="http://schemas.openxmlformats.org/presentationml/2006/main">
+  <p:tag name="OUTPUTDPI" val="1200"/>
   <p:tag name="ORIGINALHEIGHT" val="125.2343"/>
-  <p:tag name="ORIGINALWIDTH" val="799.4001"/>
-  <p:tag name="LATEXADDIN" val="\documentclass{article}&#10;\usepackage{amsmath}&#10;\pagestyle{empty}&#10;\begin{document}&#10;$$&#10;a \oplus (a \oplus b)= b&#10;$$&#10;\end{document}"/>
-  <p:tag name="IGUANATEXSIZE" val="16"/>
-  <p:tag name="IGUANATEXCURSOR" val="91"/>
+  <p:tag name="ORIGINALWIDTH" val="1374.578"/>
+  <p:tag name="LATEXADDIN" val="\documentclass{article}&#10;\usepackage{amsmath}&#10;\pagestyle{empty}&#10;\begin{document}&#10;$$&#10;X = \max\{X_1,X_2,...,X_k\}&#10;$$&#10;\end{document}"/>
+  <p:tag name="IGUANATEXSIZE" val="18"/>
+  <p:tag name="IGUANATEXCURSOR" val="113"/>
   <p:tag name="TRANSPARENCY" val="True"/>
   <p:tag name="FILENAME" val=""/>
   <p:tag name="LATEXENGINEID" val="0"/>

--- a/Final_project_reliable_multicast_retransmission_scheme.pptx
+++ b/Final_project_reliable_multicast_retransmission_scheme.pptx
@@ -884,7 +884,7 @@
           <a:p>
             <a:fld id="{927D0EF0-F536-40E1-B4CC-7751C36C6AE2}" type="datetimeFigureOut">
               <a:rPr lang="zh-TW" altLang="en-US" smtClean="0"/>
-              <a:t>2021/1/10</a:t>
+              <a:t>2021/1/11</a:t>
             </a:fld>
             <a:endParaRPr lang="zh-TW" altLang="en-US"/>
           </a:p>
@@ -1135,7 +1135,7 @@
           <a:p>
             <a:fld id="{927D0EF0-F536-40E1-B4CC-7751C36C6AE2}" type="datetimeFigureOut">
               <a:rPr lang="zh-TW" altLang="en-US" smtClean="0"/>
-              <a:t>2021/1/10</a:t>
+              <a:t>2021/1/11</a:t>
             </a:fld>
             <a:endParaRPr lang="zh-TW" altLang="en-US"/>
           </a:p>
@@ -1449,7 +1449,7 @@
           <a:p>
             <a:fld id="{927D0EF0-F536-40E1-B4CC-7751C36C6AE2}" type="datetimeFigureOut">
               <a:rPr lang="zh-TW" altLang="en-US" smtClean="0"/>
-              <a:t>2021/1/10</a:t>
+              <a:t>2021/1/11</a:t>
             </a:fld>
             <a:endParaRPr lang="zh-TW" altLang="en-US"/>
           </a:p>
@@ -1782,7 +1782,7 @@
           <a:p>
             <a:fld id="{927D0EF0-F536-40E1-B4CC-7751C36C6AE2}" type="datetimeFigureOut">
               <a:rPr lang="zh-TW" altLang="en-US" smtClean="0"/>
-              <a:t>2021/1/10</a:t>
+              <a:t>2021/1/11</a:t>
             </a:fld>
             <a:endParaRPr lang="zh-TW" altLang="en-US"/>
           </a:p>
@@ -2096,7 +2096,7 @@
           <a:p>
             <a:fld id="{927D0EF0-F536-40E1-B4CC-7751C36C6AE2}" type="datetimeFigureOut">
               <a:rPr lang="zh-TW" altLang="en-US" smtClean="0"/>
-              <a:t>2021/1/10</a:t>
+              <a:t>2021/1/11</a:t>
             </a:fld>
             <a:endParaRPr lang="zh-TW" altLang="en-US"/>
           </a:p>
@@ -2489,7 +2489,7 @@
           <a:p>
             <a:fld id="{927D0EF0-F536-40E1-B4CC-7751C36C6AE2}" type="datetimeFigureOut">
               <a:rPr lang="zh-TW" altLang="en-US" smtClean="0"/>
-              <a:t>2021/1/10</a:t>
+              <a:t>2021/1/11</a:t>
             </a:fld>
             <a:endParaRPr lang="zh-TW" altLang="en-US"/>
           </a:p>
@@ -2659,7 +2659,7 @@
           <a:p>
             <a:fld id="{927D0EF0-F536-40E1-B4CC-7751C36C6AE2}" type="datetimeFigureOut">
               <a:rPr lang="zh-TW" altLang="en-US" smtClean="0"/>
-              <a:t>2021/1/10</a:t>
+              <a:t>2021/1/11</a:t>
             </a:fld>
             <a:endParaRPr lang="zh-TW" altLang="en-US"/>
           </a:p>
@@ -2839,7 +2839,7 @@
           <a:p>
             <a:fld id="{927D0EF0-F536-40E1-B4CC-7751C36C6AE2}" type="datetimeFigureOut">
               <a:rPr lang="zh-TW" altLang="en-US" smtClean="0"/>
-              <a:t>2021/1/10</a:t>
+              <a:t>2021/1/11</a:t>
             </a:fld>
             <a:endParaRPr lang="zh-TW" altLang="en-US"/>
           </a:p>
@@ -3009,7 +3009,7 @@
           <a:p>
             <a:fld id="{927D0EF0-F536-40E1-B4CC-7751C36C6AE2}" type="datetimeFigureOut">
               <a:rPr lang="zh-TW" altLang="en-US" smtClean="0"/>
-              <a:t>2021/1/10</a:t>
+              <a:t>2021/1/11</a:t>
             </a:fld>
             <a:endParaRPr lang="zh-TW" altLang="en-US"/>
           </a:p>
@@ -3256,7 +3256,7 @@
           <a:p>
             <a:fld id="{927D0EF0-F536-40E1-B4CC-7751C36C6AE2}" type="datetimeFigureOut">
               <a:rPr lang="zh-TW" altLang="en-US" smtClean="0"/>
-              <a:t>2021/1/10</a:t>
+              <a:t>2021/1/11</a:t>
             </a:fld>
             <a:endParaRPr lang="zh-TW" altLang="en-US"/>
           </a:p>
@@ -3488,7 +3488,7 @@
           <a:p>
             <a:fld id="{927D0EF0-F536-40E1-B4CC-7751C36C6AE2}" type="datetimeFigureOut">
               <a:rPr lang="zh-TW" altLang="en-US" smtClean="0"/>
-              <a:t>2021/1/10</a:t>
+              <a:t>2021/1/11</a:t>
             </a:fld>
             <a:endParaRPr lang="zh-TW" altLang="en-US"/>
           </a:p>
@@ -3862,7 +3862,7 @@
           <a:p>
             <a:fld id="{927D0EF0-F536-40E1-B4CC-7751C36C6AE2}" type="datetimeFigureOut">
               <a:rPr lang="zh-TW" altLang="en-US" smtClean="0"/>
-              <a:t>2021/1/10</a:t>
+              <a:t>2021/1/11</a:t>
             </a:fld>
             <a:endParaRPr lang="zh-TW" altLang="en-US"/>
           </a:p>
@@ -3985,7 +3985,7 @@
           <a:p>
             <a:fld id="{927D0EF0-F536-40E1-B4CC-7751C36C6AE2}" type="datetimeFigureOut">
               <a:rPr lang="zh-TW" altLang="en-US" smtClean="0"/>
-              <a:t>2021/1/10</a:t>
+              <a:t>2021/1/11</a:t>
             </a:fld>
             <a:endParaRPr lang="zh-TW" altLang="en-US"/>
           </a:p>
@@ -4080,7 +4080,7 @@
           <a:p>
             <a:fld id="{927D0EF0-F536-40E1-B4CC-7751C36C6AE2}" type="datetimeFigureOut">
               <a:rPr lang="zh-TW" altLang="en-US" smtClean="0"/>
-              <a:t>2021/1/10</a:t>
+              <a:t>2021/1/11</a:t>
             </a:fld>
             <a:endParaRPr lang="zh-TW" altLang="en-US"/>
           </a:p>
@@ -4335,7 +4335,7 @@
           <a:p>
             <a:fld id="{927D0EF0-F536-40E1-B4CC-7751C36C6AE2}" type="datetimeFigureOut">
               <a:rPr lang="zh-TW" altLang="en-US" smtClean="0"/>
-              <a:t>2021/1/10</a:t>
+              <a:t>2021/1/11</a:t>
             </a:fld>
             <a:endParaRPr lang="zh-TW" altLang="en-US"/>
           </a:p>
@@ -4640,7 +4640,7 @@
           <a:p>
             <a:fld id="{927D0EF0-F536-40E1-B4CC-7751C36C6AE2}" type="datetimeFigureOut">
               <a:rPr lang="zh-TW" altLang="en-US" smtClean="0"/>
-              <a:t>2021/1/10</a:t>
+              <a:t>2021/1/11</a:t>
             </a:fld>
             <a:endParaRPr lang="zh-TW" altLang="en-US"/>
           </a:p>
@@ -5342,7 +5342,7 @@
           <a:p>
             <a:fld id="{927D0EF0-F536-40E1-B4CC-7751C36C6AE2}" type="datetimeFigureOut">
               <a:rPr lang="zh-TW" altLang="en-US" smtClean="0"/>
-              <a:t>2021/1/10</a:t>
+              <a:t>2021/1/11</a:t>
             </a:fld>
             <a:endParaRPr lang="zh-TW" altLang="en-US"/>
           </a:p>
@@ -6014,31 +6014,321 @@
           </a:p>
         </p:txBody>
       </p:sp>
-      <p:sp>
-        <p:nvSpPr>
-          <p:cNvPr id="3" name="內容版面配置區 2">
-            <a:extLst>
-              <a:ext uri="{FF2B5EF4-FFF2-40B4-BE49-F238E27FC236}">
-                <a16:creationId xmlns:a16="http://schemas.microsoft.com/office/drawing/2014/main" id="{ECE538FE-E561-461E-99DC-51E1772CB83B}"/>
-              </a:ext>
-            </a:extLst>
-          </p:cNvPr>
-          <p:cNvSpPr>
-            <a:spLocks noGrp="1"/>
-          </p:cNvSpPr>
-          <p:nvPr>
-            <p:ph idx="1"/>
-          </p:nvPr>
-        </p:nvSpPr>
-        <p:spPr/>
-        <p:txBody>
-          <a:bodyPr/>
-          <a:lstStyle/>
-          <a:p>
-            <a:endParaRPr lang="zh-TW" altLang="en-US" dirty="0"/>
-          </a:p>
-        </p:txBody>
-      </p:sp>
+      <mc:AlternateContent xmlns:mc="http://schemas.openxmlformats.org/markup-compatibility/2006">
+        <mc:Choice xmlns:a14="http://schemas.microsoft.com/office/drawing/2010/main" Requires="a14">
+          <p:sp>
+            <p:nvSpPr>
+              <p:cNvPr id="3" name="內容版面配置區 2">
+                <a:extLst>
+                  <a:ext uri="{FF2B5EF4-FFF2-40B4-BE49-F238E27FC236}">
+                    <a16:creationId xmlns:a16="http://schemas.microsoft.com/office/drawing/2014/main" id="{ECE538FE-E561-461E-99DC-51E1772CB83B}"/>
+                  </a:ext>
+                </a:extLst>
+              </p:cNvPr>
+              <p:cNvSpPr>
+                <a:spLocks noGrp="1"/>
+              </p:cNvSpPr>
+              <p:nvPr>
+                <p:ph idx="1"/>
+              </p:nvPr>
+            </p:nvSpPr>
+            <p:spPr/>
+            <p:txBody>
+              <a:bodyPr/>
+              <a:lstStyle/>
+              <a:p>
+                <a:r>
+                  <a:rPr lang="en-US" altLang="zh-TW" dirty="0" smtClean="0"/>
+                  <a:t>We use LDPC code with </a:t>
+                </a:r>
+                <a:r>
+                  <a:rPr lang="en-US" altLang="zh-TW" dirty="0" err="1" smtClean="0"/>
+                  <a:t>codeword</a:t>
+                </a:r>
+                <a:r>
+                  <a:rPr lang="en-US" altLang="zh-TW" dirty="0" smtClean="0"/>
+                  <a:t> length </a:t>
+                </a:r>
+                <a14:m>
+                  <m:oMath xmlns:m="http://schemas.openxmlformats.org/officeDocument/2006/math">
+                    <m:r>
+                      <a:rPr lang="en-US" altLang="zh-TW" b="0" i="1" smtClean="0">
+                        <a:latin typeface="Cambria Math" panose="02040503050406030204" pitchFamily="18" charset="0"/>
+                      </a:rPr>
+                      <m:t>𝑛</m:t>
+                    </m:r>
+                    <m:r>
+                      <a:rPr lang="en-US" altLang="zh-TW" b="0" i="1" smtClean="0">
+                        <a:latin typeface="Cambria Math" panose="02040503050406030204" pitchFamily="18" charset="0"/>
+                      </a:rPr>
+                      <m:t>=168</m:t>
+                    </m:r>
+                  </m:oMath>
+                </a14:m>
+                <a:r>
+                  <a:rPr lang="zh-TW" altLang="en-US" dirty="0" smtClean="0"/>
+                  <a:t> </a:t>
+                </a:r>
+                <a:r>
+                  <a:rPr lang="en-US" altLang="zh-TW" dirty="0" smtClean="0"/>
+                  <a:t>and code rate</a:t>
+                </a:r>
+                <a14:m>
+                  <m:oMath xmlns:m="http://schemas.openxmlformats.org/officeDocument/2006/math">
+                    <m:r>
+                      <a:rPr lang="en-US" altLang="zh-TW" b="0" i="0" smtClean="0">
+                        <a:latin typeface="Cambria Math" panose="02040503050406030204" pitchFamily="18" charset="0"/>
+                      </a:rPr>
+                      <m:t> </m:t>
+                    </m:r>
+                    <m:sSub>
+                      <m:sSubPr>
+                        <m:ctrlPr>
+                          <a:rPr lang="en-US" altLang="zh-TW" i="1" smtClean="0">
+                            <a:latin typeface="Cambria Math" panose="02040503050406030204" pitchFamily="18" charset="0"/>
+                          </a:rPr>
+                        </m:ctrlPr>
+                      </m:sSubPr>
+                      <m:e>
+                        <m:r>
+                          <a:rPr lang="en-US" altLang="zh-TW" b="0" i="1" smtClean="0">
+                            <a:latin typeface="Cambria Math" panose="02040503050406030204" pitchFamily="18" charset="0"/>
+                          </a:rPr>
+                          <m:t>𝑅</m:t>
+                        </m:r>
+                      </m:e>
+                      <m:sub>
+                        <m:r>
+                          <a:rPr lang="en-US" altLang="zh-TW" b="0" i="1" smtClean="0">
+                            <a:latin typeface="Cambria Math" panose="02040503050406030204" pitchFamily="18" charset="0"/>
+                          </a:rPr>
+                          <m:t>𝑐</m:t>
+                        </m:r>
+                      </m:sub>
+                    </m:sSub>
+                    <m:r>
+                      <a:rPr lang="en-US" altLang="zh-TW" b="0" i="1" smtClean="0">
+                        <a:latin typeface="Cambria Math" panose="02040503050406030204" pitchFamily="18" charset="0"/>
+                      </a:rPr>
+                      <m:t>=</m:t>
+                    </m:r>
+                    <m:f>
+                      <m:fPr>
+                        <m:type m:val="lin"/>
+                        <m:ctrlPr>
+                          <a:rPr lang="en-US" altLang="zh-TW" b="0" i="1" smtClean="0">
+                            <a:latin typeface="Cambria Math" panose="02040503050406030204" pitchFamily="18" charset="0"/>
+                          </a:rPr>
+                        </m:ctrlPr>
+                      </m:fPr>
+                      <m:num>
+                        <m:r>
+                          <a:rPr lang="en-US" altLang="zh-TW" b="0" i="1" smtClean="0">
+                            <a:latin typeface="Cambria Math" panose="02040503050406030204" pitchFamily="18" charset="0"/>
+                          </a:rPr>
+                          <m:t>5</m:t>
+                        </m:r>
+                      </m:num>
+                      <m:den>
+                        <m:r>
+                          <a:rPr lang="en-US" altLang="zh-TW" b="0" i="1" smtClean="0">
+                            <a:latin typeface="Cambria Math" panose="02040503050406030204" pitchFamily="18" charset="0"/>
+                          </a:rPr>
+                          <m:t>6</m:t>
+                        </m:r>
+                      </m:den>
+                    </m:f>
+                  </m:oMath>
+                </a14:m>
+                <a:endParaRPr lang="en-US" altLang="zh-TW" b="0" dirty="0" smtClean="0"/>
+              </a:p>
+              <a:p>
+                <a:pPr lvl="1"/>
+                <a:r>
+                  <a:rPr lang="en-US" altLang="zh-TW" dirty="0" smtClean="0"/>
+                  <a:t>The LDPC code is given by TS38.212 and shortened from </a:t>
+                </a:r>
+                <a14:m>
+                  <m:oMath xmlns:m="http://schemas.openxmlformats.org/officeDocument/2006/math">
+                    <m:r>
+                      <a:rPr lang="en-US" altLang="zh-TW" i="1">
+                        <a:latin typeface="Cambria Math" panose="02040503050406030204" pitchFamily="18" charset="0"/>
+                      </a:rPr>
+                      <m:t>𝑛</m:t>
+                    </m:r>
+                    <m:r>
+                      <a:rPr lang="en-US" altLang="zh-TW" i="1">
+                        <a:latin typeface="Cambria Math" panose="02040503050406030204" pitchFamily="18" charset="0"/>
+                      </a:rPr>
+                      <m:t>=256</m:t>
+                    </m:r>
+                  </m:oMath>
+                </a14:m>
+                <a:endParaRPr lang="en-US" altLang="zh-TW" dirty="0" smtClean="0"/>
+              </a:p>
+              <a:p>
+                <a:pPr lvl="1"/>
+                <a:r>
+                  <a:rPr lang="en-US" altLang="zh-TW" dirty="0" smtClean="0"/>
+                  <a:t>A packet consists of one </a:t>
+                </a:r>
+                <a:r>
+                  <a:rPr lang="en-US" altLang="zh-TW" dirty="0" err="1" smtClean="0"/>
+                  <a:t>codeword</a:t>
+                </a:r>
+                <a:r>
+                  <a:rPr lang="en-US" altLang="zh-TW" dirty="0" smtClean="0"/>
+                  <a:t>. Hence, </a:t>
+                </a:r>
+                <a:r>
+                  <a:rPr lang="en-US" altLang="zh-TW" dirty="0" err="1" smtClean="0"/>
+                  <a:t>codeword</a:t>
+                </a:r>
+                <a:r>
+                  <a:rPr lang="en-US" altLang="zh-TW" dirty="0" smtClean="0"/>
+                  <a:t> error rate = packet error rate</a:t>
+                </a:r>
+              </a:p>
+              <a:p>
+                <a:r>
+                  <a:rPr lang="en-US" altLang="zh-TW" dirty="0" smtClean="0"/>
+                  <a:t>The minimum hamming distance </a:t>
+                </a:r>
+                <a14:m>
+                  <m:oMath xmlns:m="http://schemas.openxmlformats.org/officeDocument/2006/math">
+                    <m:sSub>
+                      <m:sSubPr>
+                        <m:ctrlPr>
+                          <a:rPr lang="en-US" altLang="zh-TW" i="1" smtClean="0">
+                            <a:latin typeface="Cambria Math" panose="02040503050406030204" pitchFamily="18" charset="0"/>
+                          </a:rPr>
+                        </m:ctrlPr>
+                      </m:sSubPr>
+                      <m:e>
+                        <m:r>
+                          <a:rPr lang="en-US" altLang="zh-TW" b="0" i="1" smtClean="0">
+                            <a:latin typeface="Cambria Math" panose="02040503050406030204" pitchFamily="18" charset="0"/>
+                          </a:rPr>
+                          <m:t>𝑑</m:t>
+                        </m:r>
+                      </m:e>
+                      <m:sub>
+                        <m:r>
+                          <a:rPr lang="en-US" altLang="zh-TW" b="0" i="1" smtClean="0">
+                            <a:latin typeface="Cambria Math" panose="02040503050406030204" pitchFamily="18" charset="0"/>
+                          </a:rPr>
+                          <m:t>𝑚𝑖𝑛</m:t>
+                        </m:r>
+                      </m:sub>
+                    </m:sSub>
+                    <m:r>
+                      <a:rPr lang="en-US" altLang="zh-TW" b="0" i="1" smtClean="0">
+                        <a:latin typeface="Cambria Math" panose="02040503050406030204" pitchFamily="18" charset="0"/>
+                      </a:rPr>
+                      <m:t>=7</m:t>
+                    </m:r>
+                  </m:oMath>
+                </a14:m>
+                <a:endParaRPr lang="en-US" altLang="zh-TW" dirty="0" smtClean="0"/>
+              </a:p>
+              <a:p>
+                <a:r>
+                  <a:rPr lang="en-US" altLang="zh-TW" dirty="0" smtClean="0"/>
+                  <a:t>Due to the low hamming distance compared with the codebook size, the previous bounds become way too loose</a:t>
+                </a:r>
+              </a:p>
+              <a:p>
+                <a:r>
+                  <a:rPr lang="en-US" altLang="zh-TW" dirty="0" smtClean="0"/>
+                  <a:t>We will simulate the </a:t>
+                </a:r>
+                <a:r>
+                  <a:rPr lang="en-US" altLang="zh-TW" dirty="0" err="1" smtClean="0"/>
+                  <a:t>codeword</a:t>
+                </a:r>
+                <a:r>
+                  <a:rPr lang="en-US" altLang="zh-TW" dirty="0" smtClean="0"/>
+                  <a:t> error rate by simulation </a:t>
+                </a:r>
+              </a:p>
+              <a:p>
+                <a:pPr lvl="1"/>
+                <a:r>
+                  <a:rPr lang="en-US" altLang="zh-TW" dirty="0" smtClean="0"/>
+                  <a:t>Rayleigh fading channel </a:t>
+                </a:r>
+                <a:endParaRPr lang="en-US" altLang="zh-TW" dirty="0"/>
+              </a:p>
+              <a:p>
+                <a:pPr lvl="1"/>
+                <a:r>
+                  <a:rPr lang="en-US" altLang="zh-TW" dirty="0" smtClean="0"/>
+                  <a:t>Decoding:</a:t>
+                </a:r>
+                <a:r>
+                  <a:rPr lang="zh-TW" altLang="en-US" dirty="0" smtClean="0"/>
+                  <a:t> </a:t>
+                </a:r>
+                <a:r>
+                  <a:rPr lang="en-US" altLang="zh-TW" smtClean="0"/>
+                  <a:t>product-sum </a:t>
+                </a:r>
+                <a:r>
+                  <a:rPr lang="en-US" altLang="zh-TW" dirty="0" smtClean="0"/>
+                  <a:t>algorithm </a:t>
+                </a:r>
+                <a:r>
+                  <a:rPr lang="en-US" altLang="zh-TW" smtClean="0"/>
+                  <a:t>with 20 iterations</a:t>
+                </a:r>
+                <a:endParaRPr lang="en-US" altLang="zh-TW" dirty="0" smtClean="0"/>
+              </a:p>
+              <a:p>
+                <a:endParaRPr lang="zh-TW" altLang="en-US" dirty="0"/>
+              </a:p>
+            </p:txBody>
+          </p:sp>
+        </mc:Choice>
+        <mc:Fallback>
+          <p:sp>
+            <p:nvSpPr>
+              <p:cNvPr id="3" name="內容版面配置區 2">
+                <a:extLst>
+                  <a:ext uri="{FF2B5EF4-FFF2-40B4-BE49-F238E27FC236}">
+                    <a16:creationId xmlns:a16="http://schemas.microsoft.com/office/drawing/2014/main" id="{ECE538FE-E561-461E-99DC-51E1772CB83B}"/>
+                  </a:ext>
+                </a:extLst>
+              </p:cNvPr>
+              <p:cNvSpPr>
+                <a:spLocks noGrp="1" noRot="1" noChangeAspect="1" noMove="1" noResize="1" noEditPoints="1" noAdjustHandles="1" noChangeArrowheads="1" noChangeShapeType="1" noTextEdit="1"/>
+              </p:cNvSpPr>
+              <p:nvPr>
+                <p:ph idx="1"/>
+              </p:nvPr>
+            </p:nvSpPr>
+            <p:spPr>
+              <a:blipFill>
+                <a:blip r:embed="rId2"/>
+                <a:stretch>
+                  <a:fillRect l="-142" t="-10989"/>
+                </a:stretch>
+              </a:blipFill>
+            </p:spPr>
+            <p:txBody>
+              <a:bodyPr/>
+              <a:lstStyle/>
+              <a:p>
+                <a:r>
+                  <a:rPr lang="zh-TW" altLang="en-US">
+                    <a:noFill/>
+                  </a:rPr>
+                  <a:t> </a:t>
+                </a:r>
+              </a:p>
+            </p:txBody>
+          </p:sp>
+        </mc:Fallback>
+      </mc:AlternateContent>
     </p:spTree>
     <p:extLst>
       <p:ext uri="{BB962C8B-B14F-4D97-AF65-F5344CB8AC3E}">
@@ -6538,7 +6828,7 @@
           </p:nvPr>
         </p:nvPicPr>
         <p:blipFill>
-          <a:blip r:embed="rId5">
+          <a:blip r:embed="rId5" cstate="hqprint">
             <a:extLst>
               <a:ext uri="{28A0092B-C50C-407E-A947-70E740481C1C}">
                 <a14:useLocalDpi xmlns:a14="http://schemas.microsoft.com/office/drawing/2010/main" val="0"/>
@@ -6578,7 +6868,7 @@
           </p:nvPr>
         </p:nvPicPr>
         <p:blipFill>
-          <a:blip r:embed="rId6">
+          <a:blip r:embed="rId6" cstate="hqprint">
             <a:extLst>
               <a:ext uri="{28A0092B-C50C-407E-A947-70E740481C1C}">
                 <a14:useLocalDpi xmlns:a14="http://schemas.microsoft.com/office/drawing/2010/main" val="0"/>
@@ -6618,7 +6908,7 @@
           </p:nvPr>
         </p:nvPicPr>
         <p:blipFill>
-          <a:blip r:embed="rId7">
+          <a:blip r:embed="rId7" cstate="hqprint">
             <a:extLst>
               <a:ext uri="{28A0092B-C50C-407E-A947-70E740481C1C}">
                 <a14:useLocalDpi xmlns:a14="http://schemas.microsoft.com/office/drawing/2010/main" val="0"/>
@@ -6718,13 +7008,13 @@
           <p:nvPr/>
         </p:nvPicPr>
         <p:blipFill>
-          <a:blip r:embed="rId7">
+          <a:blip r:embed="rId7" cstate="hqprint">
             <a:extLst>
               <a:ext uri="{28A0092B-C50C-407E-A947-70E740481C1C}">
                 <a14:useLocalDpi xmlns:a14="http://schemas.microsoft.com/office/drawing/2010/main" val="0"/>
               </a:ext>
               <a:ext uri="{96DAC541-7B7A-43D3-8B79-37D633B846F1}">
-                <asvg:svgBlip xmlns:asvg="http://schemas.microsoft.com/office/drawing/2016/SVG/main" r:embed="rId8"/>
+                <asvg:svgBlip xmlns:asvg="http://schemas.microsoft.com/office/drawing/2016/SVG/main" xmlns="" r:embed="rId8"/>
               </a:ext>
             </a:extLst>
           </a:blip>
@@ -7990,7 +8280,7 @@
           </p:nvPr>
         </p:nvPicPr>
         <p:blipFill>
-          <a:blip r:embed="rId9">
+          <a:blip r:embed="rId9" cstate="hqprint">
             <a:extLst>
               <a:ext uri="{28A0092B-C50C-407E-A947-70E740481C1C}">
                 <a14:useLocalDpi xmlns:a14="http://schemas.microsoft.com/office/drawing/2010/main" val="0"/>
@@ -8688,7 +8978,7 @@
           </p:nvPr>
         </p:nvPicPr>
         <p:blipFill>
-          <a:blip r:embed="rId10">
+          <a:blip r:embed="rId10" cstate="hqprint">
             <a:extLst>
               <a:ext uri="{28A0092B-C50C-407E-A947-70E740481C1C}">
                 <a14:useLocalDpi xmlns:a14="http://schemas.microsoft.com/office/drawing/2010/main" val="0"/>
@@ -8724,13 +9014,13 @@
           <p:nvPr/>
         </p:nvPicPr>
         <p:blipFill>
-          <a:blip r:embed="rId11">
+          <a:blip r:embed="rId11" cstate="hqprint">
             <a:extLst>
               <a:ext uri="{28A0092B-C50C-407E-A947-70E740481C1C}">
                 <a14:useLocalDpi xmlns:a14="http://schemas.microsoft.com/office/drawing/2010/main" val="0"/>
               </a:ext>
               <a:ext uri="{96DAC541-7B7A-43D3-8B79-37D633B846F1}">
-                <asvg:svgBlip xmlns:asvg="http://schemas.microsoft.com/office/drawing/2016/SVG/main" r:embed="rId12"/>
+                <asvg:svgBlip xmlns:asvg="http://schemas.microsoft.com/office/drawing/2016/SVG/main" xmlns="" r:embed="rId12"/>
               </a:ext>
             </a:extLst>
           </a:blip>
@@ -8763,13 +9053,13 @@
           <p:nvPr/>
         </p:nvPicPr>
         <p:blipFill>
-          <a:blip r:embed="rId11">
+          <a:blip r:embed="rId11" cstate="hqprint">
             <a:extLst>
               <a:ext uri="{28A0092B-C50C-407E-A947-70E740481C1C}">
                 <a14:useLocalDpi xmlns:a14="http://schemas.microsoft.com/office/drawing/2010/main" val="0"/>
               </a:ext>
               <a:ext uri="{96DAC541-7B7A-43D3-8B79-37D633B846F1}">
-                <asvg:svgBlip xmlns:asvg="http://schemas.microsoft.com/office/drawing/2016/SVG/main" r:embed="rId12"/>
+                <asvg:svgBlip xmlns:asvg="http://schemas.microsoft.com/office/drawing/2016/SVG/main" xmlns="" r:embed="rId12"/>
               </a:ext>
             </a:extLst>
           </a:blip>
@@ -8802,13 +9092,13 @@
           <p:nvPr/>
         </p:nvPicPr>
         <p:blipFill>
-          <a:blip r:embed="rId11">
+          <a:blip r:embed="rId11" cstate="hqprint">
             <a:extLst>
               <a:ext uri="{28A0092B-C50C-407E-A947-70E740481C1C}">
                 <a14:useLocalDpi xmlns:a14="http://schemas.microsoft.com/office/drawing/2010/main" val="0"/>
               </a:ext>
               <a:ext uri="{96DAC541-7B7A-43D3-8B79-37D633B846F1}">
-                <asvg:svgBlip xmlns:asvg="http://schemas.microsoft.com/office/drawing/2016/SVG/main" r:embed="rId12"/>
+                <asvg:svgBlip xmlns:asvg="http://schemas.microsoft.com/office/drawing/2016/SVG/main" xmlns="" r:embed="rId12"/>
               </a:ext>
             </a:extLst>
           </a:blip>
@@ -8841,13 +9131,13 @@
           <p:nvPr/>
         </p:nvPicPr>
         <p:blipFill>
-          <a:blip r:embed="rId11">
+          <a:blip r:embed="rId11" cstate="hqprint">
             <a:extLst>
               <a:ext uri="{28A0092B-C50C-407E-A947-70E740481C1C}">
                 <a14:useLocalDpi xmlns:a14="http://schemas.microsoft.com/office/drawing/2010/main" val="0"/>
               </a:ext>
               <a:ext uri="{96DAC541-7B7A-43D3-8B79-37D633B846F1}">
-                <asvg:svgBlip xmlns:asvg="http://schemas.microsoft.com/office/drawing/2016/SVG/main" r:embed="rId12"/>
+                <asvg:svgBlip xmlns:asvg="http://schemas.microsoft.com/office/drawing/2016/SVG/main" xmlns="" r:embed="rId12"/>
               </a:ext>
             </a:extLst>
           </a:blip>
@@ -8920,7 +9210,7 @@
           </p:nvPr>
         </p:nvPicPr>
         <p:blipFill>
-          <a:blip r:embed="rId13">
+          <a:blip r:embed="rId13" cstate="hqprint">
             <a:extLst>
               <a:ext uri="{28A0092B-C50C-407E-A947-70E740481C1C}">
                 <a14:useLocalDpi xmlns:a14="http://schemas.microsoft.com/office/drawing/2010/main" val="0"/>
@@ -8999,7 +9289,7 @@
           </p:nvPr>
         </p:nvPicPr>
         <p:blipFill>
-          <a:blip r:embed="rId14">
+          <a:blip r:embed="rId14" cstate="hqprint">
             <a:extLst>
               <a:ext uri="{28A0092B-C50C-407E-A947-70E740481C1C}">
                 <a14:useLocalDpi xmlns:a14="http://schemas.microsoft.com/office/drawing/2010/main" val="0"/>
@@ -9080,7 +9370,7 @@
           </p:nvPr>
         </p:nvPicPr>
         <p:blipFill>
-          <a:blip r:embed="rId15">
+          <a:blip r:embed="rId15" cstate="hqprint">
             <a:extLst>
               <a:ext uri="{28A0092B-C50C-407E-A947-70E740481C1C}">
                 <a14:useLocalDpi xmlns:a14="http://schemas.microsoft.com/office/drawing/2010/main" val="0"/>
@@ -9101,8 +9391,8 @@
           </a:prstGeom>
         </p:spPr>
       </p:pic>
-      <mc:AlternateContent xmlns:mc="http://schemas.openxmlformats.org/markup-compatibility/2006">
-        <mc:Choice xmlns:a14="http://schemas.microsoft.com/office/drawing/2010/main" Requires="a14">
+      <mc:AlternateContent xmlns:mc="http://schemas.openxmlformats.org/markup-compatibility/2006" xmlns:a14="http://schemas.microsoft.com/office/drawing/2010/main">
+        <mc:Choice Requires="a14">
           <p:graphicFrame>
             <p:nvGraphicFramePr>
               <p:cNvPr id="70" name="表格 69">
@@ -9274,6 +9564,7 @@
                         <a:bodyPr/>
                         <a:lstStyle/>
                         <a:p>
+                          <a:pPr/>
                           <a14:m>
                             <m:oMathPara xmlns:m="http://schemas.openxmlformats.org/officeDocument/2006/math">
                               <m:oMathParaPr>
@@ -9424,7 +9715,7 @@
             </a:graphic>
           </p:graphicFrame>
         </mc:Choice>
-        <mc:Fallback>
+        <mc:Fallback xmlns="">
           <p:graphicFrame>
             <p:nvGraphicFramePr>
               <p:cNvPr id="70" name="表格 69">
@@ -9726,8 +10017,8 @@
           </a:p>
         </p:txBody>
       </p:sp>
-      <mc:AlternateContent xmlns:mc="http://schemas.openxmlformats.org/markup-compatibility/2006">
-        <mc:Choice xmlns:a14="http://schemas.microsoft.com/office/drawing/2010/main" Requires="a14">
+      <mc:AlternateContent xmlns:mc="http://schemas.openxmlformats.org/markup-compatibility/2006" xmlns:a14="http://schemas.microsoft.com/office/drawing/2010/main">
+        <mc:Choice Requires="a14">
           <p:graphicFrame>
             <p:nvGraphicFramePr>
               <p:cNvPr id="75" name="表格 74">
@@ -9899,6 +10190,7 @@
                         <a:bodyPr/>
                         <a:lstStyle/>
                         <a:p>
+                          <a:pPr/>
                           <a14:m>
                             <m:oMathPara xmlns:m="http://schemas.openxmlformats.org/officeDocument/2006/math">
                               <m:oMathParaPr>
@@ -10049,7 +10341,7 @@
             </a:graphic>
           </p:graphicFrame>
         </mc:Choice>
-        <mc:Fallback>
+        <mc:Fallback xmlns="">
           <p:graphicFrame>
             <p:nvGraphicFramePr>
               <p:cNvPr id="75" name="表格 74">
@@ -10315,8 +10607,8 @@
           </p:graphicFrame>
         </mc:Fallback>
       </mc:AlternateContent>
-      <mc:AlternateContent xmlns:mc="http://schemas.openxmlformats.org/markup-compatibility/2006">
-        <mc:Choice xmlns:a14="http://schemas.microsoft.com/office/drawing/2010/main" Requires="a14">
+      <mc:AlternateContent xmlns:mc="http://schemas.openxmlformats.org/markup-compatibility/2006" xmlns:a14="http://schemas.microsoft.com/office/drawing/2010/main">
+        <mc:Choice Requires="a14">
           <p:graphicFrame>
             <p:nvGraphicFramePr>
               <p:cNvPr id="76" name="表格 75">
@@ -10488,6 +10780,7 @@
                         <a:bodyPr/>
                         <a:lstStyle/>
                         <a:p>
+                          <a:pPr/>
                           <a14:m>
                             <m:oMathPara xmlns:m="http://schemas.openxmlformats.org/officeDocument/2006/math">
                               <m:oMathParaPr>
@@ -10646,7 +10939,7 @@
             </a:graphic>
           </p:graphicFrame>
         </mc:Choice>
-        <mc:Fallback>
+        <mc:Fallback xmlns="">
           <p:graphicFrame>
             <p:nvGraphicFramePr>
               <p:cNvPr id="76" name="表格 75">
@@ -10920,8 +11213,8 @@
           </p:graphicFrame>
         </mc:Fallback>
       </mc:AlternateContent>
-      <mc:AlternateContent xmlns:mc="http://schemas.openxmlformats.org/markup-compatibility/2006">
-        <mc:Choice xmlns:a14="http://schemas.microsoft.com/office/drawing/2010/main" Requires="a14">
+      <mc:AlternateContent xmlns:mc="http://schemas.openxmlformats.org/markup-compatibility/2006" xmlns:a14="http://schemas.microsoft.com/office/drawing/2010/main">
+        <mc:Choice Requires="a14">
           <p:graphicFrame>
             <p:nvGraphicFramePr>
               <p:cNvPr id="77" name="表格 76">
@@ -11093,6 +11386,7 @@
                         <a:bodyPr/>
                         <a:lstStyle/>
                         <a:p>
+                          <a:pPr/>
                           <a14:m>
                             <m:oMathPara xmlns:m="http://schemas.openxmlformats.org/officeDocument/2006/math">
                               <m:oMathParaPr>
@@ -11243,7 +11537,7 @@
             </a:graphic>
           </p:graphicFrame>
         </mc:Choice>
-        <mc:Fallback>
+        <mc:Fallback xmlns="">
           <p:graphicFrame>
             <p:nvGraphicFramePr>
               <p:cNvPr id="77" name="表格 76">
@@ -11875,7 +12169,7 @@
           </p:nvPr>
         </p:nvPicPr>
         <p:blipFill>
-          <a:blip r:embed="rId8">
+          <a:blip r:embed="rId8" cstate="hqprint">
             <a:extLst>
               <a:ext uri="{28A0092B-C50C-407E-A947-70E740481C1C}">
                 <a14:useLocalDpi xmlns:a14="http://schemas.microsoft.com/office/drawing/2010/main" val="0"/>
@@ -11915,7 +12209,7 @@
           </p:nvPr>
         </p:nvPicPr>
         <p:blipFill>
-          <a:blip r:embed="rId9">
+          <a:blip r:embed="rId9" cstate="hqprint">
             <a:extLst>
               <a:ext uri="{28A0092B-C50C-407E-A947-70E740481C1C}">
                 <a14:useLocalDpi xmlns:a14="http://schemas.microsoft.com/office/drawing/2010/main" val="0"/>
@@ -11955,7 +12249,7 @@
           </p:nvPr>
         </p:nvPicPr>
         <p:blipFill>
-          <a:blip r:embed="rId10">
+          <a:blip r:embed="rId10" cstate="hqprint">
             <a:extLst>
               <a:ext uri="{28A0092B-C50C-407E-A947-70E740481C1C}">
                 <a14:useLocalDpi xmlns:a14="http://schemas.microsoft.com/office/drawing/2010/main" val="0"/>
@@ -11995,7 +12289,7 @@
           </p:nvPr>
         </p:nvPicPr>
         <p:blipFill>
-          <a:blip r:embed="rId11">
+          <a:blip r:embed="rId11" cstate="hqprint">
             <a:extLst>
               <a:ext uri="{28A0092B-C50C-407E-A947-70E740481C1C}">
                 <a14:useLocalDpi xmlns:a14="http://schemas.microsoft.com/office/drawing/2010/main" val="0"/>
@@ -12035,7 +12329,7 @@
           </p:nvPr>
         </p:nvPicPr>
         <p:blipFill>
-          <a:blip r:embed="rId12">
+          <a:blip r:embed="rId12" cstate="hqprint">
             <a:extLst>
               <a:ext uri="{28A0092B-C50C-407E-A947-70E740481C1C}">
                 <a14:useLocalDpi xmlns:a14="http://schemas.microsoft.com/office/drawing/2010/main" val="0"/>
@@ -12119,8 +12413,8 @@
           </a:p>
         </p:txBody>
       </p:sp>
-      <mc:AlternateContent xmlns:mc="http://schemas.openxmlformats.org/markup-compatibility/2006">
-        <mc:Choice xmlns:a14="http://schemas.microsoft.com/office/drawing/2010/main" Requires="a14">
+      <mc:AlternateContent xmlns:mc="http://schemas.openxmlformats.org/markup-compatibility/2006" xmlns:a14="http://schemas.microsoft.com/office/drawing/2010/main">
+        <mc:Choice Requires="a14">
           <p:sp>
             <p:nvSpPr>
               <p:cNvPr id="3" name="內容版面配置區 2">
@@ -12648,7 +12942,7 @@
             </p:txBody>
           </p:sp>
         </mc:Choice>
-        <mc:Fallback>
+        <mc:Fallback xmlns="">
           <p:sp>
             <p:nvSpPr>
               <p:cNvPr id="3" name="內容版面配置區 2">
@@ -12775,13 +13069,13 @@
           <p:nvPr/>
         </p:nvPicPr>
         <p:blipFill>
-          <a:blip r:embed="rId8">
+          <a:blip r:embed="rId8" cstate="hqprint">
             <a:extLst>
               <a:ext uri="{28A0092B-C50C-407E-A947-70E740481C1C}">
                 <a14:useLocalDpi xmlns:a14="http://schemas.microsoft.com/office/drawing/2010/main" val="0"/>
               </a:ext>
               <a:ext uri="{96DAC541-7B7A-43D3-8B79-37D633B846F1}">
-                <asvg:svgBlip xmlns:asvg="http://schemas.microsoft.com/office/drawing/2016/SVG/main" r:embed="rId9"/>
+                <asvg:svgBlip xmlns:asvg="http://schemas.microsoft.com/office/drawing/2016/SVG/main" xmlns="" r:embed="rId9"/>
               </a:ext>
             </a:extLst>
           </a:blip>
@@ -13098,7 +13392,7 @@
           </p:nvPr>
         </p:nvPicPr>
         <p:blipFill>
-          <a:blip r:embed="rId10">
+          <a:blip r:embed="rId10" cstate="hqprint">
             <a:extLst>
               <a:ext uri="{28A0092B-C50C-407E-A947-70E740481C1C}">
                 <a14:useLocalDpi xmlns:a14="http://schemas.microsoft.com/office/drawing/2010/main" val="0"/>
@@ -13134,13 +13428,13 @@
           <p:nvPr/>
         </p:nvPicPr>
         <p:blipFill>
-          <a:blip r:embed="rId11">
+          <a:blip r:embed="rId11" cstate="hqprint">
             <a:extLst>
               <a:ext uri="{28A0092B-C50C-407E-A947-70E740481C1C}">
                 <a14:useLocalDpi xmlns:a14="http://schemas.microsoft.com/office/drawing/2010/main" val="0"/>
               </a:ext>
               <a:ext uri="{96DAC541-7B7A-43D3-8B79-37D633B846F1}">
-                <asvg:svgBlip xmlns:asvg="http://schemas.microsoft.com/office/drawing/2016/SVG/main" r:embed="rId12"/>
+                <asvg:svgBlip xmlns:asvg="http://schemas.microsoft.com/office/drawing/2016/SVG/main" xmlns="" r:embed="rId12"/>
               </a:ext>
             </a:extLst>
           </a:blip>
@@ -13173,13 +13467,13 @@
           <p:nvPr/>
         </p:nvPicPr>
         <p:blipFill>
-          <a:blip r:embed="rId11">
+          <a:blip r:embed="rId11" cstate="hqprint">
             <a:extLst>
               <a:ext uri="{28A0092B-C50C-407E-A947-70E740481C1C}">
                 <a14:useLocalDpi xmlns:a14="http://schemas.microsoft.com/office/drawing/2010/main" val="0"/>
               </a:ext>
               <a:ext uri="{96DAC541-7B7A-43D3-8B79-37D633B846F1}">
-                <asvg:svgBlip xmlns:asvg="http://schemas.microsoft.com/office/drawing/2016/SVG/main" r:embed="rId12"/>
+                <asvg:svgBlip xmlns:asvg="http://schemas.microsoft.com/office/drawing/2016/SVG/main" xmlns="" r:embed="rId12"/>
               </a:ext>
             </a:extLst>
           </a:blip>
@@ -13212,13 +13506,13 @@
           <p:nvPr/>
         </p:nvPicPr>
         <p:blipFill>
-          <a:blip r:embed="rId11">
+          <a:blip r:embed="rId11" cstate="hqprint">
             <a:extLst>
               <a:ext uri="{28A0092B-C50C-407E-A947-70E740481C1C}">
                 <a14:useLocalDpi xmlns:a14="http://schemas.microsoft.com/office/drawing/2010/main" val="0"/>
               </a:ext>
               <a:ext uri="{96DAC541-7B7A-43D3-8B79-37D633B846F1}">
-                <asvg:svgBlip xmlns:asvg="http://schemas.microsoft.com/office/drawing/2016/SVG/main" r:embed="rId12"/>
+                <asvg:svgBlip xmlns:asvg="http://schemas.microsoft.com/office/drawing/2016/SVG/main" xmlns="" r:embed="rId12"/>
               </a:ext>
             </a:extLst>
           </a:blip>
@@ -13251,13 +13545,13 @@
           <p:nvPr/>
         </p:nvPicPr>
         <p:blipFill>
-          <a:blip r:embed="rId11">
+          <a:blip r:embed="rId11" cstate="hqprint">
             <a:extLst>
               <a:ext uri="{28A0092B-C50C-407E-A947-70E740481C1C}">
                 <a14:useLocalDpi xmlns:a14="http://schemas.microsoft.com/office/drawing/2010/main" val="0"/>
               </a:ext>
               <a:ext uri="{96DAC541-7B7A-43D3-8B79-37D633B846F1}">
-                <asvg:svgBlip xmlns:asvg="http://schemas.microsoft.com/office/drawing/2016/SVG/main" r:embed="rId12"/>
+                <asvg:svgBlip xmlns:asvg="http://schemas.microsoft.com/office/drawing/2016/SVG/main" xmlns="" r:embed="rId12"/>
               </a:ext>
             </a:extLst>
           </a:blip>
@@ -13330,7 +13624,7 @@
           </p:nvPr>
         </p:nvPicPr>
         <p:blipFill>
-          <a:blip r:embed="rId13">
+          <a:blip r:embed="rId13" cstate="hqprint">
             <a:extLst>
               <a:ext uri="{28A0092B-C50C-407E-A947-70E740481C1C}">
                 <a14:useLocalDpi xmlns:a14="http://schemas.microsoft.com/office/drawing/2010/main" val="0"/>
@@ -13409,7 +13703,7 @@
           </p:nvPr>
         </p:nvPicPr>
         <p:blipFill>
-          <a:blip r:embed="rId14">
+          <a:blip r:embed="rId14" cstate="hqprint">
             <a:extLst>
               <a:ext uri="{28A0092B-C50C-407E-A947-70E740481C1C}">
                 <a14:useLocalDpi xmlns:a14="http://schemas.microsoft.com/office/drawing/2010/main" val="0"/>
@@ -13490,7 +13784,7 @@
           </p:nvPr>
         </p:nvPicPr>
         <p:blipFill>
-          <a:blip r:embed="rId15">
+          <a:blip r:embed="rId15" cstate="hqprint">
             <a:extLst>
               <a:ext uri="{28A0092B-C50C-407E-A947-70E740481C1C}">
                 <a14:useLocalDpi xmlns:a14="http://schemas.microsoft.com/office/drawing/2010/main" val="0"/>
@@ -13511,8 +13805,8 @@
           </a:prstGeom>
         </p:spPr>
       </p:pic>
-      <mc:AlternateContent xmlns:mc="http://schemas.openxmlformats.org/markup-compatibility/2006">
-        <mc:Choice xmlns:a14="http://schemas.microsoft.com/office/drawing/2010/main" Requires="a14">
+      <mc:AlternateContent xmlns:mc="http://schemas.openxmlformats.org/markup-compatibility/2006" xmlns:a14="http://schemas.microsoft.com/office/drawing/2010/main">
+        <mc:Choice Requires="a14">
           <p:graphicFrame>
             <p:nvGraphicFramePr>
               <p:cNvPr id="70" name="表格 69">
@@ -13621,6 +13915,7 @@
                         <a:bodyPr/>
                         <a:lstStyle/>
                         <a:p>
+                          <a:pPr/>
                           <a14:m>
                             <m:oMathPara xmlns:m="http://schemas.openxmlformats.org/officeDocument/2006/math">
                               <m:oMathParaPr>
@@ -13737,7 +14032,7 @@
             </a:graphic>
           </p:graphicFrame>
         </mc:Choice>
-        <mc:Fallback>
+        <mc:Fallback xmlns="">
           <p:graphicFrame>
             <p:nvGraphicFramePr>
               <p:cNvPr id="70" name="表格 69">
@@ -13906,8 +14201,8 @@
           </p:graphicFrame>
         </mc:Fallback>
       </mc:AlternateContent>
-      <mc:AlternateContent xmlns:mc="http://schemas.openxmlformats.org/markup-compatibility/2006">
-        <mc:Choice xmlns:a14="http://schemas.microsoft.com/office/drawing/2010/main" Requires="a14">
+      <mc:AlternateContent xmlns:mc="http://schemas.openxmlformats.org/markup-compatibility/2006" xmlns:a14="http://schemas.microsoft.com/office/drawing/2010/main">
+        <mc:Choice Requires="a14">
           <p:graphicFrame>
             <p:nvGraphicFramePr>
               <p:cNvPr id="75" name="表格 74">
@@ -14016,6 +14311,7 @@
                         <a:bodyPr/>
                         <a:lstStyle/>
                         <a:p>
+                          <a:pPr/>
                           <a14:m>
                             <m:oMathPara xmlns:m="http://schemas.openxmlformats.org/officeDocument/2006/math">
                               <m:oMathParaPr>
@@ -14130,7 +14426,7 @@
             </a:graphic>
           </p:graphicFrame>
         </mc:Choice>
-        <mc:Fallback>
+        <mc:Fallback xmlns="">
           <p:graphicFrame>
             <p:nvGraphicFramePr>
               <p:cNvPr id="75" name="表格 74">
@@ -14291,8 +14587,8 @@
           </p:graphicFrame>
         </mc:Fallback>
       </mc:AlternateContent>
-      <mc:AlternateContent xmlns:mc="http://schemas.openxmlformats.org/markup-compatibility/2006">
-        <mc:Choice xmlns:a14="http://schemas.microsoft.com/office/drawing/2010/main" Requires="a14">
+      <mc:AlternateContent xmlns:mc="http://schemas.openxmlformats.org/markup-compatibility/2006" xmlns:a14="http://schemas.microsoft.com/office/drawing/2010/main">
+        <mc:Choice Requires="a14">
           <p:graphicFrame>
             <p:nvGraphicFramePr>
               <p:cNvPr id="76" name="表格 75">
@@ -14401,6 +14697,7 @@
                         <a:bodyPr/>
                         <a:lstStyle/>
                         <a:p>
+                          <a:pPr/>
                           <a14:m>
                             <m:oMathPara xmlns:m="http://schemas.openxmlformats.org/officeDocument/2006/math">
                               <m:oMathParaPr>
@@ -14517,7 +14814,7 @@
             </a:graphic>
           </p:graphicFrame>
         </mc:Choice>
-        <mc:Fallback>
+        <mc:Fallback xmlns="">
           <p:graphicFrame>
             <p:nvGraphicFramePr>
               <p:cNvPr id="76" name="表格 75">
@@ -14686,8 +14983,8 @@
           </p:graphicFrame>
         </mc:Fallback>
       </mc:AlternateContent>
-      <mc:AlternateContent xmlns:mc="http://schemas.openxmlformats.org/markup-compatibility/2006">
-        <mc:Choice xmlns:a14="http://schemas.microsoft.com/office/drawing/2010/main" Requires="a14">
+      <mc:AlternateContent xmlns:mc="http://schemas.openxmlformats.org/markup-compatibility/2006" xmlns:a14="http://schemas.microsoft.com/office/drawing/2010/main">
+        <mc:Choice Requires="a14">
           <p:graphicFrame>
             <p:nvGraphicFramePr>
               <p:cNvPr id="77" name="表格 76">
@@ -14796,6 +15093,7 @@
                         <a:bodyPr/>
                         <a:lstStyle/>
                         <a:p>
+                          <a:pPr/>
                           <a14:m>
                             <m:oMathPara xmlns:m="http://schemas.openxmlformats.org/officeDocument/2006/math">
                               <m:oMathParaPr>
@@ -14904,7 +15202,7 @@
             </a:graphic>
           </p:graphicFrame>
         </mc:Choice>
-        <mc:Fallback>
+        <mc:Fallback xmlns="">
           <p:graphicFrame>
             <p:nvGraphicFramePr>
               <p:cNvPr id="77" name="表格 76">
@@ -15514,8 +15812,8 @@
           </a:p>
         </p:txBody>
       </p:sp>
-      <mc:AlternateContent xmlns:mc="http://schemas.openxmlformats.org/markup-compatibility/2006">
-        <mc:Choice xmlns:a14="http://schemas.microsoft.com/office/drawing/2010/main" Requires="a14">
+      <mc:AlternateContent xmlns:mc="http://schemas.openxmlformats.org/markup-compatibility/2006" xmlns:a14="http://schemas.microsoft.com/office/drawing/2010/main">
+        <mc:Choice Requires="a14">
           <p:graphicFrame>
             <p:nvGraphicFramePr>
               <p:cNvPr id="79" name="表格 78">
@@ -15624,6 +15922,7 @@
                         <a:bodyPr/>
                         <a:lstStyle/>
                         <a:p>
+                          <a:pPr/>
                           <a14:m>
                             <m:oMathPara xmlns:m="http://schemas.openxmlformats.org/officeDocument/2006/math">
                               <m:oMathParaPr>
@@ -15732,7 +16031,7 @@
             </a:graphic>
           </p:graphicFrame>
         </mc:Choice>
-        <mc:Fallback>
+        <mc:Fallback xmlns="">
           <p:graphicFrame>
             <p:nvGraphicFramePr>
               <p:cNvPr id="79" name="表格 78">
@@ -15893,8 +16192,8 @@
           </p:graphicFrame>
         </mc:Fallback>
       </mc:AlternateContent>
-      <mc:AlternateContent xmlns:mc="http://schemas.openxmlformats.org/markup-compatibility/2006">
-        <mc:Choice xmlns:a14="http://schemas.microsoft.com/office/drawing/2010/main" Requires="a14">
+      <mc:AlternateContent xmlns:mc="http://schemas.openxmlformats.org/markup-compatibility/2006" xmlns:a14="http://schemas.microsoft.com/office/drawing/2010/main">
+        <mc:Choice Requires="a14">
           <p:graphicFrame>
             <p:nvGraphicFramePr>
               <p:cNvPr id="81" name="表格 80">
@@ -16003,6 +16302,7 @@
                         <a:bodyPr/>
                         <a:lstStyle/>
                         <a:p>
+                          <a:pPr/>
                           <a14:m>
                             <m:oMathPara xmlns:m="http://schemas.openxmlformats.org/officeDocument/2006/math">
                               <m:oMathParaPr>
@@ -16111,7 +16411,7 @@
             </a:graphic>
           </p:graphicFrame>
         </mc:Choice>
-        <mc:Fallback>
+        <mc:Fallback xmlns="">
           <p:graphicFrame>
             <p:nvGraphicFramePr>
               <p:cNvPr id="81" name="表格 80">
@@ -16272,8 +16572,8 @@
           </p:graphicFrame>
         </mc:Fallback>
       </mc:AlternateContent>
-      <mc:AlternateContent xmlns:mc="http://schemas.openxmlformats.org/markup-compatibility/2006">
-        <mc:Choice xmlns:a14="http://schemas.microsoft.com/office/drawing/2010/main" Requires="a14">
+      <mc:AlternateContent xmlns:mc="http://schemas.openxmlformats.org/markup-compatibility/2006" xmlns:a14="http://schemas.microsoft.com/office/drawing/2010/main">
+        <mc:Choice Requires="a14">
           <p:graphicFrame>
             <p:nvGraphicFramePr>
               <p:cNvPr id="82" name="表格 81">
@@ -16382,6 +16682,7 @@
                         <a:bodyPr/>
                         <a:lstStyle/>
                         <a:p>
+                          <a:pPr/>
                           <a14:m>
                             <m:oMathPara xmlns:m="http://schemas.openxmlformats.org/officeDocument/2006/math">
                               <m:oMathParaPr>
@@ -16498,7 +16799,7 @@
             </a:graphic>
           </p:graphicFrame>
         </mc:Choice>
-        <mc:Fallback>
+        <mc:Fallback xmlns="">
           <p:graphicFrame>
             <p:nvGraphicFramePr>
               <p:cNvPr id="82" name="表格 81">
@@ -16667,8 +16968,8 @@
           </p:graphicFrame>
         </mc:Fallback>
       </mc:AlternateContent>
-      <mc:AlternateContent xmlns:mc="http://schemas.openxmlformats.org/markup-compatibility/2006">
-        <mc:Choice xmlns:a14="http://schemas.microsoft.com/office/drawing/2010/main" Requires="a14">
+      <mc:AlternateContent xmlns:mc="http://schemas.openxmlformats.org/markup-compatibility/2006" xmlns:a14="http://schemas.microsoft.com/office/drawing/2010/main">
+        <mc:Choice Requires="a14">
           <p:graphicFrame>
             <p:nvGraphicFramePr>
               <p:cNvPr id="83" name="表格 82">
@@ -16777,6 +17078,7 @@
                         <a:bodyPr/>
                         <a:lstStyle/>
                         <a:p>
+                          <a:pPr/>
                           <a14:m>
                             <m:oMathPara xmlns:m="http://schemas.openxmlformats.org/officeDocument/2006/math">
                               <m:oMathParaPr>
@@ -16885,7 +17187,7 @@
             </a:graphic>
           </p:graphicFrame>
         </mc:Choice>
-        <mc:Fallback>
+        <mc:Fallback xmlns="">
           <p:graphicFrame>
             <p:nvGraphicFramePr>
               <p:cNvPr id="83" name="表格 82">
@@ -17061,13 +17363,13 @@
           <p:nvPr/>
         </p:nvPicPr>
         <p:blipFill>
-          <a:blip r:embed="rId8">
+          <a:blip r:embed="rId8" cstate="hqprint">
             <a:extLst>
               <a:ext uri="{28A0092B-C50C-407E-A947-70E740481C1C}">
                 <a14:useLocalDpi xmlns:a14="http://schemas.microsoft.com/office/drawing/2010/main" val="0"/>
               </a:ext>
               <a:ext uri="{96DAC541-7B7A-43D3-8B79-37D633B846F1}">
-                <asvg:svgBlip xmlns:asvg="http://schemas.microsoft.com/office/drawing/2016/SVG/main" r:embed="rId9"/>
+                <asvg:svgBlip xmlns:asvg="http://schemas.microsoft.com/office/drawing/2016/SVG/main" xmlns="" r:embed="rId9"/>
               </a:ext>
             </a:extLst>
           </a:blip>
@@ -17100,13 +17402,13 @@
           <p:nvPr/>
         </p:nvPicPr>
         <p:blipFill>
-          <a:blip r:embed="rId11">
+          <a:blip r:embed="rId11" cstate="hqprint">
             <a:extLst>
               <a:ext uri="{28A0092B-C50C-407E-A947-70E740481C1C}">
                 <a14:useLocalDpi xmlns:a14="http://schemas.microsoft.com/office/drawing/2010/main" val="0"/>
               </a:ext>
               <a:ext uri="{96DAC541-7B7A-43D3-8B79-37D633B846F1}">
-                <asvg:svgBlip xmlns:asvg="http://schemas.microsoft.com/office/drawing/2016/SVG/main" r:embed="rId12"/>
+                <asvg:svgBlip xmlns:asvg="http://schemas.microsoft.com/office/drawing/2016/SVG/main" xmlns="" r:embed="rId12"/>
               </a:ext>
             </a:extLst>
           </a:blip>
@@ -17139,13 +17441,13 @@
           <p:nvPr/>
         </p:nvPicPr>
         <p:blipFill>
-          <a:blip r:embed="rId11">
+          <a:blip r:embed="rId11" cstate="hqprint">
             <a:extLst>
               <a:ext uri="{28A0092B-C50C-407E-A947-70E740481C1C}">
                 <a14:useLocalDpi xmlns:a14="http://schemas.microsoft.com/office/drawing/2010/main" val="0"/>
               </a:ext>
               <a:ext uri="{96DAC541-7B7A-43D3-8B79-37D633B846F1}">
-                <asvg:svgBlip xmlns:asvg="http://schemas.microsoft.com/office/drawing/2016/SVG/main" r:embed="rId12"/>
+                <asvg:svgBlip xmlns:asvg="http://schemas.microsoft.com/office/drawing/2016/SVG/main" xmlns="" r:embed="rId12"/>
               </a:ext>
             </a:extLst>
           </a:blip>
@@ -17178,13 +17480,13 @@
           <p:nvPr/>
         </p:nvPicPr>
         <p:blipFill>
-          <a:blip r:embed="rId11">
+          <a:blip r:embed="rId11" cstate="hqprint">
             <a:extLst>
               <a:ext uri="{28A0092B-C50C-407E-A947-70E740481C1C}">
                 <a14:useLocalDpi xmlns:a14="http://schemas.microsoft.com/office/drawing/2010/main" val="0"/>
               </a:ext>
               <a:ext uri="{96DAC541-7B7A-43D3-8B79-37D633B846F1}">
-                <asvg:svgBlip xmlns:asvg="http://schemas.microsoft.com/office/drawing/2016/SVG/main" r:embed="rId12"/>
+                <asvg:svgBlip xmlns:asvg="http://schemas.microsoft.com/office/drawing/2016/SVG/main" xmlns="" r:embed="rId12"/>
               </a:ext>
             </a:extLst>
           </a:blip>
@@ -17217,13 +17519,13 @@
           <p:nvPr/>
         </p:nvPicPr>
         <p:blipFill>
-          <a:blip r:embed="rId11">
+          <a:blip r:embed="rId11" cstate="hqprint">
             <a:extLst>
               <a:ext uri="{28A0092B-C50C-407E-A947-70E740481C1C}">
                 <a14:useLocalDpi xmlns:a14="http://schemas.microsoft.com/office/drawing/2010/main" val="0"/>
               </a:ext>
               <a:ext uri="{96DAC541-7B7A-43D3-8B79-37D633B846F1}">
-                <asvg:svgBlip xmlns:asvg="http://schemas.microsoft.com/office/drawing/2016/SVG/main" r:embed="rId12"/>
+                <asvg:svgBlip xmlns:asvg="http://schemas.microsoft.com/office/drawing/2016/SVG/main" xmlns="" r:embed="rId12"/>
               </a:ext>
             </a:extLst>
           </a:blip>
@@ -17296,7 +17598,7 @@
           </p:nvPr>
         </p:nvPicPr>
         <p:blipFill>
-          <a:blip r:embed="rId13">
+          <a:blip r:embed="rId13" cstate="hqprint">
             <a:extLst>
               <a:ext uri="{28A0092B-C50C-407E-A947-70E740481C1C}">
                 <a14:useLocalDpi xmlns:a14="http://schemas.microsoft.com/office/drawing/2010/main" val="0"/>
@@ -17631,13 +17933,13 @@
           <p:nvPr/>
         </p:nvPicPr>
         <p:blipFill>
-          <a:blip r:embed="rId8">
+          <a:blip r:embed="rId8" cstate="hqprint">
             <a:extLst>
               <a:ext uri="{28A0092B-C50C-407E-A947-70E740481C1C}">
                 <a14:useLocalDpi xmlns:a14="http://schemas.microsoft.com/office/drawing/2010/main" val="0"/>
               </a:ext>
               <a:ext uri="{96DAC541-7B7A-43D3-8B79-37D633B846F1}">
-                <asvg:svgBlip xmlns:asvg="http://schemas.microsoft.com/office/drawing/2016/SVG/main" r:embed="rId9"/>
+                <asvg:svgBlip xmlns:asvg="http://schemas.microsoft.com/office/drawing/2016/SVG/main" xmlns="" r:embed="rId9"/>
               </a:ext>
             </a:extLst>
           </a:blip>
@@ -17848,7 +18150,7 @@
           </p:nvPr>
         </p:nvPicPr>
         <p:blipFill>
-          <a:blip r:embed="rId24">
+          <a:blip r:embed="rId24" cstate="hqprint">
             <a:extLst>
               <a:ext uri="{28A0092B-C50C-407E-A947-70E740481C1C}">
                 <a14:useLocalDpi xmlns:a14="http://schemas.microsoft.com/office/drawing/2010/main" val="0"/>
@@ -17928,8 +18230,8 @@
           </a:p>
         </p:txBody>
       </p:sp>
-      <mc:AlternateContent xmlns:mc="http://schemas.openxmlformats.org/markup-compatibility/2006">
-        <mc:Choice xmlns:a14="http://schemas.microsoft.com/office/drawing/2010/main" Requires="a14">
+      <mc:AlternateContent xmlns:mc="http://schemas.openxmlformats.org/markup-compatibility/2006" xmlns:a14="http://schemas.microsoft.com/office/drawing/2010/main">
+        <mc:Choice Requires="a14">
           <p:sp>
             <p:nvSpPr>
               <p:cNvPr id="3" name="內容版面配置區 2">
@@ -18115,7 +18417,7 @@
             </p:txBody>
           </p:sp>
         </mc:Choice>
-        <mc:Fallback>
+        <mc:Fallback xmlns="">
           <p:sp>
             <p:nvSpPr>
               <p:cNvPr id="3" name="內容版面配置區 2">
@@ -18178,7 +18480,7 @@
           </p:nvPr>
         </p:nvPicPr>
         <p:blipFill>
-          <a:blip r:embed="rId5">
+          <a:blip r:embed="rId5" cstate="hqprint">
             <a:extLst>
               <a:ext uri="{28A0092B-C50C-407E-A947-70E740481C1C}">
                 <a14:useLocalDpi xmlns:a14="http://schemas.microsoft.com/office/drawing/2010/main" val="0"/>
@@ -18218,7 +18520,7 @@
           </p:nvPr>
         </p:nvPicPr>
         <p:blipFill>
-          <a:blip r:embed="rId6">
+          <a:blip r:embed="rId6" cstate="hqprint">
             <a:extLst>
               <a:ext uri="{28A0092B-C50C-407E-A947-70E740481C1C}">
                 <a14:useLocalDpi xmlns:a14="http://schemas.microsoft.com/office/drawing/2010/main" val="0"/>
@@ -18461,7 +18763,7 @@
           </p:nvPr>
         </p:nvPicPr>
         <p:blipFill>
-          <a:blip r:embed="rId3">
+          <a:blip r:embed="rId3" cstate="hqprint">
             <a:extLst>
               <a:ext uri="{28A0092B-C50C-407E-A947-70E740481C1C}">
                 <a14:useLocalDpi xmlns:a14="http://schemas.microsoft.com/office/drawing/2010/main" val="0"/>
@@ -18565,13 +18867,13 @@
           <p:nvPr/>
         </p:nvPicPr>
         <p:blipFill>
-          <a:blip r:embed="rId11">
+          <a:blip r:embed="rId11" cstate="hqprint">
             <a:extLst>
               <a:ext uri="{28A0092B-C50C-407E-A947-70E740481C1C}">
                 <a14:useLocalDpi xmlns:a14="http://schemas.microsoft.com/office/drawing/2010/main" val="0"/>
               </a:ext>
               <a:ext uri="{96DAC541-7B7A-43D3-8B79-37D633B846F1}">
-                <asvg:svgBlip xmlns:asvg="http://schemas.microsoft.com/office/drawing/2016/SVG/main" r:embed="rId12"/>
+                <asvg:svgBlip xmlns:asvg="http://schemas.microsoft.com/office/drawing/2016/SVG/main" xmlns="" r:embed="rId12"/>
               </a:ext>
             </a:extLst>
           </a:blip>
@@ -18888,7 +19190,7 @@
           </p:nvPr>
         </p:nvPicPr>
         <p:blipFill>
-          <a:blip r:embed="rId13">
+          <a:blip r:embed="rId13" cstate="hqprint">
             <a:extLst>
               <a:ext uri="{28A0092B-C50C-407E-A947-70E740481C1C}">
                 <a14:useLocalDpi xmlns:a14="http://schemas.microsoft.com/office/drawing/2010/main" val="0"/>
@@ -18924,13 +19226,13 @@
           <p:nvPr/>
         </p:nvPicPr>
         <p:blipFill>
-          <a:blip r:embed="rId14">
+          <a:blip r:embed="rId14" cstate="hqprint">
             <a:extLst>
               <a:ext uri="{28A0092B-C50C-407E-A947-70E740481C1C}">
                 <a14:useLocalDpi xmlns:a14="http://schemas.microsoft.com/office/drawing/2010/main" val="0"/>
               </a:ext>
               <a:ext uri="{96DAC541-7B7A-43D3-8B79-37D633B846F1}">
-                <asvg:svgBlip xmlns:asvg="http://schemas.microsoft.com/office/drawing/2016/SVG/main" r:embed="rId15"/>
+                <asvg:svgBlip xmlns:asvg="http://schemas.microsoft.com/office/drawing/2016/SVG/main" xmlns="" r:embed="rId15"/>
               </a:ext>
             </a:extLst>
           </a:blip>
@@ -18963,13 +19265,13 @@
           <p:nvPr/>
         </p:nvPicPr>
         <p:blipFill>
-          <a:blip r:embed="rId14">
+          <a:blip r:embed="rId14" cstate="hqprint">
             <a:extLst>
               <a:ext uri="{28A0092B-C50C-407E-A947-70E740481C1C}">
                 <a14:useLocalDpi xmlns:a14="http://schemas.microsoft.com/office/drawing/2010/main" val="0"/>
               </a:ext>
               <a:ext uri="{96DAC541-7B7A-43D3-8B79-37D633B846F1}">
-                <asvg:svgBlip xmlns:asvg="http://schemas.microsoft.com/office/drawing/2016/SVG/main" r:embed="rId15"/>
+                <asvg:svgBlip xmlns:asvg="http://schemas.microsoft.com/office/drawing/2016/SVG/main" xmlns="" r:embed="rId15"/>
               </a:ext>
             </a:extLst>
           </a:blip>
@@ -19002,13 +19304,13 @@
           <p:nvPr/>
         </p:nvPicPr>
         <p:blipFill>
-          <a:blip r:embed="rId14">
+          <a:blip r:embed="rId14" cstate="hqprint">
             <a:extLst>
               <a:ext uri="{28A0092B-C50C-407E-A947-70E740481C1C}">
                 <a14:useLocalDpi xmlns:a14="http://schemas.microsoft.com/office/drawing/2010/main" val="0"/>
               </a:ext>
               <a:ext uri="{96DAC541-7B7A-43D3-8B79-37D633B846F1}">
-                <asvg:svgBlip xmlns:asvg="http://schemas.microsoft.com/office/drawing/2016/SVG/main" r:embed="rId15"/>
+                <asvg:svgBlip xmlns:asvg="http://schemas.microsoft.com/office/drawing/2016/SVG/main" xmlns="" r:embed="rId15"/>
               </a:ext>
             </a:extLst>
           </a:blip>
@@ -19041,13 +19343,13 @@
           <p:nvPr/>
         </p:nvPicPr>
         <p:blipFill>
-          <a:blip r:embed="rId14">
+          <a:blip r:embed="rId14" cstate="hqprint">
             <a:extLst>
               <a:ext uri="{28A0092B-C50C-407E-A947-70E740481C1C}">
                 <a14:useLocalDpi xmlns:a14="http://schemas.microsoft.com/office/drawing/2010/main" val="0"/>
               </a:ext>
               <a:ext uri="{96DAC541-7B7A-43D3-8B79-37D633B846F1}">
-                <asvg:svgBlip xmlns:asvg="http://schemas.microsoft.com/office/drawing/2016/SVG/main" r:embed="rId15"/>
+                <asvg:svgBlip xmlns:asvg="http://schemas.microsoft.com/office/drawing/2016/SVG/main" xmlns="" r:embed="rId15"/>
               </a:ext>
             </a:extLst>
           </a:blip>
@@ -19120,7 +19422,7 @@
           </p:nvPr>
         </p:nvPicPr>
         <p:blipFill>
-          <a:blip r:embed="rId16">
+          <a:blip r:embed="rId16" cstate="hqprint">
             <a:extLst>
               <a:ext uri="{28A0092B-C50C-407E-A947-70E740481C1C}">
                 <a14:useLocalDpi xmlns:a14="http://schemas.microsoft.com/office/drawing/2010/main" val="0"/>
@@ -19199,7 +19501,7 @@
           </p:nvPr>
         </p:nvPicPr>
         <p:blipFill>
-          <a:blip r:embed="rId17">
+          <a:blip r:embed="rId17" cstate="hqprint">
             <a:extLst>
               <a:ext uri="{28A0092B-C50C-407E-A947-70E740481C1C}">
                 <a14:useLocalDpi xmlns:a14="http://schemas.microsoft.com/office/drawing/2010/main" val="0"/>
@@ -19280,7 +19582,7 @@
           </p:nvPr>
         </p:nvPicPr>
         <p:blipFill>
-          <a:blip r:embed="rId18">
+          <a:blip r:embed="rId18" cstate="hqprint">
             <a:extLst>
               <a:ext uri="{28A0092B-C50C-407E-A947-70E740481C1C}">
                 <a14:useLocalDpi xmlns:a14="http://schemas.microsoft.com/office/drawing/2010/main" val="0"/>
@@ -19301,8 +19603,8 @@
           </a:prstGeom>
         </p:spPr>
       </p:pic>
-      <mc:AlternateContent xmlns:mc="http://schemas.openxmlformats.org/markup-compatibility/2006">
-        <mc:Choice xmlns:a14="http://schemas.microsoft.com/office/drawing/2010/main" Requires="a14">
+      <mc:AlternateContent xmlns:mc="http://schemas.openxmlformats.org/markup-compatibility/2006" xmlns:a14="http://schemas.microsoft.com/office/drawing/2010/main">
+        <mc:Choice Requires="a14">
           <p:graphicFrame>
             <p:nvGraphicFramePr>
               <p:cNvPr id="70" name="表格 69">
@@ -19411,6 +19713,7 @@
                         <a:bodyPr/>
                         <a:lstStyle/>
                         <a:p>
+                          <a:pPr/>
                           <a14:m>
                             <m:oMathPara xmlns:m="http://schemas.openxmlformats.org/officeDocument/2006/math">
                               <m:oMathParaPr>
@@ -19527,7 +19830,7 @@
             </a:graphic>
           </p:graphicFrame>
         </mc:Choice>
-        <mc:Fallback>
+        <mc:Fallback xmlns="">
           <p:graphicFrame>
             <p:nvGraphicFramePr>
               <p:cNvPr id="70" name="表格 69">
@@ -19696,8 +19999,8 @@
           </p:graphicFrame>
         </mc:Fallback>
       </mc:AlternateContent>
-      <mc:AlternateContent xmlns:mc="http://schemas.openxmlformats.org/markup-compatibility/2006">
-        <mc:Choice xmlns:a14="http://schemas.microsoft.com/office/drawing/2010/main" Requires="a14">
+      <mc:AlternateContent xmlns:mc="http://schemas.openxmlformats.org/markup-compatibility/2006" xmlns:a14="http://schemas.microsoft.com/office/drawing/2010/main">
+        <mc:Choice Requires="a14">
           <p:graphicFrame>
             <p:nvGraphicFramePr>
               <p:cNvPr id="75" name="表格 74">
@@ -19806,6 +20109,7 @@
                         <a:bodyPr/>
                         <a:lstStyle/>
                         <a:p>
+                          <a:pPr/>
                           <a14:m>
                             <m:oMathPara xmlns:m="http://schemas.openxmlformats.org/officeDocument/2006/math">
                               <m:oMathParaPr>
@@ -19920,7 +20224,7 @@
             </a:graphic>
           </p:graphicFrame>
         </mc:Choice>
-        <mc:Fallback>
+        <mc:Fallback xmlns="">
           <p:graphicFrame>
             <p:nvGraphicFramePr>
               <p:cNvPr id="75" name="表格 74">
@@ -20081,8 +20385,8 @@
           </p:graphicFrame>
         </mc:Fallback>
       </mc:AlternateContent>
-      <mc:AlternateContent xmlns:mc="http://schemas.openxmlformats.org/markup-compatibility/2006">
-        <mc:Choice xmlns:a14="http://schemas.microsoft.com/office/drawing/2010/main" Requires="a14">
+      <mc:AlternateContent xmlns:mc="http://schemas.openxmlformats.org/markup-compatibility/2006" xmlns:a14="http://schemas.microsoft.com/office/drawing/2010/main">
+        <mc:Choice Requires="a14">
           <p:graphicFrame>
             <p:nvGraphicFramePr>
               <p:cNvPr id="76" name="表格 75">
@@ -20191,6 +20495,7 @@
                         <a:bodyPr/>
                         <a:lstStyle/>
                         <a:p>
+                          <a:pPr/>
                           <a14:m>
                             <m:oMathPara xmlns:m="http://schemas.openxmlformats.org/officeDocument/2006/math">
                               <m:oMathParaPr>
@@ -20307,7 +20612,7 @@
             </a:graphic>
           </p:graphicFrame>
         </mc:Choice>
-        <mc:Fallback>
+        <mc:Fallback xmlns="">
           <p:graphicFrame>
             <p:nvGraphicFramePr>
               <p:cNvPr id="76" name="表格 75">
@@ -20476,8 +20781,8 @@
           </p:graphicFrame>
         </mc:Fallback>
       </mc:AlternateContent>
-      <mc:AlternateContent xmlns:mc="http://schemas.openxmlformats.org/markup-compatibility/2006">
-        <mc:Choice xmlns:a14="http://schemas.microsoft.com/office/drawing/2010/main" Requires="a14">
+      <mc:AlternateContent xmlns:mc="http://schemas.openxmlformats.org/markup-compatibility/2006" xmlns:a14="http://schemas.microsoft.com/office/drawing/2010/main">
+        <mc:Choice Requires="a14">
           <p:graphicFrame>
             <p:nvGraphicFramePr>
               <p:cNvPr id="77" name="表格 76">
@@ -20586,6 +20891,7 @@
                         <a:bodyPr/>
                         <a:lstStyle/>
                         <a:p>
+                          <a:pPr/>
                           <a14:m>
                             <m:oMathPara xmlns:m="http://schemas.openxmlformats.org/officeDocument/2006/math">
                               <m:oMathParaPr>
@@ -20694,7 +21000,7 @@
             </a:graphic>
           </p:graphicFrame>
         </mc:Choice>
-        <mc:Fallback>
+        <mc:Fallback xmlns="">
           <p:graphicFrame>
             <p:nvGraphicFramePr>
               <p:cNvPr id="77" name="表格 76">
@@ -21164,8 +21470,8 @@
           </a:p>
         </p:txBody>
       </p:sp>
-      <mc:AlternateContent xmlns:mc="http://schemas.openxmlformats.org/markup-compatibility/2006">
-        <mc:Choice xmlns:a14="http://schemas.microsoft.com/office/drawing/2010/main" Requires="a14">
+      <mc:AlternateContent xmlns:mc="http://schemas.openxmlformats.org/markup-compatibility/2006" xmlns:a14="http://schemas.microsoft.com/office/drawing/2010/main">
+        <mc:Choice Requires="a14">
           <p:graphicFrame>
             <p:nvGraphicFramePr>
               <p:cNvPr id="79" name="表格 78">
@@ -21274,6 +21580,7 @@
                         <a:bodyPr/>
                         <a:lstStyle/>
                         <a:p>
+                          <a:pPr/>
                           <a14:m>
                             <m:oMathPara xmlns:m="http://schemas.openxmlformats.org/officeDocument/2006/math">
                               <m:oMathParaPr>
@@ -21382,7 +21689,7 @@
             </a:graphic>
           </p:graphicFrame>
         </mc:Choice>
-        <mc:Fallback>
+        <mc:Fallback xmlns="">
           <p:graphicFrame>
             <p:nvGraphicFramePr>
               <p:cNvPr id="79" name="表格 78">
@@ -21543,8 +21850,8 @@
           </p:graphicFrame>
         </mc:Fallback>
       </mc:AlternateContent>
-      <mc:AlternateContent xmlns:mc="http://schemas.openxmlformats.org/markup-compatibility/2006">
-        <mc:Choice xmlns:a14="http://schemas.microsoft.com/office/drawing/2010/main" Requires="a14">
+      <mc:AlternateContent xmlns:mc="http://schemas.openxmlformats.org/markup-compatibility/2006" xmlns:a14="http://schemas.microsoft.com/office/drawing/2010/main">
+        <mc:Choice Requires="a14">
           <p:graphicFrame>
             <p:nvGraphicFramePr>
               <p:cNvPr id="81" name="表格 80">
@@ -21653,6 +21960,7 @@
                         <a:bodyPr/>
                         <a:lstStyle/>
                         <a:p>
+                          <a:pPr/>
                           <a14:m>
                             <m:oMathPara xmlns:m="http://schemas.openxmlformats.org/officeDocument/2006/math">
                               <m:oMathParaPr>
@@ -21761,7 +22069,7 @@
             </a:graphic>
           </p:graphicFrame>
         </mc:Choice>
-        <mc:Fallback>
+        <mc:Fallback xmlns="">
           <p:graphicFrame>
             <p:nvGraphicFramePr>
               <p:cNvPr id="81" name="表格 80">
@@ -21922,8 +22230,8 @@
           </p:graphicFrame>
         </mc:Fallback>
       </mc:AlternateContent>
-      <mc:AlternateContent xmlns:mc="http://schemas.openxmlformats.org/markup-compatibility/2006">
-        <mc:Choice xmlns:a14="http://schemas.microsoft.com/office/drawing/2010/main" Requires="a14">
+      <mc:AlternateContent xmlns:mc="http://schemas.openxmlformats.org/markup-compatibility/2006" xmlns:a14="http://schemas.microsoft.com/office/drawing/2010/main">
+        <mc:Choice Requires="a14">
           <p:graphicFrame>
             <p:nvGraphicFramePr>
               <p:cNvPr id="82" name="表格 81">
@@ -22032,6 +22340,7 @@
                         <a:bodyPr/>
                         <a:lstStyle/>
                         <a:p>
+                          <a:pPr/>
                           <a14:m>
                             <m:oMathPara xmlns:m="http://schemas.openxmlformats.org/officeDocument/2006/math">
                               <m:oMathParaPr>
@@ -22148,7 +22457,7 @@
             </a:graphic>
           </p:graphicFrame>
         </mc:Choice>
-        <mc:Fallback>
+        <mc:Fallback xmlns="">
           <p:graphicFrame>
             <p:nvGraphicFramePr>
               <p:cNvPr id="82" name="表格 81">
@@ -22317,8 +22626,8 @@
           </p:graphicFrame>
         </mc:Fallback>
       </mc:AlternateContent>
-      <mc:AlternateContent xmlns:mc="http://schemas.openxmlformats.org/markup-compatibility/2006">
-        <mc:Choice xmlns:a14="http://schemas.microsoft.com/office/drawing/2010/main" Requires="a14">
+      <mc:AlternateContent xmlns:mc="http://schemas.openxmlformats.org/markup-compatibility/2006" xmlns:a14="http://schemas.microsoft.com/office/drawing/2010/main">
+        <mc:Choice Requires="a14">
           <p:graphicFrame>
             <p:nvGraphicFramePr>
               <p:cNvPr id="83" name="表格 82">
@@ -22427,6 +22736,7 @@
                         <a:bodyPr/>
                         <a:lstStyle/>
                         <a:p>
+                          <a:pPr/>
                           <a14:m>
                             <m:oMathPara xmlns:m="http://schemas.openxmlformats.org/officeDocument/2006/math">
                               <m:oMathParaPr>
@@ -22535,7 +22845,7 @@
             </a:graphic>
           </p:graphicFrame>
         </mc:Choice>
-        <mc:Fallback>
+        <mc:Fallback xmlns="">
           <p:graphicFrame>
             <p:nvGraphicFramePr>
               <p:cNvPr id="83" name="表格 82">
@@ -22711,13 +23021,13 @@
           <p:nvPr/>
         </p:nvPicPr>
         <p:blipFill>
-          <a:blip r:embed="rId11">
+          <a:blip r:embed="rId11" cstate="hqprint">
             <a:extLst>
               <a:ext uri="{28A0092B-C50C-407E-A947-70E740481C1C}">
                 <a14:useLocalDpi xmlns:a14="http://schemas.microsoft.com/office/drawing/2010/main" val="0"/>
               </a:ext>
               <a:ext uri="{96DAC541-7B7A-43D3-8B79-37D633B846F1}">
-                <asvg:svgBlip xmlns:asvg="http://schemas.microsoft.com/office/drawing/2016/SVG/main" r:embed="rId12"/>
+                <asvg:svgBlip xmlns:asvg="http://schemas.microsoft.com/office/drawing/2016/SVG/main" xmlns="" r:embed="rId12"/>
               </a:ext>
             </a:extLst>
           </a:blip>
@@ -22750,13 +23060,13 @@
           <p:nvPr/>
         </p:nvPicPr>
         <p:blipFill>
-          <a:blip r:embed="rId14">
+          <a:blip r:embed="rId14" cstate="hqprint">
             <a:extLst>
               <a:ext uri="{28A0092B-C50C-407E-A947-70E740481C1C}">
                 <a14:useLocalDpi xmlns:a14="http://schemas.microsoft.com/office/drawing/2010/main" val="0"/>
               </a:ext>
               <a:ext uri="{96DAC541-7B7A-43D3-8B79-37D633B846F1}">
-                <asvg:svgBlip xmlns:asvg="http://schemas.microsoft.com/office/drawing/2016/SVG/main" r:embed="rId15"/>
+                <asvg:svgBlip xmlns:asvg="http://schemas.microsoft.com/office/drawing/2016/SVG/main" xmlns="" r:embed="rId15"/>
               </a:ext>
             </a:extLst>
           </a:blip>
@@ -22789,13 +23099,13 @@
           <p:nvPr/>
         </p:nvPicPr>
         <p:blipFill>
-          <a:blip r:embed="rId14">
+          <a:blip r:embed="rId14" cstate="hqprint">
             <a:extLst>
               <a:ext uri="{28A0092B-C50C-407E-A947-70E740481C1C}">
                 <a14:useLocalDpi xmlns:a14="http://schemas.microsoft.com/office/drawing/2010/main" val="0"/>
               </a:ext>
               <a:ext uri="{96DAC541-7B7A-43D3-8B79-37D633B846F1}">
-                <asvg:svgBlip xmlns:asvg="http://schemas.microsoft.com/office/drawing/2016/SVG/main" r:embed="rId15"/>
+                <asvg:svgBlip xmlns:asvg="http://schemas.microsoft.com/office/drawing/2016/SVG/main" xmlns="" r:embed="rId15"/>
               </a:ext>
             </a:extLst>
           </a:blip>
@@ -22828,13 +23138,13 @@
           <p:nvPr/>
         </p:nvPicPr>
         <p:blipFill>
-          <a:blip r:embed="rId14">
+          <a:blip r:embed="rId14" cstate="hqprint">
             <a:extLst>
               <a:ext uri="{28A0092B-C50C-407E-A947-70E740481C1C}">
                 <a14:useLocalDpi xmlns:a14="http://schemas.microsoft.com/office/drawing/2010/main" val="0"/>
               </a:ext>
               <a:ext uri="{96DAC541-7B7A-43D3-8B79-37D633B846F1}">
-                <asvg:svgBlip xmlns:asvg="http://schemas.microsoft.com/office/drawing/2016/SVG/main" r:embed="rId15"/>
+                <asvg:svgBlip xmlns:asvg="http://schemas.microsoft.com/office/drawing/2016/SVG/main" xmlns="" r:embed="rId15"/>
               </a:ext>
             </a:extLst>
           </a:blip>
@@ -22867,13 +23177,13 @@
           <p:nvPr/>
         </p:nvPicPr>
         <p:blipFill>
-          <a:blip r:embed="rId14">
+          <a:blip r:embed="rId14" cstate="hqprint">
             <a:extLst>
               <a:ext uri="{28A0092B-C50C-407E-A947-70E740481C1C}">
                 <a14:useLocalDpi xmlns:a14="http://schemas.microsoft.com/office/drawing/2010/main" val="0"/>
               </a:ext>
               <a:ext uri="{96DAC541-7B7A-43D3-8B79-37D633B846F1}">
-                <asvg:svgBlip xmlns:asvg="http://schemas.microsoft.com/office/drawing/2016/SVG/main" r:embed="rId15"/>
+                <asvg:svgBlip xmlns:asvg="http://schemas.microsoft.com/office/drawing/2016/SVG/main" xmlns="" r:embed="rId15"/>
               </a:ext>
             </a:extLst>
           </a:blip>
@@ -22946,7 +23256,7 @@
           </p:nvPr>
         </p:nvPicPr>
         <p:blipFill>
-          <a:blip r:embed="rId16">
+          <a:blip r:embed="rId16" cstate="hqprint">
             <a:extLst>
               <a:ext uri="{28A0092B-C50C-407E-A947-70E740481C1C}">
                 <a14:useLocalDpi xmlns:a14="http://schemas.microsoft.com/office/drawing/2010/main" val="0"/>
@@ -23195,7 +23505,7 @@
           </p:nvPr>
         </p:nvPicPr>
         <p:blipFill>
-          <a:blip r:embed="rId27">
+          <a:blip r:embed="rId27" cstate="hqprint">
             <a:extLst>
               <a:ext uri="{28A0092B-C50C-407E-A947-70E740481C1C}">
                 <a14:useLocalDpi xmlns:a14="http://schemas.microsoft.com/office/drawing/2010/main" val="0"/>
@@ -23296,7 +23606,7 @@
           </p:nvPr>
         </p:nvPicPr>
         <p:blipFill>
-          <a:blip r:embed="rId28">
+          <a:blip r:embed="rId28" cstate="hqprint">
             <a:extLst>
               <a:ext uri="{28A0092B-C50C-407E-A947-70E740481C1C}">
                 <a14:useLocalDpi xmlns:a14="http://schemas.microsoft.com/office/drawing/2010/main" val="0"/>
@@ -23384,7 +23694,7 @@
           </p:nvPr>
         </p:nvPicPr>
         <p:blipFill>
-          <a:blip r:embed="rId29">
+          <a:blip r:embed="rId29" cstate="hqprint">
             <a:extLst>
               <a:ext uri="{28A0092B-C50C-407E-A947-70E740481C1C}">
                 <a14:useLocalDpi xmlns:a14="http://schemas.microsoft.com/office/drawing/2010/main" val="0"/>
@@ -23611,7 +23921,7 @@
           </p:nvPr>
         </p:nvPicPr>
         <p:blipFill>
-          <a:blip r:embed="rId30">
+          <a:blip r:embed="rId30" cstate="hqprint">
             <a:extLst>
               <a:ext uri="{28A0092B-C50C-407E-A947-70E740481C1C}">
                 <a14:useLocalDpi xmlns:a14="http://schemas.microsoft.com/office/drawing/2010/main" val="0"/>
@@ -25360,7 +25670,7 @@
           </p:nvPr>
         </p:nvPicPr>
         <p:blipFill>
-          <a:blip r:embed="rId4">
+          <a:blip r:embed="rId4" cstate="hqprint">
             <a:extLst>
               <a:ext uri="{28A0092B-C50C-407E-A947-70E740481C1C}">
                 <a14:useLocalDpi xmlns:a14="http://schemas.microsoft.com/office/drawing/2010/main" val="0"/>
@@ -25466,7 +25776,7 @@
           </p:nvPr>
         </p:nvPicPr>
         <p:blipFill>
-          <a:blip r:embed="rId7">
+          <a:blip r:embed="rId7" cstate="hqprint">
             <a:extLst>
               <a:ext uri="{28A0092B-C50C-407E-A947-70E740481C1C}">
                 <a14:useLocalDpi xmlns:a14="http://schemas.microsoft.com/office/drawing/2010/main" val="0"/>
@@ -25675,6 +25985,29 @@
           <a:chExt cx="0" cy="0"/>
         </a:xfrm>
       </p:grpSpPr>
+      <p:pic>
+        <p:nvPicPr>
+          <p:cNvPr id="7" name="圖片 6"/>
+          <p:cNvPicPr>
+            <a:picLocks noChangeAspect="1"/>
+          </p:cNvPicPr>
+          <p:nvPr/>
+        </p:nvPicPr>
+        <p:blipFill rotWithShape="1">
+          <a:blip r:embed="rId3"/>
+          <a:srcRect l="736" t="4954" r="5738" b="34"/>
+          <a:stretch/>
+        </p:blipFill>
+        <p:spPr>
+          <a:xfrm>
+            <a:off x="8475848" y="2981640"/>
+            <a:ext cx="538944" cy="278396"/>
+          </a:xfrm>
+          <a:prstGeom prst="rect">
+            <a:avLst/>
+          </a:prstGeom>
+        </p:spPr>
+      </p:pic>
       <p:sp>
         <p:nvSpPr>
           <p:cNvPr id="2" name="標題 1">
@@ -25711,43 +26044,167 @@
           </a:p>
         </p:txBody>
       </p:sp>
-      <p:sp>
-        <p:nvSpPr>
-          <p:cNvPr id="3" name="內容版面配置區 2">
-            <a:extLst>
-              <a:ext uri="{FF2B5EF4-FFF2-40B4-BE49-F238E27FC236}">
-                <a16:creationId xmlns:a16="http://schemas.microsoft.com/office/drawing/2014/main" id="{6180C39A-F52D-4B70-8799-BA66C283172D}"/>
-              </a:ext>
-            </a:extLst>
-          </p:cNvPr>
-          <p:cNvSpPr>
-            <a:spLocks noGrp="1"/>
-          </p:cNvSpPr>
-          <p:nvPr>
-            <p:ph idx="1"/>
-          </p:nvPr>
-        </p:nvSpPr>
-        <p:spPr/>
-        <p:txBody>
-          <a:bodyPr/>
-          <a:lstStyle/>
-          <a:p>
-            <a:r>
-              <a:rPr lang="en-US" altLang="zh-TW" dirty="0"/>
-              <a:t>Assume the detection is coherent, and the modulation is QPSK.</a:t>
-            </a:r>
-          </a:p>
-          <a:p>
-            <a:r>
-              <a:rPr lang="en-US" altLang="zh-TW" dirty="0"/>
-              <a:t>The bit error rate should be</a:t>
-            </a:r>
-          </a:p>
-          <a:p>
-            <a:endParaRPr lang="zh-TW" altLang="en-US" dirty="0"/>
-          </a:p>
-        </p:txBody>
-      </p:sp>
+      <mc:AlternateContent xmlns:mc="http://schemas.openxmlformats.org/markup-compatibility/2006">
+        <mc:Choice xmlns:a14="http://schemas.microsoft.com/office/drawing/2010/main" Requires="a14">
+          <p:sp>
+            <p:nvSpPr>
+              <p:cNvPr id="3" name="內容版面配置區 2">
+                <a:extLst>
+                  <a:ext uri="{FF2B5EF4-FFF2-40B4-BE49-F238E27FC236}">
+                    <a16:creationId xmlns:a16="http://schemas.microsoft.com/office/drawing/2014/main" id="{6180C39A-F52D-4B70-8799-BA66C283172D}"/>
+                  </a:ext>
+                </a:extLst>
+              </p:cNvPr>
+              <p:cNvSpPr>
+                <a:spLocks noGrp="1"/>
+              </p:cNvSpPr>
+              <p:nvPr>
+                <p:ph idx="1"/>
+              </p:nvPr>
+            </p:nvSpPr>
+            <p:spPr/>
+            <p:txBody>
+              <a:bodyPr/>
+              <a:lstStyle/>
+              <a:p>
+                <a:r>
+                  <a:rPr lang="en-US" altLang="zh-TW" dirty="0" smtClean="0"/>
+                  <a:t>Assume the detection is coherent, and the modulation is QPSK.</a:t>
+                </a:r>
+              </a:p>
+              <a:p>
+                <a:r>
+                  <a:rPr lang="en-US" altLang="zh-TW" dirty="0"/>
+                  <a:t>The bit error rate should </a:t>
+                </a:r>
+                <a:r>
+                  <a:rPr lang="en-US" altLang="zh-TW" dirty="0" smtClean="0"/>
+                  <a:t>be</a:t>
+                </a:r>
+              </a:p>
+              <a:p>
+                <a:r>
+                  <a:rPr lang="en-US" altLang="zh-TW" dirty="0" smtClean="0"/>
+                  <a:t>Assume the data is encoded with an </a:t>
+                </a:r>
+                <a14:m>
+                  <m:oMath xmlns:m="http://schemas.openxmlformats.org/officeDocument/2006/math">
+                    <m:d>
+                      <m:dPr>
+                        <m:ctrlPr>
+                          <a:rPr lang="en-US" altLang="zh-TW" i="1" smtClean="0">
+                            <a:latin typeface="Cambria Math" panose="02040503050406030204" pitchFamily="18" charset="0"/>
+                          </a:rPr>
+                        </m:ctrlPr>
+                      </m:dPr>
+                      <m:e>
+                        <m:r>
+                          <a:rPr lang="en-US" altLang="zh-TW" b="0" i="1" smtClean="0">
+                            <a:latin typeface="Cambria Math" panose="02040503050406030204" pitchFamily="18" charset="0"/>
+                          </a:rPr>
+                          <m:t>𝑛</m:t>
+                        </m:r>
+                        <m:r>
+                          <a:rPr lang="en-US" altLang="zh-TW" b="0" i="1" smtClean="0">
+                            <a:latin typeface="Cambria Math" panose="02040503050406030204" pitchFamily="18" charset="0"/>
+                          </a:rPr>
+                          <m:t>,</m:t>
+                        </m:r>
+                        <m:r>
+                          <a:rPr lang="en-US" altLang="zh-TW" b="0" i="1" smtClean="0">
+                            <a:latin typeface="Cambria Math" panose="02040503050406030204" pitchFamily="18" charset="0"/>
+                          </a:rPr>
+                          <m:t>𝑘</m:t>
+                        </m:r>
+                      </m:e>
+                    </m:d>
+                  </m:oMath>
+                </a14:m>
+                <a:r>
+                  <a:rPr lang="en-US" altLang="zh-TW" dirty="0" smtClean="0"/>
+                  <a:t> code with minimum distance </a:t>
+                </a:r>
+                <a:endParaRPr lang="en-US" altLang="zh-TW" dirty="0"/>
+              </a:p>
+              <a:p>
+                <a:pPr lvl="1"/>
+                <a:r>
+                  <a:rPr lang="en-US" altLang="zh-TW" dirty="0" smtClean="0"/>
+                  <a:t>We consider the diversity to be </a:t>
+                </a:r>
+              </a:p>
+              <a:p>
+                <a:r>
+                  <a:rPr lang="en-US" altLang="zh-TW" dirty="0" smtClean="0"/>
+                  <a:t>Therefore, the pairwise error probability should be as follows:</a:t>
+                </a:r>
+              </a:p>
+              <a:p>
+                <a:endParaRPr lang="en-US" altLang="zh-TW" dirty="0"/>
+              </a:p>
+              <a:p>
+                <a:endParaRPr lang="en-US" altLang="zh-TW" dirty="0" smtClean="0"/>
+              </a:p>
+              <a:p>
+                <a:endParaRPr lang="en-US" altLang="zh-TW" dirty="0"/>
+              </a:p>
+              <a:p>
+                <a:r>
+                  <a:rPr lang="en-US" altLang="zh-TW" dirty="0" smtClean="0"/>
+                  <a:t>We can thus derive the union bound for </a:t>
+                </a:r>
+                <a:r>
+                  <a:rPr lang="en-US" altLang="zh-TW" dirty="0" err="1" smtClean="0"/>
+                  <a:t>codeword</a:t>
+                </a:r>
+                <a:r>
+                  <a:rPr lang="en-US" altLang="zh-TW" dirty="0" smtClean="0"/>
+                  <a:t> error rate:</a:t>
+                </a:r>
+              </a:p>
+            </p:txBody>
+          </p:sp>
+        </mc:Choice>
+        <mc:Fallback>
+          <p:sp>
+            <p:nvSpPr>
+              <p:cNvPr id="3" name="內容版面配置區 2">
+                <a:extLst>
+                  <a:ext uri="{FF2B5EF4-FFF2-40B4-BE49-F238E27FC236}">
+                    <a16:creationId xmlns:a16="http://schemas.microsoft.com/office/drawing/2014/main" id="{6180C39A-F52D-4B70-8799-BA66C283172D}"/>
+                  </a:ext>
+                </a:extLst>
+              </p:cNvPr>
+              <p:cNvSpPr>
+                <a:spLocks noGrp="1" noRot="1" noChangeAspect="1" noMove="1" noResize="1" noEditPoints="1" noAdjustHandles="1" noChangeArrowheads="1" noChangeShapeType="1" noTextEdit="1"/>
+              </p:cNvSpPr>
+              <p:nvPr>
+                <p:ph idx="1"/>
+              </p:nvPr>
+            </p:nvSpPr>
+            <p:spPr>
+              <a:blipFill>
+                <a:blip r:embed="rId4"/>
+                <a:stretch>
+                  <a:fillRect l="-142" t="-942"/>
+                </a:stretch>
+              </a:blipFill>
+            </p:spPr>
+            <p:txBody>
+              <a:bodyPr/>
+              <a:lstStyle/>
+              <a:p>
+                <a:r>
+                  <a:rPr lang="zh-TW" altLang="en-US">
+                    <a:noFill/>
+                  </a:rPr>
+                  <a:t> </a:t>
+                </a:r>
+              </a:p>
+            </p:txBody>
+          </p:sp>
+        </mc:Fallback>
+      </mc:AlternateContent>
       <p:pic>
         <p:nvPicPr>
           <p:cNvPr id="4" name="圖片 3">
@@ -25763,14 +26220,14 @@
           <p:nvPr/>
         </p:nvPicPr>
         <p:blipFill>
-          <a:blip r:embed="rId3"/>
+          <a:blip r:embed="rId5"/>
           <a:stretch>
             <a:fillRect/>
           </a:stretch>
         </p:blipFill>
         <p:spPr>
           <a:xfrm>
-            <a:off x="8755082" y="3497924"/>
+            <a:off x="8755082" y="3474427"/>
             <a:ext cx="3436918" cy="3383573"/>
           </a:xfrm>
           <a:prstGeom prst="rect">
@@ -25797,7 +26254,7 @@
           </p:nvPr>
         </p:nvPicPr>
         <p:blipFill>
-          <a:blip r:embed="rId4">
+          <a:blip r:embed="rId6" cstate="hqprint">
             <a:extLst>
               <a:ext uri="{28A0092B-C50C-407E-A947-70E740481C1C}">
                 <a14:useLocalDpi xmlns:a14="http://schemas.microsoft.com/office/drawing/2010/main" val="0"/>
@@ -25810,8 +26267,103 @@
         </p:blipFill>
         <p:spPr>
           <a:xfrm>
-            <a:off x="4165630" y="2549330"/>
+            <a:off x="7184423" y="2405980"/>
             <a:ext cx="1855725" cy="616365"/>
+          </a:xfrm>
+          <a:prstGeom prst="rect">
+            <a:avLst/>
+          </a:prstGeom>
+        </p:spPr>
+      </p:pic>
+      <p:pic>
+        <p:nvPicPr>
+          <p:cNvPr id="5" name="圖片 4"/>
+          <p:cNvPicPr>
+            <a:picLocks noChangeAspect="1"/>
+          </p:cNvPicPr>
+          <p:nvPr/>
+        </p:nvPicPr>
+        <p:blipFill rotWithShape="1">
+          <a:blip r:embed="rId7"/>
+          <a:srcRect t="3346" b="-1"/>
+          <a:stretch/>
+        </p:blipFill>
+        <p:spPr>
+          <a:xfrm>
+            <a:off x="4171072" y="2554357"/>
+            <a:ext cx="2779498" cy="327202"/>
+          </a:xfrm>
+          <a:prstGeom prst="rect">
+            <a:avLst/>
+          </a:prstGeom>
+        </p:spPr>
+      </p:pic>
+      <p:pic>
+        <p:nvPicPr>
+          <p:cNvPr id="9" name="圖片 8"/>
+          <p:cNvPicPr>
+            <a:picLocks noChangeAspect="1"/>
+          </p:cNvPicPr>
+          <p:nvPr/>
+        </p:nvPicPr>
+        <p:blipFill>
+          <a:blip r:embed="rId8"/>
+          <a:stretch>
+            <a:fillRect/>
+          </a:stretch>
+        </p:blipFill>
+        <p:spPr>
+          <a:xfrm>
+            <a:off x="4403178" y="3388170"/>
+            <a:ext cx="1144979" cy="303977"/>
+          </a:xfrm>
+          <a:prstGeom prst="rect">
+            <a:avLst/>
+          </a:prstGeom>
+        </p:spPr>
+      </p:pic>
+      <p:pic>
+        <p:nvPicPr>
+          <p:cNvPr id="11" name="圖片 10"/>
+          <p:cNvPicPr>
+            <a:picLocks noChangeAspect="1"/>
+          </p:cNvPicPr>
+          <p:nvPr/>
+        </p:nvPicPr>
+        <p:blipFill>
+          <a:blip r:embed="rId9"/>
+          <a:stretch>
+            <a:fillRect/>
+          </a:stretch>
+        </p:blipFill>
+        <p:spPr>
+          <a:xfrm>
+            <a:off x="1206930" y="4198758"/>
+            <a:ext cx="7537473" cy="982481"/>
+          </a:xfrm>
+          <a:prstGeom prst="rect">
+            <a:avLst/>
+          </a:prstGeom>
+        </p:spPr>
+      </p:pic>
+      <p:pic>
+        <p:nvPicPr>
+          <p:cNvPr id="12" name="圖片 11"/>
+          <p:cNvPicPr>
+            <a:picLocks noChangeAspect="1"/>
+          </p:cNvPicPr>
+          <p:nvPr/>
+        </p:nvPicPr>
+        <p:blipFill>
+          <a:blip r:embed="rId10"/>
+          <a:stretch>
+            <a:fillRect/>
+          </a:stretch>
+        </p:blipFill>
+        <p:spPr>
+          <a:xfrm>
+            <a:off x="1206930" y="5693670"/>
+            <a:ext cx="5889609" cy="933719"/>
           </a:xfrm>
           <a:prstGeom prst="rect">
             <a:avLst/>

--- a/Final_project_reliable_multicast_retransmission_scheme.pptx
+++ b/Final_project_reliable_multicast_retransmission_scheme.pptx
@@ -14,25 +14,24 @@
     <p:sldId id="257" r:id="rId8"/>
     <p:sldId id="266" r:id="rId9"/>
     <p:sldId id="258" r:id="rId10"/>
-    <p:sldId id="265" r:id="rId11"/>
-    <p:sldId id="277" r:id="rId12"/>
-    <p:sldId id="288" r:id="rId13"/>
-    <p:sldId id="278" r:id="rId14"/>
-    <p:sldId id="276" r:id="rId15"/>
-    <p:sldId id="280" r:id="rId16"/>
-    <p:sldId id="286" r:id="rId17"/>
-    <p:sldId id="279" r:id="rId18"/>
-    <p:sldId id="290" r:id="rId19"/>
-    <p:sldId id="289" r:id="rId20"/>
-    <p:sldId id="283" r:id="rId21"/>
-    <p:sldId id="291" r:id="rId22"/>
-    <p:sldId id="282" r:id="rId23"/>
-    <p:sldId id="259" r:id="rId24"/>
-    <p:sldId id="261" r:id="rId25"/>
-    <p:sldId id="273" r:id="rId26"/>
-    <p:sldId id="274" r:id="rId27"/>
-    <p:sldId id="285" r:id="rId28"/>
-    <p:sldId id="284" r:id="rId29"/>
+    <p:sldId id="277" r:id="rId11"/>
+    <p:sldId id="288" r:id="rId12"/>
+    <p:sldId id="278" r:id="rId13"/>
+    <p:sldId id="276" r:id="rId14"/>
+    <p:sldId id="280" r:id="rId15"/>
+    <p:sldId id="286" r:id="rId16"/>
+    <p:sldId id="279" r:id="rId17"/>
+    <p:sldId id="290" r:id="rId18"/>
+    <p:sldId id="289" r:id="rId19"/>
+    <p:sldId id="283" r:id="rId20"/>
+    <p:sldId id="291" r:id="rId21"/>
+    <p:sldId id="282" r:id="rId22"/>
+    <p:sldId id="259" r:id="rId23"/>
+    <p:sldId id="261" r:id="rId24"/>
+    <p:sldId id="273" r:id="rId25"/>
+    <p:sldId id="274" r:id="rId26"/>
+    <p:sldId id="285" r:id="rId27"/>
+    <p:sldId id="284" r:id="rId28"/>
   </p:sldIdLst>
   <p:sldSz cx="12192000" cy="6858000"/>
   <p:notesSz cx="6858000" cy="9144000"/>
@@ -5983,387 +5982,6 @@
           <p:cNvPr id="2" name="標題 1">
             <a:extLst>
               <a:ext uri="{FF2B5EF4-FFF2-40B4-BE49-F238E27FC236}">
-                <a16:creationId xmlns:a16="http://schemas.microsoft.com/office/drawing/2014/main" id="{9843C9A9-C9D2-49EE-8C19-4AE4D46D91C1}"/>
-              </a:ext>
-            </a:extLst>
-          </p:cNvPr>
-          <p:cNvSpPr>
-            <a:spLocks noGrp="1"/>
-          </p:cNvSpPr>
-          <p:nvPr>
-            <p:ph type="title"/>
-          </p:nvPr>
-        </p:nvSpPr>
-        <p:spPr/>
-        <p:txBody>
-          <a:bodyPr/>
-          <a:lstStyle/>
-          <a:p>
-            <a:r>
-              <a:rPr lang="en-US" altLang="zh-TW" dirty="0"/>
-              <a:t>Error Probability determination</a:t>
-            </a:r>
-            <a:br>
-              <a:rPr lang="en-US" altLang="zh-TW" dirty="0"/>
-            </a:br>
-            <a:r>
-              <a:rPr lang="en-US" altLang="zh-TW" dirty="0"/>
-              <a:t>(Consider Channel Coding)</a:t>
-            </a:r>
-            <a:endParaRPr lang="zh-TW" altLang="en-US" dirty="0"/>
-          </a:p>
-        </p:txBody>
-      </p:sp>
-      <mc:AlternateContent xmlns:mc="http://schemas.openxmlformats.org/markup-compatibility/2006">
-        <mc:Choice xmlns:a14="http://schemas.microsoft.com/office/drawing/2010/main" Requires="a14">
-          <p:sp>
-            <p:nvSpPr>
-              <p:cNvPr id="3" name="內容版面配置區 2">
-                <a:extLst>
-                  <a:ext uri="{FF2B5EF4-FFF2-40B4-BE49-F238E27FC236}">
-                    <a16:creationId xmlns:a16="http://schemas.microsoft.com/office/drawing/2014/main" id="{ECE538FE-E561-461E-99DC-51E1772CB83B}"/>
-                  </a:ext>
-                </a:extLst>
-              </p:cNvPr>
-              <p:cNvSpPr>
-                <a:spLocks noGrp="1"/>
-              </p:cNvSpPr>
-              <p:nvPr>
-                <p:ph idx="1"/>
-              </p:nvPr>
-            </p:nvSpPr>
-            <p:spPr/>
-            <p:txBody>
-              <a:bodyPr/>
-              <a:lstStyle/>
-              <a:p>
-                <a:r>
-                  <a:rPr lang="en-US" altLang="zh-TW" dirty="0" smtClean="0"/>
-                  <a:t>We use LDPC code with </a:t>
-                </a:r>
-                <a:r>
-                  <a:rPr lang="en-US" altLang="zh-TW" dirty="0" err="1" smtClean="0"/>
-                  <a:t>codeword</a:t>
-                </a:r>
-                <a:r>
-                  <a:rPr lang="en-US" altLang="zh-TW" dirty="0" smtClean="0"/>
-                  <a:t> length </a:t>
-                </a:r>
-                <a14:m>
-                  <m:oMath xmlns:m="http://schemas.openxmlformats.org/officeDocument/2006/math">
-                    <m:r>
-                      <a:rPr lang="en-US" altLang="zh-TW" b="0" i="1" smtClean="0">
-                        <a:latin typeface="Cambria Math" panose="02040503050406030204" pitchFamily="18" charset="0"/>
-                      </a:rPr>
-                      <m:t>𝑛</m:t>
-                    </m:r>
-                    <m:r>
-                      <a:rPr lang="en-US" altLang="zh-TW" b="0" i="1" smtClean="0">
-                        <a:latin typeface="Cambria Math" panose="02040503050406030204" pitchFamily="18" charset="0"/>
-                      </a:rPr>
-                      <m:t>=168</m:t>
-                    </m:r>
-                  </m:oMath>
-                </a14:m>
-                <a:r>
-                  <a:rPr lang="zh-TW" altLang="en-US" dirty="0" smtClean="0"/>
-                  <a:t> </a:t>
-                </a:r>
-                <a:r>
-                  <a:rPr lang="en-US" altLang="zh-TW" dirty="0" smtClean="0"/>
-                  <a:t>and code rate</a:t>
-                </a:r>
-                <a14:m>
-                  <m:oMath xmlns:m="http://schemas.openxmlformats.org/officeDocument/2006/math">
-                    <m:r>
-                      <a:rPr lang="en-US" altLang="zh-TW" b="0" i="0" smtClean="0">
-                        <a:latin typeface="Cambria Math" panose="02040503050406030204" pitchFamily="18" charset="0"/>
-                      </a:rPr>
-                      <m:t> </m:t>
-                    </m:r>
-                    <m:sSub>
-                      <m:sSubPr>
-                        <m:ctrlPr>
-                          <a:rPr lang="en-US" altLang="zh-TW" i="1" smtClean="0">
-                            <a:latin typeface="Cambria Math" panose="02040503050406030204" pitchFamily="18" charset="0"/>
-                          </a:rPr>
-                        </m:ctrlPr>
-                      </m:sSubPr>
-                      <m:e>
-                        <m:r>
-                          <a:rPr lang="en-US" altLang="zh-TW" b="0" i="1" smtClean="0">
-                            <a:latin typeface="Cambria Math" panose="02040503050406030204" pitchFamily="18" charset="0"/>
-                          </a:rPr>
-                          <m:t>𝑅</m:t>
-                        </m:r>
-                      </m:e>
-                      <m:sub>
-                        <m:r>
-                          <a:rPr lang="en-US" altLang="zh-TW" b="0" i="1" smtClean="0">
-                            <a:latin typeface="Cambria Math" panose="02040503050406030204" pitchFamily="18" charset="0"/>
-                          </a:rPr>
-                          <m:t>𝑐</m:t>
-                        </m:r>
-                      </m:sub>
-                    </m:sSub>
-                    <m:r>
-                      <a:rPr lang="en-US" altLang="zh-TW" b="0" i="1" smtClean="0">
-                        <a:latin typeface="Cambria Math" panose="02040503050406030204" pitchFamily="18" charset="0"/>
-                      </a:rPr>
-                      <m:t>=</m:t>
-                    </m:r>
-                    <m:f>
-                      <m:fPr>
-                        <m:type m:val="lin"/>
-                        <m:ctrlPr>
-                          <a:rPr lang="en-US" altLang="zh-TW" b="0" i="1" smtClean="0">
-                            <a:latin typeface="Cambria Math" panose="02040503050406030204" pitchFamily="18" charset="0"/>
-                          </a:rPr>
-                        </m:ctrlPr>
-                      </m:fPr>
-                      <m:num>
-                        <m:r>
-                          <a:rPr lang="en-US" altLang="zh-TW" b="0" i="1" smtClean="0">
-                            <a:latin typeface="Cambria Math" panose="02040503050406030204" pitchFamily="18" charset="0"/>
-                          </a:rPr>
-                          <m:t>5</m:t>
-                        </m:r>
-                      </m:num>
-                      <m:den>
-                        <m:r>
-                          <a:rPr lang="en-US" altLang="zh-TW" b="0" i="1" smtClean="0">
-                            <a:latin typeface="Cambria Math" panose="02040503050406030204" pitchFamily="18" charset="0"/>
-                          </a:rPr>
-                          <m:t>6</m:t>
-                        </m:r>
-                      </m:den>
-                    </m:f>
-                  </m:oMath>
-                </a14:m>
-                <a:endParaRPr lang="en-US" altLang="zh-TW" b="0" dirty="0" smtClean="0"/>
-              </a:p>
-              <a:p>
-                <a:pPr lvl="1"/>
-                <a:r>
-                  <a:rPr lang="en-US" altLang="zh-TW" dirty="0" smtClean="0"/>
-                  <a:t>The LDPC code is given by TS38.212 and shortened from </a:t>
-                </a:r>
-                <a14:m>
-                  <m:oMath xmlns:m="http://schemas.openxmlformats.org/officeDocument/2006/math">
-                    <m:r>
-                      <a:rPr lang="en-US" altLang="zh-TW" i="1">
-                        <a:latin typeface="Cambria Math" panose="02040503050406030204" pitchFamily="18" charset="0"/>
-                      </a:rPr>
-                      <m:t>𝑛</m:t>
-                    </m:r>
-                    <m:r>
-                      <a:rPr lang="en-US" altLang="zh-TW" i="1">
-                        <a:latin typeface="Cambria Math" panose="02040503050406030204" pitchFamily="18" charset="0"/>
-                      </a:rPr>
-                      <m:t>=256</m:t>
-                    </m:r>
-                  </m:oMath>
-                </a14:m>
-                <a:endParaRPr lang="en-US" altLang="zh-TW" dirty="0" smtClean="0"/>
-              </a:p>
-              <a:p>
-                <a:pPr lvl="1"/>
-                <a:r>
-                  <a:rPr lang="en-US" altLang="zh-TW" dirty="0" smtClean="0"/>
-                  <a:t>A packet consists of one </a:t>
-                </a:r>
-                <a:r>
-                  <a:rPr lang="en-US" altLang="zh-TW" dirty="0" err="1" smtClean="0"/>
-                  <a:t>codeword</a:t>
-                </a:r>
-                <a:r>
-                  <a:rPr lang="en-US" altLang="zh-TW" dirty="0" smtClean="0"/>
-                  <a:t>. Hence, </a:t>
-                </a:r>
-                <a:r>
-                  <a:rPr lang="en-US" altLang="zh-TW" dirty="0" err="1" smtClean="0"/>
-                  <a:t>codeword</a:t>
-                </a:r>
-                <a:r>
-                  <a:rPr lang="en-US" altLang="zh-TW" dirty="0" smtClean="0"/>
-                  <a:t> error rate = packet error rate</a:t>
-                </a:r>
-              </a:p>
-              <a:p>
-                <a:r>
-                  <a:rPr lang="en-US" altLang="zh-TW" dirty="0" smtClean="0"/>
-                  <a:t>The minimum hamming distance </a:t>
-                </a:r>
-                <a14:m>
-                  <m:oMath xmlns:m="http://schemas.openxmlformats.org/officeDocument/2006/math">
-                    <m:sSub>
-                      <m:sSubPr>
-                        <m:ctrlPr>
-                          <a:rPr lang="en-US" altLang="zh-TW" i="1" smtClean="0">
-                            <a:latin typeface="Cambria Math" panose="02040503050406030204" pitchFamily="18" charset="0"/>
-                          </a:rPr>
-                        </m:ctrlPr>
-                      </m:sSubPr>
-                      <m:e>
-                        <m:r>
-                          <a:rPr lang="en-US" altLang="zh-TW" b="0" i="1" smtClean="0">
-                            <a:latin typeface="Cambria Math" panose="02040503050406030204" pitchFamily="18" charset="0"/>
-                          </a:rPr>
-                          <m:t>𝑑</m:t>
-                        </m:r>
-                      </m:e>
-                      <m:sub>
-                        <m:r>
-                          <a:rPr lang="en-US" altLang="zh-TW" b="0" i="1" smtClean="0">
-                            <a:latin typeface="Cambria Math" panose="02040503050406030204" pitchFamily="18" charset="0"/>
-                          </a:rPr>
-                          <m:t>𝑚𝑖𝑛</m:t>
-                        </m:r>
-                      </m:sub>
-                    </m:sSub>
-                    <m:r>
-                      <a:rPr lang="en-US" altLang="zh-TW" b="0" i="1" smtClean="0">
-                        <a:latin typeface="Cambria Math" panose="02040503050406030204" pitchFamily="18" charset="0"/>
-                      </a:rPr>
-                      <m:t>=7</m:t>
-                    </m:r>
-                  </m:oMath>
-                </a14:m>
-                <a:endParaRPr lang="en-US" altLang="zh-TW" dirty="0" smtClean="0"/>
-              </a:p>
-              <a:p>
-                <a:r>
-                  <a:rPr lang="en-US" altLang="zh-TW" dirty="0" smtClean="0"/>
-                  <a:t>Due to the low hamming distance compared with the codebook size, the previous bounds become way too loose</a:t>
-                </a:r>
-              </a:p>
-              <a:p>
-                <a:r>
-                  <a:rPr lang="en-US" altLang="zh-TW" dirty="0" smtClean="0"/>
-                  <a:t>We will simulate the </a:t>
-                </a:r>
-                <a:r>
-                  <a:rPr lang="en-US" altLang="zh-TW" dirty="0" err="1" smtClean="0"/>
-                  <a:t>codeword</a:t>
-                </a:r>
-                <a:r>
-                  <a:rPr lang="en-US" altLang="zh-TW" dirty="0" smtClean="0"/>
-                  <a:t> error rate by simulation </a:t>
-                </a:r>
-              </a:p>
-              <a:p>
-                <a:pPr lvl="1"/>
-                <a:r>
-                  <a:rPr lang="en-US" altLang="zh-TW" dirty="0" smtClean="0"/>
-                  <a:t>Rayleigh fading channel </a:t>
-                </a:r>
-                <a:endParaRPr lang="en-US" altLang="zh-TW" dirty="0"/>
-              </a:p>
-              <a:p>
-                <a:pPr lvl="1"/>
-                <a:r>
-                  <a:rPr lang="en-US" altLang="zh-TW" dirty="0" smtClean="0"/>
-                  <a:t>Decoding:</a:t>
-                </a:r>
-                <a:r>
-                  <a:rPr lang="zh-TW" altLang="en-US" dirty="0" smtClean="0"/>
-                  <a:t> </a:t>
-                </a:r>
-                <a:r>
-                  <a:rPr lang="en-US" altLang="zh-TW" smtClean="0"/>
-                  <a:t>product-sum </a:t>
-                </a:r>
-                <a:r>
-                  <a:rPr lang="en-US" altLang="zh-TW" dirty="0" smtClean="0"/>
-                  <a:t>algorithm </a:t>
-                </a:r>
-                <a:r>
-                  <a:rPr lang="en-US" altLang="zh-TW" smtClean="0"/>
-                  <a:t>with 20 iterations</a:t>
-                </a:r>
-                <a:endParaRPr lang="en-US" altLang="zh-TW" dirty="0" smtClean="0"/>
-              </a:p>
-              <a:p>
-                <a:endParaRPr lang="zh-TW" altLang="en-US" dirty="0"/>
-              </a:p>
-            </p:txBody>
-          </p:sp>
-        </mc:Choice>
-        <mc:Fallback>
-          <p:sp>
-            <p:nvSpPr>
-              <p:cNvPr id="3" name="內容版面配置區 2">
-                <a:extLst>
-                  <a:ext uri="{FF2B5EF4-FFF2-40B4-BE49-F238E27FC236}">
-                    <a16:creationId xmlns:a16="http://schemas.microsoft.com/office/drawing/2014/main" id="{ECE538FE-E561-461E-99DC-51E1772CB83B}"/>
-                  </a:ext>
-                </a:extLst>
-              </p:cNvPr>
-              <p:cNvSpPr>
-                <a:spLocks noGrp="1" noRot="1" noChangeAspect="1" noMove="1" noResize="1" noEditPoints="1" noAdjustHandles="1" noChangeArrowheads="1" noChangeShapeType="1" noTextEdit="1"/>
-              </p:cNvSpPr>
-              <p:nvPr>
-                <p:ph idx="1"/>
-              </p:nvPr>
-            </p:nvSpPr>
-            <p:spPr>
-              <a:blipFill>
-                <a:blip r:embed="rId2"/>
-                <a:stretch>
-                  <a:fillRect l="-142" t="-10989"/>
-                </a:stretch>
-              </a:blipFill>
-            </p:spPr>
-            <p:txBody>
-              <a:bodyPr/>
-              <a:lstStyle/>
-              <a:p>
-                <a:r>
-                  <a:rPr lang="zh-TW" altLang="en-US">
-                    <a:noFill/>
-                  </a:rPr>
-                  <a:t> </a:t>
-                </a:r>
-              </a:p>
-            </p:txBody>
-          </p:sp>
-        </mc:Fallback>
-      </mc:AlternateContent>
-    </p:spTree>
-    <p:extLst>
-      <p:ext uri="{BB962C8B-B14F-4D97-AF65-F5344CB8AC3E}">
-        <p14:creationId xmlns:p14="http://schemas.microsoft.com/office/powerpoint/2010/main" val="1713243130"/>
-      </p:ext>
-    </p:extLst>
-  </p:cSld>
-  <p:clrMapOvr>
-    <a:masterClrMapping/>
-  </p:clrMapOvr>
-</p:sld>
-</file>
-
-<file path=ppt/slides/slide11.xml><?xml version="1.0" encoding="utf-8"?>
-<p:sld xmlns:a="http://schemas.openxmlformats.org/drawingml/2006/main" xmlns:r="http://schemas.openxmlformats.org/officeDocument/2006/relationships" xmlns:p="http://schemas.openxmlformats.org/presentationml/2006/main">
-  <p:cSld>
-    <p:spTree>
-      <p:nvGrpSpPr>
-        <p:cNvPr id="1" name=""/>
-        <p:cNvGrpSpPr/>
-        <p:nvPr/>
-      </p:nvGrpSpPr>
-      <p:grpSpPr>
-        <a:xfrm>
-          <a:off x="0" y="0"/>
-          <a:ext cx="0" cy="0"/>
-          <a:chOff x="0" y="0"/>
-          <a:chExt cx="0" cy="0"/>
-        </a:xfrm>
-      </p:grpSpPr>
-      <p:sp>
-        <p:nvSpPr>
-          <p:cNvPr id="2" name="標題 1">
-            <a:extLst>
-              <a:ext uri="{FF2B5EF4-FFF2-40B4-BE49-F238E27FC236}">
                 <a16:creationId xmlns:a16="http://schemas.microsoft.com/office/drawing/2014/main" id="{DDB54186-CE08-4CFD-B21D-7384B67C4C3F}"/>
               </a:ext>
             </a:extLst>
@@ -6430,7 +6048,7 @@
 </p:sld>
 </file>
 
-<file path=ppt/slides/slide12.xml><?xml version="1.0" encoding="utf-8"?>
+<file path=ppt/slides/slide11.xml><?xml version="1.0" encoding="utf-8"?>
 <p:sld xmlns:a="http://schemas.openxmlformats.org/drawingml/2006/main" xmlns:r="http://schemas.openxmlformats.org/officeDocument/2006/relationships" xmlns:p="http://schemas.openxmlformats.org/presentationml/2006/main">
   <p:cSld>
     <p:spTree>
@@ -6519,6 +6137,155 @@
 </p:sld>
 </file>
 
+<file path=ppt/slides/slide12.xml><?xml version="1.0" encoding="utf-8"?>
+<p:sld xmlns:a="http://schemas.openxmlformats.org/drawingml/2006/main" xmlns:r="http://schemas.openxmlformats.org/officeDocument/2006/relationships" xmlns:p="http://schemas.openxmlformats.org/presentationml/2006/main">
+  <p:cSld>
+    <p:spTree>
+      <p:nvGrpSpPr>
+        <p:cNvPr id="1" name=""/>
+        <p:cNvGrpSpPr/>
+        <p:nvPr/>
+      </p:nvGrpSpPr>
+      <p:grpSpPr>
+        <a:xfrm>
+          <a:off x="0" y="0"/>
+          <a:ext cx="0" cy="0"/>
+          <a:chOff x="0" y="0"/>
+          <a:chExt cx="0" cy="0"/>
+        </a:xfrm>
+      </p:grpSpPr>
+      <p:sp>
+        <p:nvSpPr>
+          <p:cNvPr id="2" name="標題 1">
+            <a:extLst>
+              <a:ext uri="{FF2B5EF4-FFF2-40B4-BE49-F238E27FC236}">
+                <a16:creationId xmlns:a16="http://schemas.microsoft.com/office/drawing/2014/main" id="{9F08EAF9-625C-4411-8C38-ED8962D3C83F}"/>
+              </a:ext>
+            </a:extLst>
+          </p:cNvPr>
+          <p:cNvSpPr>
+            <a:spLocks noGrp="1"/>
+          </p:cNvSpPr>
+          <p:nvPr>
+            <p:ph type="title"/>
+          </p:nvPr>
+        </p:nvSpPr>
+        <p:spPr/>
+        <p:txBody>
+          <a:bodyPr/>
+          <a:lstStyle/>
+          <a:p>
+            <a:r>
+              <a:rPr lang="en-US" altLang="zh-TW" dirty="0"/>
+              <a:t>Intro to retransmission</a:t>
+            </a:r>
+            <a:endParaRPr lang="zh-TW" altLang="en-US" dirty="0"/>
+          </a:p>
+        </p:txBody>
+      </p:sp>
+      <p:sp>
+        <p:nvSpPr>
+          <p:cNvPr id="3" name="內容版面配置區 2">
+            <a:extLst>
+              <a:ext uri="{FF2B5EF4-FFF2-40B4-BE49-F238E27FC236}">
+                <a16:creationId xmlns:a16="http://schemas.microsoft.com/office/drawing/2014/main" id="{88DD7457-63C5-4E96-995D-7D7FCFD0D935}"/>
+              </a:ext>
+            </a:extLst>
+          </p:cNvPr>
+          <p:cNvSpPr>
+            <a:spLocks noGrp="1"/>
+          </p:cNvSpPr>
+          <p:nvPr>
+            <p:ph idx="1"/>
+          </p:nvPr>
+        </p:nvSpPr>
+        <p:spPr/>
+        <p:txBody>
+          <a:bodyPr/>
+          <a:lstStyle/>
+          <a:p>
+            <a:r>
+              <a:rPr lang="en-US" altLang="zh-TW" dirty="0"/>
+              <a:t>Despite of the channel coding, the transmission may fail if we only transmitted once.</a:t>
+            </a:r>
+          </a:p>
+          <a:p>
+            <a:r>
+              <a:rPr lang="en-US" altLang="zh-TW" dirty="0"/>
+              <a:t>To maintain the reliability, </a:t>
+            </a:r>
+            <a:r>
+              <a:rPr lang="en-US" altLang="zh-TW" b="1" dirty="0"/>
+              <a:t>retransmission</a:t>
+            </a:r>
+            <a:r>
+              <a:rPr lang="en-US" altLang="zh-TW" dirty="0"/>
+              <a:t> is essential.</a:t>
+            </a:r>
+          </a:p>
+          <a:p>
+            <a:r>
+              <a:rPr lang="en-US" altLang="zh-TW" dirty="0"/>
+              <a:t>Three typical retransmission scheme</a:t>
+            </a:r>
+          </a:p>
+          <a:p>
+            <a:pPr lvl="1"/>
+            <a:r>
+              <a:rPr lang="en-US" altLang="zh-TW" dirty="0"/>
+              <a:t>Blind retransmission</a:t>
+            </a:r>
+          </a:p>
+          <a:p>
+            <a:pPr lvl="1"/>
+            <a:r>
+              <a:rPr lang="en-US" altLang="zh-TW" dirty="0" err="1"/>
+              <a:t>Nack</a:t>
+            </a:r>
+            <a:r>
+              <a:rPr lang="en-US" altLang="zh-TW" dirty="0"/>
+              <a:t>-based retransmission</a:t>
+            </a:r>
+          </a:p>
+          <a:p>
+            <a:pPr lvl="1"/>
+            <a:r>
+              <a:rPr lang="en-US" altLang="zh-TW" dirty="0"/>
+              <a:t>HARQ retransmission</a:t>
+            </a:r>
+          </a:p>
+          <a:p>
+            <a:r>
+              <a:rPr lang="en-US" altLang="zh-TW" dirty="0"/>
+              <a:t>In multicast scenario, we usually consider to use blind retransmission and </a:t>
+            </a:r>
+            <a:r>
+              <a:rPr lang="en-US" altLang="zh-TW" dirty="0" err="1"/>
+              <a:t>nack</a:t>
+            </a:r>
+            <a:r>
+              <a:rPr lang="en-US" altLang="zh-TW" dirty="0"/>
+              <a:t>-based retransmission</a:t>
+            </a:r>
+          </a:p>
+          <a:p>
+            <a:endParaRPr lang="zh-TW" altLang="en-US" dirty="0"/>
+          </a:p>
+        </p:txBody>
+      </p:sp>
+    </p:spTree>
+    <p:extLst>
+      <p:ext uri="{BB962C8B-B14F-4D97-AF65-F5344CB8AC3E}">
+        <p14:creationId xmlns:p14="http://schemas.microsoft.com/office/powerpoint/2010/main" val="3274943952"/>
+      </p:ext>
+    </p:extLst>
+  </p:cSld>
+  <p:clrMapOvr>
+    <a:masterClrMapping/>
+  </p:clrMapOvr>
+</p:sld>
+</file>
+
 <file path=ppt/slides/slide13.xml><?xml version="1.0" encoding="utf-8"?>
 <p:sld xmlns:a="http://schemas.openxmlformats.org/drawingml/2006/main" xmlns:r="http://schemas.openxmlformats.org/officeDocument/2006/relationships" xmlns:p="http://schemas.openxmlformats.org/presentationml/2006/main">
   <p:cSld>
@@ -6541,7 +6308,7 @@
           <p:cNvPr id="2" name="標題 1">
             <a:extLst>
               <a:ext uri="{FF2B5EF4-FFF2-40B4-BE49-F238E27FC236}">
-                <a16:creationId xmlns:a16="http://schemas.microsoft.com/office/drawing/2014/main" id="{9F08EAF9-625C-4411-8C38-ED8962D3C83F}"/>
+                <a16:creationId xmlns:a16="http://schemas.microsoft.com/office/drawing/2014/main" id="{EE09C35E-8A6F-436A-950B-751E3BF22EB0}"/>
               </a:ext>
             </a:extLst>
           </p:cNvPr>
@@ -6559,7 +6326,7 @@
           <a:p>
             <a:r>
               <a:rPr lang="en-US" altLang="zh-TW" dirty="0"/>
-              <a:t>Intro to retransmission</a:t>
+              <a:t>Blind Retransmission</a:t>
             </a:r>
             <a:endParaRPr lang="zh-TW" altLang="en-US" dirty="0"/>
           </a:p>
@@ -6570,7 +6337,7 @@
           <p:cNvPr id="3" name="內容版面配置區 2">
             <a:extLst>
               <a:ext uri="{FF2B5EF4-FFF2-40B4-BE49-F238E27FC236}">
-                <a16:creationId xmlns:a16="http://schemas.microsoft.com/office/drawing/2014/main" id="{88DD7457-63C5-4E96-995D-7D7FCFD0D935}"/>
+                <a16:creationId xmlns:a16="http://schemas.microsoft.com/office/drawing/2014/main" id="{AF10F730-AA8E-4AF1-88CF-EEF71A3AE745}"/>
               </a:ext>
             </a:extLst>
           </p:cNvPr>
@@ -6581,73 +6348,78 @@
             <p:ph idx="1"/>
           </p:nvPr>
         </p:nvSpPr>
-        <p:spPr/>
+        <p:spPr>
+          <a:xfrm>
+            <a:off x="677334" y="2160589"/>
+            <a:ext cx="9437050" cy="4296195"/>
+          </a:xfrm>
+        </p:spPr>
         <p:txBody>
           <a:bodyPr/>
           <a:lstStyle/>
           <a:p>
             <a:r>
               <a:rPr lang="en-US" altLang="zh-TW" dirty="0"/>
-              <a:t>Despite of the channel coding, the transmission may fail if we only transmitted once.</a:t>
-            </a:r>
-          </a:p>
-          <a:p>
+              <a:t>BS will transmit all needed packets </a:t>
+            </a:r>
+            <a:r>
+              <a:rPr lang="en-US" altLang="zh-TW" b="1" dirty="0"/>
+              <a:t>without feedback</a:t>
+            </a:r>
             <a:r>
               <a:rPr lang="en-US" altLang="zh-TW" dirty="0"/>
-              <a:t>To maintain the reliability, </a:t>
+              <a:t>.</a:t>
+            </a:r>
+          </a:p>
+          <a:p>
+            <a:r>
+              <a:rPr lang="en-US" altLang="zh-TW" dirty="0"/>
+              <a:t>Assume there are no round trip time (RTT) in blind retransmission.</a:t>
+            </a:r>
+          </a:p>
+          <a:p>
+            <a:endParaRPr lang="en-US" altLang="zh-TW" dirty="0"/>
+          </a:p>
+          <a:p>
+            <a:r>
+              <a:rPr lang="en-US" altLang="zh-TW" dirty="0"/>
+              <a:t>Bad at resource utilization, but merely having latency.</a:t>
+            </a:r>
+          </a:p>
+          <a:p>
+            <a:r>
+              <a:rPr lang="en-US" altLang="zh-TW" dirty="0"/>
+              <a:t>Already used in lots of low latency requirement application, such as V2X.</a:t>
+            </a:r>
+          </a:p>
+          <a:p>
+            <a:r>
+              <a:rPr lang="en-US" altLang="zh-TW" dirty="0"/>
+              <a:t>To reach the constraint of reliability, </a:t>
             </a:r>
             <a:r>
               <a:rPr lang="en-US" altLang="zh-TW" b="1" dirty="0"/>
-              <a:t>retransmission</a:t>
+              <a:t>the transmission packets number for a single packet </a:t>
             </a:r>
             <a:r>
               <a:rPr lang="en-US" altLang="zh-TW" dirty="0"/>
-              <a:t> is essential.</a:t>
-            </a:r>
-          </a:p>
-          <a:p>
+              <a:t>can be determined by selecting the </a:t>
+            </a:r>
+            <a:r>
+              <a:rPr lang="en-US" altLang="zh-TW" b="1" dirty="0"/>
+              <a:t>minimum  </a:t>
+            </a:r>
+            <a:r>
+              <a:rPr lang="zh-TW" altLang="en-US" b="1" dirty="0"/>
+              <a:t>           </a:t>
+            </a:r>
+            <a:r>
+              <a:rPr lang="en-US" altLang="zh-TW" b="1" dirty="0"/>
+              <a:t>which satisfy </a:t>
+            </a:r>
             <a:r>
               <a:rPr lang="en-US" altLang="zh-TW" dirty="0"/>
-              <a:t>Three typical retransmission scheme</a:t>
-            </a:r>
-          </a:p>
-          <a:p>
-            <a:pPr lvl="1"/>
-            <a:r>
-              <a:rPr lang="en-US" altLang="zh-TW" dirty="0"/>
-              <a:t>Blind retransmission</a:t>
-            </a:r>
-          </a:p>
-          <a:p>
-            <a:pPr lvl="1"/>
-            <a:r>
-              <a:rPr lang="en-US" altLang="zh-TW" dirty="0" err="1"/>
-              <a:t>Nack</a:t>
-            </a:r>
-            <a:r>
-              <a:rPr lang="en-US" altLang="zh-TW" dirty="0"/>
-              <a:t>-based retransmission</a:t>
-            </a:r>
-          </a:p>
-          <a:p>
-            <a:pPr lvl="1"/>
-            <a:r>
-              <a:rPr lang="en-US" altLang="zh-TW" dirty="0"/>
-              <a:t>HARQ retransmission</a:t>
-            </a:r>
-          </a:p>
-          <a:p>
-            <a:r>
-              <a:rPr lang="en-US" altLang="zh-TW" dirty="0"/>
-              <a:t>In multicast scenario, we usually consider to use blind retransmission and </a:t>
-            </a:r>
-            <a:r>
-              <a:rPr lang="en-US" altLang="zh-TW" dirty="0" err="1"/>
-              <a:t>nack</a:t>
-            </a:r>
-            <a:r>
-              <a:rPr lang="en-US" altLang="zh-TW" dirty="0"/>
-              <a:t>-based retransmission</a:t>
+              <a:t>the following inequality</a:t>
             </a:r>
           </a:p>
           <a:p>
@@ -6655,10 +6427,130 @@
           </a:p>
         </p:txBody>
       </p:sp>
+      <p:pic>
+        <p:nvPicPr>
+          <p:cNvPr id="49" name="圖片 48" descr="\documentclass{article}&#10;\usepackage{amsmath}&#10;\pagestyle{empty}&#10;\begin{document}&#10;$$&#10;Rel_{constraint} \le \displaystyle (\prod_{i=1}^k (1-e_i^{M_{blind}}))^{N_{data}}&#10;$$&#10;\end{document}" title="IguanaTex Bitmap Display">
+            <a:extLst>
+              <a:ext uri="{FF2B5EF4-FFF2-40B4-BE49-F238E27FC236}">
+                <a16:creationId xmlns:a16="http://schemas.microsoft.com/office/drawing/2014/main" id="{7BF083B3-EAF8-4D5C-8ADB-4C7AB21BA55F}"/>
+              </a:ext>
+            </a:extLst>
+          </p:cNvPr>
+          <p:cNvPicPr>
+            <a:picLocks noChangeAspect="1"/>
+          </p:cNvPicPr>
+          <p:nvPr>
+            <p:custDataLst>
+              <p:tags r:id="rId1"/>
+            </p:custDataLst>
+          </p:nvPr>
+        </p:nvPicPr>
+        <p:blipFill>
+          <a:blip r:embed="rId5" cstate="hqprint">
+            <a:extLst>
+              <a:ext uri="{28A0092B-C50C-407E-A947-70E740481C1C}">
+                <a14:useLocalDpi xmlns:a14="http://schemas.microsoft.com/office/drawing/2010/main" val="0"/>
+              </a:ext>
+            </a:extLst>
+          </a:blip>
+          <a:stretch>
+            <a:fillRect/>
+          </a:stretch>
+        </p:blipFill>
+        <p:spPr>
+          <a:xfrm>
+            <a:off x="876786" y="5360397"/>
+            <a:ext cx="4176220" cy="750173"/>
+          </a:xfrm>
+          <a:prstGeom prst="rect">
+            <a:avLst/>
+          </a:prstGeom>
+        </p:spPr>
+      </p:pic>
+      <p:pic>
+        <p:nvPicPr>
+          <p:cNvPr id="47" name="圖片 46" descr="\documentclass{article}&#10;\usepackage{amsmath}&#10;\pagestyle{empty}&#10;\begin{document}&#10;&#10;$k$ is the total number of UE \\&#10;$e_i$ is the packet error rate for ith UE\\&#10;$N_{data}$ is the amount of total packets. \\&#10;$Rel_{constraint}$ is the reliability constraint \\&#10;&#10;\end{document}" title="IguanaTex Bitmap Display">
+            <a:extLst>
+              <a:ext uri="{FF2B5EF4-FFF2-40B4-BE49-F238E27FC236}">
+                <a16:creationId xmlns:a16="http://schemas.microsoft.com/office/drawing/2014/main" id="{6A01B363-6E09-4F84-99C9-D4631F3ECEB4}"/>
+              </a:ext>
+            </a:extLst>
+          </p:cNvPr>
+          <p:cNvPicPr>
+            <a:picLocks noChangeAspect="1"/>
+          </p:cNvPicPr>
+          <p:nvPr>
+            <p:custDataLst>
+              <p:tags r:id="rId2"/>
+            </p:custDataLst>
+          </p:nvPr>
+        </p:nvPicPr>
+        <p:blipFill>
+          <a:blip r:embed="rId6" cstate="hqprint">
+            <a:extLst>
+              <a:ext uri="{28A0092B-C50C-407E-A947-70E740481C1C}">
+                <a14:useLocalDpi xmlns:a14="http://schemas.microsoft.com/office/drawing/2010/main" val="0"/>
+              </a:ext>
+            </a:extLst>
+          </a:blip>
+          <a:stretch>
+            <a:fillRect/>
+          </a:stretch>
+        </p:blipFill>
+        <p:spPr>
+          <a:xfrm>
+            <a:off x="5403422" y="5661142"/>
+            <a:ext cx="3929139" cy="1025831"/>
+          </a:xfrm>
+          <a:prstGeom prst="rect">
+            <a:avLst/>
+          </a:prstGeom>
+        </p:spPr>
+      </p:pic>
+      <p:pic>
+        <p:nvPicPr>
+          <p:cNvPr id="51" name="圖片 50" descr="\documentclass{article}&#10;\usepackage{amsmath}&#10;\pagestyle{empty}&#10;\begin{document}&#10;$$&#10;M_{blind}&#10;$$&#10;\end{document}" title="IguanaTex Bitmap Display">
+            <a:extLst>
+              <a:ext uri="{FF2B5EF4-FFF2-40B4-BE49-F238E27FC236}">
+                <a16:creationId xmlns:a16="http://schemas.microsoft.com/office/drawing/2014/main" id="{ABDE3460-C88A-4CCC-B078-B7D991666E88}"/>
+              </a:ext>
+            </a:extLst>
+          </p:cNvPr>
+          <p:cNvPicPr>
+            <a:picLocks noChangeAspect="1"/>
+          </p:cNvPicPr>
+          <p:nvPr>
+            <p:custDataLst>
+              <p:tags r:id="rId3"/>
+            </p:custDataLst>
+          </p:nvPr>
+        </p:nvPicPr>
+        <p:blipFill>
+          <a:blip r:embed="rId7" cstate="hqprint">
+            <a:extLst>
+              <a:ext uri="{28A0092B-C50C-407E-A947-70E740481C1C}">
+                <a14:useLocalDpi xmlns:a14="http://schemas.microsoft.com/office/drawing/2010/main" val="0"/>
+              </a:ext>
+            </a:extLst>
+          </a:blip>
+          <a:stretch>
+            <a:fillRect/>
+          </a:stretch>
+        </p:blipFill>
+        <p:spPr>
+          <a:xfrm>
+            <a:off x="6748106" y="4574075"/>
+            <a:ext cx="619886" cy="190629"/>
+          </a:xfrm>
+          <a:prstGeom prst="rect">
+            <a:avLst/>
+          </a:prstGeom>
+        </p:spPr>
+      </p:pic>
     </p:spTree>
     <p:extLst>
       <p:ext uri="{BB962C8B-B14F-4D97-AF65-F5344CB8AC3E}">
-        <p14:creationId xmlns:p14="http://schemas.microsoft.com/office/powerpoint/2010/main" val="3274943952"/>
+        <p14:creationId xmlns:p14="http://schemas.microsoft.com/office/powerpoint/2010/main" val="2032782396"/>
       </p:ext>
     </p:extLst>
   </p:cSld>
@@ -6701,280 +6593,6 @@
             <p:ph type="title"/>
           </p:nvPr>
         </p:nvSpPr>
-        <p:spPr/>
-        <p:txBody>
-          <a:bodyPr/>
-          <a:lstStyle/>
-          <a:p>
-            <a:r>
-              <a:rPr lang="en-US" altLang="zh-TW" dirty="0"/>
-              <a:t>Blind Retransmission</a:t>
-            </a:r>
-            <a:endParaRPr lang="zh-TW" altLang="en-US" dirty="0"/>
-          </a:p>
-        </p:txBody>
-      </p:sp>
-      <p:sp>
-        <p:nvSpPr>
-          <p:cNvPr id="3" name="內容版面配置區 2">
-            <a:extLst>
-              <a:ext uri="{FF2B5EF4-FFF2-40B4-BE49-F238E27FC236}">
-                <a16:creationId xmlns:a16="http://schemas.microsoft.com/office/drawing/2014/main" id="{AF10F730-AA8E-4AF1-88CF-EEF71A3AE745}"/>
-              </a:ext>
-            </a:extLst>
-          </p:cNvPr>
-          <p:cNvSpPr>
-            <a:spLocks noGrp="1"/>
-          </p:cNvSpPr>
-          <p:nvPr>
-            <p:ph idx="1"/>
-          </p:nvPr>
-        </p:nvSpPr>
-        <p:spPr>
-          <a:xfrm>
-            <a:off x="677334" y="2160589"/>
-            <a:ext cx="9437050" cy="4296195"/>
-          </a:xfrm>
-        </p:spPr>
-        <p:txBody>
-          <a:bodyPr/>
-          <a:lstStyle/>
-          <a:p>
-            <a:r>
-              <a:rPr lang="en-US" altLang="zh-TW" dirty="0"/>
-              <a:t>BS will transmit all needed packets </a:t>
-            </a:r>
-            <a:r>
-              <a:rPr lang="en-US" altLang="zh-TW" b="1" dirty="0"/>
-              <a:t>without feedback</a:t>
-            </a:r>
-            <a:r>
-              <a:rPr lang="en-US" altLang="zh-TW" dirty="0"/>
-              <a:t>.</a:t>
-            </a:r>
-          </a:p>
-          <a:p>
-            <a:r>
-              <a:rPr lang="en-US" altLang="zh-TW" dirty="0"/>
-              <a:t>Assume there are no round trip time (RTT) in blind retransmission.</a:t>
-            </a:r>
-          </a:p>
-          <a:p>
-            <a:endParaRPr lang="en-US" altLang="zh-TW" dirty="0"/>
-          </a:p>
-          <a:p>
-            <a:r>
-              <a:rPr lang="en-US" altLang="zh-TW" dirty="0"/>
-              <a:t>Bad at resource utilization, but merely having latency.</a:t>
-            </a:r>
-          </a:p>
-          <a:p>
-            <a:r>
-              <a:rPr lang="en-US" altLang="zh-TW" dirty="0"/>
-              <a:t>Already used in lots of low latency requirement application, such as V2X.</a:t>
-            </a:r>
-          </a:p>
-          <a:p>
-            <a:r>
-              <a:rPr lang="en-US" altLang="zh-TW" dirty="0"/>
-              <a:t>To reach the constraint of reliability, </a:t>
-            </a:r>
-            <a:r>
-              <a:rPr lang="en-US" altLang="zh-TW" b="1" dirty="0"/>
-              <a:t>the transmission packets number for a single packet </a:t>
-            </a:r>
-            <a:r>
-              <a:rPr lang="en-US" altLang="zh-TW" dirty="0"/>
-              <a:t>can be determined by selecting the </a:t>
-            </a:r>
-            <a:r>
-              <a:rPr lang="en-US" altLang="zh-TW" b="1" dirty="0"/>
-              <a:t>minimum  </a:t>
-            </a:r>
-            <a:r>
-              <a:rPr lang="zh-TW" altLang="en-US" b="1" dirty="0"/>
-              <a:t>           </a:t>
-            </a:r>
-            <a:r>
-              <a:rPr lang="en-US" altLang="zh-TW" b="1" dirty="0"/>
-              <a:t>which satisfy </a:t>
-            </a:r>
-            <a:r>
-              <a:rPr lang="en-US" altLang="zh-TW" dirty="0"/>
-              <a:t>the following inequality</a:t>
-            </a:r>
-          </a:p>
-          <a:p>
-            <a:endParaRPr lang="zh-TW" altLang="en-US" dirty="0"/>
-          </a:p>
-        </p:txBody>
-      </p:sp>
-      <p:pic>
-        <p:nvPicPr>
-          <p:cNvPr id="49" name="圖片 48" descr="\documentclass{article}&#10;\usepackage{amsmath}&#10;\pagestyle{empty}&#10;\begin{document}&#10;$$&#10;Rel_{constraint} \le \displaystyle (\prod_{i=1}^k (1-e_i^{M_{blind}}))^{N_{data}}&#10;$$&#10;\end{document}" title="IguanaTex Bitmap Display">
-            <a:extLst>
-              <a:ext uri="{FF2B5EF4-FFF2-40B4-BE49-F238E27FC236}">
-                <a16:creationId xmlns:a16="http://schemas.microsoft.com/office/drawing/2014/main" id="{7BF083B3-EAF8-4D5C-8ADB-4C7AB21BA55F}"/>
-              </a:ext>
-            </a:extLst>
-          </p:cNvPr>
-          <p:cNvPicPr>
-            <a:picLocks noChangeAspect="1"/>
-          </p:cNvPicPr>
-          <p:nvPr>
-            <p:custDataLst>
-              <p:tags r:id="rId1"/>
-            </p:custDataLst>
-          </p:nvPr>
-        </p:nvPicPr>
-        <p:blipFill>
-          <a:blip r:embed="rId5" cstate="hqprint">
-            <a:extLst>
-              <a:ext uri="{28A0092B-C50C-407E-A947-70E740481C1C}">
-                <a14:useLocalDpi xmlns:a14="http://schemas.microsoft.com/office/drawing/2010/main" val="0"/>
-              </a:ext>
-            </a:extLst>
-          </a:blip>
-          <a:stretch>
-            <a:fillRect/>
-          </a:stretch>
-        </p:blipFill>
-        <p:spPr>
-          <a:xfrm>
-            <a:off x="876786" y="5360397"/>
-            <a:ext cx="4176220" cy="750173"/>
-          </a:xfrm>
-          <a:prstGeom prst="rect">
-            <a:avLst/>
-          </a:prstGeom>
-        </p:spPr>
-      </p:pic>
-      <p:pic>
-        <p:nvPicPr>
-          <p:cNvPr id="47" name="圖片 46" descr="\documentclass{article}&#10;\usepackage{amsmath}&#10;\pagestyle{empty}&#10;\begin{document}&#10;&#10;$k$ is the total number of UE \\&#10;$e_i$ is the packet error rate for ith UE\\&#10;$N_{data}$ is the amount of total packets. \\&#10;$Rel_{constraint}$ is the reliability constraint \\&#10;&#10;\end{document}" title="IguanaTex Bitmap Display">
-            <a:extLst>
-              <a:ext uri="{FF2B5EF4-FFF2-40B4-BE49-F238E27FC236}">
-                <a16:creationId xmlns:a16="http://schemas.microsoft.com/office/drawing/2014/main" id="{6A01B363-6E09-4F84-99C9-D4631F3ECEB4}"/>
-              </a:ext>
-            </a:extLst>
-          </p:cNvPr>
-          <p:cNvPicPr>
-            <a:picLocks noChangeAspect="1"/>
-          </p:cNvPicPr>
-          <p:nvPr>
-            <p:custDataLst>
-              <p:tags r:id="rId2"/>
-            </p:custDataLst>
-          </p:nvPr>
-        </p:nvPicPr>
-        <p:blipFill>
-          <a:blip r:embed="rId6" cstate="hqprint">
-            <a:extLst>
-              <a:ext uri="{28A0092B-C50C-407E-A947-70E740481C1C}">
-                <a14:useLocalDpi xmlns:a14="http://schemas.microsoft.com/office/drawing/2010/main" val="0"/>
-              </a:ext>
-            </a:extLst>
-          </a:blip>
-          <a:stretch>
-            <a:fillRect/>
-          </a:stretch>
-        </p:blipFill>
-        <p:spPr>
-          <a:xfrm>
-            <a:off x="5403422" y="5661142"/>
-            <a:ext cx="3929139" cy="1025831"/>
-          </a:xfrm>
-          <a:prstGeom prst="rect">
-            <a:avLst/>
-          </a:prstGeom>
-        </p:spPr>
-      </p:pic>
-      <p:pic>
-        <p:nvPicPr>
-          <p:cNvPr id="51" name="圖片 50" descr="\documentclass{article}&#10;\usepackage{amsmath}&#10;\pagestyle{empty}&#10;\begin{document}&#10;$$&#10;M_{blind}&#10;$$&#10;\end{document}" title="IguanaTex Bitmap Display">
-            <a:extLst>
-              <a:ext uri="{FF2B5EF4-FFF2-40B4-BE49-F238E27FC236}">
-                <a16:creationId xmlns:a16="http://schemas.microsoft.com/office/drawing/2014/main" id="{ABDE3460-C88A-4CCC-B078-B7D991666E88}"/>
-              </a:ext>
-            </a:extLst>
-          </p:cNvPr>
-          <p:cNvPicPr>
-            <a:picLocks noChangeAspect="1"/>
-          </p:cNvPicPr>
-          <p:nvPr>
-            <p:custDataLst>
-              <p:tags r:id="rId3"/>
-            </p:custDataLst>
-          </p:nvPr>
-        </p:nvPicPr>
-        <p:blipFill>
-          <a:blip r:embed="rId7" cstate="hqprint">
-            <a:extLst>
-              <a:ext uri="{28A0092B-C50C-407E-A947-70E740481C1C}">
-                <a14:useLocalDpi xmlns:a14="http://schemas.microsoft.com/office/drawing/2010/main" val="0"/>
-              </a:ext>
-            </a:extLst>
-          </a:blip>
-          <a:stretch>
-            <a:fillRect/>
-          </a:stretch>
-        </p:blipFill>
-        <p:spPr>
-          <a:xfrm>
-            <a:off x="6748106" y="4574075"/>
-            <a:ext cx="619886" cy="190629"/>
-          </a:xfrm>
-          <a:prstGeom prst="rect">
-            <a:avLst/>
-          </a:prstGeom>
-        </p:spPr>
-      </p:pic>
-    </p:spTree>
-    <p:extLst>
-      <p:ext uri="{BB962C8B-B14F-4D97-AF65-F5344CB8AC3E}">
-        <p14:creationId xmlns:p14="http://schemas.microsoft.com/office/powerpoint/2010/main" val="2032782396"/>
-      </p:ext>
-    </p:extLst>
-  </p:cSld>
-  <p:clrMapOvr>
-    <a:masterClrMapping/>
-  </p:clrMapOvr>
-</p:sld>
-</file>
-
-<file path=ppt/slides/slide15.xml><?xml version="1.0" encoding="utf-8"?>
-<p:sld xmlns:a="http://schemas.openxmlformats.org/drawingml/2006/main" xmlns:r="http://schemas.openxmlformats.org/officeDocument/2006/relationships" xmlns:p="http://schemas.openxmlformats.org/presentationml/2006/main">
-  <p:cSld>
-    <p:spTree>
-      <p:nvGrpSpPr>
-        <p:cNvPr id="1" name=""/>
-        <p:cNvGrpSpPr/>
-        <p:nvPr/>
-      </p:nvGrpSpPr>
-      <p:grpSpPr>
-        <a:xfrm>
-          <a:off x="0" y="0"/>
-          <a:ext cx="0" cy="0"/>
-          <a:chOff x="0" y="0"/>
-          <a:chExt cx="0" cy="0"/>
-        </a:xfrm>
-      </p:grpSpPr>
-      <p:sp>
-        <p:nvSpPr>
-          <p:cNvPr id="2" name="標題 1">
-            <a:extLst>
-              <a:ext uri="{FF2B5EF4-FFF2-40B4-BE49-F238E27FC236}">
-                <a16:creationId xmlns:a16="http://schemas.microsoft.com/office/drawing/2014/main" id="{EE09C35E-8A6F-436A-950B-751E3BF22EB0}"/>
-              </a:ext>
-            </a:extLst>
-          </p:cNvPr>
-          <p:cNvSpPr>
-            <a:spLocks noGrp="1"/>
-          </p:cNvSpPr>
-          <p:nvPr>
-            <p:ph type="title"/>
-          </p:nvPr>
-        </p:nvSpPr>
         <p:spPr>
           <a:xfrm>
             <a:off x="677334" y="219717"/>
@@ -7014,7 +6632,7 @@
                 <a14:useLocalDpi xmlns:a14="http://schemas.microsoft.com/office/drawing/2010/main" val="0"/>
               </a:ext>
               <a:ext uri="{96DAC541-7B7A-43D3-8B79-37D633B846F1}">
-                <asvg:svgBlip xmlns:asvg="http://schemas.microsoft.com/office/drawing/2016/SVG/main" xmlns="" r:embed="rId8"/>
+                <asvg:svgBlip xmlns="" xmlns:asvg="http://schemas.microsoft.com/office/drawing/2016/SVG/main" r:embed="rId8"/>
               </a:ext>
             </a:extLst>
           </a:blip>
@@ -9020,7 +8638,7 @@
                 <a14:useLocalDpi xmlns:a14="http://schemas.microsoft.com/office/drawing/2010/main" val="0"/>
               </a:ext>
               <a:ext uri="{96DAC541-7B7A-43D3-8B79-37D633B846F1}">
-                <asvg:svgBlip xmlns:asvg="http://schemas.microsoft.com/office/drawing/2016/SVG/main" xmlns="" r:embed="rId12"/>
+                <asvg:svgBlip xmlns="" xmlns:asvg="http://schemas.microsoft.com/office/drawing/2016/SVG/main" r:embed="rId12"/>
               </a:ext>
             </a:extLst>
           </a:blip>
@@ -9059,7 +8677,7 @@
                 <a14:useLocalDpi xmlns:a14="http://schemas.microsoft.com/office/drawing/2010/main" val="0"/>
               </a:ext>
               <a:ext uri="{96DAC541-7B7A-43D3-8B79-37D633B846F1}">
-                <asvg:svgBlip xmlns:asvg="http://schemas.microsoft.com/office/drawing/2016/SVG/main" xmlns="" r:embed="rId12"/>
+                <asvg:svgBlip xmlns="" xmlns:asvg="http://schemas.microsoft.com/office/drawing/2016/SVG/main" r:embed="rId12"/>
               </a:ext>
             </a:extLst>
           </a:blip>
@@ -9098,7 +8716,7 @@
                 <a14:useLocalDpi xmlns:a14="http://schemas.microsoft.com/office/drawing/2010/main" val="0"/>
               </a:ext>
               <a:ext uri="{96DAC541-7B7A-43D3-8B79-37D633B846F1}">
-                <asvg:svgBlip xmlns:asvg="http://schemas.microsoft.com/office/drawing/2016/SVG/main" xmlns="" r:embed="rId12"/>
+                <asvg:svgBlip xmlns="" xmlns:asvg="http://schemas.microsoft.com/office/drawing/2016/SVG/main" r:embed="rId12"/>
               </a:ext>
             </a:extLst>
           </a:blip>
@@ -9137,7 +8755,7 @@
                 <a14:useLocalDpi xmlns:a14="http://schemas.microsoft.com/office/drawing/2010/main" val="0"/>
               </a:ext>
               <a:ext uri="{96DAC541-7B7A-43D3-8B79-37D633B846F1}">
-                <asvg:svgBlip xmlns:asvg="http://schemas.microsoft.com/office/drawing/2016/SVG/main" xmlns="" r:embed="rId12"/>
+                <asvg:svgBlip xmlns="" xmlns:asvg="http://schemas.microsoft.com/office/drawing/2016/SVG/main" r:embed="rId12"/>
               </a:ext>
             </a:extLst>
           </a:blip>
@@ -11910,7 +11528,7 @@
 </p:sld>
 </file>
 
-<file path=ppt/slides/slide16.xml><?xml version="1.0" encoding="utf-8"?>
+<file path=ppt/slides/slide15.xml><?xml version="1.0" encoding="utf-8"?>
 <p:sld xmlns:a="http://schemas.openxmlformats.org/drawingml/2006/main" xmlns:r="http://schemas.openxmlformats.org/officeDocument/2006/relationships" xmlns:p="http://schemas.openxmlformats.org/presentationml/2006/main">
   <p:cSld>
     <p:spTree>
@@ -12363,7 +11981,7 @@
 </p:sld>
 </file>
 
-<file path=ppt/slides/slide17.xml><?xml version="1.0" encoding="utf-8"?>
+<file path=ppt/slides/slide16.xml><?xml version="1.0" encoding="utf-8"?>
 <p:sld xmlns:a="http://schemas.openxmlformats.org/drawingml/2006/main" xmlns:r="http://schemas.openxmlformats.org/officeDocument/2006/relationships" xmlns:p="http://schemas.openxmlformats.org/presentationml/2006/main">
   <p:cSld>
     <p:spTree>
@@ -12999,7 +12617,7 @@
 </p:sld>
 </file>
 
-<file path=ppt/slides/slide18.xml><?xml version="1.0" encoding="utf-8"?>
+<file path=ppt/slides/slide17.xml><?xml version="1.0" encoding="utf-8"?>
 <p:sld xmlns:a="http://schemas.openxmlformats.org/drawingml/2006/main" xmlns:r="http://schemas.openxmlformats.org/officeDocument/2006/relationships" xmlns:p="http://schemas.openxmlformats.org/presentationml/2006/main">
   <p:cSld>
     <p:spTree>
@@ -13075,7 +12693,7 @@
                 <a14:useLocalDpi xmlns:a14="http://schemas.microsoft.com/office/drawing/2010/main" val="0"/>
               </a:ext>
               <a:ext uri="{96DAC541-7B7A-43D3-8B79-37D633B846F1}">
-                <asvg:svgBlip xmlns:asvg="http://schemas.microsoft.com/office/drawing/2016/SVG/main" xmlns="" r:embed="rId9"/>
+                <asvg:svgBlip xmlns="" xmlns:asvg="http://schemas.microsoft.com/office/drawing/2016/SVG/main" r:embed="rId9"/>
               </a:ext>
             </a:extLst>
           </a:blip>
@@ -13434,7 +13052,7 @@
                 <a14:useLocalDpi xmlns:a14="http://schemas.microsoft.com/office/drawing/2010/main" val="0"/>
               </a:ext>
               <a:ext uri="{96DAC541-7B7A-43D3-8B79-37D633B846F1}">
-                <asvg:svgBlip xmlns:asvg="http://schemas.microsoft.com/office/drawing/2016/SVG/main" xmlns="" r:embed="rId12"/>
+                <asvg:svgBlip xmlns="" xmlns:asvg="http://schemas.microsoft.com/office/drawing/2016/SVG/main" r:embed="rId12"/>
               </a:ext>
             </a:extLst>
           </a:blip>
@@ -13473,7 +13091,7 @@
                 <a14:useLocalDpi xmlns:a14="http://schemas.microsoft.com/office/drawing/2010/main" val="0"/>
               </a:ext>
               <a:ext uri="{96DAC541-7B7A-43D3-8B79-37D633B846F1}">
-                <asvg:svgBlip xmlns:asvg="http://schemas.microsoft.com/office/drawing/2016/SVG/main" xmlns="" r:embed="rId12"/>
+                <asvg:svgBlip xmlns="" xmlns:asvg="http://schemas.microsoft.com/office/drawing/2016/SVG/main" r:embed="rId12"/>
               </a:ext>
             </a:extLst>
           </a:blip>
@@ -13512,7 +13130,7 @@
                 <a14:useLocalDpi xmlns:a14="http://schemas.microsoft.com/office/drawing/2010/main" val="0"/>
               </a:ext>
               <a:ext uri="{96DAC541-7B7A-43D3-8B79-37D633B846F1}">
-                <asvg:svgBlip xmlns:asvg="http://schemas.microsoft.com/office/drawing/2016/SVG/main" xmlns="" r:embed="rId12"/>
+                <asvg:svgBlip xmlns="" xmlns:asvg="http://schemas.microsoft.com/office/drawing/2016/SVG/main" r:embed="rId12"/>
               </a:ext>
             </a:extLst>
           </a:blip>
@@ -13551,7 +13169,7 @@
                 <a14:useLocalDpi xmlns:a14="http://schemas.microsoft.com/office/drawing/2010/main" val="0"/>
               </a:ext>
               <a:ext uri="{96DAC541-7B7A-43D3-8B79-37D633B846F1}">
-                <asvg:svgBlip xmlns:asvg="http://schemas.microsoft.com/office/drawing/2016/SVG/main" xmlns="" r:embed="rId12"/>
+                <asvg:svgBlip xmlns="" xmlns:asvg="http://schemas.microsoft.com/office/drawing/2016/SVG/main" r:embed="rId12"/>
               </a:ext>
             </a:extLst>
           </a:blip>
@@ -17369,7 +16987,7 @@
                 <a14:useLocalDpi xmlns:a14="http://schemas.microsoft.com/office/drawing/2010/main" val="0"/>
               </a:ext>
               <a:ext uri="{96DAC541-7B7A-43D3-8B79-37D633B846F1}">
-                <asvg:svgBlip xmlns:asvg="http://schemas.microsoft.com/office/drawing/2016/SVG/main" xmlns="" r:embed="rId9"/>
+                <asvg:svgBlip xmlns="" xmlns:asvg="http://schemas.microsoft.com/office/drawing/2016/SVG/main" r:embed="rId9"/>
               </a:ext>
             </a:extLst>
           </a:blip>
@@ -17408,7 +17026,7 @@
                 <a14:useLocalDpi xmlns:a14="http://schemas.microsoft.com/office/drawing/2010/main" val="0"/>
               </a:ext>
               <a:ext uri="{96DAC541-7B7A-43D3-8B79-37D633B846F1}">
-                <asvg:svgBlip xmlns:asvg="http://schemas.microsoft.com/office/drawing/2016/SVG/main" xmlns="" r:embed="rId12"/>
+                <asvg:svgBlip xmlns="" xmlns:asvg="http://schemas.microsoft.com/office/drawing/2016/SVG/main" r:embed="rId12"/>
               </a:ext>
             </a:extLst>
           </a:blip>
@@ -17447,7 +17065,7 @@
                 <a14:useLocalDpi xmlns:a14="http://schemas.microsoft.com/office/drawing/2010/main" val="0"/>
               </a:ext>
               <a:ext uri="{96DAC541-7B7A-43D3-8B79-37D633B846F1}">
-                <asvg:svgBlip xmlns:asvg="http://schemas.microsoft.com/office/drawing/2016/SVG/main" xmlns="" r:embed="rId12"/>
+                <asvg:svgBlip xmlns="" xmlns:asvg="http://schemas.microsoft.com/office/drawing/2016/SVG/main" r:embed="rId12"/>
               </a:ext>
             </a:extLst>
           </a:blip>
@@ -17486,7 +17104,7 @@
                 <a14:useLocalDpi xmlns:a14="http://schemas.microsoft.com/office/drawing/2010/main" val="0"/>
               </a:ext>
               <a:ext uri="{96DAC541-7B7A-43D3-8B79-37D633B846F1}">
-                <asvg:svgBlip xmlns:asvg="http://schemas.microsoft.com/office/drawing/2016/SVG/main" xmlns="" r:embed="rId12"/>
+                <asvg:svgBlip xmlns="" xmlns:asvg="http://schemas.microsoft.com/office/drawing/2016/SVG/main" r:embed="rId12"/>
               </a:ext>
             </a:extLst>
           </a:blip>
@@ -17525,7 +17143,7 @@
                 <a14:useLocalDpi xmlns:a14="http://schemas.microsoft.com/office/drawing/2010/main" val="0"/>
               </a:ext>
               <a:ext uri="{96DAC541-7B7A-43D3-8B79-37D633B846F1}">
-                <asvg:svgBlip xmlns:asvg="http://schemas.microsoft.com/office/drawing/2016/SVG/main" xmlns="" r:embed="rId12"/>
+                <asvg:svgBlip xmlns="" xmlns:asvg="http://schemas.microsoft.com/office/drawing/2016/SVG/main" r:embed="rId12"/>
               </a:ext>
             </a:extLst>
           </a:blip>
@@ -17939,7 +17557,7 @@
                 <a14:useLocalDpi xmlns:a14="http://schemas.microsoft.com/office/drawing/2010/main" val="0"/>
               </a:ext>
               <a:ext uri="{96DAC541-7B7A-43D3-8B79-37D633B846F1}">
-                <asvg:svgBlip xmlns:asvg="http://schemas.microsoft.com/office/drawing/2016/SVG/main" xmlns="" r:embed="rId9"/>
+                <asvg:svgBlip xmlns="" xmlns:asvg="http://schemas.microsoft.com/office/drawing/2016/SVG/main" r:embed="rId9"/>
               </a:ext>
             </a:extLst>
           </a:blip>
@@ -18184,7 +17802,7 @@
 </p:sld>
 </file>
 
-<file path=ppt/slides/slide19.xml><?xml version="1.0" encoding="utf-8"?>
+<file path=ppt/slides/slide18.xml><?xml version="1.0" encoding="utf-8"?>
 <p:sld xmlns:a="http://schemas.openxmlformats.org/drawingml/2006/main" xmlns:r="http://schemas.openxmlformats.org/officeDocument/2006/relationships" xmlns:p="http://schemas.openxmlformats.org/presentationml/2006/main">
   <p:cSld>
     <p:spTree>
@@ -18554,6 +18172,165 @@
 </p:sld>
 </file>
 
+<file path=ppt/slides/slide19.xml><?xml version="1.0" encoding="utf-8"?>
+<p:sld xmlns:a="http://schemas.openxmlformats.org/drawingml/2006/main" xmlns:r="http://schemas.openxmlformats.org/officeDocument/2006/relationships" xmlns:p="http://schemas.openxmlformats.org/presentationml/2006/main">
+  <p:cSld>
+    <p:spTree>
+      <p:nvGrpSpPr>
+        <p:cNvPr id="1" name=""/>
+        <p:cNvGrpSpPr/>
+        <p:nvPr/>
+      </p:nvGrpSpPr>
+      <p:grpSpPr>
+        <a:xfrm>
+          <a:off x="0" y="0"/>
+          <a:ext cx="0" cy="0"/>
+          <a:chOff x="0" y="0"/>
+          <a:chExt cx="0" cy="0"/>
+        </a:xfrm>
+      </p:grpSpPr>
+      <p:sp>
+        <p:nvSpPr>
+          <p:cNvPr id="2" name="標題 1">
+            <a:extLst>
+              <a:ext uri="{FF2B5EF4-FFF2-40B4-BE49-F238E27FC236}">
+                <a16:creationId xmlns:a16="http://schemas.microsoft.com/office/drawing/2014/main" id="{C7FCF162-CCB6-4DA2-A310-D173054C1C1C}"/>
+              </a:ext>
+            </a:extLst>
+          </p:cNvPr>
+          <p:cNvSpPr>
+            <a:spLocks noGrp="1"/>
+          </p:cNvSpPr>
+          <p:nvPr>
+            <p:ph type="title"/>
+          </p:nvPr>
+        </p:nvSpPr>
+        <p:spPr/>
+        <p:txBody>
+          <a:bodyPr/>
+          <a:lstStyle/>
+          <a:p>
+            <a:r>
+              <a:rPr lang="en-US" altLang="zh-TW" dirty="0" err="1"/>
+              <a:t>Nack</a:t>
+            </a:r>
+            <a:r>
+              <a:rPr lang="en-US" altLang="zh-TW" dirty="0"/>
+              <a:t>-based retransmission with XOR coding</a:t>
+            </a:r>
+            <a:endParaRPr lang="zh-TW" altLang="en-US" dirty="0"/>
+          </a:p>
+        </p:txBody>
+      </p:sp>
+      <p:sp>
+        <p:nvSpPr>
+          <p:cNvPr id="3" name="內容版面配置區 2">
+            <a:extLst>
+              <a:ext uri="{FF2B5EF4-FFF2-40B4-BE49-F238E27FC236}">
+                <a16:creationId xmlns:a16="http://schemas.microsoft.com/office/drawing/2014/main" id="{6C0DC799-AB9B-431F-ABCE-78FF59C96810}"/>
+              </a:ext>
+            </a:extLst>
+          </p:cNvPr>
+          <p:cNvSpPr>
+            <a:spLocks noGrp="1"/>
+          </p:cNvSpPr>
+          <p:nvPr>
+            <p:ph idx="1"/>
+          </p:nvPr>
+        </p:nvSpPr>
+        <p:spPr/>
+        <p:txBody>
+          <a:bodyPr/>
+          <a:lstStyle/>
+          <a:p>
+            <a:r>
+              <a:rPr lang="en-US" altLang="zh-TW" dirty="0"/>
+              <a:t>To improve our efficiency, the network coding can be applied.</a:t>
+            </a:r>
+          </a:p>
+          <a:p>
+            <a:r>
+              <a:rPr lang="en-US" altLang="zh-TW" dirty="0"/>
+              <a:t>Assume two packets, p1 and p2, are transmitted in one time slot. If we XOR the both packets, we can get a new packet, called as p3.</a:t>
+            </a:r>
+          </a:p>
+          <a:p>
+            <a:r>
+              <a:rPr lang="en-US" altLang="zh-TW" dirty="0"/>
+              <a:t>If p1, p2 and p3 are transmitted, although a UE failed to decode the p1, it still can get the information of p1 by XORing p2 and p3 (p1 XOR p2), if p2 and p3 are successfully decoded.</a:t>
+            </a:r>
+          </a:p>
+          <a:p>
+            <a:pPr lvl="1"/>
+            <a:r>
+              <a:rPr lang="en-US" altLang="zh-TW" dirty="0"/>
+              <a:t>This is due to the fact that </a:t>
+            </a:r>
+          </a:p>
+          <a:p>
+            <a:r>
+              <a:rPr lang="en-US" altLang="zh-TW" dirty="0"/>
+              <a:t>Transmitting p3 is similar with transmitting p1 and p2, while it only costs one resource block.</a:t>
+            </a:r>
+          </a:p>
+          <a:p>
+            <a:endParaRPr lang="zh-TW" altLang="en-US" dirty="0"/>
+          </a:p>
+        </p:txBody>
+      </p:sp>
+      <p:pic>
+        <p:nvPicPr>
+          <p:cNvPr id="5" name="圖片 4" descr="\documentclass{article}&#10;\usepackage{amsmath}&#10;\pagestyle{empty}&#10;\begin{document}&#10;$$&#10;a \oplus (a \oplus b)= b&#10;$$&#10;\end{document}" title="IguanaTex Bitmap Display">
+            <a:extLst>
+              <a:ext uri="{FF2B5EF4-FFF2-40B4-BE49-F238E27FC236}">
+                <a16:creationId xmlns:a16="http://schemas.microsoft.com/office/drawing/2014/main" id="{FED3FCB7-6A2B-416D-A041-E717B8C01E6D}"/>
+              </a:ext>
+            </a:extLst>
+          </p:cNvPr>
+          <p:cNvPicPr>
+            <a:picLocks noChangeAspect="1"/>
+          </p:cNvPicPr>
+          <p:nvPr>
+            <p:custDataLst>
+              <p:tags r:id="rId1"/>
+            </p:custDataLst>
+          </p:nvPr>
+        </p:nvPicPr>
+        <p:blipFill>
+          <a:blip r:embed="rId3" cstate="hqprint">
+            <a:extLst>
+              <a:ext uri="{28A0092B-C50C-407E-A947-70E740481C1C}">
+                <a14:useLocalDpi xmlns:a14="http://schemas.microsoft.com/office/drawing/2010/main" val="0"/>
+              </a:ext>
+            </a:extLst>
+          </a:blip>
+          <a:stretch>
+            <a:fillRect/>
+          </a:stretch>
+        </p:blipFill>
+        <p:spPr>
+          <a:xfrm>
+            <a:off x="4111311" y="4275495"/>
+            <a:ext cx="1299505" cy="203581"/>
+          </a:xfrm>
+          <a:prstGeom prst="rect">
+            <a:avLst/>
+          </a:prstGeom>
+        </p:spPr>
+      </p:pic>
+    </p:spTree>
+    <p:extLst>
+      <p:ext uri="{BB962C8B-B14F-4D97-AF65-F5344CB8AC3E}">
+        <p14:creationId xmlns:p14="http://schemas.microsoft.com/office/powerpoint/2010/main" val="2245129328"/>
+      </p:ext>
+    </p:extLst>
+  </p:cSld>
+  <p:clrMapOvr>
+    <a:masterClrMapping/>
+  </p:clrMapOvr>
+</p:sld>
+</file>
+
 <file path=ppt/slides/slide2.xml><?xml version="1.0" encoding="utf-8"?>
 <p:sld xmlns:a="http://schemas.openxmlformats.org/drawingml/2006/main" xmlns:r="http://schemas.openxmlformats.org/officeDocument/2006/relationships" xmlns:p="http://schemas.openxmlformats.org/presentationml/2006/main">
   <p:cSld>
@@ -18660,165 +18437,6 @@
           <p:cNvPr id="2" name="標題 1">
             <a:extLst>
               <a:ext uri="{FF2B5EF4-FFF2-40B4-BE49-F238E27FC236}">
-                <a16:creationId xmlns:a16="http://schemas.microsoft.com/office/drawing/2014/main" id="{C7FCF162-CCB6-4DA2-A310-D173054C1C1C}"/>
-              </a:ext>
-            </a:extLst>
-          </p:cNvPr>
-          <p:cNvSpPr>
-            <a:spLocks noGrp="1"/>
-          </p:cNvSpPr>
-          <p:nvPr>
-            <p:ph type="title"/>
-          </p:nvPr>
-        </p:nvSpPr>
-        <p:spPr/>
-        <p:txBody>
-          <a:bodyPr/>
-          <a:lstStyle/>
-          <a:p>
-            <a:r>
-              <a:rPr lang="en-US" altLang="zh-TW" dirty="0" err="1"/>
-              <a:t>Nack</a:t>
-            </a:r>
-            <a:r>
-              <a:rPr lang="en-US" altLang="zh-TW" dirty="0"/>
-              <a:t>-based retransmission with XOR coding</a:t>
-            </a:r>
-            <a:endParaRPr lang="zh-TW" altLang="en-US" dirty="0"/>
-          </a:p>
-        </p:txBody>
-      </p:sp>
-      <p:sp>
-        <p:nvSpPr>
-          <p:cNvPr id="3" name="內容版面配置區 2">
-            <a:extLst>
-              <a:ext uri="{FF2B5EF4-FFF2-40B4-BE49-F238E27FC236}">
-                <a16:creationId xmlns:a16="http://schemas.microsoft.com/office/drawing/2014/main" id="{6C0DC799-AB9B-431F-ABCE-78FF59C96810}"/>
-              </a:ext>
-            </a:extLst>
-          </p:cNvPr>
-          <p:cNvSpPr>
-            <a:spLocks noGrp="1"/>
-          </p:cNvSpPr>
-          <p:nvPr>
-            <p:ph idx="1"/>
-          </p:nvPr>
-        </p:nvSpPr>
-        <p:spPr/>
-        <p:txBody>
-          <a:bodyPr/>
-          <a:lstStyle/>
-          <a:p>
-            <a:r>
-              <a:rPr lang="en-US" altLang="zh-TW" dirty="0"/>
-              <a:t>To improve our efficiency, the network coding can be applied.</a:t>
-            </a:r>
-          </a:p>
-          <a:p>
-            <a:r>
-              <a:rPr lang="en-US" altLang="zh-TW" dirty="0"/>
-              <a:t>Assume two packets, p1 and p2, are transmitted in one time slot. If we XOR the both packets, we can get a new packet, called as p3.</a:t>
-            </a:r>
-          </a:p>
-          <a:p>
-            <a:r>
-              <a:rPr lang="en-US" altLang="zh-TW" dirty="0"/>
-              <a:t>If p1, p2 and p3 are transmitted, although a UE failed to decode the p1, it still can get the information of p1 by XORing p2 and p3 (p1 XOR p2), if p2 and p3 are successfully decoded.</a:t>
-            </a:r>
-          </a:p>
-          <a:p>
-            <a:pPr lvl="1"/>
-            <a:r>
-              <a:rPr lang="en-US" altLang="zh-TW" dirty="0"/>
-              <a:t>This is due to the fact that </a:t>
-            </a:r>
-          </a:p>
-          <a:p>
-            <a:r>
-              <a:rPr lang="en-US" altLang="zh-TW" dirty="0"/>
-              <a:t>Transmitting p3 is similar with transmitting p1 and p2, while it only costs one resource block.</a:t>
-            </a:r>
-          </a:p>
-          <a:p>
-            <a:endParaRPr lang="zh-TW" altLang="en-US" dirty="0"/>
-          </a:p>
-        </p:txBody>
-      </p:sp>
-      <p:pic>
-        <p:nvPicPr>
-          <p:cNvPr id="5" name="圖片 4" descr="\documentclass{article}&#10;\usepackage{amsmath}&#10;\pagestyle{empty}&#10;\begin{document}&#10;$$&#10;a \oplus (a \oplus b)= b&#10;$$&#10;\end{document}" title="IguanaTex Bitmap Display">
-            <a:extLst>
-              <a:ext uri="{FF2B5EF4-FFF2-40B4-BE49-F238E27FC236}">
-                <a16:creationId xmlns:a16="http://schemas.microsoft.com/office/drawing/2014/main" id="{FED3FCB7-6A2B-416D-A041-E717B8C01E6D}"/>
-              </a:ext>
-            </a:extLst>
-          </p:cNvPr>
-          <p:cNvPicPr>
-            <a:picLocks noChangeAspect="1"/>
-          </p:cNvPicPr>
-          <p:nvPr>
-            <p:custDataLst>
-              <p:tags r:id="rId1"/>
-            </p:custDataLst>
-          </p:nvPr>
-        </p:nvPicPr>
-        <p:blipFill>
-          <a:blip r:embed="rId3" cstate="hqprint">
-            <a:extLst>
-              <a:ext uri="{28A0092B-C50C-407E-A947-70E740481C1C}">
-                <a14:useLocalDpi xmlns:a14="http://schemas.microsoft.com/office/drawing/2010/main" val="0"/>
-              </a:ext>
-            </a:extLst>
-          </a:blip>
-          <a:stretch>
-            <a:fillRect/>
-          </a:stretch>
-        </p:blipFill>
-        <p:spPr>
-          <a:xfrm>
-            <a:off x="4111311" y="4275495"/>
-            <a:ext cx="1299505" cy="203581"/>
-          </a:xfrm>
-          <a:prstGeom prst="rect">
-            <a:avLst/>
-          </a:prstGeom>
-        </p:spPr>
-      </p:pic>
-    </p:spTree>
-    <p:extLst>
-      <p:ext uri="{BB962C8B-B14F-4D97-AF65-F5344CB8AC3E}">
-        <p14:creationId xmlns:p14="http://schemas.microsoft.com/office/powerpoint/2010/main" val="2245129328"/>
-      </p:ext>
-    </p:extLst>
-  </p:cSld>
-  <p:clrMapOvr>
-    <a:masterClrMapping/>
-  </p:clrMapOvr>
-</p:sld>
-</file>
-
-<file path=ppt/slides/slide21.xml><?xml version="1.0" encoding="utf-8"?>
-<p:sld xmlns:a="http://schemas.openxmlformats.org/drawingml/2006/main" xmlns:r="http://schemas.openxmlformats.org/officeDocument/2006/relationships" xmlns:p="http://schemas.openxmlformats.org/presentationml/2006/main">
-  <p:cSld>
-    <p:spTree>
-      <p:nvGrpSpPr>
-        <p:cNvPr id="1" name=""/>
-        <p:cNvGrpSpPr/>
-        <p:nvPr/>
-      </p:nvGrpSpPr>
-      <p:grpSpPr>
-        <a:xfrm>
-          <a:off x="0" y="0"/>
-          <a:ext cx="0" cy="0"/>
-          <a:chOff x="0" y="0"/>
-          <a:chExt cx="0" cy="0"/>
-        </a:xfrm>
-      </p:grpSpPr>
-      <p:sp>
-        <p:nvSpPr>
-          <p:cNvPr id="2" name="標題 1">
-            <a:extLst>
-              <a:ext uri="{FF2B5EF4-FFF2-40B4-BE49-F238E27FC236}">
                 <a16:creationId xmlns:a16="http://schemas.microsoft.com/office/drawing/2014/main" id="{EE09C35E-8A6F-436A-950B-751E3BF22EB0}"/>
               </a:ext>
             </a:extLst>
@@ -18873,7 +18491,7 @@
                 <a14:useLocalDpi xmlns:a14="http://schemas.microsoft.com/office/drawing/2010/main" val="0"/>
               </a:ext>
               <a:ext uri="{96DAC541-7B7A-43D3-8B79-37D633B846F1}">
-                <asvg:svgBlip xmlns:asvg="http://schemas.microsoft.com/office/drawing/2016/SVG/main" xmlns="" r:embed="rId12"/>
+                <asvg:svgBlip xmlns="" xmlns:asvg="http://schemas.microsoft.com/office/drawing/2016/SVG/main" r:embed="rId12"/>
               </a:ext>
             </a:extLst>
           </a:blip>
@@ -19232,7 +18850,7 @@
                 <a14:useLocalDpi xmlns:a14="http://schemas.microsoft.com/office/drawing/2010/main" val="0"/>
               </a:ext>
               <a:ext uri="{96DAC541-7B7A-43D3-8B79-37D633B846F1}">
-                <asvg:svgBlip xmlns:asvg="http://schemas.microsoft.com/office/drawing/2016/SVG/main" xmlns="" r:embed="rId15"/>
+                <asvg:svgBlip xmlns="" xmlns:asvg="http://schemas.microsoft.com/office/drawing/2016/SVG/main" r:embed="rId15"/>
               </a:ext>
             </a:extLst>
           </a:blip>
@@ -19271,7 +18889,7 @@
                 <a14:useLocalDpi xmlns:a14="http://schemas.microsoft.com/office/drawing/2010/main" val="0"/>
               </a:ext>
               <a:ext uri="{96DAC541-7B7A-43D3-8B79-37D633B846F1}">
-                <asvg:svgBlip xmlns:asvg="http://schemas.microsoft.com/office/drawing/2016/SVG/main" xmlns="" r:embed="rId15"/>
+                <asvg:svgBlip xmlns="" xmlns:asvg="http://schemas.microsoft.com/office/drawing/2016/SVG/main" r:embed="rId15"/>
               </a:ext>
             </a:extLst>
           </a:blip>
@@ -19310,7 +18928,7 @@
                 <a14:useLocalDpi xmlns:a14="http://schemas.microsoft.com/office/drawing/2010/main" val="0"/>
               </a:ext>
               <a:ext uri="{96DAC541-7B7A-43D3-8B79-37D633B846F1}">
-                <asvg:svgBlip xmlns:asvg="http://schemas.microsoft.com/office/drawing/2016/SVG/main" xmlns="" r:embed="rId15"/>
+                <asvg:svgBlip xmlns="" xmlns:asvg="http://schemas.microsoft.com/office/drawing/2016/SVG/main" r:embed="rId15"/>
               </a:ext>
             </a:extLst>
           </a:blip>
@@ -19349,7 +18967,7 @@
                 <a14:useLocalDpi xmlns:a14="http://schemas.microsoft.com/office/drawing/2010/main" val="0"/>
               </a:ext>
               <a:ext uri="{96DAC541-7B7A-43D3-8B79-37D633B846F1}">
-                <asvg:svgBlip xmlns:asvg="http://schemas.microsoft.com/office/drawing/2016/SVG/main" xmlns="" r:embed="rId15"/>
+                <asvg:svgBlip xmlns="" xmlns:asvg="http://schemas.microsoft.com/office/drawing/2016/SVG/main" r:embed="rId15"/>
               </a:ext>
             </a:extLst>
           </a:blip>
@@ -23027,7 +22645,7 @@
                 <a14:useLocalDpi xmlns:a14="http://schemas.microsoft.com/office/drawing/2010/main" val="0"/>
               </a:ext>
               <a:ext uri="{96DAC541-7B7A-43D3-8B79-37D633B846F1}">
-                <asvg:svgBlip xmlns:asvg="http://schemas.microsoft.com/office/drawing/2016/SVG/main" xmlns="" r:embed="rId12"/>
+                <asvg:svgBlip xmlns="" xmlns:asvg="http://schemas.microsoft.com/office/drawing/2016/SVG/main" r:embed="rId12"/>
               </a:ext>
             </a:extLst>
           </a:blip>
@@ -23066,7 +22684,7 @@
                 <a14:useLocalDpi xmlns:a14="http://schemas.microsoft.com/office/drawing/2010/main" val="0"/>
               </a:ext>
               <a:ext uri="{96DAC541-7B7A-43D3-8B79-37D633B846F1}">
-                <asvg:svgBlip xmlns:asvg="http://schemas.microsoft.com/office/drawing/2016/SVG/main" xmlns="" r:embed="rId15"/>
+                <asvg:svgBlip xmlns="" xmlns:asvg="http://schemas.microsoft.com/office/drawing/2016/SVG/main" r:embed="rId15"/>
               </a:ext>
             </a:extLst>
           </a:blip>
@@ -23105,7 +22723,7 @@
                 <a14:useLocalDpi xmlns:a14="http://schemas.microsoft.com/office/drawing/2010/main" val="0"/>
               </a:ext>
               <a:ext uri="{96DAC541-7B7A-43D3-8B79-37D633B846F1}">
-                <asvg:svgBlip xmlns:asvg="http://schemas.microsoft.com/office/drawing/2016/SVG/main" xmlns="" r:embed="rId15"/>
+                <asvg:svgBlip xmlns="" xmlns:asvg="http://schemas.microsoft.com/office/drawing/2016/SVG/main" r:embed="rId15"/>
               </a:ext>
             </a:extLst>
           </a:blip>
@@ -23144,7 +22762,7 @@
                 <a14:useLocalDpi xmlns:a14="http://schemas.microsoft.com/office/drawing/2010/main" val="0"/>
               </a:ext>
               <a:ext uri="{96DAC541-7B7A-43D3-8B79-37D633B846F1}">
-                <asvg:svgBlip xmlns:asvg="http://schemas.microsoft.com/office/drawing/2016/SVG/main" xmlns="" r:embed="rId15"/>
+                <asvg:svgBlip xmlns="" xmlns:asvg="http://schemas.microsoft.com/office/drawing/2016/SVG/main" r:embed="rId15"/>
               </a:ext>
             </a:extLst>
           </a:blip>
@@ -23183,7 +22801,7 @@
                 <a14:useLocalDpi xmlns:a14="http://schemas.microsoft.com/office/drawing/2010/main" val="0"/>
               </a:ext>
               <a:ext uri="{96DAC541-7B7A-43D3-8B79-37D633B846F1}">
-                <asvg:svgBlip xmlns:asvg="http://schemas.microsoft.com/office/drawing/2016/SVG/main" xmlns="" r:embed="rId15"/>
+                <asvg:svgBlip xmlns="" xmlns:asvg="http://schemas.microsoft.com/office/drawing/2016/SVG/main" r:embed="rId15"/>
               </a:ext>
             </a:extLst>
           </a:blip>
@@ -23955,7 +23573,7 @@
 </p:sld>
 </file>
 
-<file path=ppt/slides/slide22.xml><?xml version="1.0" encoding="utf-8"?>
+<file path=ppt/slides/slide21.xml><?xml version="1.0" encoding="utf-8"?>
 <p:sld xmlns:a="http://schemas.openxmlformats.org/drawingml/2006/main" xmlns:r="http://schemas.openxmlformats.org/officeDocument/2006/relationships" xmlns:p="http://schemas.openxmlformats.org/presentationml/2006/main">
   <p:cSld>
     <p:spTree>
@@ -24082,6 +23700,90 @@
     <p:extLst>
       <p:ext uri="{BB962C8B-B14F-4D97-AF65-F5344CB8AC3E}">
         <p14:creationId xmlns:p14="http://schemas.microsoft.com/office/powerpoint/2010/main" val="1452501693"/>
+      </p:ext>
+    </p:extLst>
+  </p:cSld>
+  <p:clrMapOvr>
+    <a:masterClrMapping/>
+  </p:clrMapOvr>
+</p:sld>
+</file>
+
+<file path=ppt/slides/slide22.xml><?xml version="1.0" encoding="utf-8"?>
+<p:sld xmlns:a="http://schemas.openxmlformats.org/drawingml/2006/main" xmlns:r="http://schemas.openxmlformats.org/officeDocument/2006/relationships" xmlns:p="http://schemas.openxmlformats.org/presentationml/2006/main">
+  <p:cSld>
+    <p:spTree>
+      <p:nvGrpSpPr>
+        <p:cNvPr id="1" name=""/>
+        <p:cNvGrpSpPr/>
+        <p:nvPr/>
+      </p:nvGrpSpPr>
+      <p:grpSpPr>
+        <a:xfrm>
+          <a:off x="0" y="0"/>
+          <a:ext cx="0" cy="0"/>
+          <a:chOff x="0" y="0"/>
+          <a:chExt cx="0" cy="0"/>
+        </a:xfrm>
+      </p:grpSpPr>
+      <p:sp>
+        <p:nvSpPr>
+          <p:cNvPr id="4" name="標題 3">
+            <a:extLst>
+              <a:ext uri="{FF2B5EF4-FFF2-40B4-BE49-F238E27FC236}">
+                <a16:creationId xmlns:a16="http://schemas.microsoft.com/office/drawing/2014/main" id="{9547CB92-9BF2-42FC-AE15-83AB9BA718F8}"/>
+              </a:ext>
+            </a:extLst>
+          </p:cNvPr>
+          <p:cNvSpPr>
+            <a:spLocks noGrp="1"/>
+          </p:cNvSpPr>
+          <p:nvPr>
+            <p:ph type="title"/>
+          </p:nvPr>
+        </p:nvSpPr>
+        <p:spPr/>
+        <p:txBody>
+          <a:bodyPr/>
+          <a:lstStyle/>
+          <a:p>
+            <a:r>
+              <a:rPr lang="en-US" altLang="zh-TW" dirty="0"/>
+              <a:t>Result</a:t>
+            </a:r>
+            <a:endParaRPr lang="zh-TW" altLang="en-US" dirty="0"/>
+          </a:p>
+        </p:txBody>
+      </p:sp>
+      <p:sp>
+        <p:nvSpPr>
+          <p:cNvPr id="6" name="文字版面配置區 5">
+            <a:extLst>
+              <a:ext uri="{FF2B5EF4-FFF2-40B4-BE49-F238E27FC236}">
+                <a16:creationId xmlns:a16="http://schemas.microsoft.com/office/drawing/2014/main" id="{65EEE957-1532-4575-9A78-76BAA12DB09C}"/>
+              </a:ext>
+            </a:extLst>
+          </p:cNvPr>
+          <p:cNvSpPr>
+            <a:spLocks noGrp="1"/>
+          </p:cNvSpPr>
+          <p:nvPr>
+            <p:ph type="body" idx="1"/>
+          </p:nvPr>
+        </p:nvSpPr>
+        <p:spPr/>
+        <p:txBody>
+          <a:bodyPr/>
+          <a:lstStyle/>
+          <a:p>
+            <a:endParaRPr lang="zh-TW" altLang="en-US" dirty="0"/>
+          </a:p>
+        </p:txBody>
+      </p:sp>
+    </p:spTree>
+    <p:extLst>
+      <p:ext uri="{BB962C8B-B14F-4D97-AF65-F5344CB8AC3E}">
+        <p14:creationId xmlns:p14="http://schemas.microsoft.com/office/powerpoint/2010/main" val="2160894292"/>
       </p:ext>
     </p:extLst>
   </p:cSld>
@@ -24113,7 +23815,7 @@
           <p:cNvPr id="4" name="標題 3">
             <a:extLst>
               <a:ext uri="{FF2B5EF4-FFF2-40B4-BE49-F238E27FC236}">
-                <a16:creationId xmlns:a16="http://schemas.microsoft.com/office/drawing/2014/main" id="{9547CB92-9BF2-42FC-AE15-83AB9BA718F8}"/>
+                <a16:creationId xmlns:a16="http://schemas.microsoft.com/office/drawing/2014/main" id="{227EE0C7-2C22-4159-86AC-2C0ACA3382D5}"/>
               </a:ext>
             </a:extLst>
           </p:cNvPr>
@@ -24131,7 +23833,7 @@
           <a:p>
             <a:r>
               <a:rPr lang="en-US" altLang="zh-TW" dirty="0"/>
-              <a:t>Result</a:t>
+              <a:t>Total</a:t>
             </a:r>
             <a:endParaRPr lang="zh-TW" altLang="en-US" dirty="0"/>
           </a:p>
@@ -24139,10 +23841,10 @@
       </p:sp>
       <p:sp>
         <p:nvSpPr>
-          <p:cNvPr id="6" name="文字版面配置區 5">
+          <p:cNvPr id="5" name="內容版面配置區 4">
             <a:extLst>
               <a:ext uri="{FF2B5EF4-FFF2-40B4-BE49-F238E27FC236}">
-                <a16:creationId xmlns:a16="http://schemas.microsoft.com/office/drawing/2014/main" id="{65EEE957-1532-4575-9A78-76BAA12DB09C}"/>
+                <a16:creationId xmlns:a16="http://schemas.microsoft.com/office/drawing/2014/main" id="{E99D1197-6193-4A49-B060-C959A5CEE2B0}"/>
               </a:ext>
             </a:extLst>
           </p:cNvPr>
@@ -24150,7 +23852,7 @@
             <a:spLocks noGrp="1"/>
           </p:cNvSpPr>
           <p:nvPr>
-            <p:ph type="body" idx="1"/>
+            <p:ph idx="1"/>
           </p:nvPr>
         </p:nvSpPr>
         <p:spPr/>
@@ -24158,14 +23860,14 @@
           <a:bodyPr/>
           <a:lstStyle/>
           <a:p>
-            <a:endParaRPr lang="zh-TW" altLang="en-US" dirty="0"/>
+            <a:endParaRPr lang="zh-TW" altLang="en-US"/>
           </a:p>
         </p:txBody>
       </p:sp>
     </p:spTree>
     <p:extLst>
       <p:ext uri="{BB962C8B-B14F-4D97-AF65-F5344CB8AC3E}">
-        <p14:creationId xmlns:p14="http://schemas.microsoft.com/office/powerpoint/2010/main" val="2160894292"/>
+        <p14:creationId xmlns:p14="http://schemas.microsoft.com/office/powerpoint/2010/main" val="1923717882"/>
       </p:ext>
     </p:extLst>
   </p:cSld>
@@ -24197,7 +23899,7 @@
           <p:cNvPr id="4" name="標題 3">
             <a:extLst>
               <a:ext uri="{FF2B5EF4-FFF2-40B4-BE49-F238E27FC236}">
-                <a16:creationId xmlns:a16="http://schemas.microsoft.com/office/drawing/2014/main" id="{227EE0C7-2C22-4159-86AC-2C0ACA3382D5}"/>
+                <a16:creationId xmlns:a16="http://schemas.microsoft.com/office/drawing/2014/main" id="{9547CB92-9BF2-42FC-AE15-83AB9BA718F8}"/>
               </a:ext>
             </a:extLst>
           </p:cNvPr>
@@ -24215,7 +23917,7 @@
           <a:p>
             <a:r>
               <a:rPr lang="en-US" altLang="zh-TW" dirty="0"/>
-              <a:t>Total</a:t>
+              <a:t>Conclusion</a:t>
             </a:r>
             <a:endParaRPr lang="zh-TW" altLang="en-US" dirty="0"/>
           </a:p>
@@ -24223,10 +23925,10 @@
       </p:sp>
       <p:sp>
         <p:nvSpPr>
-          <p:cNvPr id="5" name="內容版面配置區 4">
+          <p:cNvPr id="6" name="文字版面配置區 5">
             <a:extLst>
               <a:ext uri="{FF2B5EF4-FFF2-40B4-BE49-F238E27FC236}">
-                <a16:creationId xmlns:a16="http://schemas.microsoft.com/office/drawing/2014/main" id="{E99D1197-6193-4A49-B060-C959A5CEE2B0}"/>
+                <a16:creationId xmlns:a16="http://schemas.microsoft.com/office/drawing/2014/main" id="{65EEE957-1532-4575-9A78-76BAA12DB09C}"/>
               </a:ext>
             </a:extLst>
           </p:cNvPr>
@@ -24234,7 +23936,7 @@
             <a:spLocks noGrp="1"/>
           </p:cNvSpPr>
           <p:nvPr>
-            <p:ph idx="1"/>
+            <p:ph type="body" idx="1"/>
           </p:nvPr>
         </p:nvSpPr>
         <p:spPr/>
@@ -24249,7 +23951,7 @@
     </p:spTree>
     <p:extLst>
       <p:ext uri="{BB962C8B-B14F-4D97-AF65-F5344CB8AC3E}">
-        <p14:creationId xmlns:p14="http://schemas.microsoft.com/office/powerpoint/2010/main" val="1923717882"/>
+        <p14:creationId xmlns:p14="http://schemas.microsoft.com/office/powerpoint/2010/main" val="1256787907"/>
       </p:ext>
     </p:extLst>
   </p:cSld>
@@ -24281,7 +23983,7 @@
           <p:cNvPr id="4" name="標題 3">
             <a:extLst>
               <a:ext uri="{FF2B5EF4-FFF2-40B4-BE49-F238E27FC236}">
-                <a16:creationId xmlns:a16="http://schemas.microsoft.com/office/drawing/2014/main" id="{9547CB92-9BF2-42FC-AE15-83AB9BA718F8}"/>
+                <a16:creationId xmlns:a16="http://schemas.microsoft.com/office/drawing/2014/main" id="{F2D89CDB-B1F1-4E5A-AB6B-894636CEFD24}"/>
               </a:ext>
             </a:extLst>
           </p:cNvPr>
@@ -24297,20 +23999,16 @@
           <a:bodyPr/>
           <a:lstStyle/>
           <a:p>
-            <a:r>
-              <a:rPr lang="en-US" altLang="zh-TW" dirty="0"/>
-              <a:t>Conclusion</a:t>
-            </a:r>
             <a:endParaRPr lang="zh-TW" altLang="en-US" dirty="0"/>
           </a:p>
         </p:txBody>
       </p:sp>
       <p:sp>
         <p:nvSpPr>
-          <p:cNvPr id="6" name="文字版面配置區 5">
+          <p:cNvPr id="5" name="內容版面配置區 4">
             <a:extLst>
               <a:ext uri="{FF2B5EF4-FFF2-40B4-BE49-F238E27FC236}">
-                <a16:creationId xmlns:a16="http://schemas.microsoft.com/office/drawing/2014/main" id="{65EEE957-1532-4575-9A78-76BAA12DB09C}"/>
+                <a16:creationId xmlns:a16="http://schemas.microsoft.com/office/drawing/2014/main" id="{8F610831-87C6-4998-ACC8-96B586DB61BD}"/>
               </a:ext>
             </a:extLst>
           </p:cNvPr>
@@ -24318,7 +24016,7 @@
             <a:spLocks noGrp="1"/>
           </p:cNvSpPr>
           <p:nvPr>
-            <p:ph type="body" idx="1"/>
+            <p:ph idx="1"/>
           </p:nvPr>
         </p:nvSpPr>
         <p:spPr/>
@@ -24326,14 +24024,18 @@
           <a:bodyPr/>
           <a:lstStyle/>
           <a:p>
-            <a:endParaRPr lang="zh-TW" altLang="en-US"/>
+            <a:r>
+              <a:rPr lang="en-US" altLang="zh-TW" dirty="0"/>
+              <a:t>For the fixed amount of packets, N,</a:t>
+            </a:r>
+            <a:endParaRPr lang="zh-TW" altLang="en-US" dirty="0"/>
           </a:p>
         </p:txBody>
       </p:sp>
     </p:spTree>
     <p:extLst>
       <p:ext uri="{BB962C8B-B14F-4D97-AF65-F5344CB8AC3E}">
-        <p14:creationId xmlns:p14="http://schemas.microsoft.com/office/powerpoint/2010/main" val="1256787907"/>
+        <p14:creationId xmlns:p14="http://schemas.microsoft.com/office/powerpoint/2010/main" val="1322456945"/>
       </p:ext>
     </p:extLst>
   </p:cSld>
@@ -24362,90 +24064,6 @@
       </p:grpSpPr>
       <p:sp>
         <p:nvSpPr>
-          <p:cNvPr id="4" name="標題 3">
-            <a:extLst>
-              <a:ext uri="{FF2B5EF4-FFF2-40B4-BE49-F238E27FC236}">
-                <a16:creationId xmlns:a16="http://schemas.microsoft.com/office/drawing/2014/main" id="{F2D89CDB-B1F1-4E5A-AB6B-894636CEFD24}"/>
-              </a:ext>
-            </a:extLst>
-          </p:cNvPr>
-          <p:cNvSpPr>
-            <a:spLocks noGrp="1"/>
-          </p:cNvSpPr>
-          <p:nvPr>
-            <p:ph type="title"/>
-          </p:nvPr>
-        </p:nvSpPr>
-        <p:spPr/>
-        <p:txBody>
-          <a:bodyPr/>
-          <a:lstStyle/>
-          <a:p>
-            <a:endParaRPr lang="zh-TW" altLang="en-US" dirty="0"/>
-          </a:p>
-        </p:txBody>
-      </p:sp>
-      <p:sp>
-        <p:nvSpPr>
-          <p:cNvPr id="5" name="內容版面配置區 4">
-            <a:extLst>
-              <a:ext uri="{FF2B5EF4-FFF2-40B4-BE49-F238E27FC236}">
-                <a16:creationId xmlns:a16="http://schemas.microsoft.com/office/drawing/2014/main" id="{8F610831-87C6-4998-ACC8-96B586DB61BD}"/>
-              </a:ext>
-            </a:extLst>
-          </p:cNvPr>
-          <p:cNvSpPr>
-            <a:spLocks noGrp="1"/>
-          </p:cNvSpPr>
-          <p:nvPr>
-            <p:ph idx="1"/>
-          </p:nvPr>
-        </p:nvSpPr>
-        <p:spPr/>
-        <p:txBody>
-          <a:bodyPr/>
-          <a:lstStyle/>
-          <a:p>
-            <a:r>
-              <a:rPr lang="en-US" altLang="zh-TW" dirty="0"/>
-              <a:t>For the fixed amount of packets, N,</a:t>
-            </a:r>
-            <a:endParaRPr lang="zh-TW" altLang="en-US" dirty="0"/>
-          </a:p>
-        </p:txBody>
-      </p:sp>
-    </p:spTree>
-    <p:extLst>
-      <p:ext uri="{BB962C8B-B14F-4D97-AF65-F5344CB8AC3E}">
-        <p14:creationId xmlns:p14="http://schemas.microsoft.com/office/powerpoint/2010/main" val="1322456945"/>
-      </p:ext>
-    </p:extLst>
-  </p:cSld>
-  <p:clrMapOvr>
-    <a:masterClrMapping/>
-  </p:clrMapOvr>
-</p:sld>
-</file>
-
-<file path=ppt/slides/slide27.xml><?xml version="1.0" encoding="utf-8"?>
-<p:sld xmlns:a="http://schemas.openxmlformats.org/drawingml/2006/main" xmlns:r="http://schemas.openxmlformats.org/officeDocument/2006/relationships" xmlns:p="http://schemas.openxmlformats.org/presentationml/2006/main">
-  <p:cSld>
-    <p:spTree>
-      <p:nvGrpSpPr>
-        <p:cNvPr id="1" name=""/>
-        <p:cNvGrpSpPr/>
-        <p:nvPr/>
-      </p:nvGrpSpPr>
-      <p:grpSpPr>
-        <a:xfrm>
-          <a:off x="0" y="0"/>
-          <a:ext cx="0" cy="0"/>
-          <a:chOff x="0" y="0"/>
-          <a:chExt cx="0" cy="0"/>
-        </a:xfrm>
-      </p:grpSpPr>
-      <p:sp>
-        <p:nvSpPr>
           <p:cNvPr id="2" name="標題 1">
             <a:extLst>
               <a:ext uri="{FF2B5EF4-FFF2-40B4-BE49-F238E27FC236}">
@@ -24588,7 +24206,7 @@
 </p:sld>
 </file>
 
-<file path=ppt/slides/slide28.xml><?xml version="1.0" encoding="utf-8"?>
+<file path=ppt/slides/slide27.xml><?xml version="1.0" encoding="utf-8"?>
 <p:sld xmlns:a="http://schemas.openxmlformats.org/drawingml/2006/main" xmlns:r="http://schemas.openxmlformats.org/officeDocument/2006/relationships" xmlns:p="http://schemas.openxmlformats.org/presentationml/2006/main">
   <p:cSld>
     <p:spTree>
@@ -25985,29 +25603,6 @@
           <a:chExt cx="0" cy="0"/>
         </a:xfrm>
       </p:grpSpPr>
-      <p:pic>
-        <p:nvPicPr>
-          <p:cNvPr id="7" name="圖片 6"/>
-          <p:cNvPicPr>
-            <a:picLocks noChangeAspect="1"/>
-          </p:cNvPicPr>
-          <p:nvPr/>
-        </p:nvPicPr>
-        <p:blipFill rotWithShape="1">
-          <a:blip r:embed="rId3"/>
-          <a:srcRect l="736" t="4954" r="5738" b="34"/>
-          <a:stretch/>
-        </p:blipFill>
-        <p:spPr>
-          <a:xfrm>
-            <a:off x="8475848" y="2981640"/>
-            <a:ext cx="538944" cy="278396"/>
-          </a:xfrm>
-          <a:prstGeom prst="rect">
-            <a:avLst/>
-          </a:prstGeom>
-        </p:spPr>
-      </p:pic>
       <p:sp>
         <p:nvSpPr>
           <p:cNvPr id="2" name="標題 1">
@@ -26044,167 +25639,102 @@
           </a:p>
         </p:txBody>
       </p:sp>
-      <mc:AlternateContent xmlns:mc="http://schemas.openxmlformats.org/markup-compatibility/2006">
-        <mc:Choice xmlns:a14="http://schemas.microsoft.com/office/drawing/2010/main" Requires="a14">
-          <p:sp>
-            <p:nvSpPr>
-              <p:cNvPr id="3" name="內容版面配置區 2">
-                <a:extLst>
-                  <a:ext uri="{FF2B5EF4-FFF2-40B4-BE49-F238E27FC236}">
-                    <a16:creationId xmlns:a16="http://schemas.microsoft.com/office/drawing/2014/main" id="{6180C39A-F52D-4B70-8799-BA66C283172D}"/>
-                  </a:ext>
-                </a:extLst>
-              </p:cNvPr>
-              <p:cNvSpPr>
-                <a:spLocks noGrp="1"/>
-              </p:cNvSpPr>
-              <p:nvPr>
-                <p:ph idx="1"/>
-              </p:nvPr>
-            </p:nvSpPr>
-            <p:spPr/>
-            <p:txBody>
-              <a:bodyPr/>
-              <a:lstStyle/>
-              <a:p>
-                <a:r>
-                  <a:rPr lang="en-US" altLang="zh-TW" dirty="0" smtClean="0"/>
-                  <a:t>Assume the detection is coherent, and the modulation is QPSK.</a:t>
-                </a:r>
-              </a:p>
-              <a:p>
-                <a:r>
-                  <a:rPr lang="en-US" altLang="zh-TW" dirty="0"/>
-                  <a:t>The bit error rate should </a:t>
-                </a:r>
-                <a:r>
-                  <a:rPr lang="en-US" altLang="zh-TW" dirty="0" smtClean="0"/>
-                  <a:t>be</a:t>
-                </a:r>
-              </a:p>
-              <a:p>
-                <a:r>
-                  <a:rPr lang="en-US" altLang="zh-TW" dirty="0" smtClean="0"/>
-                  <a:t>Assume the data is encoded with an </a:t>
-                </a:r>
-                <a14:m>
-                  <m:oMath xmlns:m="http://schemas.openxmlformats.org/officeDocument/2006/math">
-                    <m:d>
-                      <m:dPr>
-                        <m:ctrlPr>
-                          <a:rPr lang="en-US" altLang="zh-TW" i="1" smtClean="0">
-                            <a:latin typeface="Cambria Math" panose="02040503050406030204" pitchFamily="18" charset="0"/>
-                          </a:rPr>
-                        </m:ctrlPr>
-                      </m:dPr>
-                      <m:e>
-                        <m:r>
-                          <a:rPr lang="en-US" altLang="zh-TW" b="0" i="1" smtClean="0">
-                            <a:latin typeface="Cambria Math" panose="02040503050406030204" pitchFamily="18" charset="0"/>
-                          </a:rPr>
-                          <m:t>𝑛</m:t>
-                        </m:r>
-                        <m:r>
-                          <a:rPr lang="en-US" altLang="zh-TW" b="0" i="1" smtClean="0">
-                            <a:latin typeface="Cambria Math" panose="02040503050406030204" pitchFamily="18" charset="0"/>
-                          </a:rPr>
-                          <m:t>,</m:t>
-                        </m:r>
-                        <m:r>
-                          <a:rPr lang="en-US" altLang="zh-TW" b="0" i="1" smtClean="0">
-                            <a:latin typeface="Cambria Math" panose="02040503050406030204" pitchFamily="18" charset="0"/>
-                          </a:rPr>
-                          <m:t>𝑘</m:t>
-                        </m:r>
-                      </m:e>
-                    </m:d>
-                  </m:oMath>
-                </a14:m>
-                <a:r>
-                  <a:rPr lang="en-US" altLang="zh-TW" dirty="0" smtClean="0"/>
-                  <a:t> code with minimum distance </a:t>
-                </a:r>
-                <a:endParaRPr lang="en-US" altLang="zh-TW" dirty="0"/>
-              </a:p>
-              <a:p>
-                <a:pPr lvl="1"/>
-                <a:r>
-                  <a:rPr lang="en-US" altLang="zh-TW" dirty="0" smtClean="0"/>
-                  <a:t>We consider the diversity to be </a:t>
-                </a:r>
-              </a:p>
-              <a:p>
-                <a:r>
-                  <a:rPr lang="en-US" altLang="zh-TW" dirty="0" smtClean="0"/>
-                  <a:t>Therefore, the pairwise error probability should be as follows:</a:t>
-                </a:r>
-              </a:p>
-              <a:p>
-                <a:endParaRPr lang="en-US" altLang="zh-TW" dirty="0"/>
-              </a:p>
-              <a:p>
-                <a:endParaRPr lang="en-US" altLang="zh-TW" dirty="0" smtClean="0"/>
-              </a:p>
-              <a:p>
-                <a:endParaRPr lang="en-US" altLang="zh-TW" dirty="0"/>
-              </a:p>
-              <a:p>
-                <a:r>
-                  <a:rPr lang="en-US" altLang="zh-TW" dirty="0" smtClean="0"/>
-                  <a:t>We can thus derive the union bound for </a:t>
-                </a:r>
-                <a:r>
-                  <a:rPr lang="en-US" altLang="zh-TW" dirty="0" err="1" smtClean="0"/>
-                  <a:t>codeword</a:t>
-                </a:r>
-                <a:r>
-                  <a:rPr lang="en-US" altLang="zh-TW" dirty="0" smtClean="0"/>
-                  <a:t> error rate:</a:t>
-                </a:r>
-              </a:p>
-            </p:txBody>
-          </p:sp>
-        </mc:Choice>
-        <mc:Fallback>
-          <p:sp>
-            <p:nvSpPr>
-              <p:cNvPr id="3" name="內容版面配置區 2">
-                <a:extLst>
-                  <a:ext uri="{FF2B5EF4-FFF2-40B4-BE49-F238E27FC236}">
-                    <a16:creationId xmlns:a16="http://schemas.microsoft.com/office/drawing/2014/main" id="{6180C39A-F52D-4B70-8799-BA66C283172D}"/>
-                  </a:ext>
-                </a:extLst>
-              </p:cNvPr>
-              <p:cNvSpPr>
-                <a:spLocks noGrp="1" noRot="1" noChangeAspect="1" noMove="1" noResize="1" noEditPoints="1" noAdjustHandles="1" noChangeArrowheads="1" noChangeShapeType="1" noTextEdit="1"/>
-              </p:cNvSpPr>
-              <p:nvPr>
-                <p:ph idx="1"/>
-              </p:nvPr>
-            </p:nvSpPr>
-            <p:spPr>
-              <a:blipFill>
-                <a:blip r:embed="rId4"/>
-                <a:stretch>
-                  <a:fillRect l="-142" t="-942"/>
-                </a:stretch>
-              </a:blipFill>
-            </p:spPr>
-            <p:txBody>
-              <a:bodyPr/>
-              <a:lstStyle/>
-              <a:p>
-                <a:r>
-                  <a:rPr lang="zh-TW" altLang="en-US">
-                    <a:noFill/>
-                  </a:rPr>
-                  <a:t> </a:t>
-                </a:r>
-              </a:p>
-            </p:txBody>
-          </p:sp>
-        </mc:Fallback>
-      </mc:AlternateContent>
+      <p:sp>
+        <p:nvSpPr>
+          <p:cNvPr id="3" name="內容版面配置區 2">
+            <a:extLst>
+              <a:ext uri="{FF2B5EF4-FFF2-40B4-BE49-F238E27FC236}">
+                <a16:creationId xmlns:a16="http://schemas.microsoft.com/office/drawing/2014/main" id="{6180C39A-F52D-4B70-8799-BA66C283172D}"/>
+              </a:ext>
+            </a:extLst>
+          </p:cNvPr>
+          <p:cNvSpPr>
+            <a:spLocks noGrp="1"/>
+          </p:cNvSpPr>
+          <p:nvPr>
+            <p:ph idx="1"/>
+          </p:nvPr>
+        </p:nvSpPr>
+        <p:spPr>
+          <a:xfrm>
+            <a:off x="677334" y="2160589"/>
+            <a:ext cx="8596668" cy="4458872"/>
+          </a:xfrm>
+        </p:spPr>
+        <p:txBody>
+          <a:bodyPr/>
+          <a:lstStyle/>
+          <a:p>
+            <a:r>
+              <a:rPr lang="en-US" altLang="zh-TW" dirty="0" smtClean="0"/>
+              <a:t>Assume the detection is coherent, and the modulation is QPSK.</a:t>
+            </a:r>
+          </a:p>
+          <a:p>
+            <a:r>
+              <a:rPr lang="en-US" altLang="zh-TW" dirty="0"/>
+              <a:t>The bit error rate should </a:t>
+            </a:r>
+            <a:r>
+              <a:rPr lang="en-US" altLang="zh-TW" dirty="0" smtClean="0"/>
+              <a:t>be</a:t>
+            </a:r>
+          </a:p>
+          <a:p>
+            <a:r>
+              <a:rPr lang="en-US" altLang="zh-TW" dirty="0" smtClean="0"/>
+              <a:t>Therefore</a:t>
+            </a:r>
+            <a:r>
+              <a:rPr lang="en-US" altLang="zh-TW" dirty="0" smtClean="0"/>
+              <a:t>, the pairwise error probability should be as follows:</a:t>
+            </a:r>
+          </a:p>
+          <a:p>
+            <a:endParaRPr lang="en-US" altLang="zh-TW" dirty="0"/>
+          </a:p>
+          <a:p>
+            <a:endParaRPr lang="en-US" altLang="zh-TW" dirty="0" smtClean="0"/>
+          </a:p>
+          <a:p>
+            <a:endParaRPr lang="en-US" altLang="zh-TW" dirty="0"/>
+          </a:p>
+          <a:p>
+            <a:r>
+              <a:rPr lang="en-US" altLang="zh-TW" dirty="0" smtClean="0"/>
+              <a:t>We can thus derive the union bound for </a:t>
+            </a:r>
+            <a:r>
+              <a:rPr lang="en-US" altLang="zh-TW" dirty="0" err="1" smtClean="0"/>
+              <a:t>codeword</a:t>
+            </a:r>
+            <a:r>
+              <a:rPr lang="en-US" altLang="zh-TW" dirty="0" smtClean="0"/>
+              <a:t> error rate</a:t>
+            </a:r>
+            <a:r>
+              <a:rPr lang="en-US" altLang="zh-TW" dirty="0" smtClean="0"/>
+              <a:t>:</a:t>
+            </a:r>
+          </a:p>
+          <a:p>
+            <a:endParaRPr lang="en-US" altLang="zh-TW" dirty="0"/>
+          </a:p>
+          <a:p>
+            <a:pPr marL="0" indent="0">
+              <a:buNone/>
+            </a:pPr>
+            <a:endParaRPr lang="en-US" altLang="zh-TW" dirty="0"/>
+          </a:p>
+          <a:p>
+            <a:r>
+              <a:rPr lang="en-US" altLang="zh-TW" dirty="0" smtClean="0"/>
+              <a:t>Assume diversity = 2 in this case</a:t>
+            </a:r>
+            <a:endParaRPr lang="en-US" altLang="zh-TW" dirty="0" smtClean="0"/>
+          </a:p>
+        </p:txBody>
+      </p:sp>
       <p:pic>
         <p:nvPicPr>
           <p:cNvPr id="4" name="圖片 3">
@@ -26220,7 +25750,7 @@
           <p:nvPr/>
         </p:nvPicPr>
         <p:blipFill>
-          <a:blip r:embed="rId5"/>
+          <a:blip r:embed="rId3"/>
           <a:stretch>
             <a:fillRect/>
           </a:stretch>
@@ -26254,7 +25784,7 @@
           </p:nvPr>
         </p:nvPicPr>
         <p:blipFill>
-          <a:blip r:embed="rId6" cstate="hqprint">
+          <a:blip r:embed="rId4" cstate="hqprint">
             <a:extLst>
               <a:ext uri="{28A0092B-C50C-407E-A947-70E740481C1C}">
                 <a14:useLocalDpi xmlns:a14="http://schemas.microsoft.com/office/drawing/2010/main" val="0"/>
@@ -26284,7 +25814,7 @@
           <p:nvPr/>
         </p:nvPicPr>
         <p:blipFill rotWithShape="1">
-          <a:blip r:embed="rId7"/>
+          <a:blip r:embed="rId5"/>
           <a:srcRect t="3346" b="-1"/>
           <a:stretch/>
         </p:blipFill>
@@ -26300,7 +25830,55 @@
       </p:pic>
       <p:pic>
         <p:nvPicPr>
-          <p:cNvPr id="9" name="圖片 8"/>
+          <p:cNvPr id="13" name="圖片 12"/>
+          <p:cNvPicPr>
+            <a:picLocks noChangeAspect="1"/>
+          </p:cNvPicPr>
+          <p:nvPr/>
+        </p:nvPicPr>
+        <p:blipFill>
+          <a:blip r:embed="rId6"/>
+          <a:stretch>
+            <a:fillRect/>
+          </a:stretch>
+        </p:blipFill>
+        <p:spPr>
+          <a:xfrm>
+            <a:off x="1107538" y="5087255"/>
+            <a:ext cx="5372775" cy="770098"/>
+          </a:xfrm>
+          <a:prstGeom prst="rect">
+            <a:avLst/>
+          </a:prstGeom>
+        </p:spPr>
+      </p:pic>
+      <p:pic>
+        <p:nvPicPr>
+          <p:cNvPr id="15" name="圖片 14"/>
+          <p:cNvPicPr>
+            <a:picLocks noChangeAspect="1"/>
+          </p:cNvPicPr>
+          <p:nvPr/>
+        </p:nvPicPr>
+        <p:blipFill>
+          <a:blip r:embed="rId7"/>
+          <a:stretch>
+            <a:fillRect/>
+          </a:stretch>
+        </p:blipFill>
+        <p:spPr>
+          <a:xfrm>
+            <a:off x="1107537" y="5060391"/>
+            <a:ext cx="5372775" cy="796962"/>
+          </a:xfrm>
+          <a:prstGeom prst="rect">
+            <a:avLst/>
+          </a:prstGeom>
+        </p:spPr>
+      </p:pic>
+      <p:pic>
+        <p:nvPicPr>
+          <p:cNvPr id="16" name="圖片 15"/>
           <p:cNvPicPr>
             <a:picLocks noChangeAspect="1"/>
           </p:cNvPicPr>
@@ -26314,56 +25892,8 @@
         </p:blipFill>
         <p:spPr>
           <a:xfrm>
-            <a:off x="4403178" y="3388170"/>
-            <a:ext cx="1144979" cy="303977"/>
-          </a:xfrm>
-          <a:prstGeom prst="rect">
-            <a:avLst/>
-          </a:prstGeom>
-        </p:spPr>
-      </p:pic>
-      <p:pic>
-        <p:nvPicPr>
-          <p:cNvPr id="11" name="圖片 10"/>
-          <p:cNvPicPr>
-            <a:picLocks noChangeAspect="1"/>
-          </p:cNvPicPr>
-          <p:nvPr/>
-        </p:nvPicPr>
-        <p:blipFill>
-          <a:blip r:embed="rId9"/>
-          <a:stretch>
-            <a:fillRect/>
-          </a:stretch>
-        </p:blipFill>
-        <p:spPr>
-          <a:xfrm>
-            <a:off x="1206930" y="4198758"/>
-            <a:ext cx="7537473" cy="982481"/>
-          </a:xfrm>
-          <a:prstGeom prst="rect">
-            <a:avLst/>
-          </a:prstGeom>
-        </p:spPr>
-      </p:pic>
-      <p:pic>
-        <p:nvPicPr>
-          <p:cNvPr id="12" name="圖片 11"/>
-          <p:cNvPicPr>
-            <a:picLocks noChangeAspect="1"/>
-          </p:cNvPicPr>
-          <p:nvPr/>
-        </p:nvPicPr>
-        <p:blipFill>
-          <a:blip r:embed="rId10"/>
-          <a:stretch>
-            <a:fillRect/>
-          </a:stretch>
-        </p:blipFill>
-        <p:spPr>
-          <a:xfrm>
-            <a:off x="1206930" y="5693670"/>
-            <a:ext cx="5889609" cy="933719"/>
+            <a:off x="1107537" y="3474426"/>
+            <a:ext cx="7491128" cy="897847"/>
           </a:xfrm>
           <a:prstGeom prst="rect">
             <a:avLst/>
